--- a/microsoft-reactor/Demos.pptx
+++ b/microsoft-reactor/Demos.pptx
@@ -271,7 +271,7 @@
           <a:p>
             <a:fld id="{3F64E90C-326F-45C8-9212-4C9C4B7EF630}" type="datetimeFigureOut">
               <a:rPr lang="en-IN" smtClean="0"/>
-              <a:t>15-03-2022</a:t>
+              <a:t>24-04-2022</a:t>
             </a:fld>
             <a:endParaRPr lang="en-IN"/>
           </a:p>
@@ -471,7 +471,7 @@
           <a:p>
             <a:fld id="{3F64E90C-326F-45C8-9212-4C9C4B7EF630}" type="datetimeFigureOut">
               <a:rPr lang="en-IN" smtClean="0"/>
-              <a:t>15-03-2022</a:t>
+              <a:t>24-04-2022</a:t>
             </a:fld>
             <a:endParaRPr lang="en-IN"/>
           </a:p>
@@ -681,7 +681,7 @@
           <a:p>
             <a:fld id="{3F64E90C-326F-45C8-9212-4C9C4B7EF630}" type="datetimeFigureOut">
               <a:rPr lang="en-IN" smtClean="0"/>
-              <a:t>15-03-2022</a:t>
+              <a:t>24-04-2022</a:t>
             </a:fld>
             <a:endParaRPr lang="en-IN"/>
           </a:p>
@@ -881,7 +881,7 @@
           <a:p>
             <a:fld id="{3F64E90C-326F-45C8-9212-4C9C4B7EF630}" type="datetimeFigureOut">
               <a:rPr lang="en-IN" smtClean="0"/>
-              <a:t>15-03-2022</a:t>
+              <a:t>24-04-2022</a:t>
             </a:fld>
             <a:endParaRPr lang="en-IN"/>
           </a:p>
@@ -1157,7 +1157,7 @@
           <a:p>
             <a:fld id="{3F64E90C-326F-45C8-9212-4C9C4B7EF630}" type="datetimeFigureOut">
               <a:rPr lang="en-IN" smtClean="0"/>
-              <a:t>15-03-2022</a:t>
+              <a:t>24-04-2022</a:t>
             </a:fld>
             <a:endParaRPr lang="en-IN"/>
           </a:p>
@@ -1425,7 +1425,7 @@
           <a:p>
             <a:fld id="{3F64E90C-326F-45C8-9212-4C9C4B7EF630}" type="datetimeFigureOut">
               <a:rPr lang="en-IN" smtClean="0"/>
-              <a:t>15-03-2022</a:t>
+              <a:t>24-04-2022</a:t>
             </a:fld>
             <a:endParaRPr lang="en-IN"/>
           </a:p>
@@ -1840,7 +1840,7 @@
           <a:p>
             <a:fld id="{3F64E90C-326F-45C8-9212-4C9C4B7EF630}" type="datetimeFigureOut">
               <a:rPr lang="en-IN" smtClean="0"/>
-              <a:t>15-03-2022</a:t>
+              <a:t>24-04-2022</a:t>
             </a:fld>
             <a:endParaRPr lang="en-IN"/>
           </a:p>
@@ -1982,7 +1982,7 @@
           <a:p>
             <a:fld id="{3F64E90C-326F-45C8-9212-4C9C4B7EF630}" type="datetimeFigureOut">
               <a:rPr lang="en-IN" smtClean="0"/>
-              <a:t>15-03-2022</a:t>
+              <a:t>24-04-2022</a:t>
             </a:fld>
             <a:endParaRPr lang="en-IN"/>
           </a:p>
@@ -2095,7 +2095,7 @@
           <a:p>
             <a:fld id="{3F64E90C-326F-45C8-9212-4C9C4B7EF630}" type="datetimeFigureOut">
               <a:rPr lang="en-IN" smtClean="0"/>
-              <a:t>15-03-2022</a:t>
+              <a:t>24-04-2022</a:t>
             </a:fld>
             <a:endParaRPr lang="en-IN"/>
           </a:p>
@@ -2408,7 +2408,7 @@
           <a:p>
             <a:fld id="{3F64E90C-326F-45C8-9212-4C9C4B7EF630}" type="datetimeFigureOut">
               <a:rPr lang="en-IN" smtClean="0"/>
-              <a:t>15-03-2022</a:t>
+              <a:t>24-04-2022</a:t>
             </a:fld>
             <a:endParaRPr lang="en-IN"/>
           </a:p>
@@ -2697,7 +2697,7 @@
           <a:p>
             <a:fld id="{3F64E90C-326F-45C8-9212-4C9C4B7EF630}" type="datetimeFigureOut">
               <a:rPr lang="en-IN" smtClean="0"/>
-              <a:t>15-03-2022</a:t>
+              <a:t>24-04-2022</a:t>
             </a:fld>
             <a:endParaRPr lang="en-IN"/>
           </a:p>
@@ -2940,7 +2940,7 @@
           <a:p>
             <a:fld id="{3F64E90C-326F-45C8-9212-4C9C4B7EF630}" type="datetimeFigureOut">
               <a:rPr lang="en-IN" smtClean="0"/>
-              <a:t>15-03-2022</a:t>
+              <a:t>24-04-2022</a:t>
             </a:fld>
             <a:endParaRPr lang="en-IN"/>
           </a:p>
@@ -3502,7 +3502,7 @@
                 <a:latin typeface="Verdana" panose="020B0604030504040204" pitchFamily="34" charset="0"/>
                 <a:ea typeface="Verdana" panose="020B0604030504040204" pitchFamily="34" charset="0"/>
               </a:rPr>
-              <a:t>16-Mar-2022</a:t>
+              <a:t>27-Apr-2022</a:t>
             </a:r>
           </a:p>
         </p:txBody>

--- a/microsoft-reactor/Demos.pptx
+++ b/microsoft-reactor/Demos.pptx
@@ -271,7 +271,7 @@
           <a:p>
             <a:fld id="{3F64E90C-326F-45C8-9212-4C9C4B7EF630}" type="datetimeFigureOut">
               <a:rPr lang="en-IN" smtClean="0"/>
-              <a:t>24-04-2022</a:t>
+              <a:t>11-05-2022</a:t>
             </a:fld>
             <a:endParaRPr lang="en-IN"/>
           </a:p>
@@ -471,7 +471,7 @@
           <a:p>
             <a:fld id="{3F64E90C-326F-45C8-9212-4C9C4B7EF630}" type="datetimeFigureOut">
               <a:rPr lang="en-IN" smtClean="0"/>
-              <a:t>24-04-2022</a:t>
+              <a:t>11-05-2022</a:t>
             </a:fld>
             <a:endParaRPr lang="en-IN"/>
           </a:p>
@@ -681,7 +681,7 @@
           <a:p>
             <a:fld id="{3F64E90C-326F-45C8-9212-4C9C4B7EF630}" type="datetimeFigureOut">
               <a:rPr lang="en-IN" smtClean="0"/>
-              <a:t>24-04-2022</a:t>
+              <a:t>11-05-2022</a:t>
             </a:fld>
             <a:endParaRPr lang="en-IN"/>
           </a:p>
@@ -881,7 +881,7 @@
           <a:p>
             <a:fld id="{3F64E90C-326F-45C8-9212-4C9C4B7EF630}" type="datetimeFigureOut">
               <a:rPr lang="en-IN" smtClean="0"/>
-              <a:t>24-04-2022</a:t>
+              <a:t>11-05-2022</a:t>
             </a:fld>
             <a:endParaRPr lang="en-IN"/>
           </a:p>
@@ -1157,7 +1157,7 @@
           <a:p>
             <a:fld id="{3F64E90C-326F-45C8-9212-4C9C4B7EF630}" type="datetimeFigureOut">
               <a:rPr lang="en-IN" smtClean="0"/>
-              <a:t>24-04-2022</a:t>
+              <a:t>11-05-2022</a:t>
             </a:fld>
             <a:endParaRPr lang="en-IN"/>
           </a:p>
@@ -1425,7 +1425,7 @@
           <a:p>
             <a:fld id="{3F64E90C-326F-45C8-9212-4C9C4B7EF630}" type="datetimeFigureOut">
               <a:rPr lang="en-IN" smtClean="0"/>
-              <a:t>24-04-2022</a:t>
+              <a:t>11-05-2022</a:t>
             </a:fld>
             <a:endParaRPr lang="en-IN"/>
           </a:p>
@@ -1840,7 +1840,7 @@
           <a:p>
             <a:fld id="{3F64E90C-326F-45C8-9212-4C9C4B7EF630}" type="datetimeFigureOut">
               <a:rPr lang="en-IN" smtClean="0"/>
-              <a:t>24-04-2022</a:t>
+              <a:t>11-05-2022</a:t>
             </a:fld>
             <a:endParaRPr lang="en-IN"/>
           </a:p>
@@ -1982,7 +1982,7 @@
           <a:p>
             <a:fld id="{3F64E90C-326F-45C8-9212-4C9C4B7EF630}" type="datetimeFigureOut">
               <a:rPr lang="en-IN" smtClean="0"/>
-              <a:t>24-04-2022</a:t>
+              <a:t>11-05-2022</a:t>
             </a:fld>
             <a:endParaRPr lang="en-IN"/>
           </a:p>
@@ -2095,7 +2095,7 @@
           <a:p>
             <a:fld id="{3F64E90C-326F-45C8-9212-4C9C4B7EF630}" type="datetimeFigureOut">
               <a:rPr lang="en-IN" smtClean="0"/>
-              <a:t>24-04-2022</a:t>
+              <a:t>11-05-2022</a:t>
             </a:fld>
             <a:endParaRPr lang="en-IN"/>
           </a:p>
@@ -2408,7 +2408,7 @@
           <a:p>
             <a:fld id="{3F64E90C-326F-45C8-9212-4C9C4B7EF630}" type="datetimeFigureOut">
               <a:rPr lang="en-IN" smtClean="0"/>
-              <a:t>24-04-2022</a:t>
+              <a:t>11-05-2022</a:t>
             </a:fld>
             <a:endParaRPr lang="en-IN"/>
           </a:p>
@@ -2697,7 +2697,7 @@
           <a:p>
             <a:fld id="{3F64E90C-326F-45C8-9212-4C9C4B7EF630}" type="datetimeFigureOut">
               <a:rPr lang="en-IN" smtClean="0"/>
-              <a:t>24-04-2022</a:t>
+              <a:t>11-05-2022</a:t>
             </a:fld>
             <a:endParaRPr lang="en-IN"/>
           </a:p>
@@ -2940,7 +2940,7 @@
           <a:p>
             <a:fld id="{3F64E90C-326F-45C8-9212-4C9C4B7EF630}" type="datetimeFigureOut">
               <a:rPr lang="en-IN" smtClean="0"/>
-              <a:t>24-04-2022</a:t>
+              <a:t>11-05-2022</a:t>
             </a:fld>
             <a:endParaRPr lang="en-IN"/>
           </a:p>
@@ -3502,7 +3502,7 @@
                 <a:latin typeface="Verdana" panose="020B0604030504040204" pitchFamily="34" charset="0"/>
                 <a:ea typeface="Verdana" panose="020B0604030504040204" pitchFamily="34" charset="0"/>
               </a:rPr>
-              <a:t>27-Apr-2022</a:t>
+              <a:t>11-May-2022</a:t>
             </a:r>
           </a:p>
         </p:txBody>

--- a/microsoft-reactor/Demos.pptx
+++ b/microsoft-reactor/Demos.pptx
@@ -271,7 +271,7 @@
           <a:p>
             <a:fld id="{3F64E90C-326F-45C8-9212-4C9C4B7EF630}" type="datetimeFigureOut">
               <a:rPr lang="en-IN" smtClean="0"/>
-              <a:t>11-05-2022</a:t>
+              <a:t>20-06-2022</a:t>
             </a:fld>
             <a:endParaRPr lang="en-IN"/>
           </a:p>
@@ -471,7 +471,7 @@
           <a:p>
             <a:fld id="{3F64E90C-326F-45C8-9212-4C9C4B7EF630}" type="datetimeFigureOut">
               <a:rPr lang="en-IN" smtClean="0"/>
-              <a:t>11-05-2022</a:t>
+              <a:t>20-06-2022</a:t>
             </a:fld>
             <a:endParaRPr lang="en-IN"/>
           </a:p>
@@ -681,7 +681,7 @@
           <a:p>
             <a:fld id="{3F64E90C-326F-45C8-9212-4C9C4B7EF630}" type="datetimeFigureOut">
               <a:rPr lang="en-IN" smtClean="0"/>
-              <a:t>11-05-2022</a:t>
+              <a:t>20-06-2022</a:t>
             </a:fld>
             <a:endParaRPr lang="en-IN"/>
           </a:p>
@@ -881,7 +881,7 @@
           <a:p>
             <a:fld id="{3F64E90C-326F-45C8-9212-4C9C4B7EF630}" type="datetimeFigureOut">
               <a:rPr lang="en-IN" smtClean="0"/>
-              <a:t>11-05-2022</a:t>
+              <a:t>20-06-2022</a:t>
             </a:fld>
             <a:endParaRPr lang="en-IN"/>
           </a:p>
@@ -1157,7 +1157,7 @@
           <a:p>
             <a:fld id="{3F64E90C-326F-45C8-9212-4C9C4B7EF630}" type="datetimeFigureOut">
               <a:rPr lang="en-IN" smtClean="0"/>
-              <a:t>11-05-2022</a:t>
+              <a:t>20-06-2022</a:t>
             </a:fld>
             <a:endParaRPr lang="en-IN"/>
           </a:p>
@@ -1425,7 +1425,7 @@
           <a:p>
             <a:fld id="{3F64E90C-326F-45C8-9212-4C9C4B7EF630}" type="datetimeFigureOut">
               <a:rPr lang="en-IN" smtClean="0"/>
-              <a:t>11-05-2022</a:t>
+              <a:t>20-06-2022</a:t>
             </a:fld>
             <a:endParaRPr lang="en-IN"/>
           </a:p>
@@ -1840,7 +1840,7 @@
           <a:p>
             <a:fld id="{3F64E90C-326F-45C8-9212-4C9C4B7EF630}" type="datetimeFigureOut">
               <a:rPr lang="en-IN" smtClean="0"/>
-              <a:t>11-05-2022</a:t>
+              <a:t>20-06-2022</a:t>
             </a:fld>
             <a:endParaRPr lang="en-IN"/>
           </a:p>
@@ -1982,7 +1982,7 @@
           <a:p>
             <a:fld id="{3F64E90C-326F-45C8-9212-4C9C4B7EF630}" type="datetimeFigureOut">
               <a:rPr lang="en-IN" smtClean="0"/>
-              <a:t>11-05-2022</a:t>
+              <a:t>20-06-2022</a:t>
             </a:fld>
             <a:endParaRPr lang="en-IN"/>
           </a:p>
@@ -2095,7 +2095,7 @@
           <a:p>
             <a:fld id="{3F64E90C-326F-45C8-9212-4C9C4B7EF630}" type="datetimeFigureOut">
               <a:rPr lang="en-IN" smtClean="0"/>
-              <a:t>11-05-2022</a:t>
+              <a:t>20-06-2022</a:t>
             </a:fld>
             <a:endParaRPr lang="en-IN"/>
           </a:p>
@@ -2408,7 +2408,7 @@
           <a:p>
             <a:fld id="{3F64E90C-326F-45C8-9212-4C9C4B7EF630}" type="datetimeFigureOut">
               <a:rPr lang="en-IN" smtClean="0"/>
-              <a:t>11-05-2022</a:t>
+              <a:t>20-06-2022</a:t>
             </a:fld>
             <a:endParaRPr lang="en-IN"/>
           </a:p>
@@ -2697,7 +2697,7 @@
           <a:p>
             <a:fld id="{3F64E90C-326F-45C8-9212-4C9C4B7EF630}" type="datetimeFigureOut">
               <a:rPr lang="en-IN" smtClean="0"/>
-              <a:t>11-05-2022</a:t>
+              <a:t>20-06-2022</a:t>
             </a:fld>
             <a:endParaRPr lang="en-IN"/>
           </a:p>
@@ -2940,7 +2940,7 @@
           <a:p>
             <a:fld id="{3F64E90C-326F-45C8-9212-4C9C4B7EF630}" type="datetimeFigureOut">
               <a:rPr lang="en-IN" smtClean="0"/>
-              <a:t>11-05-2022</a:t>
+              <a:t>20-06-2022</a:t>
             </a:fld>
             <a:endParaRPr lang="en-IN"/>
           </a:p>
@@ -3502,7 +3502,7 @@
                 <a:latin typeface="Verdana" panose="020B0604030504040204" pitchFamily="34" charset="0"/>
                 <a:ea typeface="Verdana" panose="020B0604030504040204" pitchFamily="34" charset="0"/>
               </a:rPr>
-              <a:t>11-May-2022</a:t>
+              <a:t>20-Jun-2022</a:t>
             </a:r>
           </a:p>
         </p:txBody>
@@ -3677,7 +3677,7 @@
                 <a:latin typeface="Verdana" panose="020B0604030504040204" pitchFamily="34" charset="0"/>
                 <a:ea typeface="Verdana" panose="020B0604030504040204" pitchFamily="34" charset="0"/>
               </a:rPr>
-              <a:t>Microsoft Reactor Bengaluru</a:t>
+              <a:t>On .NET Live</a:t>
             </a:r>
           </a:p>
         </p:txBody>

--- a/microsoft-reactor/Demos.pptx
+++ b/microsoft-reactor/Demos.pptx
@@ -271,7 +271,7 @@
           <a:p>
             <a:fld id="{3F64E90C-326F-45C8-9212-4C9C4B7EF630}" type="datetimeFigureOut">
               <a:rPr lang="en-IN" smtClean="0"/>
-              <a:t>20-06-2022</a:t>
+              <a:t>21-06-2022</a:t>
             </a:fld>
             <a:endParaRPr lang="en-IN"/>
           </a:p>
@@ -471,7 +471,7 @@
           <a:p>
             <a:fld id="{3F64E90C-326F-45C8-9212-4C9C4B7EF630}" type="datetimeFigureOut">
               <a:rPr lang="en-IN" smtClean="0"/>
-              <a:t>20-06-2022</a:t>
+              <a:t>21-06-2022</a:t>
             </a:fld>
             <a:endParaRPr lang="en-IN"/>
           </a:p>
@@ -681,7 +681,7 @@
           <a:p>
             <a:fld id="{3F64E90C-326F-45C8-9212-4C9C4B7EF630}" type="datetimeFigureOut">
               <a:rPr lang="en-IN" smtClean="0"/>
-              <a:t>20-06-2022</a:t>
+              <a:t>21-06-2022</a:t>
             </a:fld>
             <a:endParaRPr lang="en-IN"/>
           </a:p>
@@ -881,7 +881,7 @@
           <a:p>
             <a:fld id="{3F64E90C-326F-45C8-9212-4C9C4B7EF630}" type="datetimeFigureOut">
               <a:rPr lang="en-IN" smtClean="0"/>
-              <a:t>20-06-2022</a:t>
+              <a:t>21-06-2022</a:t>
             </a:fld>
             <a:endParaRPr lang="en-IN"/>
           </a:p>
@@ -1157,7 +1157,7 @@
           <a:p>
             <a:fld id="{3F64E90C-326F-45C8-9212-4C9C4B7EF630}" type="datetimeFigureOut">
               <a:rPr lang="en-IN" smtClean="0"/>
-              <a:t>20-06-2022</a:t>
+              <a:t>21-06-2022</a:t>
             </a:fld>
             <a:endParaRPr lang="en-IN"/>
           </a:p>
@@ -1425,7 +1425,7 @@
           <a:p>
             <a:fld id="{3F64E90C-326F-45C8-9212-4C9C4B7EF630}" type="datetimeFigureOut">
               <a:rPr lang="en-IN" smtClean="0"/>
-              <a:t>20-06-2022</a:t>
+              <a:t>21-06-2022</a:t>
             </a:fld>
             <a:endParaRPr lang="en-IN"/>
           </a:p>
@@ -1840,7 +1840,7 @@
           <a:p>
             <a:fld id="{3F64E90C-326F-45C8-9212-4C9C4B7EF630}" type="datetimeFigureOut">
               <a:rPr lang="en-IN" smtClean="0"/>
-              <a:t>20-06-2022</a:t>
+              <a:t>21-06-2022</a:t>
             </a:fld>
             <a:endParaRPr lang="en-IN"/>
           </a:p>
@@ -1982,7 +1982,7 @@
           <a:p>
             <a:fld id="{3F64E90C-326F-45C8-9212-4C9C4B7EF630}" type="datetimeFigureOut">
               <a:rPr lang="en-IN" smtClean="0"/>
-              <a:t>20-06-2022</a:t>
+              <a:t>21-06-2022</a:t>
             </a:fld>
             <a:endParaRPr lang="en-IN"/>
           </a:p>
@@ -2095,7 +2095,7 @@
           <a:p>
             <a:fld id="{3F64E90C-326F-45C8-9212-4C9C4B7EF630}" type="datetimeFigureOut">
               <a:rPr lang="en-IN" smtClean="0"/>
-              <a:t>20-06-2022</a:t>
+              <a:t>21-06-2022</a:t>
             </a:fld>
             <a:endParaRPr lang="en-IN"/>
           </a:p>
@@ -2408,7 +2408,7 @@
           <a:p>
             <a:fld id="{3F64E90C-326F-45C8-9212-4C9C4B7EF630}" type="datetimeFigureOut">
               <a:rPr lang="en-IN" smtClean="0"/>
-              <a:t>20-06-2022</a:t>
+              <a:t>21-06-2022</a:t>
             </a:fld>
             <a:endParaRPr lang="en-IN"/>
           </a:p>
@@ -2697,7 +2697,7 @@
           <a:p>
             <a:fld id="{3F64E90C-326F-45C8-9212-4C9C4B7EF630}" type="datetimeFigureOut">
               <a:rPr lang="en-IN" smtClean="0"/>
-              <a:t>20-06-2022</a:t>
+              <a:t>21-06-2022</a:t>
             </a:fld>
             <a:endParaRPr lang="en-IN"/>
           </a:p>
@@ -2940,7 +2940,7 @@
           <a:p>
             <a:fld id="{3F64E90C-326F-45C8-9212-4C9C4B7EF630}" type="datetimeFigureOut">
               <a:rPr lang="en-IN" smtClean="0"/>
-              <a:t>20-06-2022</a:t>
+              <a:t>21-06-2022</a:t>
             </a:fld>
             <a:endParaRPr lang="en-IN"/>
           </a:p>
@@ -3502,7 +3502,7 @@
                 <a:latin typeface="Verdana" panose="020B0604030504040204" pitchFamily="34" charset="0"/>
                 <a:ea typeface="Verdana" panose="020B0604030504040204" pitchFamily="34" charset="0"/>
               </a:rPr>
-              <a:t>20-Jun-2022</a:t>
+              <a:t>22-Jun-2022</a:t>
             </a:r>
           </a:p>
         </p:txBody>
@@ -3677,7 +3677,7 @@
                 <a:latin typeface="Verdana" panose="020B0604030504040204" pitchFamily="34" charset="0"/>
                 <a:ea typeface="Verdana" panose="020B0604030504040204" pitchFamily="34" charset="0"/>
               </a:rPr>
-              <a:t>On .NET Live</a:t>
+              <a:t>Microsoft Reactor Bengaluru</a:t>
             </a:r>
           </a:p>
         </p:txBody>

--- a/microsoft-reactor/Demos.pptx
+++ b/microsoft-reactor/Demos.pptx
@@ -6,16 +6,17 @@
   </p:sldMasterIdLst>
   <p:sldIdLst>
     <p:sldId id="329" r:id="rId2"/>
-    <p:sldId id="282" r:id="rId3"/>
-    <p:sldId id="334" r:id="rId4"/>
-    <p:sldId id="333" r:id="rId5"/>
-    <p:sldId id="331" r:id="rId6"/>
-    <p:sldId id="330" r:id="rId7"/>
-    <p:sldId id="328" r:id="rId8"/>
-    <p:sldId id="327" r:id="rId9"/>
-    <p:sldId id="326" r:id="rId10"/>
-    <p:sldId id="335" r:id="rId11"/>
-    <p:sldId id="332" r:id="rId12"/>
+    <p:sldId id="336" r:id="rId3"/>
+    <p:sldId id="282" r:id="rId4"/>
+    <p:sldId id="334" r:id="rId5"/>
+    <p:sldId id="333" r:id="rId6"/>
+    <p:sldId id="331" r:id="rId7"/>
+    <p:sldId id="330" r:id="rId8"/>
+    <p:sldId id="328" r:id="rId9"/>
+    <p:sldId id="327" r:id="rId10"/>
+    <p:sldId id="326" r:id="rId11"/>
+    <p:sldId id="335" r:id="rId12"/>
+    <p:sldId id="332" r:id="rId13"/>
   </p:sldIdLst>
   <p:sldSz cx="12192000" cy="6858000"/>
   <p:notesSz cx="6858000" cy="9144000"/>
@@ -271,7 +272,7 @@
           <a:p>
             <a:fld id="{3F64E90C-326F-45C8-9212-4C9C4B7EF630}" type="datetimeFigureOut">
               <a:rPr lang="en-IN" smtClean="0"/>
-              <a:t>21-06-2022</a:t>
+              <a:t>25-06-2022</a:t>
             </a:fld>
             <a:endParaRPr lang="en-IN"/>
           </a:p>
@@ -471,7 +472,7 @@
           <a:p>
             <a:fld id="{3F64E90C-326F-45C8-9212-4C9C4B7EF630}" type="datetimeFigureOut">
               <a:rPr lang="en-IN" smtClean="0"/>
-              <a:t>21-06-2022</a:t>
+              <a:t>25-06-2022</a:t>
             </a:fld>
             <a:endParaRPr lang="en-IN"/>
           </a:p>
@@ -681,7 +682,7 @@
           <a:p>
             <a:fld id="{3F64E90C-326F-45C8-9212-4C9C4B7EF630}" type="datetimeFigureOut">
               <a:rPr lang="en-IN" smtClean="0"/>
-              <a:t>21-06-2022</a:t>
+              <a:t>25-06-2022</a:t>
             </a:fld>
             <a:endParaRPr lang="en-IN"/>
           </a:p>
@@ -881,7 +882,7 @@
           <a:p>
             <a:fld id="{3F64E90C-326F-45C8-9212-4C9C4B7EF630}" type="datetimeFigureOut">
               <a:rPr lang="en-IN" smtClean="0"/>
-              <a:t>21-06-2022</a:t>
+              <a:t>25-06-2022</a:t>
             </a:fld>
             <a:endParaRPr lang="en-IN"/>
           </a:p>
@@ -1157,7 +1158,7 @@
           <a:p>
             <a:fld id="{3F64E90C-326F-45C8-9212-4C9C4B7EF630}" type="datetimeFigureOut">
               <a:rPr lang="en-IN" smtClean="0"/>
-              <a:t>21-06-2022</a:t>
+              <a:t>25-06-2022</a:t>
             </a:fld>
             <a:endParaRPr lang="en-IN"/>
           </a:p>
@@ -1425,7 +1426,7 @@
           <a:p>
             <a:fld id="{3F64E90C-326F-45C8-9212-4C9C4B7EF630}" type="datetimeFigureOut">
               <a:rPr lang="en-IN" smtClean="0"/>
-              <a:t>21-06-2022</a:t>
+              <a:t>25-06-2022</a:t>
             </a:fld>
             <a:endParaRPr lang="en-IN"/>
           </a:p>
@@ -1840,7 +1841,7 @@
           <a:p>
             <a:fld id="{3F64E90C-326F-45C8-9212-4C9C4B7EF630}" type="datetimeFigureOut">
               <a:rPr lang="en-IN" smtClean="0"/>
-              <a:t>21-06-2022</a:t>
+              <a:t>25-06-2022</a:t>
             </a:fld>
             <a:endParaRPr lang="en-IN"/>
           </a:p>
@@ -1982,7 +1983,7 @@
           <a:p>
             <a:fld id="{3F64E90C-326F-45C8-9212-4C9C4B7EF630}" type="datetimeFigureOut">
               <a:rPr lang="en-IN" smtClean="0"/>
-              <a:t>21-06-2022</a:t>
+              <a:t>25-06-2022</a:t>
             </a:fld>
             <a:endParaRPr lang="en-IN"/>
           </a:p>
@@ -2095,7 +2096,7 @@
           <a:p>
             <a:fld id="{3F64E90C-326F-45C8-9212-4C9C4B7EF630}" type="datetimeFigureOut">
               <a:rPr lang="en-IN" smtClean="0"/>
-              <a:t>21-06-2022</a:t>
+              <a:t>25-06-2022</a:t>
             </a:fld>
             <a:endParaRPr lang="en-IN"/>
           </a:p>
@@ -2408,7 +2409,7 @@
           <a:p>
             <a:fld id="{3F64E90C-326F-45C8-9212-4C9C4B7EF630}" type="datetimeFigureOut">
               <a:rPr lang="en-IN" smtClean="0"/>
-              <a:t>21-06-2022</a:t>
+              <a:t>25-06-2022</a:t>
             </a:fld>
             <a:endParaRPr lang="en-IN"/>
           </a:p>
@@ -2697,7 +2698,7 @@
           <a:p>
             <a:fld id="{3F64E90C-326F-45C8-9212-4C9C4B7EF630}" type="datetimeFigureOut">
               <a:rPr lang="en-IN" smtClean="0"/>
-              <a:t>21-06-2022</a:t>
+              <a:t>25-06-2022</a:t>
             </a:fld>
             <a:endParaRPr lang="en-IN"/>
           </a:p>
@@ -2940,7 +2941,7 @@
           <a:p>
             <a:fld id="{3F64E90C-326F-45C8-9212-4C9C4B7EF630}" type="datetimeFigureOut">
               <a:rPr lang="en-IN" smtClean="0"/>
-              <a:t>21-06-2022</a:t>
+              <a:t>25-06-2022</a:t>
             </a:fld>
             <a:endParaRPr lang="en-IN"/>
           </a:p>
@@ -5657,6 +5658,1825 @@
     </p:spTree>
     <p:extLst>
       <p:ext uri="{BB962C8B-B14F-4D97-AF65-F5344CB8AC3E}">
+        <p14:creationId xmlns:p14="http://schemas.microsoft.com/office/powerpoint/2010/main" val="217870563"/>
+      </p:ext>
+    </p:extLst>
+  </p:cSld>
+  <p:clrMapOvr>
+    <a:masterClrMapping/>
+  </p:clrMapOvr>
+</p:sld>
+</file>
+
+<file path=ppt/slides/slide11.xml><?xml version="1.0" encoding="utf-8"?>
+<p:sld xmlns:a="http://schemas.openxmlformats.org/drawingml/2006/main" xmlns:r="http://schemas.openxmlformats.org/officeDocument/2006/relationships" xmlns:p="http://schemas.openxmlformats.org/presentationml/2006/main">
+  <p:cSld>
+    <p:spTree>
+      <p:nvGrpSpPr>
+        <p:cNvPr id="1" name=""/>
+        <p:cNvGrpSpPr/>
+        <p:nvPr/>
+      </p:nvGrpSpPr>
+      <p:grpSpPr>
+        <a:xfrm>
+          <a:off x="0" y="0"/>
+          <a:ext cx="0" cy="0"/>
+          <a:chOff x="0" y="0"/>
+          <a:chExt cx="0" cy="0"/>
+        </a:xfrm>
+      </p:grpSpPr>
+      <p:pic>
+        <p:nvPicPr>
+          <p:cNvPr id="1026" name="Picture 2">
+            <a:extLst>
+              <a:ext uri="{FF2B5EF4-FFF2-40B4-BE49-F238E27FC236}">
+                <a16:creationId xmlns:a16="http://schemas.microsoft.com/office/drawing/2014/main" id="{2BE09F8E-F4ED-48B7-9EE2-29D6C55A7243}"/>
+              </a:ext>
+            </a:extLst>
+          </p:cNvPr>
+          <p:cNvPicPr>
+            <a:picLocks noChangeAspect="1" noChangeArrowheads="1"/>
+          </p:cNvPicPr>
+          <p:nvPr/>
+        </p:nvPicPr>
+        <p:blipFill>
+          <a:blip r:embed="rId2">
+            <a:extLst>
+              <a:ext uri="{28A0092B-C50C-407E-A947-70E740481C1C}">
+                <a14:useLocalDpi xmlns:a14="http://schemas.microsoft.com/office/drawing/2010/main" val="0"/>
+              </a:ext>
+            </a:extLst>
+          </a:blip>
+          <a:srcRect/>
+          <a:stretch>
+            <a:fillRect/>
+          </a:stretch>
+        </p:blipFill>
+        <p:spPr bwMode="auto">
+          <a:xfrm>
+            <a:off x="6983816" y="753030"/>
+            <a:ext cx="847725" cy="847725"/>
+          </a:xfrm>
+          <a:prstGeom prst="rect">
+            <a:avLst/>
+          </a:prstGeom>
+          <a:noFill/>
+          <a:extLst>
+            <a:ext uri="{909E8E84-426E-40DD-AFC4-6F175D3DCCD1}">
+              <a14:hiddenFill xmlns:a14="http://schemas.microsoft.com/office/drawing/2010/main">
+                <a:solidFill>
+                  <a:srgbClr val="FFFFFF"/>
+                </a:solidFill>
+              </a14:hiddenFill>
+            </a:ext>
+          </a:extLst>
+        </p:spPr>
+      </p:pic>
+      <p:pic>
+        <p:nvPicPr>
+          <p:cNvPr id="1030" name="Picture 6">
+            <a:extLst>
+              <a:ext uri="{FF2B5EF4-FFF2-40B4-BE49-F238E27FC236}">
+                <a16:creationId xmlns:a16="http://schemas.microsoft.com/office/drawing/2014/main" id="{98C22475-F42D-4B66-B365-CF5562AE4F01}"/>
+              </a:ext>
+            </a:extLst>
+          </p:cNvPr>
+          <p:cNvPicPr>
+            <a:picLocks noChangeAspect="1" noChangeArrowheads="1"/>
+          </p:cNvPicPr>
+          <p:nvPr/>
+        </p:nvPicPr>
+        <p:blipFill>
+          <a:blip r:embed="rId3">
+            <a:extLst>
+              <a:ext uri="{28A0092B-C50C-407E-A947-70E740481C1C}">
+                <a14:useLocalDpi xmlns:a14="http://schemas.microsoft.com/office/drawing/2010/main" val="0"/>
+              </a:ext>
+            </a:extLst>
+          </a:blip>
+          <a:srcRect/>
+          <a:stretch>
+            <a:fillRect/>
+          </a:stretch>
+        </p:blipFill>
+        <p:spPr bwMode="auto">
+          <a:xfrm>
+            <a:off x="10855495" y="1492003"/>
+            <a:ext cx="676275" cy="676275"/>
+          </a:xfrm>
+          <a:prstGeom prst="rect">
+            <a:avLst/>
+          </a:prstGeom>
+          <a:noFill/>
+          <a:extLst>
+            <a:ext uri="{909E8E84-426E-40DD-AFC4-6F175D3DCCD1}">
+              <a14:hiddenFill xmlns:a14="http://schemas.microsoft.com/office/drawing/2010/main">
+                <a:solidFill>
+                  <a:srgbClr val="FFFFFF"/>
+                </a:solidFill>
+              </a14:hiddenFill>
+            </a:ext>
+          </a:extLst>
+        </p:spPr>
+      </p:pic>
+      <p:pic>
+        <p:nvPicPr>
+          <p:cNvPr id="1034" name="Picture 10">
+            <a:extLst>
+              <a:ext uri="{FF2B5EF4-FFF2-40B4-BE49-F238E27FC236}">
+                <a16:creationId xmlns:a16="http://schemas.microsoft.com/office/drawing/2014/main" id="{03A6EE1E-D6C3-43B7-A76C-ED8BA685C33B}"/>
+              </a:ext>
+            </a:extLst>
+          </p:cNvPr>
+          <p:cNvPicPr>
+            <a:picLocks noChangeAspect="1" noChangeArrowheads="1"/>
+          </p:cNvPicPr>
+          <p:nvPr/>
+        </p:nvPicPr>
+        <p:blipFill>
+          <a:blip r:embed="rId4">
+            <a:extLst>
+              <a:ext uri="{28A0092B-C50C-407E-A947-70E740481C1C}">
+                <a14:useLocalDpi xmlns:a14="http://schemas.microsoft.com/office/drawing/2010/main" val="0"/>
+              </a:ext>
+            </a:extLst>
+          </a:blip>
+          <a:srcRect/>
+          <a:stretch>
+            <a:fillRect/>
+          </a:stretch>
+        </p:blipFill>
+        <p:spPr bwMode="auto">
+          <a:xfrm>
+            <a:off x="10902515" y="4133850"/>
+            <a:ext cx="657225" cy="676275"/>
+          </a:xfrm>
+          <a:prstGeom prst="rect">
+            <a:avLst/>
+          </a:prstGeom>
+          <a:noFill/>
+          <a:extLst>
+            <a:ext uri="{909E8E84-426E-40DD-AFC4-6F175D3DCCD1}">
+              <a14:hiddenFill xmlns:a14="http://schemas.microsoft.com/office/drawing/2010/main">
+                <a:solidFill>
+                  <a:srgbClr val="FFFFFF"/>
+                </a:solidFill>
+              </a14:hiddenFill>
+            </a:ext>
+          </a:extLst>
+        </p:spPr>
+      </p:pic>
+      <p:pic>
+        <p:nvPicPr>
+          <p:cNvPr id="1036" name="Picture 12">
+            <a:extLst>
+              <a:ext uri="{FF2B5EF4-FFF2-40B4-BE49-F238E27FC236}">
+                <a16:creationId xmlns:a16="http://schemas.microsoft.com/office/drawing/2014/main" id="{AB427BB8-0AA8-4F7E-AA27-EA18ECDD59BE}"/>
+              </a:ext>
+            </a:extLst>
+          </p:cNvPr>
+          <p:cNvPicPr>
+            <a:picLocks noChangeAspect="1" noChangeArrowheads="1"/>
+          </p:cNvPicPr>
+          <p:nvPr/>
+        </p:nvPicPr>
+        <p:blipFill>
+          <a:blip r:embed="rId5">
+            <a:extLst>
+              <a:ext uri="{28A0092B-C50C-407E-A947-70E740481C1C}">
+                <a14:useLocalDpi xmlns:a14="http://schemas.microsoft.com/office/drawing/2010/main" val="0"/>
+              </a:ext>
+            </a:extLst>
+          </a:blip>
+          <a:srcRect/>
+          <a:stretch>
+            <a:fillRect/>
+          </a:stretch>
+        </p:blipFill>
+        <p:spPr bwMode="auto">
+          <a:xfrm>
+            <a:off x="2142894" y="2905542"/>
+            <a:ext cx="809625" cy="809625"/>
+          </a:xfrm>
+          <a:prstGeom prst="rect">
+            <a:avLst/>
+          </a:prstGeom>
+          <a:noFill/>
+          <a:extLst>
+            <a:ext uri="{909E8E84-426E-40DD-AFC4-6F175D3DCCD1}">
+              <a14:hiddenFill xmlns:a14="http://schemas.microsoft.com/office/drawing/2010/main">
+                <a:solidFill>
+                  <a:srgbClr val="FFFFFF"/>
+                </a:solidFill>
+              </a14:hiddenFill>
+            </a:ext>
+          </a:extLst>
+        </p:spPr>
+      </p:pic>
+      <p:pic>
+        <p:nvPicPr>
+          <p:cNvPr id="1038" name="Picture 14">
+            <a:extLst>
+              <a:ext uri="{FF2B5EF4-FFF2-40B4-BE49-F238E27FC236}">
+                <a16:creationId xmlns:a16="http://schemas.microsoft.com/office/drawing/2014/main" id="{FC41D05C-CFC1-441C-B925-D679FF5BEBEE}"/>
+              </a:ext>
+            </a:extLst>
+          </p:cNvPr>
+          <p:cNvPicPr>
+            <a:picLocks noChangeAspect="1" noChangeArrowheads="1"/>
+          </p:cNvPicPr>
+          <p:nvPr/>
+        </p:nvPicPr>
+        <p:blipFill>
+          <a:blip r:embed="rId6">
+            <a:extLst>
+              <a:ext uri="{28A0092B-C50C-407E-A947-70E740481C1C}">
+                <a14:useLocalDpi xmlns:a14="http://schemas.microsoft.com/office/drawing/2010/main" val="0"/>
+              </a:ext>
+            </a:extLst>
+          </a:blip>
+          <a:srcRect/>
+          <a:stretch>
+            <a:fillRect/>
+          </a:stretch>
+        </p:blipFill>
+        <p:spPr bwMode="auto">
+          <a:xfrm>
+            <a:off x="4523450" y="2936704"/>
+            <a:ext cx="819150" cy="771525"/>
+          </a:xfrm>
+          <a:prstGeom prst="rect">
+            <a:avLst/>
+          </a:prstGeom>
+          <a:noFill/>
+          <a:extLst>
+            <a:ext uri="{909E8E84-426E-40DD-AFC4-6F175D3DCCD1}">
+              <a14:hiddenFill xmlns:a14="http://schemas.microsoft.com/office/drawing/2010/main">
+                <a:solidFill>
+                  <a:srgbClr val="FFFFFF"/>
+                </a:solidFill>
+              </a14:hiddenFill>
+            </a:ext>
+          </a:extLst>
+        </p:spPr>
+      </p:pic>
+      <p:pic>
+        <p:nvPicPr>
+          <p:cNvPr id="1040" name="Picture 16">
+            <a:extLst>
+              <a:ext uri="{FF2B5EF4-FFF2-40B4-BE49-F238E27FC236}">
+                <a16:creationId xmlns:a16="http://schemas.microsoft.com/office/drawing/2014/main" id="{357C179B-F2C9-48A5-8791-9C04BBDE433F}"/>
+              </a:ext>
+            </a:extLst>
+          </p:cNvPr>
+          <p:cNvPicPr>
+            <a:picLocks noChangeAspect="1" noChangeArrowheads="1"/>
+          </p:cNvPicPr>
+          <p:nvPr/>
+        </p:nvPicPr>
+        <p:blipFill>
+          <a:blip r:embed="rId7">
+            <a:extLst>
+              <a:ext uri="{28A0092B-C50C-407E-A947-70E740481C1C}">
+                <a14:useLocalDpi xmlns:a14="http://schemas.microsoft.com/office/drawing/2010/main" val="0"/>
+              </a:ext>
+            </a:extLst>
+          </a:blip>
+          <a:srcRect/>
+          <a:stretch>
+            <a:fillRect/>
+          </a:stretch>
+        </p:blipFill>
+        <p:spPr bwMode="auto">
+          <a:xfrm>
+            <a:off x="3478983" y="2903407"/>
+            <a:ext cx="307435" cy="361980"/>
+          </a:xfrm>
+          <a:prstGeom prst="rect">
+            <a:avLst/>
+          </a:prstGeom>
+          <a:noFill/>
+          <a:extLst>
+            <a:ext uri="{909E8E84-426E-40DD-AFC4-6F175D3DCCD1}">
+              <a14:hiddenFill xmlns:a14="http://schemas.microsoft.com/office/drawing/2010/main">
+                <a:solidFill>
+                  <a:srgbClr val="FFFFFF"/>
+                </a:solidFill>
+              </a14:hiddenFill>
+            </a:ext>
+          </a:extLst>
+        </p:spPr>
+      </p:pic>
+      <p:pic>
+        <p:nvPicPr>
+          <p:cNvPr id="1042" name="Picture 18">
+            <a:extLst>
+              <a:ext uri="{FF2B5EF4-FFF2-40B4-BE49-F238E27FC236}">
+                <a16:creationId xmlns:a16="http://schemas.microsoft.com/office/drawing/2014/main" id="{DC5682A4-CD6A-4403-ABD5-0B2D25BD4041}"/>
+              </a:ext>
+            </a:extLst>
+          </p:cNvPr>
+          <p:cNvPicPr>
+            <a:picLocks noChangeAspect="1" noChangeArrowheads="1"/>
+          </p:cNvPicPr>
+          <p:nvPr/>
+        </p:nvPicPr>
+        <p:blipFill>
+          <a:blip r:embed="rId8">
+            <a:extLst>
+              <a:ext uri="{28A0092B-C50C-407E-A947-70E740481C1C}">
+                <a14:useLocalDpi xmlns:a14="http://schemas.microsoft.com/office/drawing/2010/main" val="0"/>
+              </a:ext>
+            </a:extLst>
+          </a:blip>
+          <a:srcRect/>
+          <a:stretch>
+            <a:fillRect/>
+          </a:stretch>
+        </p:blipFill>
+        <p:spPr bwMode="auto">
+          <a:xfrm>
+            <a:off x="412196" y="629266"/>
+            <a:ext cx="619125" cy="800100"/>
+          </a:xfrm>
+          <a:prstGeom prst="rect">
+            <a:avLst/>
+          </a:prstGeom>
+          <a:noFill/>
+          <a:extLst>
+            <a:ext uri="{909E8E84-426E-40DD-AFC4-6F175D3DCCD1}">
+              <a14:hiddenFill xmlns:a14="http://schemas.microsoft.com/office/drawing/2010/main">
+                <a:solidFill>
+                  <a:srgbClr val="FFFFFF"/>
+                </a:solidFill>
+              </a14:hiddenFill>
+            </a:ext>
+          </a:extLst>
+        </p:spPr>
+      </p:pic>
+      <p:pic>
+        <p:nvPicPr>
+          <p:cNvPr id="1044" name="Picture 20">
+            <a:extLst>
+              <a:ext uri="{FF2B5EF4-FFF2-40B4-BE49-F238E27FC236}">
+                <a16:creationId xmlns:a16="http://schemas.microsoft.com/office/drawing/2014/main" id="{24CA475C-31C6-4B82-A0EA-16888492B5DE}"/>
+              </a:ext>
+            </a:extLst>
+          </p:cNvPr>
+          <p:cNvPicPr>
+            <a:picLocks noChangeAspect="1" noChangeArrowheads="1"/>
+          </p:cNvPicPr>
+          <p:nvPr/>
+        </p:nvPicPr>
+        <p:blipFill>
+          <a:blip r:embed="rId9">
+            <a:extLst>
+              <a:ext uri="{28A0092B-C50C-407E-A947-70E740481C1C}">
+                <a14:useLocalDpi xmlns:a14="http://schemas.microsoft.com/office/drawing/2010/main" val="0"/>
+              </a:ext>
+            </a:extLst>
+          </a:blip>
+          <a:srcRect/>
+          <a:stretch>
+            <a:fillRect/>
+          </a:stretch>
+        </p:blipFill>
+        <p:spPr bwMode="auto">
+          <a:xfrm>
+            <a:off x="414338" y="2976563"/>
+            <a:ext cx="657225" cy="676275"/>
+          </a:xfrm>
+          <a:prstGeom prst="rect">
+            <a:avLst/>
+          </a:prstGeom>
+          <a:noFill/>
+          <a:extLst>
+            <a:ext uri="{909E8E84-426E-40DD-AFC4-6F175D3DCCD1}">
+              <a14:hiddenFill xmlns:a14="http://schemas.microsoft.com/office/drawing/2010/main">
+                <a:solidFill>
+                  <a:srgbClr val="FFFFFF"/>
+                </a:solidFill>
+              </a14:hiddenFill>
+            </a:ext>
+          </a:extLst>
+        </p:spPr>
+      </p:pic>
+      <p:pic>
+        <p:nvPicPr>
+          <p:cNvPr id="22" name="Picture 12">
+            <a:extLst>
+              <a:ext uri="{FF2B5EF4-FFF2-40B4-BE49-F238E27FC236}">
+                <a16:creationId xmlns:a16="http://schemas.microsoft.com/office/drawing/2014/main" id="{CDD441FC-ED8A-4B90-A512-1FFA05777E63}"/>
+              </a:ext>
+            </a:extLst>
+          </p:cNvPr>
+          <p:cNvPicPr>
+            <a:picLocks noChangeAspect="1" noChangeArrowheads="1"/>
+          </p:cNvPicPr>
+          <p:nvPr/>
+        </p:nvPicPr>
+        <p:blipFill>
+          <a:blip r:embed="rId5">
+            <a:extLst>
+              <a:ext uri="{28A0092B-C50C-407E-A947-70E740481C1C}">
+                <a14:useLocalDpi xmlns:a14="http://schemas.microsoft.com/office/drawing/2010/main" val="0"/>
+              </a:ext>
+            </a:extLst>
+          </a:blip>
+          <a:srcRect/>
+          <a:stretch>
+            <a:fillRect/>
+          </a:stretch>
+        </p:blipFill>
+        <p:spPr bwMode="auto">
+          <a:xfrm>
+            <a:off x="7010400" y="2909887"/>
+            <a:ext cx="809625" cy="809625"/>
+          </a:xfrm>
+          <a:prstGeom prst="rect">
+            <a:avLst/>
+          </a:prstGeom>
+          <a:noFill/>
+          <a:extLst>
+            <a:ext uri="{909E8E84-426E-40DD-AFC4-6F175D3DCCD1}">
+              <a14:hiddenFill xmlns:a14="http://schemas.microsoft.com/office/drawing/2010/main">
+                <a:solidFill>
+                  <a:srgbClr val="FFFFFF"/>
+                </a:solidFill>
+              </a14:hiddenFill>
+            </a:ext>
+          </a:extLst>
+        </p:spPr>
+      </p:pic>
+      <p:sp>
+        <p:nvSpPr>
+          <p:cNvPr id="11" name="Heptagon 10">
+            <a:extLst>
+              <a:ext uri="{FF2B5EF4-FFF2-40B4-BE49-F238E27FC236}">
+                <a16:creationId xmlns:a16="http://schemas.microsoft.com/office/drawing/2014/main" id="{8EF000E9-1A1B-40B9-BF7B-8E7326AAFA24}"/>
+              </a:ext>
+            </a:extLst>
+          </p:cNvPr>
+          <p:cNvSpPr/>
+          <p:nvPr/>
+        </p:nvSpPr>
+        <p:spPr>
+          <a:xfrm>
+            <a:off x="240913" y="2851743"/>
+            <a:ext cx="307435" cy="344102"/>
+          </a:xfrm>
+          <a:prstGeom prst="heptagon">
+            <a:avLst/>
+          </a:prstGeom>
+        </p:spPr>
+        <p:style>
+          <a:lnRef idx="2">
+            <a:schemeClr val="accent1">
+              <a:shade val="50000"/>
+            </a:schemeClr>
+          </a:lnRef>
+          <a:fillRef idx="1">
+            <a:schemeClr val="accent1"/>
+          </a:fillRef>
+          <a:effectRef idx="0">
+            <a:schemeClr val="accent1"/>
+          </a:effectRef>
+          <a:fontRef idx="minor">
+            <a:schemeClr val="lt1"/>
+          </a:fontRef>
+        </p:style>
+        <p:txBody>
+          <a:bodyPr rtlCol="0" anchor="ctr"/>
+          <a:lstStyle/>
+          <a:p>
+            <a:pPr algn="ctr"/>
+            <a:r>
+              <a:rPr lang="en-US" dirty="0"/>
+              <a:t>1</a:t>
+            </a:r>
+          </a:p>
+        </p:txBody>
+      </p:sp>
+      <p:cxnSp>
+        <p:nvCxnSpPr>
+          <p:cNvPr id="15" name="Straight Arrow Connector 14">
+            <a:extLst>
+              <a:ext uri="{FF2B5EF4-FFF2-40B4-BE49-F238E27FC236}">
+                <a16:creationId xmlns:a16="http://schemas.microsoft.com/office/drawing/2014/main" id="{3907F1EE-B001-4BF5-87F4-2548B3C7CE83}"/>
+              </a:ext>
+            </a:extLst>
+          </p:cNvPr>
+          <p:cNvCxnSpPr>
+            <a:stCxn id="1044" idx="3"/>
+            <a:endCxn id="1036" idx="1"/>
+          </p:cNvCxnSpPr>
+          <p:nvPr/>
+        </p:nvCxnSpPr>
+        <p:spPr>
+          <a:xfrm flipV="1">
+            <a:off x="1071563" y="3310355"/>
+            <a:ext cx="1071331" cy="4346"/>
+          </a:xfrm>
+          <a:prstGeom prst="straightConnector1">
+            <a:avLst/>
+          </a:prstGeom>
+          <a:ln>
+            <a:tailEnd type="triangle"/>
+          </a:ln>
+        </p:spPr>
+        <p:style>
+          <a:lnRef idx="1">
+            <a:schemeClr val="accent1"/>
+          </a:lnRef>
+          <a:fillRef idx="0">
+            <a:schemeClr val="accent1"/>
+          </a:fillRef>
+          <a:effectRef idx="0">
+            <a:schemeClr val="accent1"/>
+          </a:effectRef>
+          <a:fontRef idx="minor">
+            <a:schemeClr val="tx1"/>
+          </a:fontRef>
+        </p:style>
+      </p:cxnSp>
+      <p:cxnSp>
+        <p:nvCxnSpPr>
+          <p:cNvPr id="18" name="Straight Arrow Connector 17">
+            <a:extLst>
+              <a:ext uri="{FF2B5EF4-FFF2-40B4-BE49-F238E27FC236}">
+                <a16:creationId xmlns:a16="http://schemas.microsoft.com/office/drawing/2014/main" id="{56E275F4-5807-4B9E-B0C0-190061041D2E}"/>
+              </a:ext>
+            </a:extLst>
+          </p:cNvPr>
+          <p:cNvCxnSpPr>
+            <a:cxnSpLocks/>
+            <a:stCxn id="1036" idx="3"/>
+            <a:endCxn id="1038" idx="1"/>
+          </p:cNvCxnSpPr>
+          <p:nvPr/>
+        </p:nvCxnSpPr>
+        <p:spPr>
+          <a:xfrm>
+            <a:off x="2952519" y="3310355"/>
+            <a:ext cx="1570931" cy="12112"/>
+          </a:xfrm>
+          <a:prstGeom prst="straightConnector1">
+            <a:avLst/>
+          </a:prstGeom>
+          <a:ln>
+            <a:tailEnd type="triangle"/>
+          </a:ln>
+        </p:spPr>
+        <p:style>
+          <a:lnRef idx="1">
+            <a:schemeClr val="accent1"/>
+          </a:lnRef>
+          <a:fillRef idx="0">
+            <a:schemeClr val="accent1"/>
+          </a:fillRef>
+          <a:effectRef idx="0">
+            <a:schemeClr val="accent1"/>
+          </a:effectRef>
+          <a:fontRef idx="minor">
+            <a:schemeClr val="tx1"/>
+          </a:fontRef>
+        </p:style>
+      </p:cxnSp>
+      <p:cxnSp>
+        <p:nvCxnSpPr>
+          <p:cNvPr id="20" name="Straight Arrow Connector 19">
+            <a:extLst>
+              <a:ext uri="{FF2B5EF4-FFF2-40B4-BE49-F238E27FC236}">
+                <a16:creationId xmlns:a16="http://schemas.microsoft.com/office/drawing/2014/main" id="{CA3C1361-B4B3-4FA4-B26C-380E21721D41}"/>
+              </a:ext>
+            </a:extLst>
+          </p:cNvPr>
+          <p:cNvCxnSpPr>
+            <a:stCxn id="1038" idx="3"/>
+            <a:endCxn id="22" idx="1"/>
+          </p:cNvCxnSpPr>
+          <p:nvPr/>
+        </p:nvCxnSpPr>
+        <p:spPr>
+          <a:xfrm flipV="1">
+            <a:off x="5342600" y="3314700"/>
+            <a:ext cx="1667800" cy="7767"/>
+          </a:xfrm>
+          <a:prstGeom prst="straightConnector1">
+            <a:avLst/>
+          </a:prstGeom>
+          <a:ln>
+            <a:tailEnd type="triangle"/>
+          </a:ln>
+        </p:spPr>
+        <p:style>
+          <a:lnRef idx="1">
+            <a:schemeClr val="accent1"/>
+          </a:lnRef>
+          <a:fillRef idx="0">
+            <a:schemeClr val="accent1"/>
+          </a:fillRef>
+          <a:effectRef idx="0">
+            <a:schemeClr val="accent1"/>
+          </a:effectRef>
+          <a:fontRef idx="minor">
+            <a:schemeClr val="tx1"/>
+          </a:fontRef>
+        </p:style>
+      </p:cxnSp>
+      <p:cxnSp>
+        <p:nvCxnSpPr>
+          <p:cNvPr id="23" name="Straight Connector 22">
+            <a:extLst>
+              <a:ext uri="{FF2B5EF4-FFF2-40B4-BE49-F238E27FC236}">
+                <a16:creationId xmlns:a16="http://schemas.microsoft.com/office/drawing/2014/main" id="{2F483661-8B57-4D41-8C50-C7739BB2C923}"/>
+              </a:ext>
+            </a:extLst>
+          </p:cNvPr>
+          <p:cNvCxnSpPr>
+            <a:stCxn id="22" idx="0"/>
+            <a:endCxn id="1026" idx="2"/>
+          </p:cNvCxnSpPr>
+          <p:nvPr/>
+        </p:nvCxnSpPr>
+        <p:spPr>
+          <a:xfrm flipH="1" flipV="1">
+            <a:off x="7407679" y="1600755"/>
+            <a:ext cx="7534" cy="1309132"/>
+          </a:xfrm>
+          <a:prstGeom prst="line">
+            <a:avLst/>
+          </a:prstGeom>
+        </p:spPr>
+        <p:style>
+          <a:lnRef idx="1">
+            <a:schemeClr val="accent1"/>
+          </a:lnRef>
+          <a:fillRef idx="0">
+            <a:schemeClr val="accent1"/>
+          </a:fillRef>
+          <a:effectRef idx="0">
+            <a:schemeClr val="accent1"/>
+          </a:effectRef>
+          <a:fontRef idx="minor">
+            <a:schemeClr val="tx1"/>
+          </a:fontRef>
+        </p:style>
+      </p:cxnSp>
+      <p:cxnSp>
+        <p:nvCxnSpPr>
+          <p:cNvPr id="25" name="Straight Connector 24">
+            <a:extLst>
+              <a:ext uri="{FF2B5EF4-FFF2-40B4-BE49-F238E27FC236}">
+                <a16:creationId xmlns:a16="http://schemas.microsoft.com/office/drawing/2014/main" id="{AD8FDBDF-5F0D-40AB-9D7D-DDD3F4E13427}"/>
+              </a:ext>
+            </a:extLst>
+          </p:cNvPr>
+          <p:cNvCxnSpPr>
+            <a:stCxn id="22" idx="3"/>
+          </p:cNvCxnSpPr>
+          <p:nvPr/>
+        </p:nvCxnSpPr>
+        <p:spPr>
+          <a:xfrm flipV="1">
+            <a:off x="7820025" y="3310354"/>
+            <a:ext cx="3410227" cy="4346"/>
+          </a:xfrm>
+          <a:prstGeom prst="line">
+            <a:avLst/>
+          </a:prstGeom>
+        </p:spPr>
+        <p:style>
+          <a:lnRef idx="1">
+            <a:schemeClr val="accent1"/>
+          </a:lnRef>
+          <a:fillRef idx="0">
+            <a:schemeClr val="accent1"/>
+          </a:fillRef>
+          <a:effectRef idx="0">
+            <a:schemeClr val="accent1"/>
+          </a:effectRef>
+          <a:fontRef idx="minor">
+            <a:schemeClr val="tx1"/>
+          </a:fontRef>
+        </p:style>
+      </p:cxnSp>
+      <p:cxnSp>
+        <p:nvCxnSpPr>
+          <p:cNvPr id="27" name="Straight Arrow Connector 26">
+            <a:extLst>
+              <a:ext uri="{FF2B5EF4-FFF2-40B4-BE49-F238E27FC236}">
+                <a16:creationId xmlns:a16="http://schemas.microsoft.com/office/drawing/2014/main" id="{5F54C63E-4E1E-4F55-8B8C-F6DE5148321D}"/>
+              </a:ext>
+            </a:extLst>
+          </p:cNvPr>
+          <p:cNvCxnSpPr>
+            <a:cxnSpLocks/>
+            <a:endCxn id="1034" idx="0"/>
+          </p:cNvCxnSpPr>
+          <p:nvPr/>
+        </p:nvCxnSpPr>
+        <p:spPr>
+          <a:xfrm>
+            <a:off x="11231128" y="3310354"/>
+            <a:ext cx="0" cy="823496"/>
+          </a:xfrm>
+          <a:prstGeom prst="straightConnector1">
+            <a:avLst/>
+          </a:prstGeom>
+          <a:ln>
+            <a:tailEnd type="triangle"/>
+          </a:ln>
+        </p:spPr>
+        <p:style>
+          <a:lnRef idx="1">
+            <a:schemeClr val="accent1"/>
+          </a:lnRef>
+          <a:fillRef idx="0">
+            <a:schemeClr val="accent1"/>
+          </a:fillRef>
+          <a:effectRef idx="0">
+            <a:schemeClr val="accent1"/>
+          </a:effectRef>
+          <a:fontRef idx="minor">
+            <a:schemeClr val="tx1"/>
+          </a:fontRef>
+        </p:style>
+      </p:cxnSp>
+      <p:cxnSp>
+        <p:nvCxnSpPr>
+          <p:cNvPr id="31" name="Straight Arrow Connector 30">
+            <a:extLst>
+              <a:ext uri="{FF2B5EF4-FFF2-40B4-BE49-F238E27FC236}">
+                <a16:creationId xmlns:a16="http://schemas.microsoft.com/office/drawing/2014/main" id="{81181B99-2E64-4D8E-95D2-886A82108D74}"/>
+              </a:ext>
+            </a:extLst>
+          </p:cNvPr>
+          <p:cNvCxnSpPr>
+            <a:cxnSpLocks/>
+            <a:endCxn id="1030" idx="2"/>
+          </p:cNvCxnSpPr>
+          <p:nvPr/>
+        </p:nvCxnSpPr>
+        <p:spPr>
+          <a:xfrm flipH="1" flipV="1">
+            <a:off x="11193633" y="2168278"/>
+            <a:ext cx="34314" cy="1151002"/>
+          </a:xfrm>
+          <a:prstGeom prst="straightConnector1">
+            <a:avLst/>
+          </a:prstGeom>
+          <a:ln>
+            <a:tailEnd type="triangle"/>
+          </a:ln>
+        </p:spPr>
+        <p:style>
+          <a:lnRef idx="1">
+            <a:schemeClr val="accent1"/>
+          </a:lnRef>
+          <a:fillRef idx="0">
+            <a:schemeClr val="accent1"/>
+          </a:fillRef>
+          <a:effectRef idx="0">
+            <a:schemeClr val="accent1"/>
+          </a:effectRef>
+          <a:fontRef idx="minor">
+            <a:schemeClr val="tx1"/>
+          </a:fontRef>
+        </p:style>
+      </p:cxnSp>
+      <p:pic>
+        <p:nvPicPr>
+          <p:cNvPr id="34" name="Picture 33">
+            <a:extLst>
+              <a:ext uri="{FF2B5EF4-FFF2-40B4-BE49-F238E27FC236}">
+                <a16:creationId xmlns:a16="http://schemas.microsoft.com/office/drawing/2014/main" id="{A10FAD3F-80E8-4AB7-9378-CE942120ACC3}"/>
+              </a:ext>
+            </a:extLst>
+          </p:cNvPr>
+          <p:cNvPicPr>
+            <a:picLocks noChangeAspect="1"/>
+          </p:cNvPicPr>
+          <p:nvPr/>
+        </p:nvPicPr>
+        <p:blipFill>
+          <a:blip r:embed="rId10"/>
+          <a:stretch>
+            <a:fillRect/>
+          </a:stretch>
+        </p:blipFill>
+        <p:spPr>
+          <a:xfrm>
+            <a:off x="1166795" y="188527"/>
+            <a:ext cx="2785533" cy="1380576"/>
+          </a:xfrm>
+          <a:prstGeom prst="rect">
+            <a:avLst/>
+          </a:prstGeom>
+          <a:solidFill>
+            <a:srgbClr val="FFFFFF">
+              <a:shade val="85000"/>
+            </a:srgbClr>
+          </a:solidFill>
+          <a:ln w="190500" cap="rnd">
+            <a:solidFill>
+              <a:srgbClr val="FFFFFF"/>
+            </a:solidFill>
+          </a:ln>
+          <a:effectLst>
+            <a:outerShdw blurRad="50000" algn="tl" rotWithShape="0">
+              <a:srgbClr val="000000">
+                <a:alpha val="41000"/>
+              </a:srgbClr>
+            </a:outerShdw>
+          </a:effectLst>
+          <a:scene3d>
+            <a:camera prst="orthographicFront"/>
+            <a:lightRig rig="twoPt" dir="t">
+              <a:rot lat="0" lon="0" rev="7800000"/>
+            </a:lightRig>
+          </a:scene3d>
+          <a:sp3d contourW="6350">
+            <a:bevelT w="50800" h="16510"/>
+            <a:contourClr>
+              <a:srgbClr val="C0C0C0"/>
+            </a:contourClr>
+          </a:sp3d>
+        </p:spPr>
+      </p:pic>
+      <p:sp>
+        <p:nvSpPr>
+          <p:cNvPr id="45" name="Heptagon 44">
+            <a:extLst>
+              <a:ext uri="{FF2B5EF4-FFF2-40B4-BE49-F238E27FC236}">
+                <a16:creationId xmlns:a16="http://schemas.microsoft.com/office/drawing/2014/main" id="{E7A80D65-5ADB-4DCD-A7A2-5DFBCA0C9B8D}"/>
+              </a:ext>
+            </a:extLst>
+          </p:cNvPr>
+          <p:cNvSpPr/>
+          <p:nvPr/>
+        </p:nvSpPr>
+        <p:spPr>
+          <a:xfrm>
+            <a:off x="1862260" y="2851743"/>
+            <a:ext cx="307435" cy="344102"/>
+          </a:xfrm>
+          <a:prstGeom prst="heptagon">
+            <a:avLst/>
+          </a:prstGeom>
+        </p:spPr>
+        <p:style>
+          <a:lnRef idx="2">
+            <a:schemeClr val="accent1">
+              <a:shade val="50000"/>
+            </a:schemeClr>
+          </a:lnRef>
+          <a:fillRef idx="1">
+            <a:schemeClr val="accent1"/>
+          </a:fillRef>
+          <a:effectRef idx="0">
+            <a:schemeClr val="accent1"/>
+          </a:effectRef>
+          <a:fontRef idx="minor">
+            <a:schemeClr val="lt1"/>
+          </a:fontRef>
+        </p:style>
+        <p:txBody>
+          <a:bodyPr rtlCol="0" anchor="ctr"/>
+          <a:lstStyle/>
+          <a:p>
+            <a:pPr algn="ctr"/>
+            <a:r>
+              <a:rPr lang="en-US" dirty="0"/>
+              <a:t>2</a:t>
+            </a:r>
+          </a:p>
+        </p:txBody>
+      </p:sp>
+      <p:sp>
+        <p:nvSpPr>
+          <p:cNvPr id="46" name="Heptagon 45">
+            <a:extLst>
+              <a:ext uri="{FF2B5EF4-FFF2-40B4-BE49-F238E27FC236}">
+                <a16:creationId xmlns:a16="http://schemas.microsoft.com/office/drawing/2014/main" id="{41E19403-B49B-4C20-BB68-98A12476BA78}"/>
+              </a:ext>
+            </a:extLst>
+          </p:cNvPr>
+          <p:cNvSpPr/>
+          <p:nvPr/>
+        </p:nvSpPr>
+        <p:spPr>
+          <a:xfrm>
+            <a:off x="1862260" y="4546685"/>
+            <a:ext cx="307435" cy="344102"/>
+          </a:xfrm>
+          <a:prstGeom prst="heptagon">
+            <a:avLst/>
+          </a:prstGeom>
+        </p:spPr>
+        <p:style>
+          <a:lnRef idx="2">
+            <a:schemeClr val="accent1">
+              <a:shade val="50000"/>
+            </a:schemeClr>
+          </a:lnRef>
+          <a:fillRef idx="1">
+            <a:schemeClr val="accent1"/>
+          </a:fillRef>
+          <a:effectRef idx="0">
+            <a:schemeClr val="accent1"/>
+          </a:effectRef>
+          <a:fontRef idx="minor">
+            <a:schemeClr val="lt1"/>
+          </a:fontRef>
+        </p:style>
+        <p:txBody>
+          <a:bodyPr rtlCol="0" anchor="ctr"/>
+          <a:lstStyle/>
+          <a:p>
+            <a:pPr algn="ctr"/>
+            <a:r>
+              <a:rPr lang="en-US" dirty="0"/>
+              <a:t>3</a:t>
+            </a:r>
+          </a:p>
+        </p:txBody>
+      </p:sp>
+      <p:sp>
+        <p:nvSpPr>
+          <p:cNvPr id="47" name="Heptagon 46">
+            <a:extLst>
+              <a:ext uri="{FF2B5EF4-FFF2-40B4-BE49-F238E27FC236}">
+                <a16:creationId xmlns:a16="http://schemas.microsoft.com/office/drawing/2014/main" id="{AB00409F-5084-44E7-90AA-34000E295530}"/>
+              </a:ext>
+            </a:extLst>
+          </p:cNvPr>
+          <p:cNvSpPr/>
+          <p:nvPr/>
+        </p:nvSpPr>
+        <p:spPr>
+          <a:xfrm>
+            <a:off x="5202778" y="2846650"/>
+            <a:ext cx="307435" cy="344102"/>
+          </a:xfrm>
+          <a:prstGeom prst="heptagon">
+            <a:avLst/>
+          </a:prstGeom>
+        </p:spPr>
+        <p:style>
+          <a:lnRef idx="2">
+            <a:schemeClr val="accent1">
+              <a:shade val="50000"/>
+            </a:schemeClr>
+          </a:lnRef>
+          <a:fillRef idx="1">
+            <a:schemeClr val="accent1"/>
+          </a:fillRef>
+          <a:effectRef idx="0">
+            <a:schemeClr val="accent1"/>
+          </a:effectRef>
+          <a:fontRef idx="minor">
+            <a:schemeClr val="lt1"/>
+          </a:fontRef>
+        </p:style>
+        <p:txBody>
+          <a:bodyPr rtlCol="0" anchor="ctr"/>
+          <a:lstStyle/>
+          <a:p>
+            <a:pPr algn="ctr"/>
+            <a:r>
+              <a:rPr lang="en-US" dirty="0"/>
+              <a:t>4</a:t>
+            </a:r>
+          </a:p>
+        </p:txBody>
+      </p:sp>
+      <p:sp>
+        <p:nvSpPr>
+          <p:cNvPr id="48" name="Heptagon 47">
+            <a:extLst>
+              <a:ext uri="{FF2B5EF4-FFF2-40B4-BE49-F238E27FC236}">
+                <a16:creationId xmlns:a16="http://schemas.microsoft.com/office/drawing/2014/main" id="{7404ADED-C51D-46C9-8F7A-0B3E6F45A5B6}"/>
+              </a:ext>
+            </a:extLst>
+          </p:cNvPr>
+          <p:cNvSpPr/>
+          <p:nvPr/>
+        </p:nvSpPr>
+        <p:spPr>
+          <a:xfrm>
+            <a:off x="7859999" y="3605724"/>
+            <a:ext cx="307435" cy="344102"/>
+          </a:xfrm>
+          <a:prstGeom prst="heptagon">
+            <a:avLst/>
+          </a:prstGeom>
+        </p:spPr>
+        <p:style>
+          <a:lnRef idx="2">
+            <a:schemeClr val="accent1">
+              <a:shade val="50000"/>
+            </a:schemeClr>
+          </a:lnRef>
+          <a:fillRef idx="1">
+            <a:schemeClr val="accent1"/>
+          </a:fillRef>
+          <a:effectRef idx="0">
+            <a:schemeClr val="accent1"/>
+          </a:effectRef>
+          <a:fontRef idx="minor">
+            <a:schemeClr val="lt1"/>
+          </a:fontRef>
+        </p:style>
+        <p:txBody>
+          <a:bodyPr rtlCol="0" anchor="ctr"/>
+          <a:lstStyle/>
+          <a:p>
+            <a:pPr algn="ctr"/>
+            <a:r>
+              <a:rPr lang="en-US" dirty="0"/>
+              <a:t>5</a:t>
+            </a:r>
+          </a:p>
+        </p:txBody>
+      </p:sp>
+      <p:sp>
+        <p:nvSpPr>
+          <p:cNvPr id="49" name="Heptagon 48">
+            <a:extLst>
+              <a:ext uri="{FF2B5EF4-FFF2-40B4-BE49-F238E27FC236}">
+                <a16:creationId xmlns:a16="http://schemas.microsoft.com/office/drawing/2014/main" id="{2E4FEFBF-5DA1-4129-9427-C54B20A39168}"/>
+              </a:ext>
+            </a:extLst>
+          </p:cNvPr>
+          <p:cNvSpPr/>
+          <p:nvPr/>
+        </p:nvSpPr>
+        <p:spPr>
+          <a:xfrm>
+            <a:off x="7859999" y="926663"/>
+            <a:ext cx="307435" cy="344102"/>
+          </a:xfrm>
+          <a:prstGeom prst="heptagon">
+            <a:avLst/>
+          </a:prstGeom>
+        </p:spPr>
+        <p:style>
+          <a:lnRef idx="2">
+            <a:schemeClr val="accent1">
+              <a:shade val="50000"/>
+            </a:schemeClr>
+          </a:lnRef>
+          <a:fillRef idx="1">
+            <a:schemeClr val="accent1"/>
+          </a:fillRef>
+          <a:effectRef idx="0">
+            <a:schemeClr val="accent1"/>
+          </a:effectRef>
+          <a:fontRef idx="minor">
+            <a:schemeClr val="lt1"/>
+          </a:fontRef>
+        </p:style>
+        <p:txBody>
+          <a:bodyPr rtlCol="0" anchor="ctr"/>
+          <a:lstStyle/>
+          <a:p>
+            <a:pPr algn="ctr"/>
+            <a:r>
+              <a:rPr lang="en-US" dirty="0"/>
+              <a:t>6</a:t>
+            </a:r>
+          </a:p>
+        </p:txBody>
+      </p:sp>
+      <p:sp>
+        <p:nvSpPr>
+          <p:cNvPr id="50" name="Heptagon 49">
+            <a:extLst>
+              <a:ext uri="{FF2B5EF4-FFF2-40B4-BE49-F238E27FC236}">
+                <a16:creationId xmlns:a16="http://schemas.microsoft.com/office/drawing/2014/main" id="{A5EF7CE5-E060-4730-979F-55F63D3F4A68}"/>
+              </a:ext>
+            </a:extLst>
+          </p:cNvPr>
+          <p:cNvSpPr/>
+          <p:nvPr/>
+        </p:nvSpPr>
+        <p:spPr>
+          <a:xfrm>
+            <a:off x="10548060" y="4317947"/>
+            <a:ext cx="307435" cy="344102"/>
+          </a:xfrm>
+          <a:prstGeom prst="heptagon">
+            <a:avLst/>
+          </a:prstGeom>
+        </p:spPr>
+        <p:style>
+          <a:lnRef idx="2">
+            <a:schemeClr val="accent1">
+              <a:shade val="50000"/>
+            </a:schemeClr>
+          </a:lnRef>
+          <a:fillRef idx="1">
+            <a:schemeClr val="accent1"/>
+          </a:fillRef>
+          <a:effectRef idx="0">
+            <a:schemeClr val="accent1"/>
+          </a:effectRef>
+          <a:fontRef idx="minor">
+            <a:schemeClr val="lt1"/>
+          </a:fontRef>
+        </p:style>
+        <p:txBody>
+          <a:bodyPr rtlCol="0" anchor="ctr"/>
+          <a:lstStyle/>
+          <a:p>
+            <a:pPr algn="ctr"/>
+            <a:r>
+              <a:rPr lang="en-US" dirty="0"/>
+              <a:t>7</a:t>
+            </a:r>
+          </a:p>
+        </p:txBody>
+      </p:sp>
+      <p:sp>
+        <p:nvSpPr>
+          <p:cNvPr id="51" name="Heptagon 50">
+            <a:extLst>
+              <a:ext uri="{FF2B5EF4-FFF2-40B4-BE49-F238E27FC236}">
+                <a16:creationId xmlns:a16="http://schemas.microsoft.com/office/drawing/2014/main" id="{8D2FB13D-418E-4D18-87A2-A19F8511A8E0}"/>
+              </a:ext>
+            </a:extLst>
+          </p:cNvPr>
+          <p:cNvSpPr/>
+          <p:nvPr/>
+        </p:nvSpPr>
+        <p:spPr>
+          <a:xfrm>
+            <a:off x="568040" y="285164"/>
+            <a:ext cx="307435" cy="344102"/>
+          </a:xfrm>
+          <a:prstGeom prst="heptagon">
+            <a:avLst/>
+          </a:prstGeom>
+        </p:spPr>
+        <p:style>
+          <a:lnRef idx="2">
+            <a:schemeClr val="accent1">
+              <a:shade val="50000"/>
+            </a:schemeClr>
+          </a:lnRef>
+          <a:fillRef idx="1">
+            <a:schemeClr val="accent1"/>
+          </a:fillRef>
+          <a:effectRef idx="0">
+            <a:schemeClr val="accent1"/>
+          </a:effectRef>
+          <a:fontRef idx="minor">
+            <a:schemeClr val="lt1"/>
+          </a:fontRef>
+        </p:style>
+        <p:txBody>
+          <a:bodyPr rtlCol="0" anchor="ctr"/>
+          <a:lstStyle/>
+          <a:p>
+            <a:pPr algn="ctr"/>
+            <a:r>
+              <a:rPr lang="en-US" dirty="0"/>
+              <a:t>9</a:t>
+            </a:r>
+          </a:p>
+        </p:txBody>
+      </p:sp>
+      <p:sp>
+        <p:nvSpPr>
+          <p:cNvPr id="35" name="TextBox 34">
+            <a:extLst>
+              <a:ext uri="{FF2B5EF4-FFF2-40B4-BE49-F238E27FC236}">
+                <a16:creationId xmlns:a16="http://schemas.microsoft.com/office/drawing/2014/main" id="{E2F5F6A0-D510-4DE5-B9DB-EE0C0D374DC9}"/>
+              </a:ext>
+            </a:extLst>
+          </p:cNvPr>
+          <p:cNvSpPr txBox="1"/>
+          <p:nvPr/>
+        </p:nvSpPr>
+        <p:spPr>
+          <a:xfrm>
+            <a:off x="3381328" y="2725855"/>
+            <a:ext cx="502061" cy="276999"/>
+          </a:xfrm>
+          <a:prstGeom prst="rect">
+            <a:avLst/>
+          </a:prstGeom>
+          <a:noFill/>
+        </p:spPr>
+        <p:txBody>
+          <a:bodyPr wrap="none" rtlCol="0">
+            <a:spAutoFit/>
+          </a:bodyPr>
+          <a:lstStyle/>
+          <a:p>
+            <a:r>
+              <a:rPr lang="en-US" sz="1200" dirty="0">
+                <a:solidFill>
+                  <a:srgbClr val="002060"/>
+                </a:solidFill>
+                <a:latin typeface="Verdana" panose="020B0604030504040204" pitchFamily="34" charset="0"/>
+                <a:ea typeface="Verdana" panose="020B0604030504040204" pitchFamily="34" charset="0"/>
+              </a:rPr>
+              <a:t>JWT</a:t>
+            </a:r>
+          </a:p>
+        </p:txBody>
+      </p:sp>
+      <p:sp>
+        <p:nvSpPr>
+          <p:cNvPr id="29" name="TextBox 28">
+            <a:extLst>
+              <a:ext uri="{FF2B5EF4-FFF2-40B4-BE49-F238E27FC236}">
+                <a16:creationId xmlns:a16="http://schemas.microsoft.com/office/drawing/2014/main" id="{73DEDEAB-57DE-46F8-9469-78112F7FEB52}"/>
+              </a:ext>
+            </a:extLst>
+          </p:cNvPr>
+          <p:cNvSpPr txBox="1"/>
+          <p:nvPr/>
+        </p:nvSpPr>
+        <p:spPr>
+          <a:xfrm>
+            <a:off x="1943299" y="2511094"/>
+            <a:ext cx="1206741" cy="276999"/>
+          </a:xfrm>
+          <a:prstGeom prst="rect">
+            <a:avLst/>
+          </a:prstGeom>
+          <a:noFill/>
+        </p:spPr>
+        <p:txBody>
+          <a:bodyPr wrap="none" rtlCol="0">
+            <a:spAutoFit/>
+          </a:bodyPr>
+          <a:lstStyle/>
+          <a:p>
+            <a:r>
+              <a:rPr lang="en-US" sz="1200" dirty="0">
+                <a:solidFill>
+                  <a:srgbClr val="002060"/>
+                </a:solidFill>
+                <a:latin typeface="Verdana" panose="020B0604030504040204" pitchFamily="34" charset="0"/>
+                <a:ea typeface="Verdana" panose="020B0604030504040204" pitchFamily="34" charset="0"/>
+              </a:rPr>
+              <a:t>Blazor WASM</a:t>
+            </a:r>
+          </a:p>
+        </p:txBody>
+      </p:sp>
+      <p:sp>
+        <p:nvSpPr>
+          <p:cNvPr id="30" name="TextBox 29">
+            <a:extLst>
+              <a:ext uri="{FF2B5EF4-FFF2-40B4-BE49-F238E27FC236}">
+                <a16:creationId xmlns:a16="http://schemas.microsoft.com/office/drawing/2014/main" id="{9380F401-B30D-4061-B24C-F39F66577851}"/>
+              </a:ext>
+            </a:extLst>
+          </p:cNvPr>
+          <p:cNvSpPr txBox="1"/>
+          <p:nvPr/>
+        </p:nvSpPr>
+        <p:spPr>
+          <a:xfrm>
+            <a:off x="4473098" y="3754821"/>
+            <a:ext cx="938077" cy="276999"/>
+          </a:xfrm>
+          <a:prstGeom prst="rect">
+            <a:avLst/>
+          </a:prstGeom>
+          <a:noFill/>
+        </p:spPr>
+        <p:txBody>
+          <a:bodyPr wrap="none" rtlCol="0">
+            <a:spAutoFit/>
+          </a:bodyPr>
+          <a:lstStyle/>
+          <a:p>
+            <a:r>
+              <a:rPr lang="en-US" sz="1200" dirty="0">
+                <a:solidFill>
+                  <a:srgbClr val="002060"/>
+                </a:solidFill>
+                <a:latin typeface="Verdana" panose="020B0604030504040204" pitchFamily="34" charset="0"/>
+                <a:ea typeface="Verdana" panose="020B0604030504040204" pitchFamily="34" charset="0"/>
+              </a:rPr>
+              <a:t>API Mgmt</a:t>
+            </a:r>
+          </a:p>
+        </p:txBody>
+      </p:sp>
+      <p:sp>
+        <p:nvSpPr>
+          <p:cNvPr id="32" name="TextBox 31">
+            <a:extLst>
+              <a:ext uri="{FF2B5EF4-FFF2-40B4-BE49-F238E27FC236}">
+                <a16:creationId xmlns:a16="http://schemas.microsoft.com/office/drawing/2014/main" id="{7ACD62D2-6EA3-462B-9EE3-1AE82A658BDE}"/>
+              </a:ext>
+            </a:extLst>
+          </p:cNvPr>
+          <p:cNvSpPr txBox="1"/>
+          <p:nvPr/>
+        </p:nvSpPr>
+        <p:spPr>
+          <a:xfrm>
+            <a:off x="6984279" y="3753973"/>
+            <a:ext cx="834396" cy="276999"/>
+          </a:xfrm>
+          <a:prstGeom prst="rect">
+            <a:avLst/>
+          </a:prstGeom>
+          <a:noFill/>
+        </p:spPr>
+        <p:txBody>
+          <a:bodyPr wrap="none" rtlCol="0">
+            <a:spAutoFit/>
+          </a:bodyPr>
+          <a:lstStyle/>
+          <a:p>
+            <a:r>
+              <a:rPr lang="en-US" sz="1200" dirty="0">
+                <a:solidFill>
+                  <a:srgbClr val="002060"/>
+                </a:solidFill>
+                <a:latin typeface="Verdana" panose="020B0604030504040204" pitchFamily="34" charset="0"/>
+                <a:ea typeface="Verdana" panose="020B0604030504040204" pitchFamily="34" charset="0"/>
+              </a:rPr>
+              <a:t>Web API</a:t>
+            </a:r>
+          </a:p>
+        </p:txBody>
+      </p:sp>
+      <p:sp>
+        <p:nvSpPr>
+          <p:cNvPr id="33" name="TextBox 32">
+            <a:extLst>
+              <a:ext uri="{FF2B5EF4-FFF2-40B4-BE49-F238E27FC236}">
+                <a16:creationId xmlns:a16="http://schemas.microsoft.com/office/drawing/2014/main" id="{B2F4BAD8-B680-472E-AAAA-BA6C3042BA54}"/>
+              </a:ext>
+            </a:extLst>
+          </p:cNvPr>
+          <p:cNvSpPr txBox="1"/>
+          <p:nvPr/>
+        </p:nvSpPr>
+        <p:spPr>
+          <a:xfrm>
+            <a:off x="6657173" y="530691"/>
+            <a:ext cx="1411027" cy="276999"/>
+          </a:xfrm>
+          <a:prstGeom prst="rect">
+            <a:avLst/>
+          </a:prstGeom>
+          <a:noFill/>
+        </p:spPr>
+        <p:txBody>
+          <a:bodyPr wrap="none" rtlCol="0">
+            <a:spAutoFit/>
+          </a:bodyPr>
+          <a:lstStyle/>
+          <a:p>
+            <a:r>
+              <a:rPr lang="en-US" sz="1200" dirty="0">
+                <a:solidFill>
+                  <a:srgbClr val="002060"/>
+                </a:solidFill>
+                <a:latin typeface="Verdana" panose="020B0604030504040204" pitchFamily="34" charset="0"/>
+                <a:ea typeface="Verdana" panose="020B0604030504040204" pitchFamily="34" charset="0"/>
+              </a:rPr>
+              <a:t>Azure Key Vault</a:t>
+            </a:r>
+          </a:p>
+        </p:txBody>
+      </p:sp>
+      <p:sp>
+        <p:nvSpPr>
+          <p:cNvPr id="36" name="TextBox 35">
+            <a:extLst>
+              <a:ext uri="{FF2B5EF4-FFF2-40B4-BE49-F238E27FC236}">
+                <a16:creationId xmlns:a16="http://schemas.microsoft.com/office/drawing/2014/main" id="{84BB2DD0-C9FA-4D1D-9F0F-A0CE16591369}"/>
+              </a:ext>
+            </a:extLst>
+          </p:cNvPr>
+          <p:cNvSpPr txBox="1"/>
+          <p:nvPr/>
+        </p:nvSpPr>
+        <p:spPr>
+          <a:xfrm>
+            <a:off x="10316252" y="1204326"/>
+            <a:ext cx="1617174" cy="276999"/>
+          </a:xfrm>
+          <a:prstGeom prst="rect">
+            <a:avLst/>
+          </a:prstGeom>
+          <a:noFill/>
+        </p:spPr>
+        <p:txBody>
+          <a:bodyPr wrap="none" rtlCol="0">
+            <a:spAutoFit/>
+          </a:bodyPr>
+          <a:lstStyle/>
+          <a:p>
+            <a:r>
+              <a:rPr lang="en-US" sz="1200" dirty="0">
+                <a:solidFill>
+                  <a:srgbClr val="002060"/>
+                </a:solidFill>
+                <a:latin typeface="Verdana" panose="020B0604030504040204" pitchFamily="34" charset="0"/>
+                <a:ea typeface="Verdana" panose="020B0604030504040204" pitchFamily="34" charset="0"/>
+              </a:rPr>
+              <a:t>Azure Redis Cache</a:t>
+            </a:r>
+          </a:p>
+        </p:txBody>
+      </p:sp>
+      <p:sp>
+        <p:nvSpPr>
+          <p:cNvPr id="37" name="TextBox 36">
+            <a:extLst>
+              <a:ext uri="{FF2B5EF4-FFF2-40B4-BE49-F238E27FC236}">
+                <a16:creationId xmlns:a16="http://schemas.microsoft.com/office/drawing/2014/main" id="{E472F245-397E-4CEE-88C2-F7D04A607F7F}"/>
+              </a:ext>
+            </a:extLst>
+          </p:cNvPr>
+          <p:cNvSpPr txBox="1"/>
+          <p:nvPr/>
+        </p:nvSpPr>
+        <p:spPr>
+          <a:xfrm>
+            <a:off x="10440540" y="4800928"/>
+            <a:ext cx="1557093" cy="276999"/>
+          </a:xfrm>
+          <a:prstGeom prst="rect">
+            <a:avLst/>
+          </a:prstGeom>
+          <a:noFill/>
+        </p:spPr>
+        <p:txBody>
+          <a:bodyPr wrap="none" rtlCol="0">
+            <a:spAutoFit/>
+          </a:bodyPr>
+          <a:lstStyle/>
+          <a:p>
+            <a:r>
+              <a:rPr lang="en-US" sz="1200" dirty="0">
+                <a:solidFill>
+                  <a:srgbClr val="002060"/>
+                </a:solidFill>
+                <a:latin typeface="Verdana" panose="020B0604030504040204" pitchFamily="34" charset="0"/>
+                <a:ea typeface="Verdana" panose="020B0604030504040204" pitchFamily="34" charset="0"/>
+              </a:rPr>
+              <a:t>Azure SQL Server</a:t>
+            </a:r>
+          </a:p>
+        </p:txBody>
+      </p:sp>
+      <p:sp>
+        <p:nvSpPr>
+          <p:cNvPr id="3" name="TextBox 2">
+            <a:extLst>
+              <a:ext uri="{FF2B5EF4-FFF2-40B4-BE49-F238E27FC236}">
+                <a16:creationId xmlns:a16="http://schemas.microsoft.com/office/drawing/2014/main" id="{45480DDA-EA19-4760-9EF2-DBA83BCE9A76}"/>
+              </a:ext>
+            </a:extLst>
+          </p:cNvPr>
+          <p:cNvSpPr txBox="1"/>
+          <p:nvPr/>
+        </p:nvSpPr>
+        <p:spPr>
+          <a:xfrm>
+            <a:off x="497150" y="5406499"/>
+            <a:ext cx="7295330" cy="1200329"/>
+          </a:xfrm>
+          <a:prstGeom prst="rect">
+            <a:avLst/>
+          </a:prstGeom>
+          <a:noFill/>
+          <a:ln>
+            <a:solidFill>
+              <a:srgbClr val="002060"/>
+            </a:solidFill>
+          </a:ln>
+        </p:spPr>
+        <p:txBody>
+          <a:bodyPr wrap="none" rtlCol="0">
+            <a:spAutoFit/>
+          </a:bodyPr>
+          <a:lstStyle/>
+          <a:p>
+            <a:r>
+              <a:rPr lang="en-US" sz="1200" b="1" u="sng" dirty="0">
+                <a:solidFill>
+                  <a:srgbClr val="002060"/>
+                </a:solidFill>
+                <a:latin typeface="Verdana" panose="020B0604030504040204" pitchFamily="34" charset="0"/>
+                <a:ea typeface="Verdana" panose="020B0604030504040204" pitchFamily="34" charset="0"/>
+              </a:rPr>
+              <a:t>High Lights:</a:t>
+            </a:r>
+          </a:p>
+          <a:p>
+            <a:pPr marL="228600" indent="-228600">
+              <a:buAutoNum type="arabicPeriod"/>
+            </a:pPr>
+            <a:r>
+              <a:rPr lang="en-US" sz="1200" dirty="0">
+                <a:solidFill>
+                  <a:srgbClr val="002060"/>
+                </a:solidFill>
+                <a:latin typeface="Verdana" panose="020B0604030504040204" pitchFamily="34" charset="0"/>
+                <a:ea typeface="Verdana" panose="020B0604030504040204" pitchFamily="34" charset="0"/>
+              </a:rPr>
+              <a:t>Blazor WASM UI get authenticated and pass the JWT to APIM.</a:t>
+            </a:r>
+          </a:p>
+          <a:p>
+            <a:pPr marL="228600" indent="-228600">
+              <a:buAutoNum type="arabicPeriod"/>
+            </a:pPr>
+            <a:r>
+              <a:rPr lang="en-US" sz="1200" dirty="0">
+                <a:solidFill>
+                  <a:srgbClr val="002060"/>
+                </a:solidFill>
+                <a:latin typeface="Verdana" panose="020B0604030504040204" pitchFamily="34" charset="0"/>
+                <a:ea typeface="Verdana" panose="020B0604030504040204" pitchFamily="34" charset="0"/>
+              </a:rPr>
+              <a:t>APIM Validates the JWT and routes the request to Web API.</a:t>
+            </a:r>
+          </a:p>
+          <a:p>
+            <a:pPr marL="228600" indent="-228600">
+              <a:buAutoNum type="arabicPeriod"/>
+            </a:pPr>
+            <a:r>
+              <a:rPr lang="en-US" sz="1200" dirty="0">
+                <a:solidFill>
+                  <a:srgbClr val="002060"/>
+                </a:solidFill>
+                <a:latin typeface="Verdana" panose="020B0604030504040204" pitchFamily="34" charset="0"/>
+                <a:ea typeface="Verdana" panose="020B0604030504040204" pitchFamily="34" charset="0"/>
+              </a:rPr>
+              <a:t>SQL Server, and Redis Cache’s credentials are stored in Azure Key Vault.</a:t>
+            </a:r>
+          </a:p>
+          <a:p>
+            <a:pPr marL="228600" indent="-228600">
+              <a:buAutoNum type="arabicPeriod"/>
+            </a:pPr>
+            <a:r>
+              <a:rPr lang="en-US" sz="1200" dirty="0">
+                <a:solidFill>
+                  <a:srgbClr val="002060"/>
+                </a:solidFill>
+                <a:latin typeface="Verdana" panose="020B0604030504040204" pitchFamily="34" charset="0"/>
+                <a:ea typeface="Verdana" panose="020B0604030504040204" pitchFamily="34" charset="0"/>
+              </a:rPr>
+              <a:t>Web API investigates Azure Redis Cache before hitting SQL Azure. (Cache Aside Pattern)</a:t>
+            </a:r>
+          </a:p>
+          <a:p>
+            <a:pPr marL="228600" indent="-228600">
+              <a:buAutoNum type="arabicPeriod"/>
+            </a:pPr>
+            <a:r>
+              <a:rPr lang="en-US" sz="1200" dirty="0">
+                <a:solidFill>
+                  <a:srgbClr val="002060"/>
+                </a:solidFill>
+                <a:latin typeface="Verdana" panose="020B0604030504040204" pitchFamily="34" charset="0"/>
+                <a:ea typeface="Verdana" panose="020B0604030504040204" pitchFamily="34" charset="0"/>
+              </a:rPr>
+              <a:t>We will preform </a:t>
+            </a:r>
+            <a:r>
+              <a:rPr lang="en-US" sz="1200" dirty="0" err="1">
+                <a:solidFill>
+                  <a:srgbClr val="002060"/>
+                </a:solidFill>
+                <a:latin typeface="Verdana" panose="020B0604030504040204" pitchFamily="34" charset="0"/>
+                <a:ea typeface="Verdana" panose="020B0604030504040204" pitchFamily="34" charset="0"/>
+              </a:rPr>
+              <a:t>Dacpac</a:t>
+            </a:r>
+            <a:r>
+              <a:rPr lang="en-US" sz="1200" dirty="0">
+                <a:solidFill>
+                  <a:srgbClr val="002060"/>
+                </a:solidFill>
+                <a:latin typeface="Verdana" panose="020B0604030504040204" pitchFamily="34" charset="0"/>
+                <a:ea typeface="Verdana" panose="020B0604030504040204" pitchFamily="34" charset="0"/>
+              </a:rPr>
+              <a:t> (.</a:t>
+            </a:r>
+            <a:r>
+              <a:rPr lang="en-US" sz="1200" dirty="0" err="1">
+                <a:solidFill>
+                  <a:srgbClr val="002060"/>
+                </a:solidFill>
+                <a:latin typeface="Verdana" panose="020B0604030504040204" pitchFamily="34" charset="0"/>
+                <a:ea typeface="Verdana" panose="020B0604030504040204" pitchFamily="34" charset="0"/>
+              </a:rPr>
+              <a:t>sqlproj</a:t>
+            </a:r>
+            <a:r>
+              <a:rPr lang="en-US" sz="1200" dirty="0">
+                <a:solidFill>
+                  <a:srgbClr val="002060"/>
+                </a:solidFill>
+                <a:latin typeface="Verdana" panose="020B0604030504040204" pitchFamily="34" charset="0"/>
+                <a:ea typeface="Verdana" panose="020B0604030504040204" pitchFamily="34" charset="0"/>
+              </a:rPr>
+              <a:t>) for deployment of SQL Data Store.</a:t>
+            </a:r>
+          </a:p>
+        </p:txBody>
+      </p:sp>
+      <p:pic>
+        <p:nvPicPr>
+          <p:cNvPr id="2" name="Picture 2">
+            <a:extLst>
+              <a:ext uri="{FF2B5EF4-FFF2-40B4-BE49-F238E27FC236}">
+                <a16:creationId xmlns:a16="http://schemas.microsoft.com/office/drawing/2014/main" id="{BCFEBCAF-2E0F-4B75-8708-7FFA15FC75D0}"/>
+              </a:ext>
+            </a:extLst>
+          </p:cNvPr>
+          <p:cNvPicPr>
+            <a:picLocks noChangeAspect="1" noChangeArrowheads="1"/>
+          </p:cNvPicPr>
+          <p:nvPr/>
+        </p:nvPicPr>
+        <p:blipFill>
+          <a:blip r:embed="rId11">
+            <a:extLst>
+              <a:ext uri="{28A0092B-C50C-407E-A947-70E740481C1C}">
+                <a14:useLocalDpi xmlns:a14="http://schemas.microsoft.com/office/drawing/2010/main" val="0"/>
+              </a:ext>
+            </a:extLst>
+          </a:blip>
+          <a:srcRect/>
+          <a:stretch>
+            <a:fillRect/>
+          </a:stretch>
+        </p:blipFill>
+        <p:spPr bwMode="auto">
+          <a:xfrm>
+            <a:off x="2219093" y="4432621"/>
+            <a:ext cx="657225" cy="657225"/>
+          </a:xfrm>
+          <a:prstGeom prst="rect">
+            <a:avLst/>
+          </a:prstGeom>
+          <a:noFill/>
+          <a:extLst>
+            <a:ext uri="{909E8E84-426E-40DD-AFC4-6F175D3DCCD1}">
+              <a14:hiddenFill xmlns:a14="http://schemas.microsoft.com/office/drawing/2010/main">
+                <a:solidFill>
+                  <a:srgbClr val="FFFFFF"/>
+                </a:solidFill>
+              </a14:hiddenFill>
+            </a:ext>
+          </a:extLst>
+        </p:spPr>
+      </p:pic>
+      <p:cxnSp>
+        <p:nvCxnSpPr>
+          <p:cNvPr id="5" name="Straight Arrow Connector 4">
+            <a:extLst>
+              <a:ext uri="{FF2B5EF4-FFF2-40B4-BE49-F238E27FC236}">
+                <a16:creationId xmlns:a16="http://schemas.microsoft.com/office/drawing/2014/main" id="{59A50E47-D91D-4EA9-A6A2-1B5906E403ED}"/>
+              </a:ext>
+            </a:extLst>
+          </p:cNvPr>
+          <p:cNvCxnSpPr>
+            <a:stCxn id="1036" idx="2"/>
+            <a:endCxn id="2" idx="0"/>
+          </p:cNvCxnSpPr>
+          <p:nvPr/>
+        </p:nvCxnSpPr>
+        <p:spPr>
+          <a:xfrm flipH="1">
+            <a:off x="2547706" y="3715167"/>
+            <a:ext cx="1" cy="717454"/>
+          </a:xfrm>
+          <a:prstGeom prst="straightConnector1">
+            <a:avLst/>
+          </a:prstGeom>
+          <a:ln>
+            <a:tailEnd type="triangle"/>
+          </a:ln>
+        </p:spPr>
+        <p:style>
+          <a:lnRef idx="1">
+            <a:schemeClr val="accent1"/>
+          </a:lnRef>
+          <a:fillRef idx="0">
+            <a:schemeClr val="accent1"/>
+          </a:fillRef>
+          <a:effectRef idx="0">
+            <a:schemeClr val="accent1"/>
+          </a:effectRef>
+          <a:fontRef idx="minor">
+            <a:schemeClr val="tx1"/>
+          </a:fontRef>
+        </p:style>
+      </p:cxnSp>
+      <p:sp>
+        <p:nvSpPr>
+          <p:cNvPr id="38" name="TextBox 37">
+            <a:extLst>
+              <a:ext uri="{FF2B5EF4-FFF2-40B4-BE49-F238E27FC236}">
+                <a16:creationId xmlns:a16="http://schemas.microsoft.com/office/drawing/2014/main" id="{812281D3-9601-44ED-9C3E-6CC1CCD3B02D}"/>
+              </a:ext>
+            </a:extLst>
+          </p:cNvPr>
+          <p:cNvSpPr txBox="1"/>
+          <p:nvPr/>
+        </p:nvSpPr>
+        <p:spPr>
+          <a:xfrm>
+            <a:off x="2227245" y="4997807"/>
+            <a:ext cx="643959" cy="276999"/>
+          </a:xfrm>
+          <a:prstGeom prst="rect">
+            <a:avLst/>
+          </a:prstGeom>
+          <a:noFill/>
+        </p:spPr>
+        <p:txBody>
+          <a:bodyPr wrap="none" rtlCol="0">
+            <a:spAutoFit/>
+          </a:bodyPr>
+          <a:lstStyle/>
+          <a:p>
+            <a:r>
+              <a:rPr lang="en-US" sz="1200" dirty="0">
+                <a:solidFill>
+                  <a:srgbClr val="002060"/>
+                </a:solidFill>
+                <a:latin typeface="Verdana" panose="020B0604030504040204" pitchFamily="34" charset="0"/>
+                <a:ea typeface="Verdana" panose="020B0604030504040204" pitchFamily="34" charset="0"/>
+              </a:rPr>
+              <a:t>Auth0</a:t>
+            </a:r>
+          </a:p>
+        </p:txBody>
+      </p:sp>
+      <p:sp>
+        <p:nvSpPr>
+          <p:cNvPr id="40" name="Heptagon 39">
+            <a:extLst>
+              <a:ext uri="{FF2B5EF4-FFF2-40B4-BE49-F238E27FC236}">
+                <a16:creationId xmlns:a16="http://schemas.microsoft.com/office/drawing/2014/main" id="{267543E6-4F71-4DDC-8456-D8E02CC93FC0}"/>
+              </a:ext>
+            </a:extLst>
+          </p:cNvPr>
+          <p:cNvSpPr/>
+          <p:nvPr/>
+        </p:nvSpPr>
+        <p:spPr>
+          <a:xfrm>
+            <a:off x="10548060" y="1638846"/>
+            <a:ext cx="307435" cy="344102"/>
+          </a:xfrm>
+          <a:prstGeom prst="heptagon">
+            <a:avLst/>
+          </a:prstGeom>
+        </p:spPr>
+        <p:style>
+          <a:lnRef idx="2">
+            <a:schemeClr val="accent1">
+              <a:shade val="50000"/>
+            </a:schemeClr>
+          </a:lnRef>
+          <a:fillRef idx="1">
+            <a:schemeClr val="accent1"/>
+          </a:fillRef>
+          <a:effectRef idx="0">
+            <a:schemeClr val="accent1"/>
+          </a:effectRef>
+          <a:fontRef idx="minor">
+            <a:schemeClr val="lt1"/>
+          </a:fontRef>
+        </p:style>
+        <p:txBody>
+          <a:bodyPr rtlCol="0" anchor="ctr"/>
+          <a:lstStyle/>
+          <a:p>
+            <a:pPr algn="ctr"/>
+            <a:r>
+              <a:rPr lang="en-US" dirty="0"/>
+              <a:t>8</a:t>
+            </a:r>
+          </a:p>
+        </p:txBody>
+      </p:sp>
+    </p:spTree>
+    <p:extLst>
+      <p:ext uri="{BB962C8B-B14F-4D97-AF65-F5344CB8AC3E}">
         <p14:creationId xmlns:p14="http://schemas.microsoft.com/office/powerpoint/2010/main" val="4038736619"/>
       </p:ext>
     </p:extLst>
@@ -5667,7 +7487,7 @@
 </p:sld>
 </file>
 
-<file path=ppt/slides/slide11.xml><?xml version="1.0" encoding="utf-8"?>
+<file path=ppt/slides/slide12.xml><?xml version="1.0" encoding="utf-8"?>
 <p:sld xmlns:a="http://schemas.openxmlformats.org/drawingml/2006/main" xmlns:r="http://schemas.openxmlformats.org/officeDocument/2006/relationships" xmlns:p="http://schemas.openxmlformats.org/presentationml/2006/main">
   <p:cSld>
     <p:spTree>
@@ -6771,7 +8591,7 @@
                 <a:ea typeface="Verdana" panose="020B0604030504040204" pitchFamily="34" charset="0"/>
                 <a:cs typeface="+mn-cs"/>
               </a:rPr>
-              <a:t>PR Process, CI, CD</a:t>
+              <a:t>Information</a:t>
             </a:r>
             <a:endParaRPr kumimoji="0" lang="en-IN" sz="1800" b="1" i="0" u="none" strike="noStrike" kern="1200" cap="none" spc="0" normalizeH="0" baseline="0" noProof="0" dirty="0">
               <a:ln>
@@ -6804,7 +8624,7 @@
         </p:nvSpPr>
         <p:spPr>
           <a:xfrm>
-            <a:off x="0" y="6383046"/>
+            <a:off x="0" y="3915050"/>
             <a:ext cx="12183122" cy="57703"/>
           </a:xfrm>
           <a:prstGeom prst="rect">
@@ -6886,6 +8706,757 @@
         </p:nvSpPr>
         <p:spPr>
           <a:xfrm>
+            <a:off x="4038600" y="3959378"/>
+            <a:ext cx="4114800" cy="365125"/>
+          </a:xfrm>
+        </p:spPr>
+        <p:txBody>
+          <a:bodyPr/>
+          <a:lstStyle/>
+          <a:p>
+            <a:pPr marL="0" marR="0" lvl="0" indent="0" algn="ctr" defTabSz="914400" rtl="0" eaLnBrk="1" fontAlgn="auto" latinLnBrk="0" hangingPunct="1">
+              <a:lnSpc>
+                <a:spcPct val="100000"/>
+              </a:lnSpc>
+              <a:spcBef>
+                <a:spcPts val="0"/>
+              </a:spcBef>
+              <a:spcAft>
+                <a:spcPts val="0"/>
+              </a:spcAft>
+              <a:buClrTx/>
+              <a:buSzTx/>
+              <a:buFontTx/>
+              <a:buNone/>
+              <a:tabLst/>
+              <a:defRPr/>
+            </a:pPr>
+            <a:r>
+              <a:rPr kumimoji="0" lang="en-IN" sz="1200" b="1" i="0" u="none" strike="noStrike" kern="1200" cap="none" spc="0" normalizeH="0" baseline="0" noProof="0" dirty="0">
+                <a:ln>
+                  <a:noFill/>
+                </a:ln>
+                <a:solidFill>
+                  <a:srgbClr val="002060"/>
+                </a:solidFill>
+                <a:effectLst/>
+                <a:uLnTx/>
+                <a:uFillTx/>
+                <a:latin typeface="Verdana" panose="020B0604030504040204" pitchFamily="34" charset="0"/>
+                <a:ea typeface="Verdana" panose="020B0604030504040204" pitchFamily="34" charset="0"/>
+                <a:cs typeface="+mn-cs"/>
+              </a:rPr>
+              <a:t>26-Jun-2022</a:t>
+            </a:r>
+          </a:p>
+        </p:txBody>
+      </p:sp>
+      <p:sp>
+        <p:nvSpPr>
+          <p:cNvPr id="9" name="Slide Number Placeholder 8">
+            <a:extLst>
+              <a:ext uri="{FF2B5EF4-FFF2-40B4-BE49-F238E27FC236}">
+                <a16:creationId xmlns:a16="http://schemas.microsoft.com/office/drawing/2014/main" id="{8162625C-0B1F-42E0-BE7C-D99A08FED7A3}"/>
+              </a:ext>
+            </a:extLst>
+          </p:cNvPr>
+          <p:cNvSpPr>
+            <a:spLocks noGrp="1"/>
+          </p:cNvSpPr>
+          <p:nvPr>
+            <p:ph type="sldNum" sz="quarter" idx="12"/>
+          </p:nvPr>
+        </p:nvSpPr>
+        <p:spPr>
+          <a:xfrm>
+            <a:off x="8610600" y="3959378"/>
+            <a:ext cx="2743200" cy="365125"/>
+          </a:xfrm>
+        </p:spPr>
+        <p:txBody>
+          <a:bodyPr/>
+          <a:lstStyle/>
+          <a:p>
+            <a:pPr marL="0" marR="0" lvl="0" indent="0" algn="r" defTabSz="914400" rtl="0" eaLnBrk="1" fontAlgn="auto" latinLnBrk="0" hangingPunct="1">
+              <a:lnSpc>
+                <a:spcPct val="100000"/>
+              </a:lnSpc>
+              <a:spcBef>
+                <a:spcPts val="0"/>
+              </a:spcBef>
+              <a:spcAft>
+                <a:spcPts val="0"/>
+              </a:spcAft>
+              <a:buClrTx/>
+              <a:buSzTx/>
+              <a:buFontTx/>
+              <a:buNone/>
+              <a:tabLst/>
+              <a:defRPr/>
+            </a:pPr>
+            <a:r>
+              <a:rPr kumimoji="0" lang="en-IN" sz="1200" b="1" i="0" u="none" strike="noStrike" kern="1200" cap="none" spc="0" normalizeH="0" baseline="0" noProof="0" dirty="0">
+                <a:ln>
+                  <a:noFill/>
+                </a:ln>
+                <a:solidFill>
+                  <a:srgbClr val="002060"/>
+                </a:solidFill>
+                <a:effectLst/>
+                <a:uLnTx/>
+                <a:uFillTx/>
+                <a:latin typeface="Verdana" panose="020B0604030504040204" pitchFamily="34" charset="0"/>
+                <a:ea typeface="Verdana" panose="020B0604030504040204" pitchFamily="34" charset="0"/>
+                <a:cs typeface="+mn-cs"/>
+              </a:rPr>
+              <a:t>1</a:t>
+            </a:r>
+          </a:p>
+        </p:txBody>
+      </p:sp>
+      <p:sp>
+        <p:nvSpPr>
+          <p:cNvPr id="12" name="Footer Placeholder 7">
+            <a:extLst>
+              <a:ext uri="{FF2B5EF4-FFF2-40B4-BE49-F238E27FC236}">
+                <a16:creationId xmlns:a16="http://schemas.microsoft.com/office/drawing/2014/main" id="{64C57949-E349-47D3-A505-A098233AF49D}"/>
+              </a:ext>
+            </a:extLst>
+          </p:cNvPr>
+          <p:cNvSpPr txBox="1">
+            <a:spLocks/>
+          </p:cNvSpPr>
+          <p:nvPr/>
+        </p:nvSpPr>
+        <p:spPr>
+          <a:xfrm>
+            <a:off x="133897" y="3960852"/>
+            <a:ext cx="4114800" cy="365125"/>
+          </a:xfrm>
+          <a:prstGeom prst="rect">
+            <a:avLst/>
+          </a:prstGeom>
+        </p:spPr>
+        <p:txBody>
+          <a:bodyPr vert="horz" lIns="91440" tIns="45720" rIns="91440" bIns="45720" rtlCol="0" anchor="ctr"/>
+          <a:lstStyle>
+            <a:defPPr>
+              <a:defRPr lang="en-US"/>
+            </a:defPPr>
+            <a:lvl1pPr marL="0" algn="ctr" defTabSz="914400" rtl="0" eaLnBrk="1" latinLnBrk="0" hangingPunct="1">
+              <a:defRPr sz="1200" kern="1200">
+                <a:solidFill>
+                  <a:schemeClr val="tx1">
+                    <a:tint val="75000"/>
+                  </a:schemeClr>
+                </a:solidFill>
+                <a:latin typeface="+mn-lt"/>
+                <a:ea typeface="+mn-ea"/>
+                <a:cs typeface="+mn-cs"/>
+              </a:defRPr>
+            </a:lvl1pPr>
+            <a:lvl2pPr marL="457200" algn="l" defTabSz="914400" rtl="0" eaLnBrk="1" latinLnBrk="0" hangingPunct="1">
+              <a:defRPr sz="1800" kern="1200">
+                <a:solidFill>
+                  <a:schemeClr val="tx1"/>
+                </a:solidFill>
+                <a:latin typeface="+mn-lt"/>
+                <a:ea typeface="+mn-ea"/>
+                <a:cs typeface="+mn-cs"/>
+              </a:defRPr>
+            </a:lvl2pPr>
+            <a:lvl3pPr marL="914400" algn="l" defTabSz="914400" rtl="0" eaLnBrk="1" latinLnBrk="0" hangingPunct="1">
+              <a:defRPr sz="1800" kern="1200">
+                <a:solidFill>
+                  <a:schemeClr val="tx1"/>
+                </a:solidFill>
+                <a:latin typeface="+mn-lt"/>
+                <a:ea typeface="+mn-ea"/>
+                <a:cs typeface="+mn-cs"/>
+              </a:defRPr>
+            </a:lvl3pPr>
+            <a:lvl4pPr marL="1371600" algn="l" defTabSz="914400" rtl="0" eaLnBrk="1" latinLnBrk="0" hangingPunct="1">
+              <a:defRPr sz="1800" kern="1200">
+                <a:solidFill>
+                  <a:schemeClr val="tx1"/>
+                </a:solidFill>
+                <a:latin typeface="+mn-lt"/>
+                <a:ea typeface="+mn-ea"/>
+                <a:cs typeface="+mn-cs"/>
+              </a:defRPr>
+            </a:lvl4pPr>
+            <a:lvl5pPr marL="1828800" algn="l" defTabSz="914400" rtl="0" eaLnBrk="1" latinLnBrk="0" hangingPunct="1">
+              <a:defRPr sz="1800" kern="1200">
+                <a:solidFill>
+                  <a:schemeClr val="tx1"/>
+                </a:solidFill>
+                <a:latin typeface="+mn-lt"/>
+                <a:ea typeface="+mn-ea"/>
+                <a:cs typeface="+mn-cs"/>
+              </a:defRPr>
+            </a:lvl5pPr>
+            <a:lvl6pPr marL="2286000" algn="l" defTabSz="914400" rtl="0" eaLnBrk="1" latinLnBrk="0" hangingPunct="1">
+              <a:defRPr sz="1800" kern="1200">
+                <a:solidFill>
+                  <a:schemeClr val="tx1"/>
+                </a:solidFill>
+                <a:latin typeface="+mn-lt"/>
+                <a:ea typeface="+mn-ea"/>
+                <a:cs typeface="+mn-cs"/>
+              </a:defRPr>
+            </a:lvl6pPr>
+            <a:lvl7pPr marL="2743200" algn="l" defTabSz="914400" rtl="0" eaLnBrk="1" latinLnBrk="0" hangingPunct="1">
+              <a:defRPr sz="1800" kern="1200">
+                <a:solidFill>
+                  <a:schemeClr val="tx1"/>
+                </a:solidFill>
+                <a:latin typeface="+mn-lt"/>
+                <a:ea typeface="+mn-ea"/>
+                <a:cs typeface="+mn-cs"/>
+              </a:defRPr>
+            </a:lvl7pPr>
+            <a:lvl8pPr marL="3200400" algn="l" defTabSz="914400" rtl="0" eaLnBrk="1" latinLnBrk="0" hangingPunct="1">
+              <a:defRPr sz="1800" kern="1200">
+                <a:solidFill>
+                  <a:schemeClr val="tx1"/>
+                </a:solidFill>
+                <a:latin typeface="+mn-lt"/>
+                <a:ea typeface="+mn-ea"/>
+                <a:cs typeface="+mn-cs"/>
+              </a:defRPr>
+            </a:lvl8pPr>
+            <a:lvl9pPr marL="3657600" algn="l" defTabSz="914400" rtl="0" eaLnBrk="1" latinLnBrk="0" hangingPunct="1">
+              <a:defRPr sz="1800" kern="1200">
+                <a:solidFill>
+                  <a:schemeClr val="tx1"/>
+                </a:solidFill>
+                <a:latin typeface="+mn-lt"/>
+                <a:ea typeface="+mn-ea"/>
+                <a:cs typeface="+mn-cs"/>
+              </a:defRPr>
+            </a:lvl9pPr>
+          </a:lstStyle>
+          <a:p>
+            <a:pPr marL="0" marR="0" lvl="0" indent="0" algn="ctr" defTabSz="914400" rtl="0" eaLnBrk="1" fontAlgn="auto" latinLnBrk="0" hangingPunct="1">
+              <a:lnSpc>
+                <a:spcPct val="100000"/>
+              </a:lnSpc>
+              <a:spcBef>
+                <a:spcPts val="0"/>
+              </a:spcBef>
+              <a:spcAft>
+                <a:spcPts val="0"/>
+              </a:spcAft>
+              <a:buClrTx/>
+              <a:buSzTx/>
+              <a:buFontTx/>
+              <a:buNone/>
+              <a:tabLst/>
+              <a:defRPr/>
+            </a:pPr>
+            <a:r>
+              <a:rPr kumimoji="0" lang="en-IN" sz="1200" b="1" i="0" u="none" strike="noStrike" kern="1200" cap="none" spc="0" normalizeH="0" baseline="0" noProof="0" dirty="0">
+                <a:ln>
+                  <a:noFill/>
+                </a:ln>
+                <a:solidFill>
+                  <a:srgbClr val="002060"/>
+                </a:solidFill>
+                <a:effectLst/>
+                <a:uLnTx/>
+                <a:uFillTx/>
+                <a:latin typeface="Verdana" panose="020B0604030504040204" pitchFamily="34" charset="0"/>
+                <a:ea typeface="Verdana" panose="020B0604030504040204" pitchFamily="34" charset="0"/>
+                <a:cs typeface="+mn-cs"/>
+              </a:rPr>
+              <a:t>Dot Net Learners House</a:t>
+            </a:r>
+          </a:p>
+        </p:txBody>
+      </p:sp>
+      <p:sp>
+        <p:nvSpPr>
+          <p:cNvPr id="10" name="TextBox 9">
+            <a:extLst>
+              <a:ext uri="{FF2B5EF4-FFF2-40B4-BE49-F238E27FC236}">
+                <a16:creationId xmlns:a16="http://schemas.microsoft.com/office/drawing/2014/main" id="{19953791-0C49-4113-A95A-639979BFF9A6}"/>
+              </a:ext>
+            </a:extLst>
+          </p:cNvPr>
+          <p:cNvSpPr txBox="1"/>
+          <p:nvPr/>
+        </p:nvSpPr>
+        <p:spPr>
+          <a:xfrm>
+            <a:off x="80629" y="557824"/>
+            <a:ext cx="12037390" cy="2800062"/>
+          </a:xfrm>
+          <a:prstGeom prst="rect">
+            <a:avLst/>
+          </a:prstGeom>
+          <a:noFill/>
+        </p:spPr>
+        <p:txBody>
+          <a:bodyPr wrap="square" rtlCol="0">
+            <a:spAutoFit/>
+          </a:bodyPr>
+          <a:lstStyle/>
+          <a:p>
+            <a:pPr marL="628650" marR="0" lvl="1" indent="-171450" algn="l" defTabSz="914400" rtl="0" eaLnBrk="1" fontAlgn="auto" latinLnBrk="0" hangingPunct="1">
+              <a:lnSpc>
+                <a:spcPct val="150000"/>
+              </a:lnSpc>
+              <a:spcBef>
+                <a:spcPts val="0"/>
+              </a:spcBef>
+              <a:spcAft>
+                <a:spcPts val="0"/>
+              </a:spcAft>
+              <a:buClrTx/>
+              <a:buSzTx/>
+              <a:buFont typeface="Wingdings" panose="05000000000000000000" pitchFamily="2" charset="2"/>
+              <a:buChar char="Ø"/>
+              <a:tabLst/>
+              <a:defRPr/>
+            </a:pPr>
+            <a:r>
+              <a:rPr kumimoji="0" lang="en-US" sz="2000" b="0" i="0" u="none" strike="noStrike" kern="1200" cap="none" spc="0" normalizeH="0" baseline="0" noProof="0" dirty="0">
+                <a:ln>
+                  <a:noFill/>
+                </a:ln>
+                <a:solidFill>
+                  <a:srgbClr val="00B0F0"/>
+                </a:solidFill>
+                <a:effectLst/>
+                <a:uLnTx/>
+                <a:uFillTx/>
+                <a:latin typeface="Verdana" panose="020B0604030504040204" pitchFamily="34" charset="0"/>
+                <a:ea typeface="Verdana" panose="020B0604030504040204" pitchFamily="34" charset="0"/>
+                <a:cs typeface="+mn-cs"/>
+              </a:rPr>
+              <a:t> </a:t>
+            </a:r>
+            <a:r>
+              <a:rPr kumimoji="0" lang="en-US" sz="2000" b="0" i="0" u="none" strike="noStrike" kern="1200" cap="none" spc="0" normalizeH="0" baseline="0" noProof="0" dirty="0">
+                <a:ln>
+                  <a:noFill/>
+                </a:ln>
+                <a:solidFill>
+                  <a:srgbClr val="0070C0"/>
+                </a:solidFill>
+                <a:effectLst/>
+                <a:uLnTx/>
+                <a:uFillTx/>
+                <a:latin typeface="Verdana" panose="020B0604030504040204" pitchFamily="34" charset="0"/>
+                <a:ea typeface="Verdana" panose="020B0604030504040204" pitchFamily="34" charset="0"/>
+                <a:cs typeface="+mn-cs"/>
+              </a:rPr>
+              <a:t>I am still a learner. Apologize if I do any mistake.</a:t>
+            </a:r>
+          </a:p>
+          <a:p>
+            <a:pPr marL="628650" marR="0" lvl="1" indent="-171450" algn="l" defTabSz="914400" rtl="0" eaLnBrk="1" fontAlgn="auto" latinLnBrk="0" hangingPunct="1">
+              <a:lnSpc>
+                <a:spcPct val="150000"/>
+              </a:lnSpc>
+              <a:spcBef>
+                <a:spcPts val="0"/>
+              </a:spcBef>
+              <a:spcAft>
+                <a:spcPts val="0"/>
+              </a:spcAft>
+              <a:buClrTx/>
+              <a:buSzTx/>
+              <a:buFont typeface="Wingdings" panose="05000000000000000000" pitchFamily="2" charset="2"/>
+              <a:buChar char="Ø"/>
+              <a:tabLst/>
+              <a:defRPr/>
+            </a:pPr>
+            <a:r>
+              <a:rPr kumimoji="0" lang="en-US" sz="2000" b="0" i="0" u="none" strike="noStrike" kern="1200" cap="none" spc="0" normalizeH="0" baseline="0" noProof="0" dirty="0">
+                <a:ln>
+                  <a:noFill/>
+                </a:ln>
+                <a:solidFill>
+                  <a:srgbClr val="002060"/>
+                </a:solidFill>
+                <a:effectLst/>
+                <a:uLnTx/>
+                <a:uFillTx/>
+                <a:latin typeface="Verdana" panose="020B0604030504040204" pitchFamily="34" charset="0"/>
+                <a:ea typeface="Verdana" panose="020B0604030504040204" pitchFamily="34" charset="0"/>
+                <a:cs typeface="+mn-cs"/>
+              </a:rPr>
+              <a:t> All the sessions will be hands on.</a:t>
+            </a:r>
+          </a:p>
+          <a:p>
+            <a:pPr marL="628650" marR="0" lvl="1" indent="-171450" algn="l" defTabSz="914400" rtl="0" eaLnBrk="1" fontAlgn="auto" latinLnBrk="0" hangingPunct="1">
+              <a:lnSpc>
+                <a:spcPct val="150000"/>
+              </a:lnSpc>
+              <a:spcBef>
+                <a:spcPts val="0"/>
+              </a:spcBef>
+              <a:spcAft>
+                <a:spcPts val="0"/>
+              </a:spcAft>
+              <a:buClrTx/>
+              <a:buSzTx/>
+              <a:buFont typeface="Wingdings" panose="05000000000000000000" pitchFamily="2" charset="2"/>
+              <a:buChar char="Ø"/>
+              <a:tabLst/>
+              <a:defRPr/>
+            </a:pPr>
+            <a:r>
+              <a:rPr kumimoji="0" lang="en-US" sz="2000" b="0" i="0" u="none" strike="noStrike" kern="1200" cap="none" spc="0" normalizeH="0" baseline="0" noProof="0" dirty="0">
+                <a:ln>
+                  <a:noFill/>
+                </a:ln>
+                <a:solidFill>
+                  <a:srgbClr val="002060"/>
+                </a:solidFill>
+                <a:effectLst/>
+                <a:uLnTx/>
+                <a:uFillTx/>
+                <a:latin typeface="Verdana" panose="020B0604030504040204" pitchFamily="34" charset="0"/>
+                <a:ea typeface="Verdana" panose="020B0604030504040204" pitchFamily="34" charset="0"/>
+                <a:cs typeface="+mn-cs"/>
+              </a:rPr>
+              <a:t> Will have parking lots for queries and other topics.</a:t>
+            </a:r>
+          </a:p>
+          <a:p>
+            <a:pPr marL="628650" marR="0" lvl="1" indent="-171450" algn="l" defTabSz="914400" rtl="0" eaLnBrk="1" fontAlgn="auto" latinLnBrk="0" hangingPunct="1">
+              <a:lnSpc>
+                <a:spcPct val="150000"/>
+              </a:lnSpc>
+              <a:spcBef>
+                <a:spcPts val="0"/>
+              </a:spcBef>
+              <a:spcAft>
+                <a:spcPts val="0"/>
+              </a:spcAft>
+              <a:buClrTx/>
+              <a:buSzTx/>
+              <a:buFont typeface="Wingdings" panose="05000000000000000000" pitchFamily="2" charset="2"/>
+              <a:buChar char="Ø"/>
+              <a:tabLst/>
+              <a:defRPr/>
+            </a:pPr>
+            <a:r>
+              <a:rPr kumimoji="0" lang="en-US" sz="2000" b="0" i="0" u="none" strike="noStrike" kern="1200" cap="none" spc="0" normalizeH="0" baseline="0" noProof="0" dirty="0">
+                <a:ln>
+                  <a:noFill/>
+                </a:ln>
+                <a:solidFill>
+                  <a:srgbClr val="002060"/>
+                </a:solidFill>
+                <a:effectLst/>
+                <a:uLnTx/>
+                <a:uFillTx/>
+                <a:latin typeface="Verdana" panose="020B0604030504040204" pitchFamily="34" charset="0"/>
+                <a:ea typeface="Verdana" panose="020B0604030504040204" pitchFamily="34" charset="0"/>
+                <a:cs typeface="+mn-cs"/>
+              </a:rPr>
+              <a:t> Some of the concepts we will introduced and revisited in next sessions.</a:t>
+            </a:r>
+          </a:p>
+          <a:p>
+            <a:pPr marL="628650" marR="0" lvl="1" indent="-171450" algn="l" defTabSz="914400" rtl="0" eaLnBrk="1" fontAlgn="auto" latinLnBrk="0" hangingPunct="1">
+              <a:lnSpc>
+                <a:spcPct val="150000"/>
+              </a:lnSpc>
+              <a:spcBef>
+                <a:spcPts val="0"/>
+              </a:spcBef>
+              <a:spcAft>
+                <a:spcPts val="0"/>
+              </a:spcAft>
+              <a:buClrTx/>
+              <a:buSzTx/>
+              <a:buFont typeface="Wingdings" panose="05000000000000000000" pitchFamily="2" charset="2"/>
+              <a:buChar char="Ø"/>
+              <a:tabLst/>
+              <a:defRPr/>
+            </a:pPr>
+            <a:r>
+              <a:rPr kumimoji="0" lang="en-US" sz="2000" b="0" i="0" u="none" strike="noStrike" kern="1200" cap="none" spc="0" normalizeH="0" baseline="0" noProof="0" dirty="0">
+                <a:ln>
+                  <a:noFill/>
+                </a:ln>
+                <a:solidFill>
+                  <a:srgbClr val="002060"/>
+                </a:solidFill>
+                <a:effectLst/>
+                <a:uLnTx/>
+                <a:uFillTx/>
+                <a:latin typeface="Verdana" panose="020B0604030504040204" pitchFamily="34" charset="0"/>
+                <a:ea typeface="Verdana" panose="020B0604030504040204" pitchFamily="34" charset="0"/>
+                <a:cs typeface="+mn-cs"/>
+              </a:rPr>
+              <a:t> There are multiple ways to do, we will use one of the ways.</a:t>
+            </a:r>
+          </a:p>
+          <a:p>
+            <a:pPr marL="628650" marR="0" lvl="1" indent="-171450" algn="l" defTabSz="914400" rtl="0" eaLnBrk="1" fontAlgn="auto" latinLnBrk="0" hangingPunct="1">
+              <a:lnSpc>
+                <a:spcPct val="150000"/>
+              </a:lnSpc>
+              <a:spcBef>
+                <a:spcPts val="0"/>
+              </a:spcBef>
+              <a:spcAft>
+                <a:spcPts val="0"/>
+              </a:spcAft>
+              <a:buClrTx/>
+              <a:buSzTx/>
+              <a:buFont typeface="Wingdings" panose="05000000000000000000" pitchFamily="2" charset="2"/>
+              <a:buChar char="Ø"/>
+              <a:tabLst/>
+              <a:defRPr/>
+            </a:pPr>
+            <a:r>
+              <a:rPr kumimoji="0" lang="en-US" sz="2000" b="0" i="0" u="none" strike="noStrike" kern="1200" cap="none" spc="0" normalizeH="0" baseline="0" noProof="0" dirty="0">
+                <a:ln>
+                  <a:noFill/>
+                </a:ln>
+                <a:solidFill>
+                  <a:srgbClr val="002060"/>
+                </a:solidFill>
+                <a:effectLst/>
+                <a:uLnTx/>
+                <a:uFillTx/>
+                <a:latin typeface="Verdana" panose="020B0604030504040204" pitchFamily="34" charset="0"/>
+                <a:ea typeface="Verdana" panose="020B0604030504040204" pitchFamily="34" charset="0"/>
+                <a:cs typeface="+mn-cs"/>
+              </a:rPr>
+              <a:t> The focus was more on concepts and demos are kept simple. </a:t>
+            </a:r>
+          </a:p>
+        </p:txBody>
+      </p:sp>
+    </p:spTree>
+    <p:extLst>
+      <p:ext uri="{BB962C8B-B14F-4D97-AF65-F5344CB8AC3E}">
+        <p14:creationId xmlns:p14="http://schemas.microsoft.com/office/powerpoint/2010/main" val="933004240"/>
+      </p:ext>
+    </p:extLst>
+  </p:cSld>
+  <p:clrMapOvr>
+    <a:masterClrMapping/>
+  </p:clrMapOvr>
+</p:sld>
+</file>
+
+<file path=ppt/slides/slide3.xml><?xml version="1.0" encoding="utf-8"?>
+<p:sld xmlns:a="http://schemas.openxmlformats.org/drawingml/2006/main" xmlns:r="http://schemas.openxmlformats.org/officeDocument/2006/relationships" xmlns:p="http://schemas.openxmlformats.org/presentationml/2006/main">
+  <p:cSld>
+    <p:spTree>
+      <p:nvGrpSpPr>
+        <p:cNvPr id="1" name=""/>
+        <p:cNvGrpSpPr/>
+        <p:nvPr/>
+      </p:nvGrpSpPr>
+      <p:grpSpPr>
+        <a:xfrm>
+          <a:off x="0" y="0"/>
+          <a:ext cx="0" cy="0"/>
+          <a:chOff x="0" y="0"/>
+          <a:chExt cx="0" cy="0"/>
+        </a:xfrm>
+      </p:grpSpPr>
+      <p:sp>
+        <p:nvSpPr>
+          <p:cNvPr id="4" name="Rectangle 3">
+            <a:extLst>
+              <a:ext uri="{FF2B5EF4-FFF2-40B4-BE49-F238E27FC236}">
+                <a16:creationId xmlns:a16="http://schemas.microsoft.com/office/drawing/2014/main" id="{055C22F7-3FD1-4C1B-8D0C-0C2F7FB61DBE}"/>
+              </a:ext>
+            </a:extLst>
+          </p:cNvPr>
+          <p:cNvSpPr/>
+          <p:nvPr/>
+        </p:nvSpPr>
+        <p:spPr>
+          <a:xfrm>
+            <a:off x="0" y="8878"/>
+            <a:ext cx="12183122" cy="497150"/>
+          </a:xfrm>
+          <a:prstGeom prst="rect">
+            <a:avLst/>
+          </a:prstGeom>
+          <a:solidFill>
+            <a:srgbClr val="0070C0"/>
+          </a:solidFill>
+        </p:spPr>
+        <p:style>
+          <a:lnRef idx="2">
+            <a:schemeClr val="accent1">
+              <a:shade val="50000"/>
+            </a:schemeClr>
+          </a:lnRef>
+          <a:fillRef idx="1">
+            <a:schemeClr val="accent1"/>
+          </a:fillRef>
+          <a:effectRef idx="0">
+            <a:schemeClr val="accent1"/>
+          </a:effectRef>
+          <a:fontRef idx="minor">
+            <a:schemeClr val="lt1"/>
+          </a:fontRef>
+        </p:style>
+        <p:txBody>
+          <a:bodyPr rtlCol="0" anchor="ctr"/>
+          <a:lstStyle/>
+          <a:p>
+            <a:pPr marL="0" marR="0" lvl="0" indent="0" algn="ctr" defTabSz="914400" rtl="0" eaLnBrk="1" fontAlgn="auto" latinLnBrk="0" hangingPunct="1">
+              <a:lnSpc>
+                <a:spcPct val="100000"/>
+              </a:lnSpc>
+              <a:spcBef>
+                <a:spcPts val="0"/>
+              </a:spcBef>
+              <a:spcAft>
+                <a:spcPts val="0"/>
+              </a:spcAft>
+              <a:buClrTx/>
+              <a:buSzTx/>
+              <a:buFontTx/>
+              <a:buNone/>
+              <a:tabLst/>
+              <a:defRPr/>
+            </a:pPr>
+            <a:r>
+              <a:rPr kumimoji="0" lang="en-US" sz="1800" b="1" i="0" u="none" strike="noStrike" kern="1200" cap="none" spc="0" normalizeH="0" baseline="0" noProof="0" dirty="0">
+                <a:ln>
+                  <a:noFill/>
+                </a:ln>
+                <a:solidFill>
+                  <a:prstClr val="white"/>
+                </a:solidFill>
+                <a:effectLst/>
+                <a:uLnTx/>
+                <a:uFillTx/>
+                <a:latin typeface="Verdana" panose="020B0604030504040204" pitchFamily="34" charset="0"/>
+                <a:ea typeface="Verdana" panose="020B0604030504040204" pitchFamily="34" charset="0"/>
+                <a:cs typeface="+mn-cs"/>
+              </a:rPr>
+              <a:t>PR Process, CI, CD</a:t>
+            </a:r>
+            <a:endParaRPr kumimoji="0" lang="en-IN" sz="1800" b="1" i="0" u="none" strike="noStrike" kern="1200" cap="none" spc="0" normalizeH="0" baseline="0" noProof="0" dirty="0">
+              <a:ln>
+                <a:noFill/>
+              </a:ln>
+              <a:solidFill>
+                <a:prstClr val="white"/>
+              </a:solidFill>
+              <a:effectLst/>
+              <a:uLnTx/>
+              <a:uFillTx/>
+              <a:latin typeface="Verdana" panose="020B0604030504040204" pitchFamily="34" charset="0"/>
+              <a:ea typeface="Verdana" panose="020B0604030504040204" pitchFamily="34" charset="0"/>
+              <a:cs typeface="+mn-cs"/>
+            </a:endParaRPr>
+          </a:p>
+        </p:txBody>
+      </p:sp>
+      <p:sp>
+        <p:nvSpPr>
+          <p:cNvPr id="7" name="Rectangle 6">
+            <a:extLst>
+              <a:ext uri="{FF2B5EF4-FFF2-40B4-BE49-F238E27FC236}">
+                <a16:creationId xmlns:a16="http://schemas.microsoft.com/office/drawing/2014/main" id="{B10720DE-FD2A-4FE5-B9FB-74854D01A659}"/>
+              </a:ext>
+            </a:extLst>
+          </p:cNvPr>
+          <p:cNvSpPr/>
+          <p:nvPr/>
+        </p:nvSpPr>
+        <p:spPr>
+          <a:xfrm>
+            <a:off x="0" y="6383046"/>
+            <a:ext cx="12183122" cy="57703"/>
+          </a:xfrm>
+          <a:prstGeom prst="rect">
+            <a:avLst/>
+          </a:prstGeom>
+          <a:solidFill>
+            <a:srgbClr val="0070C0"/>
+          </a:solidFill>
+        </p:spPr>
+        <p:style>
+          <a:lnRef idx="2">
+            <a:schemeClr val="accent1">
+              <a:shade val="50000"/>
+            </a:schemeClr>
+          </a:lnRef>
+          <a:fillRef idx="1">
+            <a:schemeClr val="accent1"/>
+          </a:fillRef>
+          <a:effectRef idx="0">
+            <a:schemeClr val="accent1"/>
+          </a:effectRef>
+          <a:fontRef idx="minor">
+            <a:schemeClr val="lt1"/>
+          </a:fontRef>
+        </p:style>
+        <p:txBody>
+          <a:bodyPr rtlCol="0" anchor="ctr"/>
+          <a:lstStyle/>
+          <a:p>
+            <a:pPr marL="0" marR="0" lvl="0" indent="0" algn="ctr" defTabSz="914400" rtl="0" eaLnBrk="1" fontAlgn="auto" latinLnBrk="0" hangingPunct="1">
+              <a:lnSpc>
+                <a:spcPct val="100000"/>
+              </a:lnSpc>
+              <a:spcBef>
+                <a:spcPts val="0"/>
+              </a:spcBef>
+              <a:spcAft>
+                <a:spcPts val="0"/>
+              </a:spcAft>
+              <a:buClrTx/>
+              <a:buSzTx/>
+              <a:buFontTx/>
+              <a:buNone/>
+              <a:tabLst/>
+              <a:defRPr/>
+            </a:pPr>
+            <a:endParaRPr kumimoji="0" lang="en-IN" sz="1000" b="0" i="0" u="none" strike="noStrike" kern="1200" cap="none" spc="0" normalizeH="0" baseline="0" noProof="0" dirty="0">
+              <a:ln>
+                <a:noFill/>
+              </a:ln>
+              <a:solidFill>
+                <a:prstClr val="white"/>
+              </a:solidFill>
+              <a:effectLst/>
+              <a:uLnTx/>
+              <a:uFillTx/>
+              <a:latin typeface="Verdana" panose="020B0604030504040204" pitchFamily="34" charset="0"/>
+              <a:ea typeface="Verdana" panose="020B0604030504040204" pitchFamily="34" charset="0"/>
+              <a:cs typeface="+mn-cs"/>
+            </a:endParaRPr>
+          </a:p>
+        </p:txBody>
+      </p:sp>
+      <p:sp>
+        <p:nvSpPr>
+          <p:cNvPr id="8" name="Footer Placeholder 7">
+            <a:extLst>
+              <a:ext uri="{FF2B5EF4-FFF2-40B4-BE49-F238E27FC236}">
+                <a16:creationId xmlns:a16="http://schemas.microsoft.com/office/drawing/2014/main" id="{DD2A19CA-EC18-432D-8F8F-17079808F38B}"/>
+              </a:ext>
+            </a:extLst>
+          </p:cNvPr>
+          <p:cNvSpPr>
+            <a:spLocks noGrp="1"/>
+          </p:cNvSpPr>
+          <p:nvPr>
+            <p:ph type="ftr" sz="quarter" idx="11"/>
+          </p:nvPr>
+        </p:nvSpPr>
+        <p:spPr>
+          <a:xfrm>
             <a:off x="4038600" y="6427374"/>
             <a:ext cx="4114800" cy="365125"/>
           </a:xfrm>
@@ -7006,7 +9577,7 @@
                 <a:tabLst/>
                 <a:defRPr/>
               </a:pPr>
-              <a:t>2</a:t>
+              <a:t>3</a:t>
             </a:fld>
             <a:endParaRPr kumimoji="0" lang="en-IN" sz="1200" b="1" i="0" u="none" strike="noStrike" kern="1200" cap="none" spc="0" normalizeH="0" baseline="0" noProof="0" dirty="0">
               <a:ln>
@@ -8635,1327 +11206,6 @@
 </p:sld>
 </file>
 
-<file path=ppt/slides/slide3.xml><?xml version="1.0" encoding="utf-8"?>
-<p:sld xmlns:a="http://schemas.openxmlformats.org/drawingml/2006/main" xmlns:r="http://schemas.openxmlformats.org/officeDocument/2006/relationships" xmlns:p="http://schemas.openxmlformats.org/presentationml/2006/main">
-  <p:cSld>
-    <p:spTree>
-      <p:nvGrpSpPr>
-        <p:cNvPr id="1" name=""/>
-        <p:cNvGrpSpPr/>
-        <p:nvPr/>
-      </p:nvGrpSpPr>
-      <p:grpSpPr>
-        <a:xfrm>
-          <a:off x="0" y="0"/>
-          <a:ext cx="0" cy="0"/>
-          <a:chOff x="0" y="0"/>
-          <a:chExt cx="0" cy="0"/>
-        </a:xfrm>
-      </p:grpSpPr>
-      <p:sp>
-        <p:nvSpPr>
-          <p:cNvPr id="7" name="Rectangle 6">
-            <a:extLst>
-              <a:ext uri="{FF2B5EF4-FFF2-40B4-BE49-F238E27FC236}">
-                <a16:creationId xmlns:a16="http://schemas.microsoft.com/office/drawing/2014/main" id="{B10720DE-FD2A-4FE5-B9FB-74854D01A659}"/>
-              </a:ext>
-            </a:extLst>
-          </p:cNvPr>
-          <p:cNvSpPr/>
-          <p:nvPr/>
-        </p:nvSpPr>
-        <p:spPr>
-          <a:xfrm>
-            <a:off x="0" y="6432008"/>
-            <a:ext cx="12183122" cy="57703"/>
-          </a:xfrm>
-          <a:prstGeom prst="rect">
-            <a:avLst/>
-          </a:prstGeom>
-          <a:solidFill>
-            <a:srgbClr val="0070C0"/>
-          </a:solidFill>
-        </p:spPr>
-        <p:style>
-          <a:lnRef idx="2">
-            <a:schemeClr val="accent1">
-              <a:shade val="50000"/>
-            </a:schemeClr>
-          </a:lnRef>
-          <a:fillRef idx="1">
-            <a:schemeClr val="accent1"/>
-          </a:fillRef>
-          <a:effectRef idx="0">
-            <a:schemeClr val="accent1"/>
-          </a:effectRef>
-          <a:fontRef idx="minor">
-            <a:schemeClr val="lt1"/>
-          </a:fontRef>
-        </p:style>
-        <p:txBody>
-          <a:bodyPr rtlCol="0" anchor="ctr"/>
-          <a:lstStyle/>
-          <a:p>
-            <a:pPr algn="ctr"/>
-            <a:endParaRPr lang="en-IN" sz="1000" dirty="0">
-              <a:latin typeface="Verdana" panose="020B0604030504040204" pitchFamily="34" charset="0"/>
-              <a:ea typeface="Verdana" panose="020B0604030504040204" pitchFamily="34" charset="0"/>
-            </a:endParaRPr>
-          </a:p>
-        </p:txBody>
-      </p:sp>
-      <p:sp>
-        <p:nvSpPr>
-          <p:cNvPr id="8" name="Footer Placeholder 7">
-            <a:extLst>
-              <a:ext uri="{FF2B5EF4-FFF2-40B4-BE49-F238E27FC236}">
-                <a16:creationId xmlns:a16="http://schemas.microsoft.com/office/drawing/2014/main" id="{DD2A19CA-EC18-432D-8F8F-17079808F38B}"/>
-              </a:ext>
-            </a:extLst>
-          </p:cNvPr>
-          <p:cNvSpPr>
-            <a:spLocks noGrp="1"/>
-          </p:cNvSpPr>
-          <p:nvPr>
-            <p:ph type="ftr" sz="quarter" idx="11"/>
-          </p:nvPr>
-        </p:nvSpPr>
-        <p:spPr>
-          <a:xfrm>
-            <a:off x="4038600" y="6476336"/>
-            <a:ext cx="4114800" cy="365125"/>
-          </a:xfrm>
-        </p:spPr>
-        <p:txBody>
-          <a:bodyPr/>
-          <a:lstStyle/>
-          <a:p>
-            <a:r>
-              <a:rPr lang="en-IN" b="1" dirty="0">
-                <a:solidFill>
-                  <a:srgbClr val="002060"/>
-                </a:solidFill>
-                <a:latin typeface="Verdana" panose="020B0604030504040204" pitchFamily="34" charset="0"/>
-                <a:ea typeface="Verdana" panose="020B0604030504040204" pitchFamily="34" charset="0"/>
-              </a:rPr>
-              <a:t>24-Nov-2021</a:t>
-            </a:r>
-          </a:p>
-        </p:txBody>
-      </p:sp>
-      <p:sp>
-        <p:nvSpPr>
-          <p:cNvPr id="9" name="Slide Number Placeholder 8">
-            <a:extLst>
-              <a:ext uri="{FF2B5EF4-FFF2-40B4-BE49-F238E27FC236}">
-                <a16:creationId xmlns:a16="http://schemas.microsoft.com/office/drawing/2014/main" id="{8162625C-0B1F-42E0-BE7C-D99A08FED7A3}"/>
-              </a:ext>
-            </a:extLst>
-          </p:cNvPr>
-          <p:cNvSpPr>
-            <a:spLocks noGrp="1"/>
-          </p:cNvSpPr>
-          <p:nvPr>
-            <p:ph type="sldNum" sz="quarter" idx="12"/>
-          </p:nvPr>
-        </p:nvSpPr>
-        <p:spPr>
-          <a:xfrm>
-            <a:off x="8610600" y="6476336"/>
-            <a:ext cx="2743200" cy="365125"/>
-          </a:xfrm>
-        </p:spPr>
-        <p:txBody>
-          <a:bodyPr/>
-          <a:lstStyle/>
-          <a:p>
-            <a:r>
-              <a:rPr lang="en-IN" b="1" dirty="0">
-                <a:solidFill>
-                  <a:srgbClr val="002060"/>
-                </a:solidFill>
-                <a:latin typeface="Verdana" panose="020B0604030504040204" pitchFamily="34" charset="0"/>
-                <a:ea typeface="Verdana" panose="020B0604030504040204" pitchFamily="34" charset="0"/>
-              </a:rPr>
-              <a:t>1</a:t>
-            </a:r>
-          </a:p>
-        </p:txBody>
-      </p:sp>
-      <p:sp>
-        <p:nvSpPr>
-          <p:cNvPr id="12" name="Footer Placeholder 7">
-            <a:extLst>
-              <a:ext uri="{FF2B5EF4-FFF2-40B4-BE49-F238E27FC236}">
-                <a16:creationId xmlns:a16="http://schemas.microsoft.com/office/drawing/2014/main" id="{64C57949-E349-47D3-A505-A098233AF49D}"/>
-              </a:ext>
-            </a:extLst>
-          </p:cNvPr>
-          <p:cNvSpPr txBox="1">
-            <a:spLocks/>
-          </p:cNvSpPr>
-          <p:nvPr/>
-        </p:nvSpPr>
-        <p:spPr>
-          <a:xfrm>
-            <a:off x="133897" y="6477810"/>
-            <a:ext cx="4114800" cy="365125"/>
-          </a:xfrm>
-          <a:prstGeom prst="rect">
-            <a:avLst/>
-          </a:prstGeom>
-        </p:spPr>
-        <p:txBody>
-          <a:bodyPr vert="horz" lIns="91440" tIns="45720" rIns="91440" bIns="45720" rtlCol="0" anchor="ctr"/>
-          <a:lstStyle>
-            <a:defPPr>
-              <a:defRPr lang="en-US"/>
-            </a:defPPr>
-            <a:lvl1pPr marL="0" algn="ctr" defTabSz="914400" rtl="0" eaLnBrk="1" latinLnBrk="0" hangingPunct="1">
-              <a:defRPr sz="1200" kern="1200">
-                <a:solidFill>
-                  <a:schemeClr val="tx1">
-                    <a:tint val="75000"/>
-                  </a:schemeClr>
-                </a:solidFill>
-                <a:latin typeface="+mn-lt"/>
-                <a:ea typeface="+mn-ea"/>
-                <a:cs typeface="+mn-cs"/>
-              </a:defRPr>
-            </a:lvl1pPr>
-            <a:lvl2pPr marL="457200" algn="l" defTabSz="914400" rtl="0" eaLnBrk="1" latinLnBrk="0" hangingPunct="1">
-              <a:defRPr sz="1800" kern="1200">
-                <a:solidFill>
-                  <a:schemeClr val="tx1"/>
-                </a:solidFill>
-                <a:latin typeface="+mn-lt"/>
-                <a:ea typeface="+mn-ea"/>
-                <a:cs typeface="+mn-cs"/>
-              </a:defRPr>
-            </a:lvl2pPr>
-            <a:lvl3pPr marL="914400" algn="l" defTabSz="914400" rtl="0" eaLnBrk="1" latinLnBrk="0" hangingPunct="1">
-              <a:defRPr sz="1800" kern="1200">
-                <a:solidFill>
-                  <a:schemeClr val="tx1"/>
-                </a:solidFill>
-                <a:latin typeface="+mn-lt"/>
-                <a:ea typeface="+mn-ea"/>
-                <a:cs typeface="+mn-cs"/>
-              </a:defRPr>
-            </a:lvl3pPr>
-            <a:lvl4pPr marL="1371600" algn="l" defTabSz="914400" rtl="0" eaLnBrk="1" latinLnBrk="0" hangingPunct="1">
-              <a:defRPr sz="1800" kern="1200">
-                <a:solidFill>
-                  <a:schemeClr val="tx1"/>
-                </a:solidFill>
-                <a:latin typeface="+mn-lt"/>
-                <a:ea typeface="+mn-ea"/>
-                <a:cs typeface="+mn-cs"/>
-              </a:defRPr>
-            </a:lvl4pPr>
-            <a:lvl5pPr marL="1828800" algn="l" defTabSz="914400" rtl="0" eaLnBrk="1" latinLnBrk="0" hangingPunct="1">
-              <a:defRPr sz="1800" kern="1200">
-                <a:solidFill>
-                  <a:schemeClr val="tx1"/>
-                </a:solidFill>
-                <a:latin typeface="+mn-lt"/>
-                <a:ea typeface="+mn-ea"/>
-                <a:cs typeface="+mn-cs"/>
-              </a:defRPr>
-            </a:lvl5pPr>
-            <a:lvl6pPr marL="2286000" algn="l" defTabSz="914400" rtl="0" eaLnBrk="1" latinLnBrk="0" hangingPunct="1">
-              <a:defRPr sz="1800" kern="1200">
-                <a:solidFill>
-                  <a:schemeClr val="tx1"/>
-                </a:solidFill>
-                <a:latin typeface="+mn-lt"/>
-                <a:ea typeface="+mn-ea"/>
-                <a:cs typeface="+mn-cs"/>
-              </a:defRPr>
-            </a:lvl6pPr>
-            <a:lvl7pPr marL="2743200" algn="l" defTabSz="914400" rtl="0" eaLnBrk="1" latinLnBrk="0" hangingPunct="1">
-              <a:defRPr sz="1800" kern="1200">
-                <a:solidFill>
-                  <a:schemeClr val="tx1"/>
-                </a:solidFill>
-                <a:latin typeface="+mn-lt"/>
-                <a:ea typeface="+mn-ea"/>
-                <a:cs typeface="+mn-cs"/>
-              </a:defRPr>
-            </a:lvl7pPr>
-            <a:lvl8pPr marL="3200400" algn="l" defTabSz="914400" rtl="0" eaLnBrk="1" latinLnBrk="0" hangingPunct="1">
-              <a:defRPr sz="1800" kern="1200">
-                <a:solidFill>
-                  <a:schemeClr val="tx1"/>
-                </a:solidFill>
-                <a:latin typeface="+mn-lt"/>
-                <a:ea typeface="+mn-ea"/>
-                <a:cs typeface="+mn-cs"/>
-              </a:defRPr>
-            </a:lvl8pPr>
-            <a:lvl9pPr marL="3657600" algn="l" defTabSz="914400" rtl="0" eaLnBrk="1" latinLnBrk="0" hangingPunct="1">
-              <a:defRPr sz="1800" kern="1200">
-                <a:solidFill>
-                  <a:schemeClr val="tx1"/>
-                </a:solidFill>
-                <a:latin typeface="+mn-lt"/>
-                <a:ea typeface="+mn-ea"/>
-                <a:cs typeface="+mn-cs"/>
-              </a:defRPr>
-            </a:lvl9pPr>
-          </a:lstStyle>
-          <a:p>
-            <a:r>
-              <a:rPr lang="en-IN" b="1" dirty="0">
-                <a:solidFill>
-                  <a:srgbClr val="002060"/>
-                </a:solidFill>
-                <a:latin typeface="Verdana" panose="020B0604030504040204" pitchFamily="34" charset="0"/>
-                <a:ea typeface="Verdana" panose="020B0604030504040204" pitchFamily="34" charset="0"/>
-              </a:rPr>
-              <a:t>Microsoft Reactor Bengaluru</a:t>
-            </a:r>
-          </a:p>
-        </p:txBody>
-      </p:sp>
-      <p:pic>
-        <p:nvPicPr>
-          <p:cNvPr id="6" name="Picture 12">
-            <a:extLst>
-              <a:ext uri="{FF2B5EF4-FFF2-40B4-BE49-F238E27FC236}">
-                <a16:creationId xmlns:a16="http://schemas.microsoft.com/office/drawing/2014/main" id="{7898CFCB-7659-4968-8E49-75F24799EB68}"/>
-              </a:ext>
-            </a:extLst>
-          </p:cNvPr>
-          <p:cNvPicPr>
-            <a:picLocks noChangeAspect="1" noChangeArrowheads="1"/>
-          </p:cNvPicPr>
-          <p:nvPr/>
-        </p:nvPicPr>
-        <p:blipFill>
-          <a:blip r:embed="rId2">
-            <a:extLst>
-              <a:ext uri="{28A0092B-C50C-407E-A947-70E740481C1C}">
-                <a14:useLocalDpi xmlns:a14="http://schemas.microsoft.com/office/drawing/2010/main" val="0"/>
-              </a:ext>
-            </a:extLst>
-          </a:blip>
-          <a:srcRect/>
-          <a:stretch>
-            <a:fillRect/>
-          </a:stretch>
-        </p:blipFill>
-        <p:spPr bwMode="auto">
-          <a:xfrm>
-            <a:off x="7368618" y="3051292"/>
-            <a:ext cx="809625" cy="809625"/>
-          </a:xfrm>
-          <a:prstGeom prst="rect">
-            <a:avLst/>
-          </a:prstGeom>
-          <a:noFill/>
-          <a:extLst>
-            <a:ext uri="{909E8E84-426E-40DD-AFC4-6F175D3DCCD1}">
-              <a14:hiddenFill xmlns:a14="http://schemas.microsoft.com/office/drawing/2010/main">
-                <a:solidFill>
-                  <a:srgbClr val="FFFFFF"/>
-                </a:solidFill>
-              </a14:hiddenFill>
-            </a:ext>
-          </a:extLst>
-        </p:spPr>
-      </p:pic>
-      <p:sp>
-        <p:nvSpPr>
-          <p:cNvPr id="10" name="TextBox 9">
-            <a:extLst>
-              <a:ext uri="{FF2B5EF4-FFF2-40B4-BE49-F238E27FC236}">
-                <a16:creationId xmlns:a16="http://schemas.microsoft.com/office/drawing/2014/main" id="{3657454D-AD85-4AEE-82DC-6159AD7DE31E}"/>
-              </a:ext>
-            </a:extLst>
-          </p:cNvPr>
-          <p:cNvSpPr txBox="1"/>
-          <p:nvPr/>
-        </p:nvSpPr>
-        <p:spPr>
-          <a:xfrm>
-            <a:off x="7962166" y="2728022"/>
-            <a:ext cx="834396" cy="276999"/>
-          </a:xfrm>
-          <a:prstGeom prst="rect">
-            <a:avLst/>
-          </a:prstGeom>
-          <a:noFill/>
-        </p:spPr>
-        <p:txBody>
-          <a:bodyPr wrap="none" rtlCol="0">
-            <a:spAutoFit/>
-          </a:bodyPr>
-          <a:lstStyle/>
-          <a:p>
-            <a:r>
-              <a:rPr lang="en-US" sz="1200" dirty="0">
-                <a:solidFill>
-                  <a:srgbClr val="002060"/>
-                </a:solidFill>
-                <a:latin typeface="Verdana" panose="020B0604030504040204" pitchFamily="34" charset="0"/>
-                <a:ea typeface="Verdana" panose="020B0604030504040204" pitchFamily="34" charset="0"/>
-              </a:rPr>
-              <a:t>Web API</a:t>
-            </a:r>
-          </a:p>
-        </p:txBody>
-      </p:sp>
-      <p:pic>
-        <p:nvPicPr>
-          <p:cNvPr id="11" name="Picture 10">
-            <a:extLst>
-              <a:ext uri="{FF2B5EF4-FFF2-40B4-BE49-F238E27FC236}">
-                <a16:creationId xmlns:a16="http://schemas.microsoft.com/office/drawing/2014/main" id="{13644FC0-4432-4DAA-BB42-865EDC6E7039}"/>
-              </a:ext>
-            </a:extLst>
-          </p:cNvPr>
-          <p:cNvPicPr>
-            <a:picLocks noChangeAspect="1" noChangeArrowheads="1"/>
-          </p:cNvPicPr>
-          <p:nvPr/>
-        </p:nvPicPr>
-        <p:blipFill>
-          <a:blip r:embed="rId3">
-            <a:extLst>
-              <a:ext uri="{28A0092B-C50C-407E-A947-70E740481C1C}">
-                <a14:useLocalDpi xmlns:a14="http://schemas.microsoft.com/office/drawing/2010/main" val="0"/>
-              </a:ext>
-            </a:extLst>
-          </a:blip>
-          <a:srcRect/>
-          <a:stretch>
-            <a:fillRect/>
-          </a:stretch>
-        </p:blipFill>
-        <p:spPr bwMode="auto">
-          <a:xfrm>
-            <a:off x="11307018" y="3051292"/>
-            <a:ext cx="810000" cy="810000"/>
-          </a:xfrm>
-          <a:prstGeom prst="rect">
-            <a:avLst/>
-          </a:prstGeom>
-          <a:noFill/>
-          <a:extLst>
-            <a:ext uri="{909E8E84-426E-40DD-AFC4-6F175D3DCCD1}">
-              <a14:hiddenFill xmlns:a14="http://schemas.microsoft.com/office/drawing/2010/main">
-                <a:solidFill>
-                  <a:srgbClr val="FFFFFF"/>
-                </a:solidFill>
-              </a14:hiddenFill>
-            </a:ext>
-          </a:extLst>
-        </p:spPr>
-      </p:pic>
-      <p:sp>
-        <p:nvSpPr>
-          <p:cNvPr id="13" name="TextBox 12">
-            <a:extLst>
-              <a:ext uri="{FF2B5EF4-FFF2-40B4-BE49-F238E27FC236}">
-                <a16:creationId xmlns:a16="http://schemas.microsoft.com/office/drawing/2014/main" id="{83BEFD28-360B-4C34-B776-983624107E9B}"/>
-              </a:ext>
-            </a:extLst>
-          </p:cNvPr>
-          <p:cNvSpPr txBox="1"/>
-          <p:nvPr/>
-        </p:nvSpPr>
-        <p:spPr>
-          <a:xfrm>
-            <a:off x="10507415" y="2722384"/>
-            <a:ext cx="992579" cy="276999"/>
-          </a:xfrm>
-          <a:prstGeom prst="rect">
-            <a:avLst/>
-          </a:prstGeom>
-          <a:noFill/>
-        </p:spPr>
-        <p:txBody>
-          <a:bodyPr wrap="none" rtlCol="0">
-            <a:spAutoFit/>
-          </a:bodyPr>
-          <a:lstStyle/>
-          <a:p>
-            <a:r>
-              <a:rPr lang="en-US" sz="1200" dirty="0">
-                <a:solidFill>
-                  <a:srgbClr val="002060"/>
-                </a:solidFill>
-                <a:latin typeface="Verdana" panose="020B0604030504040204" pitchFamily="34" charset="0"/>
-                <a:ea typeface="Verdana" panose="020B0604030504040204" pitchFamily="34" charset="0"/>
-              </a:rPr>
-              <a:t>Azure SQL</a:t>
-            </a:r>
-          </a:p>
-        </p:txBody>
-      </p:sp>
-      <p:sp>
-        <p:nvSpPr>
-          <p:cNvPr id="14" name="Heptagon 13">
-            <a:extLst>
-              <a:ext uri="{FF2B5EF4-FFF2-40B4-BE49-F238E27FC236}">
-                <a16:creationId xmlns:a16="http://schemas.microsoft.com/office/drawing/2014/main" id="{932FD78C-C27D-4D87-9137-AB3F88C3B70B}"/>
-              </a:ext>
-            </a:extLst>
-          </p:cNvPr>
-          <p:cNvSpPr/>
-          <p:nvPr/>
-        </p:nvSpPr>
-        <p:spPr>
-          <a:xfrm>
-            <a:off x="7612671" y="2700919"/>
-            <a:ext cx="307435" cy="344102"/>
-          </a:xfrm>
-          <a:prstGeom prst="heptagon">
-            <a:avLst/>
-          </a:prstGeom>
-        </p:spPr>
-        <p:style>
-          <a:lnRef idx="2">
-            <a:schemeClr val="accent1">
-              <a:shade val="50000"/>
-            </a:schemeClr>
-          </a:lnRef>
-          <a:fillRef idx="1">
-            <a:schemeClr val="accent1"/>
-          </a:fillRef>
-          <a:effectRef idx="0">
-            <a:schemeClr val="accent1"/>
-          </a:effectRef>
-          <a:fontRef idx="minor">
-            <a:schemeClr val="lt1"/>
-          </a:fontRef>
-        </p:style>
-        <p:txBody>
-          <a:bodyPr rtlCol="0" anchor="ctr"/>
-          <a:lstStyle/>
-          <a:p>
-            <a:pPr algn="ctr"/>
-            <a:r>
-              <a:rPr lang="en-US" dirty="0"/>
-              <a:t>2</a:t>
-            </a:r>
-          </a:p>
-        </p:txBody>
-      </p:sp>
-      <p:sp>
-        <p:nvSpPr>
-          <p:cNvPr id="15" name="Heptagon 14">
-            <a:extLst>
-              <a:ext uri="{FF2B5EF4-FFF2-40B4-BE49-F238E27FC236}">
-                <a16:creationId xmlns:a16="http://schemas.microsoft.com/office/drawing/2014/main" id="{1E40AC33-A982-446B-9D49-9D733A49316A}"/>
-              </a:ext>
-            </a:extLst>
-          </p:cNvPr>
-          <p:cNvSpPr/>
-          <p:nvPr/>
-        </p:nvSpPr>
-        <p:spPr>
-          <a:xfrm>
-            <a:off x="11438204" y="2700919"/>
-            <a:ext cx="307435" cy="344102"/>
-          </a:xfrm>
-          <a:prstGeom prst="heptagon">
-            <a:avLst/>
-          </a:prstGeom>
-        </p:spPr>
-        <p:style>
-          <a:lnRef idx="2">
-            <a:schemeClr val="accent1">
-              <a:shade val="50000"/>
-            </a:schemeClr>
-          </a:lnRef>
-          <a:fillRef idx="1">
-            <a:schemeClr val="accent1"/>
-          </a:fillRef>
-          <a:effectRef idx="0">
-            <a:schemeClr val="accent1"/>
-          </a:effectRef>
-          <a:fontRef idx="minor">
-            <a:schemeClr val="lt1"/>
-          </a:fontRef>
-        </p:style>
-        <p:txBody>
-          <a:bodyPr rtlCol="0" anchor="ctr"/>
-          <a:lstStyle/>
-          <a:p>
-            <a:pPr algn="ctr"/>
-            <a:r>
-              <a:rPr lang="en-US" dirty="0"/>
-              <a:t>3</a:t>
-            </a:r>
-          </a:p>
-        </p:txBody>
-      </p:sp>
-      <p:pic>
-        <p:nvPicPr>
-          <p:cNvPr id="1026" name="Picture 2">
-            <a:extLst>
-              <a:ext uri="{FF2B5EF4-FFF2-40B4-BE49-F238E27FC236}">
-                <a16:creationId xmlns:a16="http://schemas.microsoft.com/office/drawing/2014/main" id="{F57E8191-61DB-4EA0-9C1C-F149C364155D}"/>
-              </a:ext>
-            </a:extLst>
-          </p:cNvPr>
-          <p:cNvPicPr>
-            <a:picLocks noChangeAspect="1" noChangeArrowheads="1"/>
-          </p:cNvPicPr>
-          <p:nvPr/>
-        </p:nvPicPr>
-        <p:blipFill>
-          <a:blip r:embed="rId4">
-            <a:extLst>
-              <a:ext uri="{28A0092B-C50C-407E-A947-70E740481C1C}">
-                <a14:useLocalDpi xmlns:a14="http://schemas.microsoft.com/office/drawing/2010/main" val="0"/>
-              </a:ext>
-            </a:extLst>
-          </a:blip>
-          <a:srcRect/>
-          <a:stretch>
-            <a:fillRect/>
-          </a:stretch>
-        </p:blipFill>
-        <p:spPr bwMode="auto">
-          <a:xfrm>
-            <a:off x="7368618" y="5041057"/>
-            <a:ext cx="810000" cy="810000"/>
-          </a:xfrm>
-          <a:prstGeom prst="rect">
-            <a:avLst/>
-          </a:prstGeom>
-          <a:noFill/>
-          <a:extLst>
-            <a:ext uri="{909E8E84-426E-40DD-AFC4-6F175D3DCCD1}">
-              <a14:hiddenFill xmlns:a14="http://schemas.microsoft.com/office/drawing/2010/main">
-                <a:solidFill>
-                  <a:srgbClr val="FFFFFF"/>
-                </a:solidFill>
-              </a14:hiddenFill>
-            </a:ext>
-          </a:extLst>
-        </p:spPr>
-      </p:pic>
-      <p:cxnSp>
-        <p:nvCxnSpPr>
-          <p:cNvPr id="4" name="Straight Connector 3">
-            <a:extLst>
-              <a:ext uri="{FF2B5EF4-FFF2-40B4-BE49-F238E27FC236}">
-                <a16:creationId xmlns:a16="http://schemas.microsoft.com/office/drawing/2014/main" id="{3305130D-A90B-4CF0-8C61-F044EE9BFE47}"/>
-              </a:ext>
-            </a:extLst>
-          </p:cNvPr>
-          <p:cNvCxnSpPr>
-            <a:stCxn id="6" idx="3"/>
-            <a:endCxn id="11" idx="1"/>
-          </p:cNvCxnSpPr>
-          <p:nvPr/>
-        </p:nvCxnSpPr>
-        <p:spPr>
-          <a:xfrm>
-            <a:off x="8178243" y="3456105"/>
-            <a:ext cx="3128775" cy="187"/>
-          </a:xfrm>
-          <a:prstGeom prst="line">
-            <a:avLst/>
-          </a:prstGeom>
-        </p:spPr>
-        <p:style>
-          <a:lnRef idx="2">
-            <a:schemeClr val="accent1"/>
-          </a:lnRef>
-          <a:fillRef idx="0">
-            <a:schemeClr val="accent1"/>
-          </a:fillRef>
-          <a:effectRef idx="1">
-            <a:schemeClr val="accent1"/>
-          </a:effectRef>
-          <a:fontRef idx="minor">
-            <a:schemeClr val="tx1"/>
-          </a:fontRef>
-        </p:style>
-      </p:cxnSp>
-      <p:cxnSp>
-        <p:nvCxnSpPr>
-          <p:cNvPr id="17" name="Straight Connector 16">
-            <a:extLst>
-              <a:ext uri="{FF2B5EF4-FFF2-40B4-BE49-F238E27FC236}">
-                <a16:creationId xmlns:a16="http://schemas.microsoft.com/office/drawing/2014/main" id="{AAC1447B-07A7-40E7-8652-6EC297A4352B}"/>
-              </a:ext>
-            </a:extLst>
-          </p:cNvPr>
-          <p:cNvCxnSpPr>
-            <a:stCxn id="6" idx="2"/>
-            <a:endCxn id="1026" idx="0"/>
-          </p:cNvCxnSpPr>
-          <p:nvPr/>
-        </p:nvCxnSpPr>
-        <p:spPr>
-          <a:xfrm>
-            <a:off x="7773431" y="3860917"/>
-            <a:ext cx="187" cy="1180140"/>
-          </a:xfrm>
-          <a:prstGeom prst="line">
-            <a:avLst/>
-          </a:prstGeom>
-          <a:ln w="12700"/>
-        </p:spPr>
-        <p:style>
-          <a:lnRef idx="1">
-            <a:schemeClr val="accent1"/>
-          </a:lnRef>
-          <a:fillRef idx="0">
-            <a:schemeClr val="accent1"/>
-          </a:fillRef>
-          <a:effectRef idx="0">
-            <a:schemeClr val="accent1"/>
-          </a:effectRef>
-          <a:fontRef idx="minor">
-            <a:schemeClr val="tx1"/>
-          </a:fontRef>
-        </p:style>
-      </p:cxnSp>
-      <p:sp>
-        <p:nvSpPr>
-          <p:cNvPr id="20" name="Heptagon 19">
-            <a:extLst>
-              <a:ext uri="{FF2B5EF4-FFF2-40B4-BE49-F238E27FC236}">
-                <a16:creationId xmlns:a16="http://schemas.microsoft.com/office/drawing/2014/main" id="{81B034CB-CC36-4166-926A-86A06D7A20E6}"/>
-              </a:ext>
-            </a:extLst>
-          </p:cNvPr>
-          <p:cNvSpPr/>
-          <p:nvPr/>
-        </p:nvSpPr>
-        <p:spPr>
-          <a:xfrm>
-            <a:off x="7612671" y="5858706"/>
-            <a:ext cx="307435" cy="344102"/>
-          </a:xfrm>
-          <a:prstGeom prst="heptagon">
-            <a:avLst/>
-          </a:prstGeom>
-        </p:spPr>
-        <p:style>
-          <a:lnRef idx="2">
-            <a:schemeClr val="accent1">
-              <a:shade val="50000"/>
-            </a:schemeClr>
-          </a:lnRef>
-          <a:fillRef idx="1">
-            <a:schemeClr val="accent1"/>
-          </a:fillRef>
-          <a:effectRef idx="0">
-            <a:schemeClr val="accent1"/>
-          </a:effectRef>
-          <a:fontRef idx="minor">
-            <a:schemeClr val="lt1"/>
-          </a:fontRef>
-        </p:style>
-        <p:txBody>
-          <a:bodyPr rtlCol="0" anchor="ctr"/>
-          <a:lstStyle/>
-          <a:p>
-            <a:pPr algn="ctr"/>
-            <a:r>
-              <a:rPr lang="en-US" dirty="0"/>
-              <a:t>4</a:t>
-            </a:r>
-          </a:p>
-        </p:txBody>
-      </p:sp>
-      <p:sp>
-        <p:nvSpPr>
-          <p:cNvPr id="21" name="TextBox 20">
-            <a:extLst>
-              <a:ext uri="{FF2B5EF4-FFF2-40B4-BE49-F238E27FC236}">
-                <a16:creationId xmlns:a16="http://schemas.microsoft.com/office/drawing/2014/main" id="{BE85FB5F-7B2C-4F7C-80F9-0633CA2F185C}"/>
-              </a:ext>
-            </a:extLst>
-          </p:cNvPr>
-          <p:cNvSpPr txBox="1"/>
-          <p:nvPr/>
-        </p:nvSpPr>
-        <p:spPr>
-          <a:xfrm>
-            <a:off x="8141555" y="5269474"/>
-            <a:ext cx="847733" cy="276999"/>
-          </a:xfrm>
-          <a:prstGeom prst="rect">
-            <a:avLst/>
-          </a:prstGeom>
-          <a:noFill/>
-        </p:spPr>
-        <p:txBody>
-          <a:bodyPr wrap="none" rtlCol="0">
-            <a:spAutoFit/>
-          </a:bodyPr>
-          <a:lstStyle/>
-          <a:p>
-            <a:r>
-              <a:rPr lang="en-US" sz="1200" dirty="0">
-                <a:solidFill>
-                  <a:srgbClr val="002060"/>
-                </a:solidFill>
-                <a:latin typeface="Verdana" panose="020B0604030504040204" pitchFamily="34" charset="0"/>
-                <a:ea typeface="Verdana" panose="020B0604030504040204" pitchFamily="34" charset="0"/>
-              </a:rPr>
-              <a:t>Postman</a:t>
-            </a:r>
-          </a:p>
-        </p:txBody>
-      </p:sp>
-      <p:pic>
-        <p:nvPicPr>
-          <p:cNvPr id="2050" name="Picture 2">
-            <a:extLst>
-              <a:ext uri="{FF2B5EF4-FFF2-40B4-BE49-F238E27FC236}">
-                <a16:creationId xmlns:a16="http://schemas.microsoft.com/office/drawing/2014/main" id="{E5FC223A-D3AB-4E6B-8768-C5EBCFD1EE4D}"/>
-              </a:ext>
-            </a:extLst>
-          </p:cNvPr>
-          <p:cNvPicPr>
-            <a:picLocks noChangeAspect="1" noChangeArrowheads="1"/>
-          </p:cNvPicPr>
-          <p:nvPr/>
-        </p:nvPicPr>
-        <p:blipFill>
-          <a:blip r:embed="rId5">
-            <a:extLst>
-              <a:ext uri="{28A0092B-C50C-407E-A947-70E740481C1C}">
-                <a14:useLocalDpi xmlns:a14="http://schemas.microsoft.com/office/drawing/2010/main" val="0"/>
-              </a:ext>
-            </a:extLst>
-          </a:blip>
-          <a:srcRect/>
-          <a:stretch>
-            <a:fillRect/>
-          </a:stretch>
-        </p:blipFill>
-        <p:spPr bwMode="auto">
-          <a:xfrm>
-            <a:off x="3391174" y="770006"/>
-            <a:ext cx="857250" cy="809625"/>
-          </a:xfrm>
-          <a:prstGeom prst="rect">
-            <a:avLst/>
-          </a:prstGeom>
-          <a:noFill/>
-          <a:extLst>
-            <a:ext uri="{909E8E84-426E-40DD-AFC4-6F175D3DCCD1}">
-              <a14:hiddenFill xmlns:a14="http://schemas.microsoft.com/office/drawing/2010/main">
-                <a:solidFill>
-                  <a:srgbClr val="FFFFFF"/>
-                </a:solidFill>
-              </a14:hiddenFill>
-            </a:ext>
-          </a:extLst>
-        </p:spPr>
-      </p:pic>
-      <p:cxnSp>
-        <p:nvCxnSpPr>
-          <p:cNvPr id="18" name="Straight Connector 17">
-            <a:extLst>
-              <a:ext uri="{FF2B5EF4-FFF2-40B4-BE49-F238E27FC236}">
-                <a16:creationId xmlns:a16="http://schemas.microsoft.com/office/drawing/2014/main" id="{E47FE56F-918E-499D-98A8-601D634441D4}"/>
-              </a:ext>
-            </a:extLst>
-          </p:cNvPr>
-          <p:cNvCxnSpPr/>
-          <p:nvPr/>
-        </p:nvCxnSpPr>
-        <p:spPr>
-          <a:xfrm>
-            <a:off x="4267692" y="3457673"/>
-            <a:ext cx="3128775" cy="187"/>
-          </a:xfrm>
-          <a:prstGeom prst="line">
-            <a:avLst/>
-          </a:prstGeom>
-        </p:spPr>
-        <p:style>
-          <a:lnRef idx="2">
-            <a:schemeClr val="accent1"/>
-          </a:lnRef>
-          <a:fillRef idx="0">
-            <a:schemeClr val="accent1"/>
-          </a:fillRef>
-          <a:effectRef idx="1">
-            <a:schemeClr val="accent1"/>
-          </a:effectRef>
-          <a:fontRef idx="minor">
-            <a:schemeClr val="tx1"/>
-          </a:fontRef>
-        </p:style>
-      </p:cxnSp>
-      <p:pic>
-        <p:nvPicPr>
-          <p:cNvPr id="19" name="Picture 2">
-            <a:extLst>
-              <a:ext uri="{FF2B5EF4-FFF2-40B4-BE49-F238E27FC236}">
-                <a16:creationId xmlns:a16="http://schemas.microsoft.com/office/drawing/2014/main" id="{81596101-A8EB-49A3-935D-208ECEA59F5F}"/>
-              </a:ext>
-            </a:extLst>
-          </p:cNvPr>
-          <p:cNvPicPr>
-            <a:picLocks noChangeAspect="1" noChangeArrowheads="1"/>
-          </p:cNvPicPr>
-          <p:nvPr/>
-        </p:nvPicPr>
-        <p:blipFill>
-          <a:blip r:embed="rId5">
-            <a:extLst>
-              <a:ext uri="{28A0092B-C50C-407E-A947-70E740481C1C}">
-                <a14:useLocalDpi xmlns:a14="http://schemas.microsoft.com/office/drawing/2010/main" val="0"/>
-              </a:ext>
-            </a:extLst>
-          </a:blip>
-          <a:srcRect/>
-          <a:stretch>
-            <a:fillRect/>
-          </a:stretch>
-        </p:blipFill>
-        <p:spPr bwMode="auto">
-          <a:xfrm>
-            <a:off x="1185301" y="770006"/>
-            <a:ext cx="857250" cy="809625"/>
-          </a:xfrm>
-          <a:prstGeom prst="rect">
-            <a:avLst/>
-          </a:prstGeom>
-          <a:noFill/>
-          <a:extLst>
-            <a:ext uri="{909E8E84-426E-40DD-AFC4-6F175D3DCCD1}">
-              <a14:hiddenFill xmlns:a14="http://schemas.microsoft.com/office/drawing/2010/main">
-                <a:solidFill>
-                  <a:srgbClr val="FFFFFF"/>
-                </a:solidFill>
-              </a14:hiddenFill>
-            </a:ext>
-          </a:extLst>
-        </p:spPr>
-      </p:pic>
-      <p:sp>
-        <p:nvSpPr>
-          <p:cNvPr id="22" name="Heptagon 21">
-            <a:extLst>
-              <a:ext uri="{FF2B5EF4-FFF2-40B4-BE49-F238E27FC236}">
-                <a16:creationId xmlns:a16="http://schemas.microsoft.com/office/drawing/2014/main" id="{9DC9C82A-36F2-4DA5-AAE7-F9FC02DA4D7C}"/>
-              </a:ext>
-            </a:extLst>
-          </p:cNvPr>
-          <p:cNvSpPr/>
-          <p:nvPr/>
-        </p:nvSpPr>
-        <p:spPr>
-          <a:xfrm>
-            <a:off x="3237456" y="425904"/>
-            <a:ext cx="307435" cy="344102"/>
-          </a:xfrm>
-          <a:prstGeom prst="heptagon">
-            <a:avLst/>
-          </a:prstGeom>
-        </p:spPr>
-        <p:style>
-          <a:lnRef idx="2">
-            <a:schemeClr val="accent1">
-              <a:shade val="50000"/>
-            </a:schemeClr>
-          </a:lnRef>
-          <a:fillRef idx="1">
-            <a:schemeClr val="accent1"/>
-          </a:fillRef>
-          <a:effectRef idx="0">
-            <a:schemeClr val="accent1"/>
-          </a:effectRef>
-          <a:fontRef idx="minor">
-            <a:schemeClr val="lt1"/>
-          </a:fontRef>
-        </p:style>
-        <p:txBody>
-          <a:bodyPr rtlCol="0" anchor="ctr"/>
-          <a:lstStyle/>
-          <a:p>
-            <a:pPr algn="ctr"/>
-            <a:r>
-              <a:rPr lang="en-US" dirty="0"/>
-              <a:t>5</a:t>
-            </a:r>
-          </a:p>
-        </p:txBody>
-      </p:sp>
-      <p:sp>
-        <p:nvSpPr>
-          <p:cNvPr id="23" name="Heptagon 22">
-            <a:extLst>
-              <a:ext uri="{FF2B5EF4-FFF2-40B4-BE49-F238E27FC236}">
-                <a16:creationId xmlns:a16="http://schemas.microsoft.com/office/drawing/2014/main" id="{D027EBA1-67A9-4BF1-ACE6-4F4DB7E49E26}"/>
-              </a:ext>
-            </a:extLst>
-          </p:cNvPr>
-          <p:cNvSpPr/>
-          <p:nvPr/>
-        </p:nvSpPr>
-        <p:spPr>
-          <a:xfrm>
-            <a:off x="954725" y="461674"/>
-            <a:ext cx="307435" cy="344102"/>
-          </a:xfrm>
-          <a:prstGeom prst="heptagon">
-            <a:avLst/>
-          </a:prstGeom>
-        </p:spPr>
-        <p:style>
-          <a:lnRef idx="2">
-            <a:schemeClr val="accent1">
-              <a:shade val="50000"/>
-            </a:schemeClr>
-          </a:lnRef>
-          <a:fillRef idx="1">
-            <a:schemeClr val="accent1"/>
-          </a:fillRef>
-          <a:effectRef idx="0">
-            <a:schemeClr val="accent1"/>
-          </a:effectRef>
-          <a:fontRef idx="minor">
-            <a:schemeClr val="lt1"/>
-          </a:fontRef>
-        </p:style>
-        <p:txBody>
-          <a:bodyPr rtlCol="0" anchor="ctr"/>
-          <a:lstStyle/>
-          <a:p>
-            <a:pPr algn="ctr"/>
-            <a:r>
-              <a:rPr lang="en-US" dirty="0"/>
-              <a:t>6</a:t>
-            </a:r>
-          </a:p>
-        </p:txBody>
-      </p:sp>
-      <p:sp>
-        <p:nvSpPr>
-          <p:cNvPr id="24" name="TextBox 23">
-            <a:extLst>
-              <a:ext uri="{FF2B5EF4-FFF2-40B4-BE49-F238E27FC236}">
-                <a16:creationId xmlns:a16="http://schemas.microsoft.com/office/drawing/2014/main" id="{444ADC56-8CEB-448D-9DB4-A40A04DCB75F}"/>
-              </a:ext>
-            </a:extLst>
-          </p:cNvPr>
-          <p:cNvSpPr txBox="1"/>
-          <p:nvPr/>
-        </p:nvSpPr>
-        <p:spPr>
-          <a:xfrm>
-            <a:off x="3544890" y="466491"/>
-            <a:ext cx="1206219" cy="276999"/>
-          </a:xfrm>
-          <a:prstGeom prst="rect">
-            <a:avLst/>
-          </a:prstGeom>
-          <a:noFill/>
-        </p:spPr>
-        <p:txBody>
-          <a:bodyPr wrap="square" rtlCol="0">
-            <a:spAutoFit/>
-          </a:bodyPr>
-          <a:lstStyle/>
-          <a:p>
-            <a:r>
-              <a:rPr lang="en-US" sz="1200" dirty="0">
-                <a:solidFill>
-                  <a:srgbClr val="002060"/>
-                </a:solidFill>
-                <a:latin typeface="Verdana" panose="020B0604030504040204" pitchFamily="34" charset="0"/>
-                <a:ea typeface="Verdana" panose="020B0604030504040204" pitchFamily="34" charset="0"/>
-              </a:rPr>
-              <a:t>Windows VM</a:t>
-            </a:r>
-          </a:p>
-        </p:txBody>
-      </p:sp>
-      <p:sp>
-        <p:nvSpPr>
-          <p:cNvPr id="25" name="TextBox 24">
-            <a:extLst>
-              <a:ext uri="{FF2B5EF4-FFF2-40B4-BE49-F238E27FC236}">
-                <a16:creationId xmlns:a16="http://schemas.microsoft.com/office/drawing/2014/main" id="{94D56564-9C91-49CE-B97F-D9A8EDAD6D68}"/>
-              </a:ext>
-            </a:extLst>
-          </p:cNvPr>
-          <p:cNvSpPr txBox="1"/>
-          <p:nvPr/>
-        </p:nvSpPr>
-        <p:spPr>
-          <a:xfrm>
-            <a:off x="1308850" y="465186"/>
-            <a:ext cx="1206219" cy="276999"/>
-          </a:xfrm>
-          <a:prstGeom prst="rect">
-            <a:avLst/>
-          </a:prstGeom>
-          <a:noFill/>
-        </p:spPr>
-        <p:txBody>
-          <a:bodyPr wrap="square" rtlCol="0">
-            <a:spAutoFit/>
-          </a:bodyPr>
-          <a:lstStyle/>
-          <a:p>
-            <a:r>
-              <a:rPr lang="en-US" sz="1200" dirty="0">
-                <a:solidFill>
-                  <a:srgbClr val="002060"/>
-                </a:solidFill>
-                <a:latin typeface="Verdana" panose="020B0604030504040204" pitchFamily="34" charset="0"/>
-                <a:ea typeface="Verdana" panose="020B0604030504040204" pitchFamily="34" charset="0"/>
-              </a:rPr>
-              <a:t>Ubuntu VM</a:t>
-            </a:r>
-          </a:p>
-        </p:txBody>
-      </p:sp>
-      <p:pic>
-        <p:nvPicPr>
-          <p:cNvPr id="2" name="Picture 2">
-            <a:extLst>
-              <a:ext uri="{FF2B5EF4-FFF2-40B4-BE49-F238E27FC236}">
-                <a16:creationId xmlns:a16="http://schemas.microsoft.com/office/drawing/2014/main" id="{7BACA7D4-C34A-4935-A82E-FCDE642A4BF8}"/>
-              </a:ext>
-            </a:extLst>
-          </p:cNvPr>
-          <p:cNvPicPr>
-            <a:picLocks noChangeAspect="1" noChangeArrowheads="1"/>
-          </p:cNvPicPr>
-          <p:nvPr/>
-        </p:nvPicPr>
-        <p:blipFill>
-          <a:blip r:embed="rId6">
-            <a:extLst>
-              <a:ext uri="{28A0092B-C50C-407E-A947-70E740481C1C}">
-                <a14:useLocalDpi xmlns:a14="http://schemas.microsoft.com/office/drawing/2010/main" val="0"/>
-              </a:ext>
-            </a:extLst>
-          </a:blip>
-          <a:srcRect/>
-          <a:stretch>
-            <a:fillRect/>
-          </a:stretch>
-        </p:blipFill>
-        <p:spPr bwMode="auto">
-          <a:xfrm>
-            <a:off x="3771283" y="805639"/>
-            <a:ext cx="618960" cy="603282"/>
-          </a:xfrm>
-          <a:prstGeom prst="rect">
-            <a:avLst/>
-          </a:prstGeom>
-          <a:noFill/>
-          <a:extLst>
-            <a:ext uri="{909E8E84-426E-40DD-AFC4-6F175D3DCCD1}">
-              <a14:hiddenFill xmlns:a14="http://schemas.microsoft.com/office/drawing/2010/main">
-                <a:solidFill>
-                  <a:srgbClr val="FFFFFF"/>
-                </a:solidFill>
-              </a14:hiddenFill>
-            </a:ext>
-          </a:extLst>
-        </p:spPr>
-      </p:pic>
-      <p:sp>
-        <p:nvSpPr>
-          <p:cNvPr id="26" name="TextBox 25">
-            <a:extLst>
-              <a:ext uri="{FF2B5EF4-FFF2-40B4-BE49-F238E27FC236}">
-                <a16:creationId xmlns:a16="http://schemas.microsoft.com/office/drawing/2014/main" id="{88EB1ECD-7D00-48B1-8A56-5CF8EC037158}"/>
-              </a:ext>
-            </a:extLst>
-          </p:cNvPr>
-          <p:cNvSpPr txBox="1"/>
-          <p:nvPr/>
-        </p:nvSpPr>
-        <p:spPr>
-          <a:xfrm>
-            <a:off x="4148000" y="927151"/>
-            <a:ext cx="1753180" cy="276999"/>
-          </a:xfrm>
-          <a:prstGeom prst="rect">
-            <a:avLst/>
-          </a:prstGeom>
-          <a:noFill/>
-        </p:spPr>
-        <p:txBody>
-          <a:bodyPr wrap="square" rtlCol="0">
-            <a:spAutoFit/>
-          </a:bodyPr>
-          <a:lstStyle/>
-          <a:p>
-            <a:r>
-              <a:rPr lang="en-US" sz="1200" dirty="0">
-                <a:solidFill>
-                  <a:srgbClr val="0070C0"/>
-                </a:solidFill>
-                <a:latin typeface="Verdana" panose="020B0604030504040204" pitchFamily="34" charset="0"/>
-                <a:ea typeface="Verdana" panose="020B0604030504040204" pitchFamily="34" charset="0"/>
-              </a:rPr>
-              <a:t>Razor App inside IIS</a:t>
-            </a:r>
-          </a:p>
-        </p:txBody>
-      </p:sp>
-      <p:pic>
-        <p:nvPicPr>
-          <p:cNvPr id="28" name="Picture 12">
-            <a:extLst>
-              <a:ext uri="{FF2B5EF4-FFF2-40B4-BE49-F238E27FC236}">
-                <a16:creationId xmlns:a16="http://schemas.microsoft.com/office/drawing/2014/main" id="{BE573FE1-020D-4965-9EAD-D732491D43B6}"/>
-              </a:ext>
-            </a:extLst>
-          </p:cNvPr>
-          <p:cNvPicPr>
-            <a:picLocks noChangeAspect="1" noChangeArrowheads="1"/>
-          </p:cNvPicPr>
-          <p:nvPr/>
-        </p:nvPicPr>
-        <p:blipFill>
-          <a:blip r:embed="rId2">
-            <a:extLst>
-              <a:ext uri="{28A0092B-C50C-407E-A947-70E740481C1C}">
-                <a14:useLocalDpi xmlns:a14="http://schemas.microsoft.com/office/drawing/2010/main" val="0"/>
-              </a:ext>
-            </a:extLst>
-          </a:blip>
-          <a:srcRect/>
-          <a:stretch>
-            <a:fillRect/>
-          </a:stretch>
-        </p:blipFill>
-        <p:spPr bwMode="auto">
-          <a:xfrm>
-            <a:off x="3529020" y="3071415"/>
-            <a:ext cx="809625" cy="809625"/>
-          </a:xfrm>
-          <a:prstGeom prst="rect">
-            <a:avLst/>
-          </a:prstGeom>
-          <a:noFill/>
-          <a:extLst>
-            <a:ext uri="{909E8E84-426E-40DD-AFC4-6F175D3DCCD1}">
-              <a14:hiddenFill xmlns:a14="http://schemas.microsoft.com/office/drawing/2010/main">
-                <a:solidFill>
-                  <a:srgbClr val="FFFFFF"/>
-                </a:solidFill>
-              </a14:hiddenFill>
-            </a:ext>
-          </a:extLst>
-        </p:spPr>
-      </p:pic>
-      <p:sp>
-        <p:nvSpPr>
-          <p:cNvPr id="29" name="Heptagon 28">
-            <a:extLst>
-              <a:ext uri="{FF2B5EF4-FFF2-40B4-BE49-F238E27FC236}">
-                <a16:creationId xmlns:a16="http://schemas.microsoft.com/office/drawing/2014/main" id="{8678203A-7D22-423F-A8A1-A0D964021E91}"/>
-              </a:ext>
-            </a:extLst>
-          </p:cNvPr>
-          <p:cNvSpPr/>
-          <p:nvPr/>
-        </p:nvSpPr>
-        <p:spPr>
-          <a:xfrm>
-            <a:off x="3511340" y="2700797"/>
-            <a:ext cx="307435" cy="344102"/>
-          </a:xfrm>
-          <a:prstGeom prst="heptagon">
-            <a:avLst/>
-          </a:prstGeom>
-        </p:spPr>
-        <p:style>
-          <a:lnRef idx="2">
-            <a:schemeClr val="accent1">
-              <a:shade val="50000"/>
-            </a:schemeClr>
-          </a:lnRef>
-          <a:fillRef idx="1">
-            <a:schemeClr val="accent1"/>
-          </a:fillRef>
-          <a:effectRef idx="0">
-            <a:schemeClr val="accent1"/>
-          </a:effectRef>
-          <a:fontRef idx="minor">
-            <a:schemeClr val="lt1"/>
-          </a:fontRef>
-        </p:style>
-        <p:txBody>
-          <a:bodyPr rtlCol="0" anchor="ctr"/>
-          <a:lstStyle/>
-          <a:p>
-            <a:pPr algn="ctr"/>
-            <a:r>
-              <a:rPr lang="en-US" dirty="0"/>
-              <a:t>1</a:t>
-            </a:r>
-          </a:p>
-        </p:txBody>
-      </p:sp>
-      <p:sp>
-        <p:nvSpPr>
-          <p:cNvPr id="30" name="TextBox 29">
-            <a:extLst>
-              <a:ext uri="{FF2B5EF4-FFF2-40B4-BE49-F238E27FC236}">
-                <a16:creationId xmlns:a16="http://schemas.microsoft.com/office/drawing/2014/main" id="{2BC9F718-89F5-4ABC-8898-7B19A551B64A}"/>
-              </a:ext>
-            </a:extLst>
-          </p:cNvPr>
-          <p:cNvSpPr txBox="1"/>
-          <p:nvPr/>
-        </p:nvSpPr>
-        <p:spPr>
-          <a:xfrm>
-            <a:off x="3925476" y="2728022"/>
-            <a:ext cx="998991" cy="276999"/>
-          </a:xfrm>
-          <a:prstGeom prst="rect">
-            <a:avLst/>
-          </a:prstGeom>
-          <a:noFill/>
-        </p:spPr>
-        <p:txBody>
-          <a:bodyPr wrap="none" rtlCol="0">
-            <a:spAutoFit/>
-          </a:bodyPr>
-          <a:lstStyle/>
-          <a:p>
-            <a:r>
-              <a:rPr lang="en-US" sz="1200" dirty="0">
-                <a:solidFill>
-                  <a:srgbClr val="002060"/>
-                </a:solidFill>
-                <a:latin typeface="Verdana" panose="020B0604030504040204" pitchFamily="34" charset="0"/>
-                <a:ea typeface="Verdana" panose="020B0604030504040204" pitchFamily="34" charset="0"/>
-              </a:rPr>
-              <a:t>Ng 12 App</a:t>
-            </a:r>
-          </a:p>
-        </p:txBody>
-      </p:sp>
-    </p:spTree>
-    <p:extLst>
-      <p:ext uri="{BB962C8B-B14F-4D97-AF65-F5344CB8AC3E}">
-        <p14:creationId xmlns:p14="http://schemas.microsoft.com/office/powerpoint/2010/main" val="2545165636"/>
-      </p:ext>
-    </p:extLst>
-  </p:cSld>
-  <p:clrMapOvr>
-    <a:masterClrMapping/>
-  </p:clrMapOvr>
-</p:sld>
-</file>
-
 <file path=ppt/slides/slide4.xml><?xml version="1.0" encoding="utf-8"?>
 <p:sld xmlns:a="http://schemas.openxmlformats.org/drawingml/2006/main" xmlns:r="http://schemas.openxmlformats.org/officeDocument/2006/relationships" xmlns:p="http://schemas.openxmlformats.org/presentationml/2006/main">
   <p:cSld>
@@ -10059,7 +11309,7 @@
                 <a:latin typeface="Verdana" panose="020B0604030504040204" pitchFamily="34" charset="0"/>
                 <a:ea typeface="Verdana" panose="020B0604030504040204" pitchFamily="34" charset="0"/>
               </a:rPr>
-              <a:t>10-Nov-2021</a:t>
+              <a:t>24-Nov-2021</a:t>
             </a:r>
           </a:p>
         </p:txBody>
@@ -11267,7 +12517,7 @@
     </p:spTree>
     <p:extLst>
       <p:ext uri="{BB962C8B-B14F-4D97-AF65-F5344CB8AC3E}">
-        <p14:creationId xmlns:p14="http://schemas.microsoft.com/office/powerpoint/2010/main" val="1281688862"/>
+        <p14:creationId xmlns:p14="http://schemas.microsoft.com/office/powerpoint/2010/main" val="2545165636"/>
       </p:ext>
     </p:extLst>
   </p:cSld>
@@ -11380,7 +12630,7 @@
                 <a:latin typeface="Verdana" panose="020B0604030504040204" pitchFamily="34" charset="0"/>
                 <a:ea typeface="Verdana" panose="020B0604030504040204" pitchFamily="34" charset="0"/>
               </a:rPr>
-              <a:t>27-Oct-2021</a:t>
+              <a:t>10-Nov-2021</a:t>
             </a:r>
           </a:p>
         </p:txBody>
@@ -11780,7 +13030,7 @@
             <a:pPr algn="ctr"/>
             <a:r>
               <a:rPr lang="en-US" dirty="0"/>
-              <a:t>1</a:t>
+              <a:t>2</a:t>
             </a:r>
           </a:p>
         </p:txBody>
@@ -11829,7 +13079,7 @@
             <a:pPr algn="ctr"/>
             <a:r>
               <a:rPr lang="en-US" dirty="0"/>
-              <a:t>2</a:t>
+              <a:t>3</a:t>
             </a:r>
           </a:p>
         </p:txBody>
@@ -12004,7 +13254,7 @@
             <a:pPr algn="ctr"/>
             <a:r>
               <a:rPr lang="en-US" dirty="0"/>
-              <a:t>3</a:t>
+              <a:t>4</a:t>
             </a:r>
           </a:p>
         </p:txBody>
@@ -12079,7 +13329,7 @@
         </p:blipFill>
         <p:spPr bwMode="auto">
           <a:xfrm>
-            <a:off x="3391174" y="1118797"/>
+            <a:off x="3391174" y="770006"/>
             <a:ext cx="857250" cy="809625"/>
           </a:xfrm>
           <a:prstGeom prst="rect">
@@ -12162,7 +13412,7 @@
         </p:blipFill>
         <p:spPr bwMode="auto">
           <a:xfrm>
-            <a:off x="3391174" y="4397548"/>
+            <a:off x="1185301" y="770006"/>
             <a:ext cx="857250" cy="809625"/>
           </a:xfrm>
           <a:prstGeom prst="rect">
@@ -12194,7 +13444,7 @@
         </p:nvSpPr>
         <p:spPr>
           <a:xfrm>
-            <a:off x="3237456" y="774695"/>
+            <a:off x="3237456" y="425904"/>
             <a:ext cx="307435" cy="344102"/>
           </a:xfrm>
           <a:prstGeom prst="heptagon">
@@ -12224,7 +13474,7 @@
             <a:pPr algn="ctr"/>
             <a:r>
               <a:rPr lang="en-US" dirty="0"/>
-              <a:t>4</a:t>
+              <a:t>5</a:t>
             </a:r>
           </a:p>
         </p:txBody>
@@ -12243,7 +13493,7 @@
         </p:nvSpPr>
         <p:spPr>
           <a:xfrm>
-            <a:off x="3237455" y="5166586"/>
+            <a:off x="954725" y="461674"/>
             <a:ext cx="307435" cy="344102"/>
           </a:xfrm>
           <a:prstGeom prst="heptagon">
@@ -12273,7 +13523,7 @@
             <a:pPr algn="ctr"/>
             <a:r>
               <a:rPr lang="en-US" dirty="0"/>
-              <a:t>5</a:t>
+              <a:t>6</a:t>
             </a:r>
           </a:p>
         </p:txBody>
@@ -12292,7 +13542,7 @@
         </p:nvSpPr>
         <p:spPr>
           <a:xfrm>
-            <a:off x="3544890" y="815282"/>
+            <a:off x="3544890" y="466491"/>
             <a:ext cx="1206219" cy="276999"/>
           </a:xfrm>
           <a:prstGeom prst="rect">
@@ -12333,7 +13583,7 @@
         </p:nvSpPr>
         <p:spPr>
           <a:xfrm>
-            <a:off x="3527429" y="5233689"/>
+            <a:off x="1308850" y="465186"/>
             <a:ext cx="1206219" cy="276999"/>
           </a:xfrm>
           <a:prstGeom prst="rect">
@@ -12389,7 +13639,7 @@
         </p:blipFill>
         <p:spPr bwMode="auto">
           <a:xfrm>
-            <a:off x="3771283" y="1154430"/>
+            <a:off x="3771283" y="805639"/>
             <a:ext cx="618960" cy="603282"/>
           </a:xfrm>
           <a:prstGeom prst="rect">
@@ -12421,8 +13671,8 @@
         </p:nvSpPr>
         <p:spPr>
           <a:xfrm>
-            <a:off x="4147999" y="1275941"/>
-            <a:ext cx="2648337" cy="276999"/>
+            <a:off x="4148000" y="927151"/>
+            <a:ext cx="1753180" cy="276999"/>
           </a:xfrm>
           <a:prstGeom prst="rect">
             <a:avLst/>
@@ -12443,7 +13693,144 @@
                 <a:latin typeface="Verdana" panose="020B0604030504040204" pitchFamily="34" charset="0"/>
                 <a:ea typeface="Verdana" panose="020B0604030504040204" pitchFamily="34" charset="0"/>
               </a:rPr>
-              <a:t>Install IIS and deploy Web App</a:t>
+              <a:t>Razor App inside IIS</a:t>
+            </a:r>
+          </a:p>
+        </p:txBody>
+      </p:sp>
+      <p:pic>
+        <p:nvPicPr>
+          <p:cNvPr id="28" name="Picture 12">
+            <a:extLst>
+              <a:ext uri="{FF2B5EF4-FFF2-40B4-BE49-F238E27FC236}">
+                <a16:creationId xmlns:a16="http://schemas.microsoft.com/office/drawing/2014/main" id="{BE573FE1-020D-4965-9EAD-D732491D43B6}"/>
+              </a:ext>
+            </a:extLst>
+          </p:cNvPr>
+          <p:cNvPicPr>
+            <a:picLocks noChangeAspect="1" noChangeArrowheads="1"/>
+          </p:cNvPicPr>
+          <p:nvPr/>
+        </p:nvPicPr>
+        <p:blipFill>
+          <a:blip r:embed="rId2">
+            <a:extLst>
+              <a:ext uri="{28A0092B-C50C-407E-A947-70E740481C1C}">
+                <a14:useLocalDpi xmlns:a14="http://schemas.microsoft.com/office/drawing/2010/main" val="0"/>
+              </a:ext>
+            </a:extLst>
+          </a:blip>
+          <a:srcRect/>
+          <a:stretch>
+            <a:fillRect/>
+          </a:stretch>
+        </p:blipFill>
+        <p:spPr bwMode="auto">
+          <a:xfrm>
+            <a:off x="3529020" y="3071415"/>
+            <a:ext cx="809625" cy="809625"/>
+          </a:xfrm>
+          <a:prstGeom prst="rect">
+            <a:avLst/>
+          </a:prstGeom>
+          <a:noFill/>
+          <a:extLst>
+            <a:ext uri="{909E8E84-426E-40DD-AFC4-6F175D3DCCD1}">
+              <a14:hiddenFill xmlns:a14="http://schemas.microsoft.com/office/drawing/2010/main">
+                <a:solidFill>
+                  <a:srgbClr val="FFFFFF"/>
+                </a:solidFill>
+              </a14:hiddenFill>
+            </a:ext>
+          </a:extLst>
+        </p:spPr>
+      </p:pic>
+      <p:sp>
+        <p:nvSpPr>
+          <p:cNvPr id="29" name="Heptagon 28">
+            <a:extLst>
+              <a:ext uri="{FF2B5EF4-FFF2-40B4-BE49-F238E27FC236}">
+                <a16:creationId xmlns:a16="http://schemas.microsoft.com/office/drawing/2014/main" id="{8678203A-7D22-423F-A8A1-A0D964021E91}"/>
+              </a:ext>
+            </a:extLst>
+          </p:cNvPr>
+          <p:cNvSpPr/>
+          <p:nvPr/>
+        </p:nvSpPr>
+        <p:spPr>
+          <a:xfrm>
+            <a:off x="3511340" y="2700797"/>
+            <a:ext cx="307435" cy="344102"/>
+          </a:xfrm>
+          <a:prstGeom prst="heptagon">
+            <a:avLst/>
+          </a:prstGeom>
+        </p:spPr>
+        <p:style>
+          <a:lnRef idx="2">
+            <a:schemeClr val="accent1">
+              <a:shade val="50000"/>
+            </a:schemeClr>
+          </a:lnRef>
+          <a:fillRef idx="1">
+            <a:schemeClr val="accent1"/>
+          </a:fillRef>
+          <a:effectRef idx="0">
+            <a:schemeClr val="accent1"/>
+          </a:effectRef>
+          <a:fontRef idx="minor">
+            <a:schemeClr val="lt1"/>
+          </a:fontRef>
+        </p:style>
+        <p:txBody>
+          <a:bodyPr rtlCol="0" anchor="ctr"/>
+          <a:lstStyle/>
+          <a:p>
+            <a:pPr algn="ctr"/>
+            <a:r>
+              <a:rPr lang="en-US" dirty="0"/>
+              <a:t>1</a:t>
+            </a:r>
+          </a:p>
+        </p:txBody>
+      </p:sp>
+      <p:sp>
+        <p:nvSpPr>
+          <p:cNvPr id="30" name="TextBox 29">
+            <a:extLst>
+              <a:ext uri="{FF2B5EF4-FFF2-40B4-BE49-F238E27FC236}">
+                <a16:creationId xmlns:a16="http://schemas.microsoft.com/office/drawing/2014/main" id="{2BC9F718-89F5-4ABC-8898-7B19A551B64A}"/>
+              </a:ext>
+            </a:extLst>
+          </p:cNvPr>
+          <p:cNvSpPr txBox="1"/>
+          <p:nvPr/>
+        </p:nvSpPr>
+        <p:spPr>
+          <a:xfrm>
+            <a:off x="3925476" y="2728022"/>
+            <a:ext cx="998991" cy="276999"/>
+          </a:xfrm>
+          <a:prstGeom prst="rect">
+            <a:avLst/>
+          </a:prstGeom>
+          <a:noFill/>
+        </p:spPr>
+        <p:txBody>
+          <a:bodyPr wrap="none" rtlCol="0">
+            <a:spAutoFit/>
+          </a:bodyPr>
+          <a:lstStyle/>
+          <a:p>
+            <a:r>
+              <a:rPr lang="en-US" sz="1200" dirty="0">
+                <a:solidFill>
+                  <a:srgbClr val="002060"/>
+                </a:solidFill>
+                <a:latin typeface="Verdana" panose="020B0604030504040204" pitchFamily="34" charset="0"/>
+                <a:ea typeface="Verdana" panose="020B0604030504040204" pitchFamily="34" charset="0"/>
+              </a:rPr>
+              <a:t>Ng 12 App</a:t>
             </a:r>
           </a:p>
         </p:txBody>
@@ -12451,7 +13838,7 @@
     </p:spTree>
     <p:extLst>
       <p:ext uri="{BB962C8B-B14F-4D97-AF65-F5344CB8AC3E}">
-        <p14:creationId xmlns:p14="http://schemas.microsoft.com/office/powerpoint/2010/main" val="657309907"/>
+        <p14:creationId xmlns:p14="http://schemas.microsoft.com/office/powerpoint/2010/main" val="1281688862"/>
       </p:ext>
     </p:extLst>
   </p:cSld>
@@ -12564,7 +13951,7 @@
                 <a:latin typeface="Verdana" panose="020B0604030504040204" pitchFamily="34" charset="0"/>
                 <a:ea typeface="Verdana" panose="020B0604030504040204" pitchFamily="34" charset="0"/>
               </a:rPr>
-              <a:t>13-Oct-2021</a:t>
+              <a:t>27-Oct-2021</a:t>
             </a:r>
           </a:p>
         </p:txBody>
@@ -13476,7 +14863,7 @@
         </p:nvSpPr>
         <p:spPr>
           <a:xfrm>
-            <a:off x="3544889" y="815284"/>
+            <a:off x="3544890" y="815282"/>
             <a:ext cx="1206219" cy="276999"/>
           </a:xfrm>
           <a:prstGeom prst="rect">
@@ -13544,10 +14931,98 @@
           </a:p>
         </p:txBody>
       </p:sp>
+      <p:pic>
+        <p:nvPicPr>
+          <p:cNvPr id="2" name="Picture 2">
+            <a:extLst>
+              <a:ext uri="{FF2B5EF4-FFF2-40B4-BE49-F238E27FC236}">
+                <a16:creationId xmlns:a16="http://schemas.microsoft.com/office/drawing/2014/main" id="{7BACA7D4-C34A-4935-A82E-FCDE642A4BF8}"/>
+              </a:ext>
+            </a:extLst>
+          </p:cNvPr>
+          <p:cNvPicPr>
+            <a:picLocks noChangeAspect="1" noChangeArrowheads="1"/>
+          </p:cNvPicPr>
+          <p:nvPr/>
+        </p:nvPicPr>
+        <p:blipFill>
+          <a:blip r:embed="rId6">
+            <a:extLst>
+              <a:ext uri="{28A0092B-C50C-407E-A947-70E740481C1C}">
+                <a14:useLocalDpi xmlns:a14="http://schemas.microsoft.com/office/drawing/2010/main" val="0"/>
+              </a:ext>
+            </a:extLst>
+          </a:blip>
+          <a:srcRect/>
+          <a:stretch>
+            <a:fillRect/>
+          </a:stretch>
+        </p:blipFill>
+        <p:spPr bwMode="auto">
+          <a:xfrm>
+            <a:off x="3771283" y="1154430"/>
+            <a:ext cx="618960" cy="603282"/>
+          </a:xfrm>
+          <a:prstGeom prst="rect">
+            <a:avLst/>
+          </a:prstGeom>
+          <a:noFill/>
+          <a:extLst>
+            <a:ext uri="{909E8E84-426E-40DD-AFC4-6F175D3DCCD1}">
+              <a14:hiddenFill xmlns:a14="http://schemas.microsoft.com/office/drawing/2010/main">
+                <a:solidFill>
+                  <a:srgbClr val="FFFFFF"/>
+                </a:solidFill>
+              </a14:hiddenFill>
+            </a:ext>
+          </a:extLst>
+        </p:spPr>
+      </p:pic>
+      <p:sp>
+        <p:nvSpPr>
+          <p:cNvPr id="26" name="TextBox 25">
+            <a:extLst>
+              <a:ext uri="{FF2B5EF4-FFF2-40B4-BE49-F238E27FC236}">
+                <a16:creationId xmlns:a16="http://schemas.microsoft.com/office/drawing/2014/main" id="{88EB1ECD-7D00-48B1-8A56-5CF8EC037158}"/>
+              </a:ext>
+            </a:extLst>
+          </p:cNvPr>
+          <p:cNvSpPr txBox="1"/>
+          <p:nvPr/>
+        </p:nvSpPr>
+        <p:spPr>
+          <a:xfrm>
+            <a:off x="4147999" y="1275941"/>
+            <a:ext cx="2648337" cy="276999"/>
+          </a:xfrm>
+          <a:prstGeom prst="rect">
+            <a:avLst/>
+          </a:prstGeom>
+          <a:noFill/>
+        </p:spPr>
+        <p:txBody>
+          <a:bodyPr wrap="square" rtlCol="0">
+            <a:spAutoFit/>
+          </a:bodyPr>
+          <a:lstStyle/>
+          <a:p>
+            <a:r>
+              <a:rPr lang="en-US" sz="1200" dirty="0">
+                <a:solidFill>
+                  <a:srgbClr val="0070C0"/>
+                </a:solidFill>
+                <a:latin typeface="Verdana" panose="020B0604030504040204" pitchFamily="34" charset="0"/>
+                <a:ea typeface="Verdana" panose="020B0604030504040204" pitchFamily="34" charset="0"/>
+              </a:rPr>
+              <a:t>Install IIS and deploy Web App</a:t>
+            </a:r>
+          </a:p>
+        </p:txBody>
+      </p:sp>
     </p:spTree>
     <p:extLst>
       <p:ext uri="{BB962C8B-B14F-4D97-AF65-F5344CB8AC3E}">
-        <p14:creationId xmlns:p14="http://schemas.microsoft.com/office/powerpoint/2010/main" val="2581768136"/>
+        <p14:creationId xmlns:p14="http://schemas.microsoft.com/office/powerpoint/2010/main" val="657309907"/>
       </p:ext>
     </p:extLst>
   </p:cSld>
@@ -13660,7 +15135,7 @@
                 <a:latin typeface="Verdana" panose="020B0604030504040204" pitchFamily="34" charset="0"/>
                 <a:ea typeface="Verdana" panose="020B0604030504040204" pitchFamily="34" charset="0"/>
               </a:rPr>
-              <a:t>29-Sep-2021</a:t>
+              <a:t>13-Oct-2021</a:t>
             </a:r>
           </a:p>
         </p:txBody>
@@ -13869,7 +15344,7 @@
         </p:blipFill>
         <p:spPr bwMode="auto">
           <a:xfrm>
-            <a:off x="4370897" y="3051292"/>
+            <a:off x="7368618" y="3051292"/>
             <a:ext cx="809625" cy="809625"/>
           </a:xfrm>
           <a:prstGeom prst="rect">
@@ -13901,7 +15376,7 @@
         </p:nvSpPr>
         <p:spPr>
           <a:xfrm>
-            <a:off x="4964445" y="2728022"/>
+            <a:off x="7962166" y="2728022"/>
             <a:ext cx="834396" cy="276999"/>
           </a:xfrm>
           <a:prstGeom prst="rect">
@@ -13957,7 +15432,7 @@
         </p:blipFill>
         <p:spPr bwMode="auto">
           <a:xfrm>
-            <a:off x="8309297" y="3051292"/>
+            <a:off x="11307018" y="3051292"/>
             <a:ext cx="810000" cy="810000"/>
           </a:xfrm>
           <a:prstGeom prst="rect">
@@ -13989,7 +15464,7 @@
         </p:nvSpPr>
         <p:spPr>
           <a:xfrm>
-            <a:off x="7509694" y="2722384"/>
+            <a:off x="10507415" y="2722384"/>
             <a:ext cx="992579" cy="276999"/>
           </a:xfrm>
           <a:prstGeom prst="rect">
@@ -14030,7 +15505,7 @@
         </p:nvSpPr>
         <p:spPr>
           <a:xfrm>
-            <a:off x="4614950" y="2700919"/>
+            <a:off x="7612671" y="2700919"/>
             <a:ext cx="307435" cy="344102"/>
           </a:xfrm>
           <a:prstGeom prst="heptagon">
@@ -14079,7 +15554,7 @@
         </p:nvSpPr>
         <p:spPr>
           <a:xfrm>
-            <a:off x="8440483" y="2700919"/>
+            <a:off x="11438204" y="2700919"/>
             <a:ext cx="307435" cy="344102"/>
           </a:xfrm>
           <a:prstGeom prst="heptagon">
@@ -14143,7 +15618,7 @@
         </p:blipFill>
         <p:spPr bwMode="auto">
           <a:xfrm>
-            <a:off x="4370897" y="5041057"/>
+            <a:off x="7368618" y="5041057"/>
             <a:ext cx="810000" cy="810000"/>
           </a:xfrm>
           <a:prstGeom prst="rect">
@@ -14178,7 +15653,7 @@
         </p:nvCxnSpPr>
         <p:spPr>
           <a:xfrm>
-            <a:off x="5180522" y="3456105"/>
+            <a:off x="8178243" y="3456105"/>
             <a:ext cx="3128775" cy="187"/>
           </a:xfrm>
           <a:prstGeom prst="line">
@@ -14217,7 +15692,7 @@
         </p:nvCxnSpPr>
         <p:spPr>
           <a:xfrm>
-            <a:off x="4775710" y="3860917"/>
+            <a:off x="7773431" y="3860917"/>
             <a:ext cx="187" cy="1180140"/>
           </a:xfrm>
           <a:prstGeom prst="line">
@@ -14254,7 +15729,7 @@
         </p:nvSpPr>
         <p:spPr>
           <a:xfrm>
-            <a:off x="4614950" y="5858706"/>
+            <a:off x="7612671" y="5858706"/>
             <a:ext cx="307435" cy="344102"/>
           </a:xfrm>
           <a:prstGeom prst="heptagon">
@@ -14303,7 +15778,7 @@
         </p:nvSpPr>
         <p:spPr>
           <a:xfrm>
-            <a:off x="5143834" y="5269474"/>
+            <a:off x="8141555" y="5269474"/>
             <a:ext cx="847733" cy="276999"/>
           </a:xfrm>
           <a:prstGeom prst="rect">
@@ -14330,10 +15805,320 @@
           </a:p>
         </p:txBody>
       </p:sp>
+      <p:pic>
+        <p:nvPicPr>
+          <p:cNvPr id="2050" name="Picture 2">
+            <a:extLst>
+              <a:ext uri="{FF2B5EF4-FFF2-40B4-BE49-F238E27FC236}">
+                <a16:creationId xmlns:a16="http://schemas.microsoft.com/office/drawing/2014/main" id="{E5FC223A-D3AB-4E6B-8768-C5EBCFD1EE4D}"/>
+              </a:ext>
+            </a:extLst>
+          </p:cNvPr>
+          <p:cNvPicPr>
+            <a:picLocks noChangeAspect="1" noChangeArrowheads="1"/>
+          </p:cNvPicPr>
+          <p:nvPr/>
+        </p:nvPicPr>
+        <p:blipFill>
+          <a:blip r:embed="rId5">
+            <a:extLst>
+              <a:ext uri="{28A0092B-C50C-407E-A947-70E740481C1C}">
+                <a14:useLocalDpi xmlns:a14="http://schemas.microsoft.com/office/drawing/2010/main" val="0"/>
+              </a:ext>
+            </a:extLst>
+          </a:blip>
+          <a:srcRect/>
+          <a:stretch>
+            <a:fillRect/>
+          </a:stretch>
+        </p:blipFill>
+        <p:spPr bwMode="auto">
+          <a:xfrm>
+            <a:off x="3391174" y="1118797"/>
+            <a:ext cx="857250" cy="809625"/>
+          </a:xfrm>
+          <a:prstGeom prst="rect">
+            <a:avLst/>
+          </a:prstGeom>
+          <a:noFill/>
+          <a:extLst>
+            <a:ext uri="{909E8E84-426E-40DD-AFC4-6F175D3DCCD1}">
+              <a14:hiddenFill xmlns:a14="http://schemas.microsoft.com/office/drawing/2010/main">
+                <a:solidFill>
+                  <a:srgbClr val="FFFFFF"/>
+                </a:solidFill>
+              </a14:hiddenFill>
+            </a:ext>
+          </a:extLst>
+        </p:spPr>
+      </p:pic>
+      <p:cxnSp>
+        <p:nvCxnSpPr>
+          <p:cNvPr id="18" name="Straight Connector 17">
+            <a:extLst>
+              <a:ext uri="{FF2B5EF4-FFF2-40B4-BE49-F238E27FC236}">
+                <a16:creationId xmlns:a16="http://schemas.microsoft.com/office/drawing/2014/main" id="{E47FE56F-918E-499D-98A8-601D634441D4}"/>
+              </a:ext>
+            </a:extLst>
+          </p:cNvPr>
+          <p:cNvCxnSpPr/>
+          <p:nvPr/>
+        </p:nvCxnSpPr>
+        <p:spPr>
+          <a:xfrm>
+            <a:off x="4267692" y="3457673"/>
+            <a:ext cx="3128775" cy="187"/>
+          </a:xfrm>
+          <a:prstGeom prst="line">
+            <a:avLst/>
+          </a:prstGeom>
+        </p:spPr>
+        <p:style>
+          <a:lnRef idx="2">
+            <a:schemeClr val="accent1"/>
+          </a:lnRef>
+          <a:fillRef idx="0">
+            <a:schemeClr val="accent1"/>
+          </a:fillRef>
+          <a:effectRef idx="1">
+            <a:schemeClr val="accent1"/>
+          </a:effectRef>
+          <a:fontRef idx="minor">
+            <a:schemeClr val="tx1"/>
+          </a:fontRef>
+        </p:style>
+      </p:cxnSp>
+      <p:pic>
+        <p:nvPicPr>
+          <p:cNvPr id="19" name="Picture 2">
+            <a:extLst>
+              <a:ext uri="{FF2B5EF4-FFF2-40B4-BE49-F238E27FC236}">
+                <a16:creationId xmlns:a16="http://schemas.microsoft.com/office/drawing/2014/main" id="{81596101-A8EB-49A3-935D-208ECEA59F5F}"/>
+              </a:ext>
+            </a:extLst>
+          </p:cNvPr>
+          <p:cNvPicPr>
+            <a:picLocks noChangeAspect="1" noChangeArrowheads="1"/>
+          </p:cNvPicPr>
+          <p:nvPr/>
+        </p:nvPicPr>
+        <p:blipFill>
+          <a:blip r:embed="rId5">
+            <a:extLst>
+              <a:ext uri="{28A0092B-C50C-407E-A947-70E740481C1C}">
+                <a14:useLocalDpi xmlns:a14="http://schemas.microsoft.com/office/drawing/2010/main" val="0"/>
+              </a:ext>
+            </a:extLst>
+          </a:blip>
+          <a:srcRect/>
+          <a:stretch>
+            <a:fillRect/>
+          </a:stretch>
+        </p:blipFill>
+        <p:spPr bwMode="auto">
+          <a:xfrm>
+            <a:off x="3391174" y="4397548"/>
+            <a:ext cx="857250" cy="809625"/>
+          </a:xfrm>
+          <a:prstGeom prst="rect">
+            <a:avLst/>
+          </a:prstGeom>
+          <a:noFill/>
+          <a:extLst>
+            <a:ext uri="{909E8E84-426E-40DD-AFC4-6F175D3DCCD1}">
+              <a14:hiddenFill xmlns:a14="http://schemas.microsoft.com/office/drawing/2010/main">
+                <a:solidFill>
+                  <a:srgbClr val="FFFFFF"/>
+                </a:solidFill>
+              </a14:hiddenFill>
+            </a:ext>
+          </a:extLst>
+        </p:spPr>
+      </p:pic>
+      <p:sp>
+        <p:nvSpPr>
+          <p:cNvPr id="22" name="Heptagon 21">
+            <a:extLst>
+              <a:ext uri="{FF2B5EF4-FFF2-40B4-BE49-F238E27FC236}">
+                <a16:creationId xmlns:a16="http://schemas.microsoft.com/office/drawing/2014/main" id="{9DC9C82A-36F2-4DA5-AAE7-F9FC02DA4D7C}"/>
+              </a:ext>
+            </a:extLst>
+          </p:cNvPr>
+          <p:cNvSpPr/>
+          <p:nvPr/>
+        </p:nvSpPr>
+        <p:spPr>
+          <a:xfrm>
+            <a:off x="3237456" y="774695"/>
+            <a:ext cx="307435" cy="344102"/>
+          </a:xfrm>
+          <a:prstGeom prst="heptagon">
+            <a:avLst/>
+          </a:prstGeom>
+        </p:spPr>
+        <p:style>
+          <a:lnRef idx="2">
+            <a:schemeClr val="accent1">
+              <a:shade val="50000"/>
+            </a:schemeClr>
+          </a:lnRef>
+          <a:fillRef idx="1">
+            <a:schemeClr val="accent1"/>
+          </a:fillRef>
+          <a:effectRef idx="0">
+            <a:schemeClr val="accent1"/>
+          </a:effectRef>
+          <a:fontRef idx="minor">
+            <a:schemeClr val="lt1"/>
+          </a:fontRef>
+        </p:style>
+        <p:txBody>
+          <a:bodyPr rtlCol="0" anchor="ctr"/>
+          <a:lstStyle/>
+          <a:p>
+            <a:pPr algn="ctr"/>
+            <a:r>
+              <a:rPr lang="en-US" dirty="0"/>
+              <a:t>4</a:t>
+            </a:r>
+          </a:p>
+        </p:txBody>
+      </p:sp>
+      <p:sp>
+        <p:nvSpPr>
+          <p:cNvPr id="23" name="Heptagon 22">
+            <a:extLst>
+              <a:ext uri="{FF2B5EF4-FFF2-40B4-BE49-F238E27FC236}">
+                <a16:creationId xmlns:a16="http://schemas.microsoft.com/office/drawing/2014/main" id="{D027EBA1-67A9-4BF1-ACE6-4F4DB7E49E26}"/>
+              </a:ext>
+            </a:extLst>
+          </p:cNvPr>
+          <p:cNvSpPr/>
+          <p:nvPr/>
+        </p:nvSpPr>
+        <p:spPr>
+          <a:xfrm>
+            <a:off x="3237455" y="5166586"/>
+            <a:ext cx="307435" cy="344102"/>
+          </a:xfrm>
+          <a:prstGeom prst="heptagon">
+            <a:avLst/>
+          </a:prstGeom>
+        </p:spPr>
+        <p:style>
+          <a:lnRef idx="2">
+            <a:schemeClr val="accent1">
+              <a:shade val="50000"/>
+            </a:schemeClr>
+          </a:lnRef>
+          <a:fillRef idx="1">
+            <a:schemeClr val="accent1"/>
+          </a:fillRef>
+          <a:effectRef idx="0">
+            <a:schemeClr val="accent1"/>
+          </a:effectRef>
+          <a:fontRef idx="minor">
+            <a:schemeClr val="lt1"/>
+          </a:fontRef>
+        </p:style>
+        <p:txBody>
+          <a:bodyPr rtlCol="0" anchor="ctr"/>
+          <a:lstStyle/>
+          <a:p>
+            <a:pPr algn="ctr"/>
+            <a:r>
+              <a:rPr lang="en-US" dirty="0"/>
+              <a:t>5</a:t>
+            </a:r>
+          </a:p>
+        </p:txBody>
+      </p:sp>
+      <p:sp>
+        <p:nvSpPr>
+          <p:cNvPr id="24" name="TextBox 23">
+            <a:extLst>
+              <a:ext uri="{FF2B5EF4-FFF2-40B4-BE49-F238E27FC236}">
+                <a16:creationId xmlns:a16="http://schemas.microsoft.com/office/drawing/2014/main" id="{444ADC56-8CEB-448D-9DB4-A40A04DCB75F}"/>
+              </a:ext>
+            </a:extLst>
+          </p:cNvPr>
+          <p:cNvSpPr txBox="1"/>
+          <p:nvPr/>
+        </p:nvSpPr>
+        <p:spPr>
+          <a:xfrm>
+            <a:off x="3544889" y="815284"/>
+            <a:ext cx="1206219" cy="276999"/>
+          </a:xfrm>
+          <a:prstGeom prst="rect">
+            <a:avLst/>
+          </a:prstGeom>
+          <a:noFill/>
+        </p:spPr>
+        <p:txBody>
+          <a:bodyPr wrap="square" rtlCol="0">
+            <a:spAutoFit/>
+          </a:bodyPr>
+          <a:lstStyle/>
+          <a:p>
+            <a:r>
+              <a:rPr lang="en-US" sz="1200" dirty="0">
+                <a:solidFill>
+                  <a:srgbClr val="002060"/>
+                </a:solidFill>
+                <a:latin typeface="Verdana" panose="020B0604030504040204" pitchFamily="34" charset="0"/>
+                <a:ea typeface="Verdana" panose="020B0604030504040204" pitchFamily="34" charset="0"/>
+              </a:rPr>
+              <a:t>Windows VM</a:t>
+            </a:r>
+          </a:p>
+        </p:txBody>
+      </p:sp>
+      <p:sp>
+        <p:nvSpPr>
+          <p:cNvPr id="25" name="TextBox 24">
+            <a:extLst>
+              <a:ext uri="{FF2B5EF4-FFF2-40B4-BE49-F238E27FC236}">
+                <a16:creationId xmlns:a16="http://schemas.microsoft.com/office/drawing/2014/main" id="{94D56564-9C91-49CE-B97F-D9A8EDAD6D68}"/>
+              </a:ext>
+            </a:extLst>
+          </p:cNvPr>
+          <p:cNvSpPr txBox="1"/>
+          <p:nvPr/>
+        </p:nvSpPr>
+        <p:spPr>
+          <a:xfrm>
+            <a:off x="3527429" y="5233689"/>
+            <a:ext cx="1206219" cy="276999"/>
+          </a:xfrm>
+          <a:prstGeom prst="rect">
+            <a:avLst/>
+          </a:prstGeom>
+          <a:noFill/>
+        </p:spPr>
+        <p:txBody>
+          <a:bodyPr wrap="square" rtlCol="0">
+            <a:spAutoFit/>
+          </a:bodyPr>
+          <a:lstStyle/>
+          <a:p>
+            <a:r>
+              <a:rPr lang="en-US" sz="1200" dirty="0">
+                <a:solidFill>
+                  <a:srgbClr val="002060"/>
+                </a:solidFill>
+                <a:latin typeface="Verdana" panose="020B0604030504040204" pitchFamily="34" charset="0"/>
+                <a:ea typeface="Verdana" panose="020B0604030504040204" pitchFamily="34" charset="0"/>
+              </a:rPr>
+              <a:t>Ubuntu VM</a:t>
+            </a:r>
+          </a:p>
+        </p:txBody>
+      </p:sp>
     </p:spTree>
     <p:extLst>
       <p:ext uri="{BB962C8B-B14F-4D97-AF65-F5344CB8AC3E}">
-        <p14:creationId xmlns:p14="http://schemas.microsoft.com/office/powerpoint/2010/main" val="1147422885"/>
+        <p14:creationId xmlns:p14="http://schemas.microsoft.com/office/powerpoint/2010/main" val="2581768136"/>
       </p:ext>
     </p:extLst>
   </p:cSld>
@@ -14446,7 +16231,7 @@
                 <a:latin typeface="Verdana" panose="020B0604030504040204" pitchFamily="34" charset="0"/>
                 <a:ea typeface="Verdana" panose="020B0604030504040204" pitchFamily="34" charset="0"/>
               </a:rPr>
-              <a:t>15-Sep-2021</a:t>
+              <a:t>29-Sep-2021</a:t>
             </a:r>
           </a:p>
         </p:txBody>
@@ -14628,10 +16413,10 @@
       </p:sp>
       <p:pic>
         <p:nvPicPr>
-          <p:cNvPr id="11" name="Picture 12">
-            <a:extLst>
-              <a:ext uri="{FF2B5EF4-FFF2-40B4-BE49-F238E27FC236}">
-                <a16:creationId xmlns:a16="http://schemas.microsoft.com/office/drawing/2014/main" id="{E1804A3B-1B22-4D61-BEDA-BBA0481E69D7}"/>
+          <p:cNvPr id="6" name="Picture 12">
+            <a:extLst>
+              <a:ext uri="{FF2B5EF4-FFF2-40B4-BE49-F238E27FC236}">
+                <a16:creationId xmlns:a16="http://schemas.microsoft.com/office/drawing/2014/main" id="{7898CFCB-7659-4968-8E49-75F24799EB68}"/>
               </a:ext>
             </a:extLst>
           </p:cNvPr>
@@ -14655,7 +16440,7 @@
         </p:blipFill>
         <p:spPr bwMode="auto">
           <a:xfrm>
-            <a:off x="7010400" y="2909887"/>
+            <a:off x="4370897" y="3051292"/>
             <a:ext cx="809625" cy="809625"/>
           </a:xfrm>
           <a:prstGeom prst="rect">
@@ -14675,10 +16460,10 @@
       </p:pic>
       <p:sp>
         <p:nvSpPr>
-          <p:cNvPr id="13" name="TextBox 12">
-            <a:extLst>
-              <a:ext uri="{FF2B5EF4-FFF2-40B4-BE49-F238E27FC236}">
-                <a16:creationId xmlns:a16="http://schemas.microsoft.com/office/drawing/2014/main" id="{489494EE-527E-4FB3-8F61-AB1C58DE779A}"/>
+          <p:cNvPr id="10" name="TextBox 9">
+            <a:extLst>
+              <a:ext uri="{FF2B5EF4-FFF2-40B4-BE49-F238E27FC236}">
+                <a16:creationId xmlns:a16="http://schemas.microsoft.com/office/drawing/2014/main" id="{3657454D-AD85-4AEE-82DC-6159AD7DE31E}"/>
               </a:ext>
             </a:extLst>
           </p:cNvPr>
@@ -14687,7 +16472,7 @@
         </p:nvSpPr>
         <p:spPr>
           <a:xfrm>
-            <a:off x="6984279" y="3753973"/>
+            <a:off x="4964445" y="2728022"/>
             <a:ext cx="834396" cy="276999"/>
           </a:xfrm>
           <a:prstGeom prst="rect">
@@ -14714,12 +16499,100 @@
           </a:p>
         </p:txBody>
       </p:sp>
+      <p:pic>
+        <p:nvPicPr>
+          <p:cNvPr id="11" name="Picture 10">
+            <a:extLst>
+              <a:ext uri="{FF2B5EF4-FFF2-40B4-BE49-F238E27FC236}">
+                <a16:creationId xmlns:a16="http://schemas.microsoft.com/office/drawing/2014/main" id="{13644FC0-4432-4DAA-BB42-865EDC6E7039}"/>
+              </a:ext>
+            </a:extLst>
+          </p:cNvPr>
+          <p:cNvPicPr>
+            <a:picLocks noChangeAspect="1" noChangeArrowheads="1"/>
+          </p:cNvPicPr>
+          <p:nvPr/>
+        </p:nvPicPr>
+        <p:blipFill>
+          <a:blip r:embed="rId3">
+            <a:extLst>
+              <a:ext uri="{28A0092B-C50C-407E-A947-70E740481C1C}">
+                <a14:useLocalDpi xmlns:a14="http://schemas.microsoft.com/office/drawing/2010/main" val="0"/>
+              </a:ext>
+            </a:extLst>
+          </a:blip>
+          <a:srcRect/>
+          <a:stretch>
+            <a:fillRect/>
+          </a:stretch>
+        </p:blipFill>
+        <p:spPr bwMode="auto">
+          <a:xfrm>
+            <a:off x="8309297" y="3051292"/>
+            <a:ext cx="810000" cy="810000"/>
+          </a:xfrm>
+          <a:prstGeom prst="rect">
+            <a:avLst/>
+          </a:prstGeom>
+          <a:noFill/>
+          <a:extLst>
+            <a:ext uri="{909E8E84-426E-40DD-AFC4-6F175D3DCCD1}">
+              <a14:hiddenFill xmlns:a14="http://schemas.microsoft.com/office/drawing/2010/main">
+                <a:solidFill>
+                  <a:srgbClr val="FFFFFF"/>
+                </a:solidFill>
+              </a14:hiddenFill>
+            </a:ext>
+          </a:extLst>
+        </p:spPr>
+      </p:pic>
+      <p:sp>
+        <p:nvSpPr>
+          <p:cNvPr id="13" name="TextBox 12">
+            <a:extLst>
+              <a:ext uri="{FF2B5EF4-FFF2-40B4-BE49-F238E27FC236}">
+                <a16:creationId xmlns:a16="http://schemas.microsoft.com/office/drawing/2014/main" id="{83BEFD28-360B-4C34-B776-983624107E9B}"/>
+              </a:ext>
+            </a:extLst>
+          </p:cNvPr>
+          <p:cNvSpPr txBox="1"/>
+          <p:nvPr/>
+        </p:nvSpPr>
+        <p:spPr>
+          <a:xfrm>
+            <a:off x="7509694" y="2722384"/>
+            <a:ext cx="992579" cy="276999"/>
+          </a:xfrm>
+          <a:prstGeom prst="rect">
+            <a:avLst/>
+          </a:prstGeom>
+          <a:noFill/>
+        </p:spPr>
+        <p:txBody>
+          <a:bodyPr wrap="none" rtlCol="0">
+            <a:spAutoFit/>
+          </a:bodyPr>
+          <a:lstStyle/>
+          <a:p>
+            <a:r>
+              <a:rPr lang="en-US" sz="1200" dirty="0">
+                <a:solidFill>
+                  <a:srgbClr val="002060"/>
+                </a:solidFill>
+                <a:latin typeface="Verdana" panose="020B0604030504040204" pitchFamily="34" charset="0"/>
+                <a:ea typeface="Verdana" panose="020B0604030504040204" pitchFamily="34" charset="0"/>
+              </a:rPr>
+              <a:t>Azure SQL</a:t>
+            </a:r>
+          </a:p>
+        </p:txBody>
+      </p:sp>
       <p:sp>
         <p:nvSpPr>
           <p:cNvPr id="14" name="Heptagon 13">
             <a:extLst>
               <a:ext uri="{FF2B5EF4-FFF2-40B4-BE49-F238E27FC236}">
-                <a16:creationId xmlns:a16="http://schemas.microsoft.com/office/drawing/2014/main" id="{5F21601D-4357-469C-9B2B-ED603C89EE75}"/>
+                <a16:creationId xmlns:a16="http://schemas.microsoft.com/office/drawing/2014/main" id="{932FD78C-C27D-4D87-9137-AB3F88C3B70B}"/>
               </a:ext>
             </a:extLst>
           </p:cNvPr>
@@ -14728,7 +16601,7 @@
         </p:nvSpPr>
         <p:spPr>
           <a:xfrm>
-            <a:off x="7254452" y="2559510"/>
+            <a:off x="4614950" y="2700919"/>
             <a:ext cx="307435" cy="344102"/>
           </a:xfrm>
           <a:prstGeom prst="heptagon">
@@ -14763,10 +16636,275 @@
           </a:p>
         </p:txBody>
       </p:sp>
+      <p:sp>
+        <p:nvSpPr>
+          <p:cNvPr id="15" name="Heptagon 14">
+            <a:extLst>
+              <a:ext uri="{FF2B5EF4-FFF2-40B4-BE49-F238E27FC236}">
+                <a16:creationId xmlns:a16="http://schemas.microsoft.com/office/drawing/2014/main" id="{1E40AC33-A982-446B-9D49-9D733A49316A}"/>
+              </a:ext>
+            </a:extLst>
+          </p:cNvPr>
+          <p:cNvSpPr/>
+          <p:nvPr/>
+        </p:nvSpPr>
+        <p:spPr>
+          <a:xfrm>
+            <a:off x="8440483" y="2700919"/>
+            <a:ext cx="307435" cy="344102"/>
+          </a:xfrm>
+          <a:prstGeom prst="heptagon">
+            <a:avLst/>
+          </a:prstGeom>
+        </p:spPr>
+        <p:style>
+          <a:lnRef idx="2">
+            <a:schemeClr val="accent1">
+              <a:shade val="50000"/>
+            </a:schemeClr>
+          </a:lnRef>
+          <a:fillRef idx="1">
+            <a:schemeClr val="accent1"/>
+          </a:fillRef>
+          <a:effectRef idx="0">
+            <a:schemeClr val="accent1"/>
+          </a:effectRef>
+          <a:fontRef idx="minor">
+            <a:schemeClr val="lt1"/>
+          </a:fontRef>
+        </p:style>
+        <p:txBody>
+          <a:bodyPr rtlCol="0" anchor="ctr"/>
+          <a:lstStyle/>
+          <a:p>
+            <a:pPr algn="ctr"/>
+            <a:r>
+              <a:rPr lang="en-US" dirty="0"/>
+              <a:t>2</a:t>
+            </a:r>
+          </a:p>
+        </p:txBody>
+      </p:sp>
+      <p:pic>
+        <p:nvPicPr>
+          <p:cNvPr id="1026" name="Picture 2">
+            <a:extLst>
+              <a:ext uri="{FF2B5EF4-FFF2-40B4-BE49-F238E27FC236}">
+                <a16:creationId xmlns:a16="http://schemas.microsoft.com/office/drawing/2014/main" id="{F57E8191-61DB-4EA0-9C1C-F149C364155D}"/>
+              </a:ext>
+            </a:extLst>
+          </p:cNvPr>
+          <p:cNvPicPr>
+            <a:picLocks noChangeAspect="1" noChangeArrowheads="1"/>
+          </p:cNvPicPr>
+          <p:nvPr/>
+        </p:nvPicPr>
+        <p:blipFill>
+          <a:blip r:embed="rId4">
+            <a:extLst>
+              <a:ext uri="{28A0092B-C50C-407E-A947-70E740481C1C}">
+                <a14:useLocalDpi xmlns:a14="http://schemas.microsoft.com/office/drawing/2010/main" val="0"/>
+              </a:ext>
+            </a:extLst>
+          </a:blip>
+          <a:srcRect/>
+          <a:stretch>
+            <a:fillRect/>
+          </a:stretch>
+        </p:blipFill>
+        <p:spPr bwMode="auto">
+          <a:xfrm>
+            <a:off x="4370897" y="5041057"/>
+            <a:ext cx="810000" cy="810000"/>
+          </a:xfrm>
+          <a:prstGeom prst="rect">
+            <a:avLst/>
+          </a:prstGeom>
+          <a:noFill/>
+          <a:extLst>
+            <a:ext uri="{909E8E84-426E-40DD-AFC4-6F175D3DCCD1}">
+              <a14:hiddenFill xmlns:a14="http://schemas.microsoft.com/office/drawing/2010/main">
+                <a:solidFill>
+                  <a:srgbClr val="FFFFFF"/>
+                </a:solidFill>
+              </a14:hiddenFill>
+            </a:ext>
+          </a:extLst>
+        </p:spPr>
+      </p:pic>
+      <p:cxnSp>
+        <p:nvCxnSpPr>
+          <p:cNvPr id="4" name="Straight Connector 3">
+            <a:extLst>
+              <a:ext uri="{FF2B5EF4-FFF2-40B4-BE49-F238E27FC236}">
+                <a16:creationId xmlns:a16="http://schemas.microsoft.com/office/drawing/2014/main" id="{3305130D-A90B-4CF0-8C61-F044EE9BFE47}"/>
+              </a:ext>
+            </a:extLst>
+          </p:cNvPr>
+          <p:cNvCxnSpPr>
+            <a:stCxn id="6" idx="3"/>
+            <a:endCxn id="11" idx="1"/>
+          </p:cNvCxnSpPr>
+          <p:nvPr/>
+        </p:nvCxnSpPr>
+        <p:spPr>
+          <a:xfrm>
+            <a:off x="5180522" y="3456105"/>
+            <a:ext cx="3128775" cy="187"/>
+          </a:xfrm>
+          <a:prstGeom prst="line">
+            <a:avLst/>
+          </a:prstGeom>
+        </p:spPr>
+        <p:style>
+          <a:lnRef idx="2">
+            <a:schemeClr val="accent1"/>
+          </a:lnRef>
+          <a:fillRef idx="0">
+            <a:schemeClr val="accent1"/>
+          </a:fillRef>
+          <a:effectRef idx="1">
+            <a:schemeClr val="accent1"/>
+          </a:effectRef>
+          <a:fontRef idx="minor">
+            <a:schemeClr val="tx1"/>
+          </a:fontRef>
+        </p:style>
+      </p:cxnSp>
+      <p:cxnSp>
+        <p:nvCxnSpPr>
+          <p:cNvPr id="17" name="Straight Connector 16">
+            <a:extLst>
+              <a:ext uri="{FF2B5EF4-FFF2-40B4-BE49-F238E27FC236}">
+                <a16:creationId xmlns:a16="http://schemas.microsoft.com/office/drawing/2014/main" id="{AAC1447B-07A7-40E7-8652-6EC297A4352B}"/>
+              </a:ext>
+            </a:extLst>
+          </p:cNvPr>
+          <p:cNvCxnSpPr>
+            <a:stCxn id="6" idx="2"/>
+            <a:endCxn id="1026" idx="0"/>
+          </p:cNvCxnSpPr>
+          <p:nvPr/>
+        </p:nvCxnSpPr>
+        <p:spPr>
+          <a:xfrm>
+            <a:off x="4775710" y="3860917"/>
+            <a:ext cx="187" cy="1180140"/>
+          </a:xfrm>
+          <a:prstGeom prst="line">
+            <a:avLst/>
+          </a:prstGeom>
+          <a:ln w="12700"/>
+        </p:spPr>
+        <p:style>
+          <a:lnRef idx="1">
+            <a:schemeClr val="accent1"/>
+          </a:lnRef>
+          <a:fillRef idx="0">
+            <a:schemeClr val="accent1"/>
+          </a:fillRef>
+          <a:effectRef idx="0">
+            <a:schemeClr val="accent1"/>
+          </a:effectRef>
+          <a:fontRef idx="minor">
+            <a:schemeClr val="tx1"/>
+          </a:fontRef>
+        </p:style>
+      </p:cxnSp>
+      <p:sp>
+        <p:nvSpPr>
+          <p:cNvPr id="20" name="Heptagon 19">
+            <a:extLst>
+              <a:ext uri="{FF2B5EF4-FFF2-40B4-BE49-F238E27FC236}">
+                <a16:creationId xmlns:a16="http://schemas.microsoft.com/office/drawing/2014/main" id="{81B034CB-CC36-4166-926A-86A06D7A20E6}"/>
+              </a:ext>
+            </a:extLst>
+          </p:cNvPr>
+          <p:cNvSpPr/>
+          <p:nvPr/>
+        </p:nvSpPr>
+        <p:spPr>
+          <a:xfrm>
+            <a:off x="4614950" y="5858706"/>
+            <a:ext cx="307435" cy="344102"/>
+          </a:xfrm>
+          <a:prstGeom prst="heptagon">
+            <a:avLst/>
+          </a:prstGeom>
+        </p:spPr>
+        <p:style>
+          <a:lnRef idx="2">
+            <a:schemeClr val="accent1">
+              <a:shade val="50000"/>
+            </a:schemeClr>
+          </a:lnRef>
+          <a:fillRef idx="1">
+            <a:schemeClr val="accent1"/>
+          </a:fillRef>
+          <a:effectRef idx="0">
+            <a:schemeClr val="accent1"/>
+          </a:effectRef>
+          <a:fontRef idx="minor">
+            <a:schemeClr val="lt1"/>
+          </a:fontRef>
+        </p:style>
+        <p:txBody>
+          <a:bodyPr rtlCol="0" anchor="ctr"/>
+          <a:lstStyle/>
+          <a:p>
+            <a:pPr algn="ctr"/>
+            <a:r>
+              <a:rPr lang="en-US" dirty="0"/>
+              <a:t>3</a:t>
+            </a:r>
+          </a:p>
+        </p:txBody>
+      </p:sp>
+      <p:sp>
+        <p:nvSpPr>
+          <p:cNvPr id="21" name="TextBox 20">
+            <a:extLst>
+              <a:ext uri="{FF2B5EF4-FFF2-40B4-BE49-F238E27FC236}">
+                <a16:creationId xmlns:a16="http://schemas.microsoft.com/office/drawing/2014/main" id="{BE85FB5F-7B2C-4F7C-80F9-0633CA2F185C}"/>
+              </a:ext>
+            </a:extLst>
+          </p:cNvPr>
+          <p:cNvSpPr txBox="1"/>
+          <p:nvPr/>
+        </p:nvSpPr>
+        <p:spPr>
+          <a:xfrm>
+            <a:off x="5143834" y="5269474"/>
+            <a:ext cx="847733" cy="276999"/>
+          </a:xfrm>
+          <a:prstGeom prst="rect">
+            <a:avLst/>
+          </a:prstGeom>
+          <a:noFill/>
+        </p:spPr>
+        <p:txBody>
+          <a:bodyPr wrap="none" rtlCol="0">
+            <a:spAutoFit/>
+          </a:bodyPr>
+          <a:lstStyle/>
+          <a:p>
+            <a:r>
+              <a:rPr lang="en-US" sz="1200" dirty="0">
+                <a:solidFill>
+                  <a:srgbClr val="002060"/>
+                </a:solidFill>
+                <a:latin typeface="Verdana" panose="020B0604030504040204" pitchFamily="34" charset="0"/>
+                <a:ea typeface="Verdana" panose="020B0604030504040204" pitchFamily="34" charset="0"/>
+              </a:rPr>
+              <a:t>Postman</a:t>
+            </a:r>
+          </a:p>
+        </p:txBody>
+      </p:sp>
     </p:spTree>
     <p:extLst>
       <p:ext uri="{BB962C8B-B14F-4D97-AF65-F5344CB8AC3E}">
-        <p14:creationId xmlns:p14="http://schemas.microsoft.com/office/powerpoint/2010/main" val="3396452104"/>
+        <p14:creationId xmlns:p14="http://schemas.microsoft.com/office/powerpoint/2010/main" val="1147422885"/>
       </p:ext>
     </p:extLst>
   </p:cSld>
@@ -14793,12 +16931,278 @@
           <a:chExt cx="0" cy="0"/>
         </a:xfrm>
       </p:grpSpPr>
+      <p:sp>
+        <p:nvSpPr>
+          <p:cNvPr id="7" name="Rectangle 6">
+            <a:extLst>
+              <a:ext uri="{FF2B5EF4-FFF2-40B4-BE49-F238E27FC236}">
+                <a16:creationId xmlns:a16="http://schemas.microsoft.com/office/drawing/2014/main" id="{B10720DE-FD2A-4FE5-B9FB-74854D01A659}"/>
+              </a:ext>
+            </a:extLst>
+          </p:cNvPr>
+          <p:cNvSpPr/>
+          <p:nvPr/>
+        </p:nvSpPr>
+        <p:spPr>
+          <a:xfrm>
+            <a:off x="0" y="6432008"/>
+            <a:ext cx="12183122" cy="57703"/>
+          </a:xfrm>
+          <a:prstGeom prst="rect">
+            <a:avLst/>
+          </a:prstGeom>
+          <a:solidFill>
+            <a:srgbClr val="0070C0"/>
+          </a:solidFill>
+        </p:spPr>
+        <p:style>
+          <a:lnRef idx="2">
+            <a:schemeClr val="accent1">
+              <a:shade val="50000"/>
+            </a:schemeClr>
+          </a:lnRef>
+          <a:fillRef idx="1">
+            <a:schemeClr val="accent1"/>
+          </a:fillRef>
+          <a:effectRef idx="0">
+            <a:schemeClr val="accent1"/>
+          </a:effectRef>
+          <a:fontRef idx="minor">
+            <a:schemeClr val="lt1"/>
+          </a:fontRef>
+        </p:style>
+        <p:txBody>
+          <a:bodyPr rtlCol="0" anchor="ctr"/>
+          <a:lstStyle/>
+          <a:p>
+            <a:pPr algn="ctr"/>
+            <a:endParaRPr lang="en-IN" sz="1000" dirty="0">
+              <a:latin typeface="Verdana" panose="020B0604030504040204" pitchFamily="34" charset="0"/>
+              <a:ea typeface="Verdana" panose="020B0604030504040204" pitchFamily="34" charset="0"/>
+            </a:endParaRPr>
+          </a:p>
+        </p:txBody>
+      </p:sp>
+      <p:sp>
+        <p:nvSpPr>
+          <p:cNvPr id="8" name="Footer Placeholder 7">
+            <a:extLst>
+              <a:ext uri="{FF2B5EF4-FFF2-40B4-BE49-F238E27FC236}">
+                <a16:creationId xmlns:a16="http://schemas.microsoft.com/office/drawing/2014/main" id="{DD2A19CA-EC18-432D-8F8F-17079808F38B}"/>
+              </a:ext>
+            </a:extLst>
+          </p:cNvPr>
+          <p:cNvSpPr>
+            <a:spLocks noGrp="1"/>
+          </p:cNvSpPr>
+          <p:nvPr>
+            <p:ph type="ftr" sz="quarter" idx="11"/>
+          </p:nvPr>
+        </p:nvSpPr>
+        <p:spPr>
+          <a:xfrm>
+            <a:off x="4038600" y="6476336"/>
+            <a:ext cx="4114800" cy="365125"/>
+          </a:xfrm>
+        </p:spPr>
+        <p:txBody>
+          <a:bodyPr/>
+          <a:lstStyle/>
+          <a:p>
+            <a:r>
+              <a:rPr lang="en-IN" b="1" dirty="0">
+                <a:solidFill>
+                  <a:srgbClr val="002060"/>
+                </a:solidFill>
+                <a:latin typeface="Verdana" panose="020B0604030504040204" pitchFamily="34" charset="0"/>
+                <a:ea typeface="Verdana" panose="020B0604030504040204" pitchFamily="34" charset="0"/>
+              </a:rPr>
+              <a:t>15-Sep-2021</a:t>
+            </a:r>
+          </a:p>
+        </p:txBody>
+      </p:sp>
+      <p:sp>
+        <p:nvSpPr>
+          <p:cNvPr id="9" name="Slide Number Placeholder 8">
+            <a:extLst>
+              <a:ext uri="{FF2B5EF4-FFF2-40B4-BE49-F238E27FC236}">
+                <a16:creationId xmlns:a16="http://schemas.microsoft.com/office/drawing/2014/main" id="{8162625C-0B1F-42E0-BE7C-D99A08FED7A3}"/>
+              </a:ext>
+            </a:extLst>
+          </p:cNvPr>
+          <p:cNvSpPr>
+            <a:spLocks noGrp="1"/>
+          </p:cNvSpPr>
+          <p:nvPr>
+            <p:ph type="sldNum" sz="quarter" idx="12"/>
+          </p:nvPr>
+        </p:nvSpPr>
+        <p:spPr>
+          <a:xfrm>
+            <a:off x="8610600" y="6476336"/>
+            <a:ext cx="2743200" cy="365125"/>
+          </a:xfrm>
+        </p:spPr>
+        <p:txBody>
+          <a:bodyPr/>
+          <a:lstStyle/>
+          <a:p>
+            <a:r>
+              <a:rPr lang="en-IN" b="1" dirty="0">
+                <a:solidFill>
+                  <a:srgbClr val="002060"/>
+                </a:solidFill>
+                <a:latin typeface="Verdana" panose="020B0604030504040204" pitchFamily="34" charset="0"/>
+                <a:ea typeface="Verdana" panose="020B0604030504040204" pitchFamily="34" charset="0"/>
+              </a:rPr>
+              <a:t>1</a:t>
+            </a:r>
+          </a:p>
+        </p:txBody>
+      </p:sp>
+      <p:sp>
+        <p:nvSpPr>
+          <p:cNvPr id="12" name="Footer Placeholder 7">
+            <a:extLst>
+              <a:ext uri="{FF2B5EF4-FFF2-40B4-BE49-F238E27FC236}">
+                <a16:creationId xmlns:a16="http://schemas.microsoft.com/office/drawing/2014/main" id="{64C57949-E349-47D3-A505-A098233AF49D}"/>
+              </a:ext>
+            </a:extLst>
+          </p:cNvPr>
+          <p:cNvSpPr txBox="1">
+            <a:spLocks/>
+          </p:cNvSpPr>
+          <p:nvPr/>
+        </p:nvSpPr>
+        <p:spPr>
+          <a:xfrm>
+            <a:off x="133897" y="6477810"/>
+            <a:ext cx="4114800" cy="365125"/>
+          </a:xfrm>
+          <a:prstGeom prst="rect">
+            <a:avLst/>
+          </a:prstGeom>
+        </p:spPr>
+        <p:txBody>
+          <a:bodyPr vert="horz" lIns="91440" tIns="45720" rIns="91440" bIns="45720" rtlCol="0" anchor="ctr"/>
+          <a:lstStyle>
+            <a:defPPr>
+              <a:defRPr lang="en-US"/>
+            </a:defPPr>
+            <a:lvl1pPr marL="0" algn="ctr" defTabSz="914400" rtl="0" eaLnBrk="1" latinLnBrk="0" hangingPunct="1">
+              <a:defRPr sz="1200" kern="1200">
+                <a:solidFill>
+                  <a:schemeClr val="tx1">
+                    <a:tint val="75000"/>
+                  </a:schemeClr>
+                </a:solidFill>
+                <a:latin typeface="+mn-lt"/>
+                <a:ea typeface="+mn-ea"/>
+                <a:cs typeface="+mn-cs"/>
+              </a:defRPr>
+            </a:lvl1pPr>
+            <a:lvl2pPr marL="457200" algn="l" defTabSz="914400" rtl="0" eaLnBrk="1" latinLnBrk="0" hangingPunct="1">
+              <a:defRPr sz="1800" kern="1200">
+                <a:solidFill>
+                  <a:schemeClr val="tx1"/>
+                </a:solidFill>
+                <a:latin typeface="+mn-lt"/>
+                <a:ea typeface="+mn-ea"/>
+                <a:cs typeface="+mn-cs"/>
+              </a:defRPr>
+            </a:lvl2pPr>
+            <a:lvl3pPr marL="914400" algn="l" defTabSz="914400" rtl="0" eaLnBrk="1" latinLnBrk="0" hangingPunct="1">
+              <a:defRPr sz="1800" kern="1200">
+                <a:solidFill>
+                  <a:schemeClr val="tx1"/>
+                </a:solidFill>
+                <a:latin typeface="+mn-lt"/>
+                <a:ea typeface="+mn-ea"/>
+                <a:cs typeface="+mn-cs"/>
+              </a:defRPr>
+            </a:lvl3pPr>
+            <a:lvl4pPr marL="1371600" algn="l" defTabSz="914400" rtl="0" eaLnBrk="1" latinLnBrk="0" hangingPunct="1">
+              <a:defRPr sz="1800" kern="1200">
+                <a:solidFill>
+                  <a:schemeClr val="tx1"/>
+                </a:solidFill>
+                <a:latin typeface="+mn-lt"/>
+                <a:ea typeface="+mn-ea"/>
+                <a:cs typeface="+mn-cs"/>
+              </a:defRPr>
+            </a:lvl4pPr>
+            <a:lvl5pPr marL="1828800" algn="l" defTabSz="914400" rtl="0" eaLnBrk="1" latinLnBrk="0" hangingPunct="1">
+              <a:defRPr sz="1800" kern="1200">
+                <a:solidFill>
+                  <a:schemeClr val="tx1"/>
+                </a:solidFill>
+                <a:latin typeface="+mn-lt"/>
+                <a:ea typeface="+mn-ea"/>
+                <a:cs typeface="+mn-cs"/>
+              </a:defRPr>
+            </a:lvl5pPr>
+            <a:lvl6pPr marL="2286000" algn="l" defTabSz="914400" rtl="0" eaLnBrk="1" latinLnBrk="0" hangingPunct="1">
+              <a:defRPr sz="1800" kern="1200">
+                <a:solidFill>
+                  <a:schemeClr val="tx1"/>
+                </a:solidFill>
+                <a:latin typeface="+mn-lt"/>
+                <a:ea typeface="+mn-ea"/>
+                <a:cs typeface="+mn-cs"/>
+              </a:defRPr>
+            </a:lvl6pPr>
+            <a:lvl7pPr marL="2743200" algn="l" defTabSz="914400" rtl="0" eaLnBrk="1" latinLnBrk="0" hangingPunct="1">
+              <a:defRPr sz="1800" kern="1200">
+                <a:solidFill>
+                  <a:schemeClr val="tx1"/>
+                </a:solidFill>
+                <a:latin typeface="+mn-lt"/>
+                <a:ea typeface="+mn-ea"/>
+                <a:cs typeface="+mn-cs"/>
+              </a:defRPr>
+            </a:lvl7pPr>
+            <a:lvl8pPr marL="3200400" algn="l" defTabSz="914400" rtl="0" eaLnBrk="1" latinLnBrk="0" hangingPunct="1">
+              <a:defRPr sz="1800" kern="1200">
+                <a:solidFill>
+                  <a:schemeClr val="tx1"/>
+                </a:solidFill>
+                <a:latin typeface="+mn-lt"/>
+                <a:ea typeface="+mn-ea"/>
+                <a:cs typeface="+mn-cs"/>
+              </a:defRPr>
+            </a:lvl8pPr>
+            <a:lvl9pPr marL="3657600" algn="l" defTabSz="914400" rtl="0" eaLnBrk="1" latinLnBrk="0" hangingPunct="1">
+              <a:defRPr sz="1800" kern="1200">
+                <a:solidFill>
+                  <a:schemeClr val="tx1"/>
+                </a:solidFill>
+                <a:latin typeface="+mn-lt"/>
+                <a:ea typeface="+mn-ea"/>
+                <a:cs typeface="+mn-cs"/>
+              </a:defRPr>
+            </a:lvl9pPr>
+          </a:lstStyle>
+          <a:p>
+            <a:r>
+              <a:rPr lang="en-IN" b="1" dirty="0">
+                <a:solidFill>
+                  <a:srgbClr val="002060"/>
+                </a:solidFill>
+                <a:latin typeface="Verdana" panose="020B0604030504040204" pitchFamily="34" charset="0"/>
+                <a:ea typeface="Verdana" panose="020B0604030504040204" pitchFamily="34" charset="0"/>
+              </a:rPr>
+              <a:t>Microsoft Reactor Bengaluru</a:t>
+            </a:r>
+          </a:p>
+        </p:txBody>
+      </p:sp>
       <p:pic>
         <p:nvPicPr>
-          <p:cNvPr id="1026" name="Picture 2">
-            <a:extLst>
-              <a:ext uri="{FF2B5EF4-FFF2-40B4-BE49-F238E27FC236}">
-                <a16:creationId xmlns:a16="http://schemas.microsoft.com/office/drawing/2014/main" id="{2BE09F8E-F4ED-48B7-9EE2-29D6C55A7243}"/>
+          <p:cNvPr id="11" name="Picture 12">
+            <a:extLst>
+              <a:ext uri="{FF2B5EF4-FFF2-40B4-BE49-F238E27FC236}">
+                <a16:creationId xmlns:a16="http://schemas.microsoft.com/office/drawing/2014/main" id="{E1804A3B-1B22-4D61-BEDA-BBA0481E69D7}"/>
               </a:ext>
             </a:extLst>
           </p:cNvPr>
@@ -14822,8 +17226,8 @@
         </p:blipFill>
         <p:spPr bwMode="auto">
           <a:xfrm>
-            <a:off x="6983816" y="753030"/>
-            <a:ext cx="847725" cy="847725"/>
+            <a:off x="7010400" y="2909887"/>
+            <a:ext cx="809625" cy="809625"/>
           </a:xfrm>
           <a:prstGeom prst="rect">
             <a:avLst/>
@@ -14840,388 +17244,53 @@
           </a:extLst>
         </p:spPr>
       </p:pic>
-      <p:pic>
-        <p:nvPicPr>
-          <p:cNvPr id="1030" name="Picture 6">
-            <a:extLst>
-              <a:ext uri="{FF2B5EF4-FFF2-40B4-BE49-F238E27FC236}">
-                <a16:creationId xmlns:a16="http://schemas.microsoft.com/office/drawing/2014/main" id="{98C22475-F42D-4B66-B365-CF5562AE4F01}"/>
-              </a:ext>
-            </a:extLst>
-          </p:cNvPr>
-          <p:cNvPicPr>
-            <a:picLocks noChangeAspect="1" noChangeArrowheads="1"/>
-          </p:cNvPicPr>
-          <p:nvPr/>
-        </p:nvPicPr>
-        <p:blipFill>
-          <a:blip r:embed="rId3">
-            <a:extLst>
-              <a:ext uri="{28A0092B-C50C-407E-A947-70E740481C1C}">
-                <a14:useLocalDpi xmlns:a14="http://schemas.microsoft.com/office/drawing/2010/main" val="0"/>
-              </a:ext>
-            </a:extLst>
-          </a:blip>
-          <a:srcRect/>
-          <a:stretch>
-            <a:fillRect/>
-          </a:stretch>
-        </p:blipFill>
-        <p:spPr bwMode="auto">
-          <a:xfrm>
-            <a:off x="10855495" y="1492003"/>
-            <a:ext cx="676275" cy="676275"/>
+      <p:sp>
+        <p:nvSpPr>
+          <p:cNvPr id="13" name="TextBox 12">
+            <a:extLst>
+              <a:ext uri="{FF2B5EF4-FFF2-40B4-BE49-F238E27FC236}">
+                <a16:creationId xmlns:a16="http://schemas.microsoft.com/office/drawing/2014/main" id="{489494EE-527E-4FB3-8F61-AB1C58DE779A}"/>
+              </a:ext>
+            </a:extLst>
+          </p:cNvPr>
+          <p:cNvSpPr txBox="1"/>
+          <p:nvPr/>
+        </p:nvSpPr>
+        <p:spPr>
+          <a:xfrm>
+            <a:off x="6984279" y="3753973"/>
+            <a:ext cx="834396" cy="276999"/>
           </a:xfrm>
           <a:prstGeom prst="rect">
             <a:avLst/>
           </a:prstGeom>
           <a:noFill/>
-          <a:extLst>
-            <a:ext uri="{909E8E84-426E-40DD-AFC4-6F175D3DCCD1}">
-              <a14:hiddenFill xmlns:a14="http://schemas.microsoft.com/office/drawing/2010/main">
-                <a:solidFill>
-                  <a:srgbClr val="FFFFFF"/>
-                </a:solidFill>
-              </a14:hiddenFill>
-            </a:ext>
-          </a:extLst>
-        </p:spPr>
-      </p:pic>
-      <p:pic>
-        <p:nvPicPr>
-          <p:cNvPr id="1034" name="Picture 10">
-            <a:extLst>
-              <a:ext uri="{FF2B5EF4-FFF2-40B4-BE49-F238E27FC236}">
-                <a16:creationId xmlns:a16="http://schemas.microsoft.com/office/drawing/2014/main" id="{03A6EE1E-D6C3-43B7-A76C-ED8BA685C33B}"/>
-              </a:ext>
-            </a:extLst>
-          </p:cNvPr>
-          <p:cNvPicPr>
-            <a:picLocks noChangeAspect="1" noChangeArrowheads="1"/>
-          </p:cNvPicPr>
-          <p:nvPr/>
-        </p:nvPicPr>
-        <p:blipFill>
-          <a:blip r:embed="rId4">
-            <a:extLst>
-              <a:ext uri="{28A0092B-C50C-407E-A947-70E740481C1C}">
-                <a14:useLocalDpi xmlns:a14="http://schemas.microsoft.com/office/drawing/2010/main" val="0"/>
-              </a:ext>
-            </a:extLst>
-          </a:blip>
-          <a:srcRect/>
-          <a:stretch>
-            <a:fillRect/>
-          </a:stretch>
-        </p:blipFill>
-        <p:spPr bwMode="auto">
-          <a:xfrm>
-            <a:off x="10902515" y="4133850"/>
-            <a:ext cx="657225" cy="676275"/>
-          </a:xfrm>
-          <a:prstGeom prst="rect">
-            <a:avLst/>
-          </a:prstGeom>
-          <a:noFill/>
-          <a:extLst>
-            <a:ext uri="{909E8E84-426E-40DD-AFC4-6F175D3DCCD1}">
-              <a14:hiddenFill xmlns:a14="http://schemas.microsoft.com/office/drawing/2010/main">
-                <a:solidFill>
-                  <a:srgbClr val="FFFFFF"/>
-                </a:solidFill>
-              </a14:hiddenFill>
-            </a:ext>
-          </a:extLst>
-        </p:spPr>
-      </p:pic>
-      <p:pic>
-        <p:nvPicPr>
-          <p:cNvPr id="1036" name="Picture 12">
-            <a:extLst>
-              <a:ext uri="{FF2B5EF4-FFF2-40B4-BE49-F238E27FC236}">
-                <a16:creationId xmlns:a16="http://schemas.microsoft.com/office/drawing/2014/main" id="{AB427BB8-0AA8-4F7E-AA27-EA18ECDD59BE}"/>
-              </a:ext>
-            </a:extLst>
-          </p:cNvPr>
-          <p:cNvPicPr>
-            <a:picLocks noChangeAspect="1" noChangeArrowheads="1"/>
-          </p:cNvPicPr>
-          <p:nvPr/>
-        </p:nvPicPr>
-        <p:blipFill>
-          <a:blip r:embed="rId5">
-            <a:extLst>
-              <a:ext uri="{28A0092B-C50C-407E-A947-70E740481C1C}">
-                <a14:useLocalDpi xmlns:a14="http://schemas.microsoft.com/office/drawing/2010/main" val="0"/>
-              </a:ext>
-            </a:extLst>
-          </a:blip>
-          <a:srcRect/>
-          <a:stretch>
-            <a:fillRect/>
-          </a:stretch>
-        </p:blipFill>
-        <p:spPr bwMode="auto">
-          <a:xfrm>
-            <a:off x="2142894" y="2905542"/>
-            <a:ext cx="809625" cy="809625"/>
-          </a:xfrm>
-          <a:prstGeom prst="rect">
-            <a:avLst/>
-          </a:prstGeom>
-          <a:noFill/>
-          <a:extLst>
-            <a:ext uri="{909E8E84-426E-40DD-AFC4-6F175D3DCCD1}">
-              <a14:hiddenFill xmlns:a14="http://schemas.microsoft.com/office/drawing/2010/main">
-                <a:solidFill>
-                  <a:srgbClr val="FFFFFF"/>
-                </a:solidFill>
-              </a14:hiddenFill>
-            </a:ext>
-          </a:extLst>
-        </p:spPr>
-      </p:pic>
-      <p:pic>
-        <p:nvPicPr>
-          <p:cNvPr id="1038" name="Picture 14">
-            <a:extLst>
-              <a:ext uri="{FF2B5EF4-FFF2-40B4-BE49-F238E27FC236}">
-                <a16:creationId xmlns:a16="http://schemas.microsoft.com/office/drawing/2014/main" id="{FC41D05C-CFC1-441C-B925-D679FF5BEBEE}"/>
-              </a:ext>
-            </a:extLst>
-          </p:cNvPr>
-          <p:cNvPicPr>
-            <a:picLocks noChangeAspect="1" noChangeArrowheads="1"/>
-          </p:cNvPicPr>
-          <p:nvPr/>
-        </p:nvPicPr>
-        <p:blipFill>
-          <a:blip r:embed="rId6">
-            <a:extLst>
-              <a:ext uri="{28A0092B-C50C-407E-A947-70E740481C1C}">
-                <a14:useLocalDpi xmlns:a14="http://schemas.microsoft.com/office/drawing/2010/main" val="0"/>
-              </a:ext>
-            </a:extLst>
-          </a:blip>
-          <a:srcRect/>
-          <a:stretch>
-            <a:fillRect/>
-          </a:stretch>
-        </p:blipFill>
-        <p:spPr bwMode="auto">
-          <a:xfrm>
-            <a:off x="4523450" y="2936704"/>
-            <a:ext cx="819150" cy="771525"/>
-          </a:xfrm>
-          <a:prstGeom prst="rect">
-            <a:avLst/>
-          </a:prstGeom>
-          <a:noFill/>
-          <a:extLst>
-            <a:ext uri="{909E8E84-426E-40DD-AFC4-6F175D3DCCD1}">
-              <a14:hiddenFill xmlns:a14="http://schemas.microsoft.com/office/drawing/2010/main">
-                <a:solidFill>
-                  <a:srgbClr val="FFFFFF"/>
-                </a:solidFill>
-              </a14:hiddenFill>
-            </a:ext>
-          </a:extLst>
-        </p:spPr>
-      </p:pic>
-      <p:pic>
-        <p:nvPicPr>
-          <p:cNvPr id="1040" name="Picture 16">
-            <a:extLst>
-              <a:ext uri="{FF2B5EF4-FFF2-40B4-BE49-F238E27FC236}">
-                <a16:creationId xmlns:a16="http://schemas.microsoft.com/office/drawing/2014/main" id="{357C179B-F2C9-48A5-8791-9C04BBDE433F}"/>
-              </a:ext>
-            </a:extLst>
-          </p:cNvPr>
-          <p:cNvPicPr>
-            <a:picLocks noChangeAspect="1" noChangeArrowheads="1"/>
-          </p:cNvPicPr>
-          <p:nvPr/>
-        </p:nvPicPr>
-        <p:blipFill>
-          <a:blip r:embed="rId7">
-            <a:extLst>
-              <a:ext uri="{28A0092B-C50C-407E-A947-70E740481C1C}">
-                <a14:useLocalDpi xmlns:a14="http://schemas.microsoft.com/office/drawing/2010/main" val="0"/>
-              </a:ext>
-            </a:extLst>
-          </a:blip>
-          <a:srcRect/>
-          <a:stretch>
-            <a:fillRect/>
-          </a:stretch>
-        </p:blipFill>
-        <p:spPr bwMode="auto">
-          <a:xfrm>
-            <a:off x="3478983" y="2903407"/>
-            <a:ext cx="307435" cy="361980"/>
-          </a:xfrm>
-          <a:prstGeom prst="rect">
-            <a:avLst/>
-          </a:prstGeom>
-          <a:noFill/>
-          <a:extLst>
-            <a:ext uri="{909E8E84-426E-40DD-AFC4-6F175D3DCCD1}">
-              <a14:hiddenFill xmlns:a14="http://schemas.microsoft.com/office/drawing/2010/main">
-                <a:solidFill>
-                  <a:srgbClr val="FFFFFF"/>
-                </a:solidFill>
-              </a14:hiddenFill>
-            </a:ext>
-          </a:extLst>
-        </p:spPr>
-      </p:pic>
-      <p:pic>
-        <p:nvPicPr>
-          <p:cNvPr id="1042" name="Picture 18">
-            <a:extLst>
-              <a:ext uri="{FF2B5EF4-FFF2-40B4-BE49-F238E27FC236}">
-                <a16:creationId xmlns:a16="http://schemas.microsoft.com/office/drawing/2014/main" id="{DC5682A4-CD6A-4403-ABD5-0B2D25BD4041}"/>
-              </a:ext>
-            </a:extLst>
-          </p:cNvPr>
-          <p:cNvPicPr>
-            <a:picLocks noChangeAspect="1" noChangeArrowheads="1"/>
-          </p:cNvPicPr>
-          <p:nvPr/>
-        </p:nvPicPr>
-        <p:blipFill>
-          <a:blip r:embed="rId8">
-            <a:extLst>
-              <a:ext uri="{28A0092B-C50C-407E-A947-70E740481C1C}">
-                <a14:useLocalDpi xmlns:a14="http://schemas.microsoft.com/office/drawing/2010/main" val="0"/>
-              </a:ext>
-            </a:extLst>
-          </a:blip>
-          <a:srcRect/>
-          <a:stretch>
-            <a:fillRect/>
-          </a:stretch>
-        </p:blipFill>
-        <p:spPr bwMode="auto">
-          <a:xfrm>
-            <a:off x="412196" y="629266"/>
-            <a:ext cx="619125" cy="800100"/>
-          </a:xfrm>
-          <a:prstGeom prst="rect">
-            <a:avLst/>
-          </a:prstGeom>
-          <a:noFill/>
-          <a:extLst>
-            <a:ext uri="{909E8E84-426E-40DD-AFC4-6F175D3DCCD1}">
-              <a14:hiddenFill xmlns:a14="http://schemas.microsoft.com/office/drawing/2010/main">
-                <a:solidFill>
-                  <a:srgbClr val="FFFFFF"/>
-                </a:solidFill>
-              </a14:hiddenFill>
-            </a:ext>
-          </a:extLst>
-        </p:spPr>
-      </p:pic>
-      <p:pic>
-        <p:nvPicPr>
-          <p:cNvPr id="1044" name="Picture 20">
-            <a:extLst>
-              <a:ext uri="{FF2B5EF4-FFF2-40B4-BE49-F238E27FC236}">
-                <a16:creationId xmlns:a16="http://schemas.microsoft.com/office/drawing/2014/main" id="{24CA475C-31C6-4B82-A0EA-16888492B5DE}"/>
-              </a:ext>
-            </a:extLst>
-          </p:cNvPr>
-          <p:cNvPicPr>
-            <a:picLocks noChangeAspect="1" noChangeArrowheads="1"/>
-          </p:cNvPicPr>
-          <p:nvPr/>
-        </p:nvPicPr>
-        <p:blipFill>
-          <a:blip r:embed="rId9">
-            <a:extLst>
-              <a:ext uri="{28A0092B-C50C-407E-A947-70E740481C1C}">
-                <a14:useLocalDpi xmlns:a14="http://schemas.microsoft.com/office/drawing/2010/main" val="0"/>
-              </a:ext>
-            </a:extLst>
-          </a:blip>
-          <a:srcRect/>
-          <a:stretch>
-            <a:fillRect/>
-          </a:stretch>
-        </p:blipFill>
-        <p:spPr bwMode="auto">
-          <a:xfrm>
-            <a:off x="414338" y="2976563"/>
-            <a:ext cx="657225" cy="676275"/>
-          </a:xfrm>
-          <a:prstGeom prst="rect">
-            <a:avLst/>
-          </a:prstGeom>
-          <a:noFill/>
-          <a:extLst>
-            <a:ext uri="{909E8E84-426E-40DD-AFC4-6F175D3DCCD1}">
-              <a14:hiddenFill xmlns:a14="http://schemas.microsoft.com/office/drawing/2010/main">
-                <a:solidFill>
-                  <a:srgbClr val="FFFFFF"/>
-                </a:solidFill>
-              </a14:hiddenFill>
-            </a:ext>
-          </a:extLst>
-        </p:spPr>
-      </p:pic>
-      <p:pic>
-        <p:nvPicPr>
-          <p:cNvPr id="22" name="Picture 12">
-            <a:extLst>
-              <a:ext uri="{FF2B5EF4-FFF2-40B4-BE49-F238E27FC236}">
-                <a16:creationId xmlns:a16="http://schemas.microsoft.com/office/drawing/2014/main" id="{CDD441FC-ED8A-4B90-A512-1FFA05777E63}"/>
-              </a:ext>
-            </a:extLst>
-          </p:cNvPr>
-          <p:cNvPicPr>
-            <a:picLocks noChangeAspect="1" noChangeArrowheads="1"/>
-          </p:cNvPicPr>
-          <p:nvPr/>
-        </p:nvPicPr>
-        <p:blipFill>
-          <a:blip r:embed="rId5">
-            <a:extLst>
-              <a:ext uri="{28A0092B-C50C-407E-A947-70E740481C1C}">
-                <a14:useLocalDpi xmlns:a14="http://schemas.microsoft.com/office/drawing/2010/main" val="0"/>
-              </a:ext>
-            </a:extLst>
-          </a:blip>
-          <a:srcRect/>
-          <a:stretch>
-            <a:fillRect/>
-          </a:stretch>
-        </p:blipFill>
-        <p:spPr bwMode="auto">
-          <a:xfrm>
-            <a:off x="7010400" y="2909887"/>
-            <a:ext cx="809625" cy="809625"/>
-          </a:xfrm>
-          <a:prstGeom prst="rect">
-            <a:avLst/>
-          </a:prstGeom>
-          <a:noFill/>
-          <a:extLst>
-            <a:ext uri="{909E8E84-426E-40DD-AFC4-6F175D3DCCD1}">
-              <a14:hiddenFill xmlns:a14="http://schemas.microsoft.com/office/drawing/2010/main">
-                <a:solidFill>
-                  <a:srgbClr val="FFFFFF"/>
-                </a:solidFill>
-              </a14:hiddenFill>
-            </a:ext>
-          </a:extLst>
-        </p:spPr>
-      </p:pic>
-      <p:sp>
-        <p:nvSpPr>
-          <p:cNvPr id="11" name="Heptagon 10">
-            <a:extLst>
-              <a:ext uri="{FF2B5EF4-FFF2-40B4-BE49-F238E27FC236}">
-                <a16:creationId xmlns:a16="http://schemas.microsoft.com/office/drawing/2014/main" id="{8EF000E9-1A1B-40B9-BF7B-8E7326AAFA24}"/>
+        </p:spPr>
+        <p:txBody>
+          <a:bodyPr wrap="none" rtlCol="0">
+            <a:spAutoFit/>
+          </a:bodyPr>
+          <a:lstStyle/>
+          <a:p>
+            <a:r>
+              <a:rPr lang="en-US" sz="1200" dirty="0">
+                <a:solidFill>
+                  <a:srgbClr val="002060"/>
+                </a:solidFill>
+                <a:latin typeface="Verdana" panose="020B0604030504040204" pitchFamily="34" charset="0"/>
+                <a:ea typeface="Verdana" panose="020B0604030504040204" pitchFamily="34" charset="0"/>
+              </a:rPr>
+              <a:t>Web API</a:t>
+            </a:r>
+          </a:p>
+        </p:txBody>
+      </p:sp>
+      <p:sp>
+        <p:nvSpPr>
+          <p:cNvPr id="14" name="Heptagon 13">
+            <a:extLst>
+              <a:ext uri="{FF2B5EF4-FFF2-40B4-BE49-F238E27FC236}">
+                <a16:creationId xmlns:a16="http://schemas.microsoft.com/office/drawing/2014/main" id="{5F21601D-4357-469C-9B2B-ED603C89EE75}"/>
               </a:ext>
             </a:extLst>
           </p:cNvPr>
@@ -15230,7 +17299,7 @@
         </p:nvSpPr>
         <p:spPr>
           <a:xfrm>
-            <a:off x="240913" y="2851743"/>
+            <a:off x="7254452" y="2559510"/>
             <a:ext cx="307435" cy="344102"/>
           </a:xfrm>
           <a:prstGeom prst="heptagon">
@@ -15265,1327 +17334,10 @@
           </a:p>
         </p:txBody>
       </p:sp>
-      <p:cxnSp>
-        <p:nvCxnSpPr>
-          <p:cNvPr id="15" name="Straight Arrow Connector 14">
-            <a:extLst>
-              <a:ext uri="{FF2B5EF4-FFF2-40B4-BE49-F238E27FC236}">
-                <a16:creationId xmlns:a16="http://schemas.microsoft.com/office/drawing/2014/main" id="{3907F1EE-B001-4BF5-87F4-2548B3C7CE83}"/>
-              </a:ext>
-            </a:extLst>
-          </p:cNvPr>
-          <p:cNvCxnSpPr>
-            <a:stCxn id="1044" idx="3"/>
-            <a:endCxn id="1036" idx="1"/>
-          </p:cNvCxnSpPr>
-          <p:nvPr/>
-        </p:nvCxnSpPr>
-        <p:spPr>
-          <a:xfrm flipV="1">
-            <a:off x="1071563" y="3310355"/>
-            <a:ext cx="1071331" cy="4346"/>
-          </a:xfrm>
-          <a:prstGeom prst="straightConnector1">
-            <a:avLst/>
-          </a:prstGeom>
-          <a:ln>
-            <a:tailEnd type="triangle"/>
-          </a:ln>
-        </p:spPr>
-        <p:style>
-          <a:lnRef idx="1">
-            <a:schemeClr val="accent1"/>
-          </a:lnRef>
-          <a:fillRef idx="0">
-            <a:schemeClr val="accent1"/>
-          </a:fillRef>
-          <a:effectRef idx="0">
-            <a:schemeClr val="accent1"/>
-          </a:effectRef>
-          <a:fontRef idx="minor">
-            <a:schemeClr val="tx1"/>
-          </a:fontRef>
-        </p:style>
-      </p:cxnSp>
-      <p:cxnSp>
-        <p:nvCxnSpPr>
-          <p:cNvPr id="18" name="Straight Arrow Connector 17">
-            <a:extLst>
-              <a:ext uri="{FF2B5EF4-FFF2-40B4-BE49-F238E27FC236}">
-                <a16:creationId xmlns:a16="http://schemas.microsoft.com/office/drawing/2014/main" id="{56E275F4-5807-4B9E-B0C0-190061041D2E}"/>
-              </a:ext>
-            </a:extLst>
-          </p:cNvPr>
-          <p:cNvCxnSpPr>
-            <a:cxnSpLocks/>
-            <a:stCxn id="1036" idx="3"/>
-            <a:endCxn id="1038" idx="1"/>
-          </p:cNvCxnSpPr>
-          <p:nvPr/>
-        </p:nvCxnSpPr>
-        <p:spPr>
-          <a:xfrm>
-            <a:off x="2952519" y="3310355"/>
-            <a:ext cx="1570931" cy="12112"/>
-          </a:xfrm>
-          <a:prstGeom prst="straightConnector1">
-            <a:avLst/>
-          </a:prstGeom>
-          <a:ln>
-            <a:tailEnd type="triangle"/>
-          </a:ln>
-        </p:spPr>
-        <p:style>
-          <a:lnRef idx="1">
-            <a:schemeClr val="accent1"/>
-          </a:lnRef>
-          <a:fillRef idx="0">
-            <a:schemeClr val="accent1"/>
-          </a:fillRef>
-          <a:effectRef idx="0">
-            <a:schemeClr val="accent1"/>
-          </a:effectRef>
-          <a:fontRef idx="minor">
-            <a:schemeClr val="tx1"/>
-          </a:fontRef>
-        </p:style>
-      </p:cxnSp>
-      <p:cxnSp>
-        <p:nvCxnSpPr>
-          <p:cNvPr id="20" name="Straight Arrow Connector 19">
-            <a:extLst>
-              <a:ext uri="{FF2B5EF4-FFF2-40B4-BE49-F238E27FC236}">
-                <a16:creationId xmlns:a16="http://schemas.microsoft.com/office/drawing/2014/main" id="{CA3C1361-B4B3-4FA4-B26C-380E21721D41}"/>
-              </a:ext>
-            </a:extLst>
-          </p:cNvPr>
-          <p:cNvCxnSpPr>
-            <a:stCxn id="1038" idx="3"/>
-            <a:endCxn id="22" idx="1"/>
-          </p:cNvCxnSpPr>
-          <p:nvPr/>
-        </p:nvCxnSpPr>
-        <p:spPr>
-          <a:xfrm flipV="1">
-            <a:off x="5342600" y="3314700"/>
-            <a:ext cx="1667800" cy="7767"/>
-          </a:xfrm>
-          <a:prstGeom prst="straightConnector1">
-            <a:avLst/>
-          </a:prstGeom>
-          <a:ln>
-            <a:tailEnd type="triangle"/>
-          </a:ln>
-        </p:spPr>
-        <p:style>
-          <a:lnRef idx="1">
-            <a:schemeClr val="accent1"/>
-          </a:lnRef>
-          <a:fillRef idx="0">
-            <a:schemeClr val="accent1"/>
-          </a:fillRef>
-          <a:effectRef idx="0">
-            <a:schemeClr val="accent1"/>
-          </a:effectRef>
-          <a:fontRef idx="minor">
-            <a:schemeClr val="tx1"/>
-          </a:fontRef>
-        </p:style>
-      </p:cxnSp>
-      <p:cxnSp>
-        <p:nvCxnSpPr>
-          <p:cNvPr id="23" name="Straight Connector 22">
-            <a:extLst>
-              <a:ext uri="{FF2B5EF4-FFF2-40B4-BE49-F238E27FC236}">
-                <a16:creationId xmlns:a16="http://schemas.microsoft.com/office/drawing/2014/main" id="{2F483661-8B57-4D41-8C50-C7739BB2C923}"/>
-              </a:ext>
-            </a:extLst>
-          </p:cNvPr>
-          <p:cNvCxnSpPr>
-            <a:stCxn id="22" idx="0"/>
-            <a:endCxn id="1026" idx="2"/>
-          </p:cNvCxnSpPr>
-          <p:nvPr/>
-        </p:nvCxnSpPr>
-        <p:spPr>
-          <a:xfrm flipH="1" flipV="1">
-            <a:off x="7407679" y="1600755"/>
-            <a:ext cx="7534" cy="1309132"/>
-          </a:xfrm>
-          <a:prstGeom prst="line">
-            <a:avLst/>
-          </a:prstGeom>
-        </p:spPr>
-        <p:style>
-          <a:lnRef idx="1">
-            <a:schemeClr val="accent1"/>
-          </a:lnRef>
-          <a:fillRef idx="0">
-            <a:schemeClr val="accent1"/>
-          </a:fillRef>
-          <a:effectRef idx="0">
-            <a:schemeClr val="accent1"/>
-          </a:effectRef>
-          <a:fontRef idx="minor">
-            <a:schemeClr val="tx1"/>
-          </a:fontRef>
-        </p:style>
-      </p:cxnSp>
-      <p:cxnSp>
-        <p:nvCxnSpPr>
-          <p:cNvPr id="25" name="Straight Connector 24">
-            <a:extLst>
-              <a:ext uri="{FF2B5EF4-FFF2-40B4-BE49-F238E27FC236}">
-                <a16:creationId xmlns:a16="http://schemas.microsoft.com/office/drawing/2014/main" id="{AD8FDBDF-5F0D-40AB-9D7D-DDD3F4E13427}"/>
-              </a:ext>
-            </a:extLst>
-          </p:cNvPr>
-          <p:cNvCxnSpPr>
-            <a:stCxn id="22" idx="3"/>
-          </p:cNvCxnSpPr>
-          <p:nvPr/>
-        </p:nvCxnSpPr>
-        <p:spPr>
-          <a:xfrm flipV="1">
-            <a:off x="7820025" y="3310354"/>
-            <a:ext cx="3410227" cy="4346"/>
-          </a:xfrm>
-          <a:prstGeom prst="line">
-            <a:avLst/>
-          </a:prstGeom>
-        </p:spPr>
-        <p:style>
-          <a:lnRef idx="1">
-            <a:schemeClr val="accent1"/>
-          </a:lnRef>
-          <a:fillRef idx="0">
-            <a:schemeClr val="accent1"/>
-          </a:fillRef>
-          <a:effectRef idx="0">
-            <a:schemeClr val="accent1"/>
-          </a:effectRef>
-          <a:fontRef idx="minor">
-            <a:schemeClr val="tx1"/>
-          </a:fontRef>
-        </p:style>
-      </p:cxnSp>
-      <p:cxnSp>
-        <p:nvCxnSpPr>
-          <p:cNvPr id="27" name="Straight Arrow Connector 26">
-            <a:extLst>
-              <a:ext uri="{FF2B5EF4-FFF2-40B4-BE49-F238E27FC236}">
-                <a16:creationId xmlns:a16="http://schemas.microsoft.com/office/drawing/2014/main" id="{5F54C63E-4E1E-4F55-8B8C-F6DE5148321D}"/>
-              </a:ext>
-            </a:extLst>
-          </p:cNvPr>
-          <p:cNvCxnSpPr>
-            <a:cxnSpLocks/>
-            <a:endCxn id="1034" idx="0"/>
-          </p:cNvCxnSpPr>
-          <p:nvPr/>
-        </p:nvCxnSpPr>
-        <p:spPr>
-          <a:xfrm>
-            <a:off x="11231128" y="3310354"/>
-            <a:ext cx="0" cy="823496"/>
-          </a:xfrm>
-          <a:prstGeom prst="straightConnector1">
-            <a:avLst/>
-          </a:prstGeom>
-          <a:ln>
-            <a:tailEnd type="triangle"/>
-          </a:ln>
-        </p:spPr>
-        <p:style>
-          <a:lnRef idx="1">
-            <a:schemeClr val="accent1"/>
-          </a:lnRef>
-          <a:fillRef idx="0">
-            <a:schemeClr val="accent1"/>
-          </a:fillRef>
-          <a:effectRef idx="0">
-            <a:schemeClr val="accent1"/>
-          </a:effectRef>
-          <a:fontRef idx="minor">
-            <a:schemeClr val="tx1"/>
-          </a:fontRef>
-        </p:style>
-      </p:cxnSp>
-      <p:cxnSp>
-        <p:nvCxnSpPr>
-          <p:cNvPr id="31" name="Straight Arrow Connector 30">
-            <a:extLst>
-              <a:ext uri="{FF2B5EF4-FFF2-40B4-BE49-F238E27FC236}">
-                <a16:creationId xmlns:a16="http://schemas.microsoft.com/office/drawing/2014/main" id="{81181B99-2E64-4D8E-95D2-886A82108D74}"/>
-              </a:ext>
-            </a:extLst>
-          </p:cNvPr>
-          <p:cNvCxnSpPr>
-            <a:cxnSpLocks/>
-            <a:endCxn id="1030" idx="2"/>
-          </p:cNvCxnSpPr>
-          <p:nvPr/>
-        </p:nvCxnSpPr>
-        <p:spPr>
-          <a:xfrm flipH="1" flipV="1">
-            <a:off x="11193633" y="2168278"/>
-            <a:ext cx="34314" cy="1151002"/>
-          </a:xfrm>
-          <a:prstGeom prst="straightConnector1">
-            <a:avLst/>
-          </a:prstGeom>
-          <a:ln>
-            <a:tailEnd type="triangle"/>
-          </a:ln>
-        </p:spPr>
-        <p:style>
-          <a:lnRef idx="1">
-            <a:schemeClr val="accent1"/>
-          </a:lnRef>
-          <a:fillRef idx="0">
-            <a:schemeClr val="accent1"/>
-          </a:fillRef>
-          <a:effectRef idx="0">
-            <a:schemeClr val="accent1"/>
-          </a:effectRef>
-          <a:fontRef idx="minor">
-            <a:schemeClr val="tx1"/>
-          </a:fontRef>
-        </p:style>
-      </p:cxnSp>
-      <p:pic>
-        <p:nvPicPr>
-          <p:cNvPr id="34" name="Picture 33">
-            <a:extLst>
-              <a:ext uri="{FF2B5EF4-FFF2-40B4-BE49-F238E27FC236}">
-                <a16:creationId xmlns:a16="http://schemas.microsoft.com/office/drawing/2014/main" id="{A10FAD3F-80E8-4AB7-9378-CE942120ACC3}"/>
-              </a:ext>
-            </a:extLst>
-          </p:cNvPr>
-          <p:cNvPicPr>
-            <a:picLocks noChangeAspect="1"/>
-          </p:cNvPicPr>
-          <p:nvPr/>
-        </p:nvPicPr>
-        <p:blipFill>
-          <a:blip r:embed="rId10"/>
-          <a:stretch>
-            <a:fillRect/>
-          </a:stretch>
-        </p:blipFill>
-        <p:spPr>
-          <a:xfrm>
-            <a:off x="1166795" y="188527"/>
-            <a:ext cx="2785533" cy="1380576"/>
-          </a:xfrm>
-          <a:prstGeom prst="rect">
-            <a:avLst/>
-          </a:prstGeom>
-          <a:solidFill>
-            <a:srgbClr val="FFFFFF">
-              <a:shade val="85000"/>
-            </a:srgbClr>
-          </a:solidFill>
-          <a:ln w="190500" cap="rnd">
-            <a:solidFill>
-              <a:srgbClr val="FFFFFF"/>
-            </a:solidFill>
-          </a:ln>
-          <a:effectLst>
-            <a:outerShdw blurRad="50000" algn="tl" rotWithShape="0">
-              <a:srgbClr val="000000">
-                <a:alpha val="41000"/>
-              </a:srgbClr>
-            </a:outerShdw>
-          </a:effectLst>
-          <a:scene3d>
-            <a:camera prst="orthographicFront"/>
-            <a:lightRig rig="twoPt" dir="t">
-              <a:rot lat="0" lon="0" rev="7800000"/>
-            </a:lightRig>
-          </a:scene3d>
-          <a:sp3d contourW="6350">
-            <a:bevelT w="50800" h="16510"/>
-            <a:contourClr>
-              <a:srgbClr val="C0C0C0"/>
-            </a:contourClr>
-          </a:sp3d>
-        </p:spPr>
-      </p:pic>
-      <p:sp>
-        <p:nvSpPr>
-          <p:cNvPr id="45" name="Heptagon 44">
-            <a:extLst>
-              <a:ext uri="{FF2B5EF4-FFF2-40B4-BE49-F238E27FC236}">
-                <a16:creationId xmlns:a16="http://schemas.microsoft.com/office/drawing/2014/main" id="{E7A80D65-5ADB-4DCD-A7A2-5DFBCA0C9B8D}"/>
-              </a:ext>
-            </a:extLst>
-          </p:cNvPr>
-          <p:cNvSpPr/>
-          <p:nvPr/>
-        </p:nvSpPr>
-        <p:spPr>
-          <a:xfrm>
-            <a:off x="1862260" y="2851743"/>
-            <a:ext cx="307435" cy="344102"/>
-          </a:xfrm>
-          <a:prstGeom prst="heptagon">
-            <a:avLst/>
-          </a:prstGeom>
-        </p:spPr>
-        <p:style>
-          <a:lnRef idx="2">
-            <a:schemeClr val="accent1">
-              <a:shade val="50000"/>
-            </a:schemeClr>
-          </a:lnRef>
-          <a:fillRef idx="1">
-            <a:schemeClr val="accent1"/>
-          </a:fillRef>
-          <a:effectRef idx="0">
-            <a:schemeClr val="accent1"/>
-          </a:effectRef>
-          <a:fontRef idx="minor">
-            <a:schemeClr val="lt1"/>
-          </a:fontRef>
-        </p:style>
-        <p:txBody>
-          <a:bodyPr rtlCol="0" anchor="ctr"/>
-          <a:lstStyle/>
-          <a:p>
-            <a:pPr algn="ctr"/>
-            <a:r>
-              <a:rPr lang="en-US" dirty="0"/>
-              <a:t>2</a:t>
-            </a:r>
-          </a:p>
-        </p:txBody>
-      </p:sp>
-      <p:sp>
-        <p:nvSpPr>
-          <p:cNvPr id="46" name="Heptagon 45">
-            <a:extLst>
-              <a:ext uri="{FF2B5EF4-FFF2-40B4-BE49-F238E27FC236}">
-                <a16:creationId xmlns:a16="http://schemas.microsoft.com/office/drawing/2014/main" id="{41E19403-B49B-4C20-BB68-98A12476BA78}"/>
-              </a:ext>
-            </a:extLst>
-          </p:cNvPr>
-          <p:cNvSpPr/>
-          <p:nvPr/>
-        </p:nvSpPr>
-        <p:spPr>
-          <a:xfrm>
-            <a:off x="1862260" y="4546685"/>
-            <a:ext cx="307435" cy="344102"/>
-          </a:xfrm>
-          <a:prstGeom prst="heptagon">
-            <a:avLst/>
-          </a:prstGeom>
-        </p:spPr>
-        <p:style>
-          <a:lnRef idx="2">
-            <a:schemeClr val="accent1">
-              <a:shade val="50000"/>
-            </a:schemeClr>
-          </a:lnRef>
-          <a:fillRef idx="1">
-            <a:schemeClr val="accent1"/>
-          </a:fillRef>
-          <a:effectRef idx="0">
-            <a:schemeClr val="accent1"/>
-          </a:effectRef>
-          <a:fontRef idx="minor">
-            <a:schemeClr val="lt1"/>
-          </a:fontRef>
-        </p:style>
-        <p:txBody>
-          <a:bodyPr rtlCol="0" anchor="ctr"/>
-          <a:lstStyle/>
-          <a:p>
-            <a:pPr algn="ctr"/>
-            <a:r>
-              <a:rPr lang="en-US" dirty="0"/>
-              <a:t>3</a:t>
-            </a:r>
-          </a:p>
-        </p:txBody>
-      </p:sp>
-      <p:sp>
-        <p:nvSpPr>
-          <p:cNvPr id="47" name="Heptagon 46">
-            <a:extLst>
-              <a:ext uri="{FF2B5EF4-FFF2-40B4-BE49-F238E27FC236}">
-                <a16:creationId xmlns:a16="http://schemas.microsoft.com/office/drawing/2014/main" id="{AB00409F-5084-44E7-90AA-34000E295530}"/>
-              </a:ext>
-            </a:extLst>
-          </p:cNvPr>
-          <p:cNvSpPr/>
-          <p:nvPr/>
-        </p:nvSpPr>
-        <p:spPr>
-          <a:xfrm>
-            <a:off x="5202778" y="2846650"/>
-            <a:ext cx="307435" cy="344102"/>
-          </a:xfrm>
-          <a:prstGeom prst="heptagon">
-            <a:avLst/>
-          </a:prstGeom>
-        </p:spPr>
-        <p:style>
-          <a:lnRef idx="2">
-            <a:schemeClr val="accent1">
-              <a:shade val="50000"/>
-            </a:schemeClr>
-          </a:lnRef>
-          <a:fillRef idx="1">
-            <a:schemeClr val="accent1"/>
-          </a:fillRef>
-          <a:effectRef idx="0">
-            <a:schemeClr val="accent1"/>
-          </a:effectRef>
-          <a:fontRef idx="minor">
-            <a:schemeClr val="lt1"/>
-          </a:fontRef>
-        </p:style>
-        <p:txBody>
-          <a:bodyPr rtlCol="0" anchor="ctr"/>
-          <a:lstStyle/>
-          <a:p>
-            <a:pPr algn="ctr"/>
-            <a:r>
-              <a:rPr lang="en-US" dirty="0"/>
-              <a:t>4</a:t>
-            </a:r>
-          </a:p>
-        </p:txBody>
-      </p:sp>
-      <p:sp>
-        <p:nvSpPr>
-          <p:cNvPr id="48" name="Heptagon 47">
-            <a:extLst>
-              <a:ext uri="{FF2B5EF4-FFF2-40B4-BE49-F238E27FC236}">
-                <a16:creationId xmlns:a16="http://schemas.microsoft.com/office/drawing/2014/main" id="{7404ADED-C51D-46C9-8F7A-0B3E6F45A5B6}"/>
-              </a:ext>
-            </a:extLst>
-          </p:cNvPr>
-          <p:cNvSpPr/>
-          <p:nvPr/>
-        </p:nvSpPr>
-        <p:spPr>
-          <a:xfrm>
-            <a:off x="7859999" y="3605724"/>
-            <a:ext cx="307435" cy="344102"/>
-          </a:xfrm>
-          <a:prstGeom prst="heptagon">
-            <a:avLst/>
-          </a:prstGeom>
-        </p:spPr>
-        <p:style>
-          <a:lnRef idx="2">
-            <a:schemeClr val="accent1">
-              <a:shade val="50000"/>
-            </a:schemeClr>
-          </a:lnRef>
-          <a:fillRef idx="1">
-            <a:schemeClr val="accent1"/>
-          </a:fillRef>
-          <a:effectRef idx="0">
-            <a:schemeClr val="accent1"/>
-          </a:effectRef>
-          <a:fontRef idx="minor">
-            <a:schemeClr val="lt1"/>
-          </a:fontRef>
-        </p:style>
-        <p:txBody>
-          <a:bodyPr rtlCol="0" anchor="ctr"/>
-          <a:lstStyle/>
-          <a:p>
-            <a:pPr algn="ctr"/>
-            <a:r>
-              <a:rPr lang="en-US" dirty="0"/>
-              <a:t>5</a:t>
-            </a:r>
-          </a:p>
-        </p:txBody>
-      </p:sp>
-      <p:sp>
-        <p:nvSpPr>
-          <p:cNvPr id="49" name="Heptagon 48">
-            <a:extLst>
-              <a:ext uri="{FF2B5EF4-FFF2-40B4-BE49-F238E27FC236}">
-                <a16:creationId xmlns:a16="http://schemas.microsoft.com/office/drawing/2014/main" id="{2E4FEFBF-5DA1-4129-9427-C54B20A39168}"/>
-              </a:ext>
-            </a:extLst>
-          </p:cNvPr>
-          <p:cNvSpPr/>
-          <p:nvPr/>
-        </p:nvSpPr>
-        <p:spPr>
-          <a:xfrm>
-            <a:off x="7859999" y="926663"/>
-            <a:ext cx="307435" cy="344102"/>
-          </a:xfrm>
-          <a:prstGeom prst="heptagon">
-            <a:avLst/>
-          </a:prstGeom>
-        </p:spPr>
-        <p:style>
-          <a:lnRef idx="2">
-            <a:schemeClr val="accent1">
-              <a:shade val="50000"/>
-            </a:schemeClr>
-          </a:lnRef>
-          <a:fillRef idx="1">
-            <a:schemeClr val="accent1"/>
-          </a:fillRef>
-          <a:effectRef idx="0">
-            <a:schemeClr val="accent1"/>
-          </a:effectRef>
-          <a:fontRef idx="minor">
-            <a:schemeClr val="lt1"/>
-          </a:fontRef>
-        </p:style>
-        <p:txBody>
-          <a:bodyPr rtlCol="0" anchor="ctr"/>
-          <a:lstStyle/>
-          <a:p>
-            <a:pPr algn="ctr"/>
-            <a:r>
-              <a:rPr lang="en-US" dirty="0"/>
-              <a:t>6</a:t>
-            </a:r>
-          </a:p>
-        </p:txBody>
-      </p:sp>
-      <p:sp>
-        <p:nvSpPr>
-          <p:cNvPr id="50" name="Heptagon 49">
-            <a:extLst>
-              <a:ext uri="{FF2B5EF4-FFF2-40B4-BE49-F238E27FC236}">
-                <a16:creationId xmlns:a16="http://schemas.microsoft.com/office/drawing/2014/main" id="{A5EF7CE5-E060-4730-979F-55F63D3F4A68}"/>
-              </a:ext>
-            </a:extLst>
-          </p:cNvPr>
-          <p:cNvSpPr/>
-          <p:nvPr/>
-        </p:nvSpPr>
-        <p:spPr>
-          <a:xfrm>
-            <a:off x="10548060" y="4317947"/>
-            <a:ext cx="307435" cy="344102"/>
-          </a:xfrm>
-          <a:prstGeom prst="heptagon">
-            <a:avLst/>
-          </a:prstGeom>
-        </p:spPr>
-        <p:style>
-          <a:lnRef idx="2">
-            <a:schemeClr val="accent1">
-              <a:shade val="50000"/>
-            </a:schemeClr>
-          </a:lnRef>
-          <a:fillRef idx="1">
-            <a:schemeClr val="accent1"/>
-          </a:fillRef>
-          <a:effectRef idx="0">
-            <a:schemeClr val="accent1"/>
-          </a:effectRef>
-          <a:fontRef idx="minor">
-            <a:schemeClr val="lt1"/>
-          </a:fontRef>
-        </p:style>
-        <p:txBody>
-          <a:bodyPr rtlCol="0" anchor="ctr"/>
-          <a:lstStyle/>
-          <a:p>
-            <a:pPr algn="ctr"/>
-            <a:r>
-              <a:rPr lang="en-US" dirty="0"/>
-              <a:t>7</a:t>
-            </a:r>
-          </a:p>
-        </p:txBody>
-      </p:sp>
-      <p:sp>
-        <p:nvSpPr>
-          <p:cNvPr id="51" name="Heptagon 50">
-            <a:extLst>
-              <a:ext uri="{FF2B5EF4-FFF2-40B4-BE49-F238E27FC236}">
-                <a16:creationId xmlns:a16="http://schemas.microsoft.com/office/drawing/2014/main" id="{8D2FB13D-418E-4D18-87A2-A19F8511A8E0}"/>
-              </a:ext>
-            </a:extLst>
-          </p:cNvPr>
-          <p:cNvSpPr/>
-          <p:nvPr/>
-        </p:nvSpPr>
-        <p:spPr>
-          <a:xfrm>
-            <a:off x="568040" y="285164"/>
-            <a:ext cx="307435" cy="344102"/>
-          </a:xfrm>
-          <a:prstGeom prst="heptagon">
-            <a:avLst/>
-          </a:prstGeom>
-        </p:spPr>
-        <p:style>
-          <a:lnRef idx="2">
-            <a:schemeClr val="accent1">
-              <a:shade val="50000"/>
-            </a:schemeClr>
-          </a:lnRef>
-          <a:fillRef idx="1">
-            <a:schemeClr val="accent1"/>
-          </a:fillRef>
-          <a:effectRef idx="0">
-            <a:schemeClr val="accent1"/>
-          </a:effectRef>
-          <a:fontRef idx="minor">
-            <a:schemeClr val="lt1"/>
-          </a:fontRef>
-        </p:style>
-        <p:txBody>
-          <a:bodyPr rtlCol="0" anchor="ctr"/>
-          <a:lstStyle/>
-          <a:p>
-            <a:pPr algn="ctr"/>
-            <a:r>
-              <a:rPr lang="en-US" dirty="0"/>
-              <a:t>9</a:t>
-            </a:r>
-          </a:p>
-        </p:txBody>
-      </p:sp>
-      <p:sp>
-        <p:nvSpPr>
-          <p:cNvPr id="35" name="TextBox 34">
-            <a:extLst>
-              <a:ext uri="{FF2B5EF4-FFF2-40B4-BE49-F238E27FC236}">
-                <a16:creationId xmlns:a16="http://schemas.microsoft.com/office/drawing/2014/main" id="{E2F5F6A0-D510-4DE5-B9DB-EE0C0D374DC9}"/>
-              </a:ext>
-            </a:extLst>
-          </p:cNvPr>
-          <p:cNvSpPr txBox="1"/>
-          <p:nvPr/>
-        </p:nvSpPr>
-        <p:spPr>
-          <a:xfrm>
-            <a:off x="3381328" y="2725855"/>
-            <a:ext cx="502061" cy="276999"/>
-          </a:xfrm>
-          <a:prstGeom prst="rect">
-            <a:avLst/>
-          </a:prstGeom>
-          <a:noFill/>
-        </p:spPr>
-        <p:txBody>
-          <a:bodyPr wrap="none" rtlCol="0">
-            <a:spAutoFit/>
-          </a:bodyPr>
-          <a:lstStyle/>
-          <a:p>
-            <a:r>
-              <a:rPr lang="en-US" sz="1200" dirty="0">
-                <a:solidFill>
-                  <a:srgbClr val="002060"/>
-                </a:solidFill>
-                <a:latin typeface="Verdana" panose="020B0604030504040204" pitchFamily="34" charset="0"/>
-                <a:ea typeface="Verdana" panose="020B0604030504040204" pitchFamily="34" charset="0"/>
-              </a:rPr>
-              <a:t>JWT</a:t>
-            </a:r>
-          </a:p>
-        </p:txBody>
-      </p:sp>
-      <p:sp>
-        <p:nvSpPr>
-          <p:cNvPr id="29" name="TextBox 28">
-            <a:extLst>
-              <a:ext uri="{FF2B5EF4-FFF2-40B4-BE49-F238E27FC236}">
-                <a16:creationId xmlns:a16="http://schemas.microsoft.com/office/drawing/2014/main" id="{73DEDEAB-57DE-46F8-9469-78112F7FEB52}"/>
-              </a:ext>
-            </a:extLst>
-          </p:cNvPr>
-          <p:cNvSpPr txBox="1"/>
-          <p:nvPr/>
-        </p:nvSpPr>
-        <p:spPr>
-          <a:xfrm>
-            <a:off x="1943299" y="2511094"/>
-            <a:ext cx="1206741" cy="276999"/>
-          </a:xfrm>
-          <a:prstGeom prst="rect">
-            <a:avLst/>
-          </a:prstGeom>
-          <a:noFill/>
-        </p:spPr>
-        <p:txBody>
-          <a:bodyPr wrap="none" rtlCol="0">
-            <a:spAutoFit/>
-          </a:bodyPr>
-          <a:lstStyle/>
-          <a:p>
-            <a:r>
-              <a:rPr lang="en-US" sz="1200" dirty="0">
-                <a:solidFill>
-                  <a:srgbClr val="002060"/>
-                </a:solidFill>
-                <a:latin typeface="Verdana" panose="020B0604030504040204" pitchFamily="34" charset="0"/>
-                <a:ea typeface="Verdana" panose="020B0604030504040204" pitchFamily="34" charset="0"/>
-              </a:rPr>
-              <a:t>Blazor WASM</a:t>
-            </a:r>
-          </a:p>
-        </p:txBody>
-      </p:sp>
-      <p:sp>
-        <p:nvSpPr>
-          <p:cNvPr id="30" name="TextBox 29">
-            <a:extLst>
-              <a:ext uri="{FF2B5EF4-FFF2-40B4-BE49-F238E27FC236}">
-                <a16:creationId xmlns:a16="http://schemas.microsoft.com/office/drawing/2014/main" id="{9380F401-B30D-4061-B24C-F39F66577851}"/>
-              </a:ext>
-            </a:extLst>
-          </p:cNvPr>
-          <p:cNvSpPr txBox="1"/>
-          <p:nvPr/>
-        </p:nvSpPr>
-        <p:spPr>
-          <a:xfrm>
-            <a:off x="4473098" y="3754821"/>
-            <a:ext cx="938077" cy="276999"/>
-          </a:xfrm>
-          <a:prstGeom prst="rect">
-            <a:avLst/>
-          </a:prstGeom>
-          <a:noFill/>
-        </p:spPr>
-        <p:txBody>
-          <a:bodyPr wrap="none" rtlCol="0">
-            <a:spAutoFit/>
-          </a:bodyPr>
-          <a:lstStyle/>
-          <a:p>
-            <a:r>
-              <a:rPr lang="en-US" sz="1200" dirty="0">
-                <a:solidFill>
-                  <a:srgbClr val="002060"/>
-                </a:solidFill>
-                <a:latin typeface="Verdana" panose="020B0604030504040204" pitchFamily="34" charset="0"/>
-                <a:ea typeface="Verdana" panose="020B0604030504040204" pitchFamily="34" charset="0"/>
-              </a:rPr>
-              <a:t>API Mgmt</a:t>
-            </a:r>
-          </a:p>
-        </p:txBody>
-      </p:sp>
-      <p:sp>
-        <p:nvSpPr>
-          <p:cNvPr id="32" name="TextBox 31">
-            <a:extLst>
-              <a:ext uri="{FF2B5EF4-FFF2-40B4-BE49-F238E27FC236}">
-                <a16:creationId xmlns:a16="http://schemas.microsoft.com/office/drawing/2014/main" id="{7ACD62D2-6EA3-462B-9EE3-1AE82A658BDE}"/>
-              </a:ext>
-            </a:extLst>
-          </p:cNvPr>
-          <p:cNvSpPr txBox="1"/>
-          <p:nvPr/>
-        </p:nvSpPr>
-        <p:spPr>
-          <a:xfrm>
-            <a:off x="6984279" y="3753973"/>
-            <a:ext cx="834396" cy="276999"/>
-          </a:xfrm>
-          <a:prstGeom prst="rect">
-            <a:avLst/>
-          </a:prstGeom>
-          <a:noFill/>
-        </p:spPr>
-        <p:txBody>
-          <a:bodyPr wrap="none" rtlCol="0">
-            <a:spAutoFit/>
-          </a:bodyPr>
-          <a:lstStyle/>
-          <a:p>
-            <a:r>
-              <a:rPr lang="en-US" sz="1200" dirty="0">
-                <a:solidFill>
-                  <a:srgbClr val="002060"/>
-                </a:solidFill>
-                <a:latin typeface="Verdana" panose="020B0604030504040204" pitchFamily="34" charset="0"/>
-                <a:ea typeface="Verdana" panose="020B0604030504040204" pitchFamily="34" charset="0"/>
-              </a:rPr>
-              <a:t>Web API</a:t>
-            </a:r>
-          </a:p>
-        </p:txBody>
-      </p:sp>
-      <p:sp>
-        <p:nvSpPr>
-          <p:cNvPr id="33" name="TextBox 32">
-            <a:extLst>
-              <a:ext uri="{FF2B5EF4-FFF2-40B4-BE49-F238E27FC236}">
-                <a16:creationId xmlns:a16="http://schemas.microsoft.com/office/drawing/2014/main" id="{B2F4BAD8-B680-472E-AAAA-BA6C3042BA54}"/>
-              </a:ext>
-            </a:extLst>
-          </p:cNvPr>
-          <p:cNvSpPr txBox="1"/>
-          <p:nvPr/>
-        </p:nvSpPr>
-        <p:spPr>
-          <a:xfrm>
-            <a:off x="6657173" y="530691"/>
-            <a:ext cx="1411027" cy="276999"/>
-          </a:xfrm>
-          <a:prstGeom prst="rect">
-            <a:avLst/>
-          </a:prstGeom>
-          <a:noFill/>
-        </p:spPr>
-        <p:txBody>
-          <a:bodyPr wrap="none" rtlCol="0">
-            <a:spAutoFit/>
-          </a:bodyPr>
-          <a:lstStyle/>
-          <a:p>
-            <a:r>
-              <a:rPr lang="en-US" sz="1200" dirty="0">
-                <a:solidFill>
-                  <a:srgbClr val="002060"/>
-                </a:solidFill>
-                <a:latin typeface="Verdana" panose="020B0604030504040204" pitchFamily="34" charset="0"/>
-                <a:ea typeface="Verdana" panose="020B0604030504040204" pitchFamily="34" charset="0"/>
-              </a:rPr>
-              <a:t>Azure Key Vault</a:t>
-            </a:r>
-          </a:p>
-        </p:txBody>
-      </p:sp>
-      <p:sp>
-        <p:nvSpPr>
-          <p:cNvPr id="36" name="TextBox 35">
-            <a:extLst>
-              <a:ext uri="{FF2B5EF4-FFF2-40B4-BE49-F238E27FC236}">
-                <a16:creationId xmlns:a16="http://schemas.microsoft.com/office/drawing/2014/main" id="{84BB2DD0-C9FA-4D1D-9F0F-A0CE16591369}"/>
-              </a:ext>
-            </a:extLst>
-          </p:cNvPr>
-          <p:cNvSpPr txBox="1"/>
-          <p:nvPr/>
-        </p:nvSpPr>
-        <p:spPr>
-          <a:xfrm>
-            <a:off x="10316252" y="1204326"/>
-            <a:ext cx="1617174" cy="276999"/>
-          </a:xfrm>
-          <a:prstGeom prst="rect">
-            <a:avLst/>
-          </a:prstGeom>
-          <a:noFill/>
-        </p:spPr>
-        <p:txBody>
-          <a:bodyPr wrap="none" rtlCol="0">
-            <a:spAutoFit/>
-          </a:bodyPr>
-          <a:lstStyle/>
-          <a:p>
-            <a:r>
-              <a:rPr lang="en-US" sz="1200" dirty="0">
-                <a:solidFill>
-                  <a:srgbClr val="002060"/>
-                </a:solidFill>
-                <a:latin typeface="Verdana" panose="020B0604030504040204" pitchFamily="34" charset="0"/>
-                <a:ea typeface="Verdana" panose="020B0604030504040204" pitchFamily="34" charset="0"/>
-              </a:rPr>
-              <a:t>Azure Redis Cache</a:t>
-            </a:r>
-          </a:p>
-        </p:txBody>
-      </p:sp>
-      <p:sp>
-        <p:nvSpPr>
-          <p:cNvPr id="37" name="TextBox 36">
-            <a:extLst>
-              <a:ext uri="{FF2B5EF4-FFF2-40B4-BE49-F238E27FC236}">
-                <a16:creationId xmlns:a16="http://schemas.microsoft.com/office/drawing/2014/main" id="{E472F245-397E-4CEE-88C2-F7D04A607F7F}"/>
-              </a:ext>
-            </a:extLst>
-          </p:cNvPr>
-          <p:cNvSpPr txBox="1"/>
-          <p:nvPr/>
-        </p:nvSpPr>
-        <p:spPr>
-          <a:xfrm>
-            <a:off x="10440540" y="4800928"/>
-            <a:ext cx="1557093" cy="276999"/>
-          </a:xfrm>
-          <a:prstGeom prst="rect">
-            <a:avLst/>
-          </a:prstGeom>
-          <a:noFill/>
-        </p:spPr>
-        <p:txBody>
-          <a:bodyPr wrap="none" rtlCol="0">
-            <a:spAutoFit/>
-          </a:bodyPr>
-          <a:lstStyle/>
-          <a:p>
-            <a:r>
-              <a:rPr lang="en-US" sz="1200" dirty="0">
-                <a:solidFill>
-                  <a:srgbClr val="002060"/>
-                </a:solidFill>
-                <a:latin typeface="Verdana" panose="020B0604030504040204" pitchFamily="34" charset="0"/>
-                <a:ea typeface="Verdana" panose="020B0604030504040204" pitchFamily="34" charset="0"/>
-              </a:rPr>
-              <a:t>Azure SQL Server</a:t>
-            </a:r>
-          </a:p>
-        </p:txBody>
-      </p:sp>
-      <p:sp>
-        <p:nvSpPr>
-          <p:cNvPr id="3" name="TextBox 2">
-            <a:extLst>
-              <a:ext uri="{FF2B5EF4-FFF2-40B4-BE49-F238E27FC236}">
-                <a16:creationId xmlns:a16="http://schemas.microsoft.com/office/drawing/2014/main" id="{45480DDA-EA19-4760-9EF2-DBA83BCE9A76}"/>
-              </a:ext>
-            </a:extLst>
-          </p:cNvPr>
-          <p:cNvSpPr txBox="1"/>
-          <p:nvPr/>
-        </p:nvSpPr>
-        <p:spPr>
-          <a:xfrm>
-            <a:off x="497150" y="5406499"/>
-            <a:ext cx="7295330" cy="1200329"/>
-          </a:xfrm>
-          <a:prstGeom prst="rect">
-            <a:avLst/>
-          </a:prstGeom>
-          <a:noFill/>
-          <a:ln>
-            <a:solidFill>
-              <a:srgbClr val="002060"/>
-            </a:solidFill>
-          </a:ln>
-        </p:spPr>
-        <p:txBody>
-          <a:bodyPr wrap="none" rtlCol="0">
-            <a:spAutoFit/>
-          </a:bodyPr>
-          <a:lstStyle/>
-          <a:p>
-            <a:r>
-              <a:rPr lang="en-US" sz="1200" b="1" u="sng" dirty="0">
-                <a:solidFill>
-                  <a:srgbClr val="002060"/>
-                </a:solidFill>
-                <a:latin typeface="Verdana" panose="020B0604030504040204" pitchFamily="34" charset="0"/>
-                <a:ea typeface="Verdana" panose="020B0604030504040204" pitchFamily="34" charset="0"/>
-              </a:rPr>
-              <a:t>High Lights:</a:t>
-            </a:r>
-          </a:p>
-          <a:p>
-            <a:pPr marL="228600" indent="-228600">
-              <a:buAutoNum type="arabicPeriod"/>
-            </a:pPr>
-            <a:r>
-              <a:rPr lang="en-US" sz="1200" dirty="0">
-                <a:solidFill>
-                  <a:srgbClr val="002060"/>
-                </a:solidFill>
-                <a:latin typeface="Verdana" panose="020B0604030504040204" pitchFamily="34" charset="0"/>
-                <a:ea typeface="Verdana" panose="020B0604030504040204" pitchFamily="34" charset="0"/>
-              </a:rPr>
-              <a:t>Blazor WASM UI get authenticated and pass the JWT to APIM.</a:t>
-            </a:r>
-          </a:p>
-          <a:p>
-            <a:pPr marL="228600" indent="-228600">
-              <a:buAutoNum type="arabicPeriod"/>
-            </a:pPr>
-            <a:r>
-              <a:rPr lang="en-US" sz="1200" dirty="0">
-                <a:solidFill>
-                  <a:srgbClr val="002060"/>
-                </a:solidFill>
-                <a:latin typeface="Verdana" panose="020B0604030504040204" pitchFamily="34" charset="0"/>
-                <a:ea typeface="Verdana" panose="020B0604030504040204" pitchFamily="34" charset="0"/>
-              </a:rPr>
-              <a:t>APIM Validates the JWT and routes the request to Web API.</a:t>
-            </a:r>
-          </a:p>
-          <a:p>
-            <a:pPr marL="228600" indent="-228600">
-              <a:buAutoNum type="arabicPeriod"/>
-            </a:pPr>
-            <a:r>
-              <a:rPr lang="en-US" sz="1200" dirty="0">
-                <a:solidFill>
-                  <a:srgbClr val="002060"/>
-                </a:solidFill>
-                <a:latin typeface="Verdana" panose="020B0604030504040204" pitchFamily="34" charset="0"/>
-                <a:ea typeface="Verdana" panose="020B0604030504040204" pitchFamily="34" charset="0"/>
-              </a:rPr>
-              <a:t>SQL Server, and Redis Cache’s credentials are stored in Azure Key Vault.</a:t>
-            </a:r>
-          </a:p>
-          <a:p>
-            <a:pPr marL="228600" indent="-228600">
-              <a:buAutoNum type="arabicPeriod"/>
-            </a:pPr>
-            <a:r>
-              <a:rPr lang="en-US" sz="1200" dirty="0">
-                <a:solidFill>
-                  <a:srgbClr val="002060"/>
-                </a:solidFill>
-                <a:latin typeface="Verdana" panose="020B0604030504040204" pitchFamily="34" charset="0"/>
-                <a:ea typeface="Verdana" panose="020B0604030504040204" pitchFamily="34" charset="0"/>
-              </a:rPr>
-              <a:t>Web API investigates Azure Redis Cache before hitting SQL Azure. (Cache Aside Pattern)</a:t>
-            </a:r>
-          </a:p>
-          <a:p>
-            <a:pPr marL="228600" indent="-228600">
-              <a:buAutoNum type="arabicPeriod"/>
-            </a:pPr>
-            <a:r>
-              <a:rPr lang="en-US" sz="1200" dirty="0">
-                <a:solidFill>
-                  <a:srgbClr val="002060"/>
-                </a:solidFill>
-                <a:latin typeface="Verdana" panose="020B0604030504040204" pitchFamily="34" charset="0"/>
-                <a:ea typeface="Verdana" panose="020B0604030504040204" pitchFamily="34" charset="0"/>
-              </a:rPr>
-              <a:t>We will preform </a:t>
-            </a:r>
-            <a:r>
-              <a:rPr lang="en-US" sz="1200" dirty="0" err="1">
-                <a:solidFill>
-                  <a:srgbClr val="002060"/>
-                </a:solidFill>
-                <a:latin typeface="Verdana" panose="020B0604030504040204" pitchFamily="34" charset="0"/>
-                <a:ea typeface="Verdana" panose="020B0604030504040204" pitchFamily="34" charset="0"/>
-              </a:rPr>
-              <a:t>Dacpac</a:t>
-            </a:r>
-            <a:r>
-              <a:rPr lang="en-US" sz="1200" dirty="0">
-                <a:solidFill>
-                  <a:srgbClr val="002060"/>
-                </a:solidFill>
-                <a:latin typeface="Verdana" panose="020B0604030504040204" pitchFamily="34" charset="0"/>
-                <a:ea typeface="Verdana" panose="020B0604030504040204" pitchFamily="34" charset="0"/>
-              </a:rPr>
-              <a:t> (.</a:t>
-            </a:r>
-            <a:r>
-              <a:rPr lang="en-US" sz="1200" dirty="0" err="1">
-                <a:solidFill>
-                  <a:srgbClr val="002060"/>
-                </a:solidFill>
-                <a:latin typeface="Verdana" panose="020B0604030504040204" pitchFamily="34" charset="0"/>
-                <a:ea typeface="Verdana" panose="020B0604030504040204" pitchFamily="34" charset="0"/>
-              </a:rPr>
-              <a:t>sqlproj</a:t>
-            </a:r>
-            <a:r>
-              <a:rPr lang="en-US" sz="1200" dirty="0">
-                <a:solidFill>
-                  <a:srgbClr val="002060"/>
-                </a:solidFill>
-                <a:latin typeface="Verdana" panose="020B0604030504040204" pitchFamily="34" charset="0"/>
-                <a:ea typeface="Verdana" panose="020B0604030504040204" pitchFamily="34" charset="0"/>
-              </a:rPr>
-              <a:t>) for deployment of SQL Data Store.</a:t>
-            </a:r>
-          </a:p>
-        </p:txBody>
-      </p:sp>
-      <p:pic>
-        <p:nvPicPr>
-          <p:cNvPr id="2" name="Picture 2">
-            <a:extLst>
-              <a:ext uri="{FF2B5EF4-FFF2-40B4-BE49-F238E27FC236}">
-                <a16:creationId xmlns:a16="http://schemas.microsoft.com/office/drawing/2014/main" id="{BCFEBCAF-2E0F-4B75-8708-7FFA15FC75D0}"/>
-              </a:ext>
-            </a:extLst>
-          </p:cNvPr>
-          <p:cNvPicPr>
-            <a:picLocks noChangeAspect="1" noChangeArrowheads="1"/>
-          </p:cNvPicPr>
-          <p:nvPr/>
-        </p:nvPicPr>
-        <p:blipFill>
-          <a:blip r:embed="rId11">
-            <a:extLst>
-              <a:ext uri="{28A0092B-C50C-407E-A947-70E740481C1C}">
-                <a14:useLocalDpi xmlns:a14="http://schemas.microsoft.com/office/drawing/2010/main" val="0"/>
-              </a:ext>
-            </a:extLst>
-          </a:blip>
-          <a:srcRect/>
-          <a:stretch>
-            <a:fillRect/>
-          </a:stretch>
-        </p:blipFill>
-        <p:spPr bwMode="auto">
-          <a:xfrm>
-            <a:off x="2219093" y="4432621"/>
-            <a:ext cx="657225" cy="657225"/>
-          </a:xfrm>
-          <a:prstGeom prst="rect">
-            <a:avLst/>
-          </a:prstGeom>
-          <a:noFill/>
-          <a:extLst>
-            <a:ext uri="{909E8E84-426E-40DD-AFC4-6F175D3DCCD1}">
-              <a14:hiddenFill xmlns:a14="http://schemas.microsoft.com/office/drawing/2010/main">
-                <a:solidFill>
-                  <a:srgbClr val="FFFFFF"/>
-                </a:solidFill>
-              </a14:hiddenFill>
-            </a:ext>
-          </a:extLst>
-        </p:spPr>
-      </p:pic>
-      <p:cxnSp>
-        <p:nvCxnSpPr>
-          <p:cNvPr id="5" name="Straight Arrow Connector 4">
-            <a:extLst>
-              <a:ext uri="{FF2B5EF4-FFF2-40B4-BE49-F238E27FC236}">
-                <a16:creationId xmlns:a16="http://schemas.microsoft.com/office/drawing/2014/main" id="{59A50E47-D91D-4EA9-A6A2-1B5906E403ED}"/>
-              </a:ext>
-            </a:extLst>
-          </p:cNvPr>
-          <p:cNvCxnSpPr>
-            <a:stCxn id="1036" idx="2"/>
-            <a:endCxn id="2" idx="0"/>
-          </p:cNvCxnSpPr>
-          <p:nvPr/>
-        </p:nvCxnSpPr>
-        <p:spPr>
-          <a:xfrm flipH="1">
-            <a:off x="2547706" y="3715167"/>
-            <a:ext cx="1" cy="717454"/>
-          </a:xfrm>
-          <a:prstGeom prst="straightConnector1">
-            <a:avLst/>
-          </a:prstGeom>
-          <a:ln>
-            <a:tailEnd type="triangle"/>
-          </a:ln>
-        </p:spPr>
-        <p:style>
-          <a:lnRef idx="1">
-            <a:schemeClr val="accent1"/>
-          </a:lnRef>
-          <a:fillRef idx="0">
-            <a:schemeClr val="accent1"/>
-          </a:fillRef>
-          <a:effectRef idx="0">
-            <a:schemeClr val="accent1"/>
-          </a:effectRef>
-          <a:fontRef idx="minor">
-            <a:schemeClr val="tx1"/>
-          </a:fontRef>
-        </p:style>
-      </p:cxnSp>
-      <p:sp>
-        <p:nvSpPr>
-          <p:cNvPr id="38" name="TextBox 37">
-            <a:extLst>
-              <a:ext uri="{FF2B5EF4-FFF2-40B4-BE49-F238E27FC236}">
-                <a16:creationId xmlns:a16="http://schemas.microsoft.com/office/drawing/2014/main" id="{812281D3-9601-44ED-9C3E-6CC1CCD3B02D}"/>
-              </a:ext>
-            </a:extLst>
-          </p:cNvPr>
-          <p:cNvSpPr txBox="1"/>
-          <p:nvPr/>
-        </p:nvSpPr>
-        <p:spPr>
-          <a:xfrm>
-            <a:off x="2227245" y="4997807"/>
-            <a:ext cx="643959" cy="276999"/>
-          </a:xfrm>
-          <a:prstGeom prst="rect">
-            <a:avLst/>
-          </a:prstGeom>
-          <a:noFill/>
-        </p:spPr>
-        <p:txBody>
-          <a:bodyPr wrap="none" rtlCol="0">
-            <a:spAutoFit/>
-          </a:bodyPr>
-          <a:lstStyle/>
-          <a:p>
-            <a:r>
-              <a:rPr lang="en-US" sz="1200" dirty="0">
-                <a:solidFill>
-                  <a:srgbClr val="002060"/>
-                </a:solidFill>
-                <a:latin typeface="Verdana" panose="020B0604030504040204" pitchFamily="34" charset="0"/>
-                <a:ea typeface="Verdana" panose="020B0604030504040204" pitchFamily="34" charset="0"/>
-              </a:rPr>
-              <a:t>Auth0</a:t>
-            </a:r>
-          </a:p>
-        </p:txBody>
-      </p:sp>
-      <p:sp>
-        <p:nvSpPr>
-          <p:cNvPr id="40" name="Heptagon 39">
-            <a:extLst>
-              <a:ext uri="{FF2B5EF4-FFF2-40B4-BE49-F238E27FC236}">
-                <a16:creationId xmlns:a16="http://schemas.microsoft.com/office/drawing/2014/main" id="{267543E6-4F71-4DDC-8456-D8E02CC93FC0}"/>
-              </a:ext>
-            </a:extLst>
-          </p:cNvPr>
-          <p:cNvSpPr/>
-          <p:nvPr/>
-        </p:nvSpPr>
-        <p:spPr>
-          <a:xfrm>
-            <a:off x="10548060" y="1638846"/>
-            <a:ext cx="307435" cy="344102"/>
-          </a:xfrm>
-          <a:prstGeom prst="heptagon">
-            <a:avLst/>
-          </a:prstGeom>
-        </p:spPr>
-        <p:style>
-          <a:lnRef idx="2">
-            <a:schemeClr val="accent1">
-              <a:shade val="50000"/>
-            </a:schemeClr>
-          </a:lnRef>
-          <a:fillRef idx="1">
-            <a:schemeClr val="accent1"/>
-          </a:fillRef>
-          <a:effectRef idx="0">
-            <a:schemeClr val="accent1"/>
-          </a:effectRef>
-          <a:fontRef idx="minor">
-            <a:schemeClr val="lt1"/>
-          </a:fontRef>
-        </p:style>
-        <p:txBody>
-          <a:bodyPr rtlCol="0" anchor="ctr"/>
-          <a:lstStyle/>
-          <a:p>
-            <a:pPr algn="ctr"/>
-            <a:r>
-              <a:rPr lang="en-US" dirty="0"/>
-              <a:t>8</a:t>
-            </a:r>
-          </a:p>
-        </p:txBody>
-      </p:sp>
     </p:spTree>
     <p:extLst>
       <p:ext uri="{BB962C8B-B14F-4D97-AF65-F5344CB8AC3E}">
-        <p14:creationId xmlns:p14="http://schemas.microsoft.com/office/powerpoint/2010/main" val="217870563"/>
+        <p14:creationId xmlns:p14="http://schemas.microsoft.com/office/powerpoint/2010/main" val="3396452104"/>
       </p:ext>
     </p:extLst>
   </p:cSld>

--- a/microsoft-reactor/Demos.pptx
+++ b/microsoft-reactor/Demos.pptx
@@ -272,7 +272,7 @@
           <a:p>
             <a:fld id="{3F64E90C-326F-45C8-9212-4C9C4B7EF630}" type="datetimeFigureOut">
               <a:rPr lang="en-IN" smtClean="0"/>
-              <a:t>25-06-2022</a:t>
+              <a:t>03-07-2022</a:t>
             </a:fld>
             <a:endParaRPr lang="en-IN"/>
           </a:p>
@@ -472,7 +472,7 @@
           <a:p>
             <a:fld id="{3F64E90C-326F-45C8-9212-4C9C4B7EF630}" type="datetimeFigureOut">
               <a:rPr lang="en-IN" smtClean="0"/>
-              <a:t>25-06-2022</a:t>
+              <a:t>03-07-2022</a:t>
             </a:fld>
             <a:endParaRPr lang="en-IN"/>
           </a:p>
@@ -682,7 +682,7 @@
           <a:p>
             <a:fld id="{3F64E90C-326F-45C8-9212-4C9C4B7EF630}" type="datetimeFigureOut">
               <a:rPr lang="en-IN" smtClean="0"/>
-              <a:t>25-06-2022</a:t>
+              <a:t>03-07-2022</a:t>
             </a:fld>
             <a:endParaRPr lang="en-IN"/>
           </a:p>
@@ -882,7 +882,7 @@
           <a:p>
             <a:fld id="{3F64E90C-326F-45C8-9212-4C9C4B7EF630}" type="datetimeFigureOut">
               <a:rPr lang="en-IN" smtClean="0"/>
-              <a:t>25-06-2022</a:t>
+              <a:t>03-07-2022</a:t>
             </a:fld>
             <a:endParaRPr lang="en-IN"/>
           </a:p>
@@ -1158,7 +1158,7 @@
           <a:p>
             <a:fld id="{3F64E90C-326F-45C8-9212-4C9C4B7EF630}" type="datetimeFigureOut">
               <a:rPr lang="en-IN" smtClean="0"/>
-              <a:t>25-06-2022</a:t>
+              <a:t>03-07-2022</a:t>
             </a:fld>
             <a:endParaRPr lang="en-IN"/>
           </a:p>
@@ -1426,7 +1426,7 @@
           <a:p>
             <a:fld id="{3F64E90C-326F-45C8-9212-4C9C4B7EF630}" type="datetimeFigureOut">
               <a:rPr lang="en-IN" smtClean="0"/>
-              <a:t>25-06-2022</a:t>
+              <a:t>03-07-2022</a:t>
             </a:fld>
             <a:endParaRPr lang="en-IN"/>
           </a:p>
@@ -1841,7 +1841,7 @@
           <a:p>
             <a:fld id="{3F64E90C-326F-45C8-9212-4C9C4B7EF630}" type="datetimeFigureOut">
               <a:rPr lang="en-IN" smtClean="0"/>
-              <a:t>25-06-2022</a:t>
+              <a:t>03-07-2022</a:t>
             </a:fld>
             <a:endParaRPr lang="en-IN"/>
           </a:p>
@@ -1983,7 +1983,7 @@
           <a:p>
             <a:fld id="{3F64E90C-326F-45C8-9212-4C9C4B7EF630}" type="datetimeFigureOut">
               <a:rPr lang="en-IN" smtClean="0"/>
-              <a:t>25-06-2022</a:t>
+              <a:t>03-07-2022</a:t>
             </a:fld>
             <a:endParaRPr lang="en-IN"/>
           </a:p>
@@ -2096,7 +2096,7 @@
           <a:p>
             <a:fld id="{3F64E90C-326F-45C8-9212-4C9C4B7EF630}" type="datetimeFigureOut">
               <a:rPr lang="en-IN" smtClean="0"/>
-              <a:t>25-06-2022</a:t>
+              <a:t>03-07-2022</a:t>
             </a:fld>
             <a:endParaRPr lang="en-IN"/>
           </a:p>
@@ -2409,7 +2409,7 @@
           <a:p>
             <a:fld id="{3F64E90C-326F-45C8-9212-4C9C4B7EF630}" type="datetimeFigureOut">
               <a:rPr lang="en-IN" smtClean="0"/>
-              <a:t>25-06-2022</a:t>
+              <a:t>03-07-2022</a:t>
             </a:fld>
             <a:endParaRPr lang="en-IN"/>
           </a:p>
@@ -2698,7 +2698,7 @@
           <a:p>
             <a:fld id="{3F64E90C-326F-45C8-9212-4C9C4B7EF630}" type="datetimeFigureOut">
               <a:rPr lang="en-IN" smtClean="0"/>
-              <a:t>25-06-2022</a:t>
+              <a:t>03-07-2022</a:t>
             </a:fld>
             <a:endParaRPr lang="en-IN"/>
           </a:p>
@@ -2941,7 +2941,7 @@
           <a:p>
             <a:fld id="{3F64E90C-326F-45C8-9212-4C9C4B7EF630}" type="datetimeFigureOut">
               <a:rPr lang="en-IN" smtClean="0"/>
-              <a:t>25-06-2022</a:t>
+              <a:t>03-07-2022</a:t>
             </a:fld>
             <a:endParaRPr lang="en-IN"/>
           </a:p>
@@ -3503,7 +3503,7 @@
                 <a:latin typeface="Verdana" panose="020B0604030504040204" pitchFamily="34" charset="0"/>
                 <a:ea typeface="Verdana" panose="020B0604030504040204" pitchFamily="34" charset="0"/>
               </a:rPr>
-              <a:t>22-Jun-2022</a:t>
+              <a:t>06-Jul-2022</a:t>
             </a:r>
           </a:p>
         </p:txBody>

--- a/microsoft-reactor/Demos.pptx
+++ b/microsoft-reactor/Demos.pptx
@@ -272,7 +272,7 @@
           <a:p>
             <a:fld id="{3F64E90C-326F-45C8-9212-4C9C4B7EF630}" type="datetimeFigureOut">
               <a:rPr lang="en-IN" smtClean="0"/>
-              <a:t>03-07-2022</a:t>
+              <a:t>18-07-2022</a:t>
             </a:fld>
             <a:endParaRPr lang="en-IN"/>
           </a:p>
@@ -472,7 +472,7 @@
           <a:p>
             <a:fld id="{3F64E90C-326F-45C8-9212-4C9C4B7EF630}" type="datetimeFigureOut">
               <a:rPr lang="en-IN" smtClean="0"/>
-              <a:t>03-07-2022</a:t>
+              <a:t>18-07-2022</a:t>
             </a:fld>
             <a:endParaRPr lang="en-IN"/>
           </a:p>
@@ -682,7 +682,7 @@
           <a:p>
             <a:fld id="{3F64E90C-326F-45C8-9212-4C9C4B7EF630}" type="datetimeFigureOut">
               <a:rPr lang="en-IN" smtClean="0"/>
-              <a:t>03-07-2022</a:t>
+              <a:t>18-07-2022</a:t>
             </a:fld>
             <a:endParaRPr lang="en-IN"/>
           </a:p>
@@ -882,7 +882,7 @@
           <a:p>
             <a:fld id="{3F64E90C-326F-45C8-9212-4C9C4B7EF630}" type="datetimeFigureOut">
               <a:rPr lang="en-IN" smtClean="0"/>
-              <a:t>03-07-2022</a:t>
+              <a:t>18-07-2022</a:t>
             </a:fld>
             <a:endParaRPr lang="en-IN"/>
           </a:p>
@@ -1158,7 +1158,7 @@
           <a:p>
             <a:fld id="{3F64E90C-326F-45C8-9212-4C9C4B7EF630}" type="datetimeFigureOut">
               <a:rPr lang="en-IN" smtClean="0"/>
-              <a:t>03-07-2022</a:t>
+              <a:t>18-07-2022</a:t>
             </a:fld>
             <a:endParaRPr lang="en-IN"/>
           </a:p>
@@ -1426,7 +1426,7 @@
           <a:p>
             <a:fld id="{3F64E90C-326F-45C8-9212-4C9C4B7EF630}" type="datetimeFigureOut">
               <a:rPr lang="en-IN" smtClean="0"/>
-              <a:t>03-07-2022</a:t>
+              <a:t>18-07-2022</a:t>
             </a:fld>
             <a:endParaRPr lang="en-IN"/>
           </a:p>
@@ -1841,7 +1841,7 @@
           <a:p>
             <a:fld id="{3F64E90C-326F-45C8-9212-4C9C4B7EF630}" type="datetimeFigureOut">
               <a:rPr lang="en-IN" smtClean="0"/>
-              <a:t>03-07-2022</a:t>
+              <a:t>18-07-2022</a:t>
             </a:fld>
             <a:endParaRPr lang="en-IN"/>
           </a:p>
@@ -1983,7 +1983,7 @@
           <a:p>
             <a:fld id="{3F64E90C-326F-45C8-9212-4C9C4B7EF630}" type="datetimeFigureOut">
               <a:rPr lang="en-IN" smtClean="0"/>
-              <a:t>03-07-2022</a:t>
+              <a:t>18-07-2022</a:t>
             </a:fld>
             <a:endParaRPr lang="en-IN"/>
           </a:p>
@@ -2096,7 +2096,7 @@
           <a:p>
             <a:fld id="{3F64E90C-326F-45C8-9212-4C9C4B7EF630}" type="datetimeFigureOut">
               <a:rPr lang="en-IN" smtClean="0"/>
-              <a:t>03-07-2022</a:t>
+              <a:t>18-07-2022</a:t>
             </a:fld>
             <a:endParaRPr lang="en-IN"/>
           </a:p>
@@ -2409,7 +2409,7 @@
           <a:p>
             <a:fld id="{3F64E90C-326F-45C8-9212-4C9C4B7EF630}" type="datetimeFigureOut">
               <a:rPr lang="en-IN" smtClean="0"/>
-              <a:t>03-07-2022</a:t>
+              <a:t>18-07-2022</a:t>
             </a:fld>
             <a:endParaRPr lang="en-IN"/>
           </a:p>
@@ -2698,7 +2698,7 @@
           <a:p>
             <a:fld id="{3F64E90C-326F-45C8-9212-4C9C4B7EF630}" type="datetimeFigureOut">
               <a:rPr lang="en-IN" smtClean="0"/>
-              <a:t>03-07-2022</a:t>
+              <a:t>18-07-2022</a:t>
             </a:fld>
             <a:endParaRPr lang="en-IN"/>
           </a:p>
@@ -2941,7 +2941,7 @@
           <a:p>
             <a:fld id="{3F64E90C-326F-45C8-9212-4C9C4B7EF630}" type="datetimeFigureOut">
               <a:rPr lang="en-IN" smtClean="0"/>
-              <a:t>03-07-2022</a:t>
+              <a:t>18-07-2022</a:t>
             </a:fld>
             <a:endParaRPr lang="en-IN"/>
           </a:p>
@@ -3503,7 +3503,7 @@
                 <a:latin typeface="Verdana" panose="020B0604030504040204" pitchFamily="34" charset="0"/>
                 <a:ea typeface="Verdana" panose="020B0604030504040204" pitchFamily="34" charset="0"/>
               </a:rPr>
-              <a:t>06-Jul-2022</a:t>
+              <a:t>20-Jul-2022</a:t>
             </a:r>
           </a:p>
         </p:txBody>

--- a/microsoft-reactor/Demos.pptx
+++ b/microsoft-reactor/Demos.pptx
@@ -272,7 +272,7 @@
           <a:p>
             <a:fld id="{3F64E90C-326F-45C8-9212-4C9C4B7EF630}" type="datetimeFigureOut">
               <a:rPr lang="en-IN" smtClean="0"/>
-              <a:t>18-07-2022</a:t>
+              <a:t>31-07-2022</a:t>
             </a:fld>
             <a:endParaRPr lang="en-IN"/>
           </a:p>
@@ -472,7 +472,7 @@
           <a:p>
             <a:fld id="{3F64E90C-326F-45C8-9212-4C9C4B7EF630}" type="datetimeFigureOut">
               <a:rPr lang="en-IN" smtClean="0"/>
-              <a:t>18-07-2022</a:t>
+              <a:t>31-07-2022</a:t>
             </a:fld>
             <a:endParaRPr lang="en-IN"/>
           </a:p>
@@ -682,7 +682,7 @@
           <a:p>
             <a:fld id="{3F64E90C-326F-45C8-9212-4C9C4B7EF630}" type="datetimeFigureOut">
               <a:rPr lang="en-IN" smtClean="0"/>
-              <a:t>18-07-2022</a:t>
+              <a:t>31-07-2022</a:t>
             </a:fld>
             <a:endParaRPr lang="en-IN"/>
           </a:p>
@@ -882,7 +882,7 @@
           <a:p>
             <a:fld id="{3F64E90C-326F-45C8-9212-4C9C4B7EF630}" type="datetimeFigureOut">
               <a:rPr lang="en-IN" smtClean="0"/>
-              <a:t>18-07-2022</a:t>
+              <a:t>31-07-2022</a:t>
             </a:fld>
             <a:endParaRPr lang="en-IN"/>
           </a:p>
@@ -1158,7 +1158,7 @@
           <a:p>
             <a:fld id="{3F64E90C-326F-45C8-9212-4C9C4B7EF630}" type="datetimeFigureOut">
               <a:rPr lang="en-IN" smtClean="0"/>
-              <a:t>18-07-2022</a:t>
+              <a:t>31-07-2022</a:t>
             </a:fld>
             <a:endParaRPr lang="en-IN"/>
           </a:p>
@@ -1426,7 +1426,7 @@
           <a:p>
             <a:fld id="{3F64E90C-326F-45C8-9212-4C9C4B7EF630}" type="datetimeFigureOut">
               <a:rPr lang="en-IN" smtClean="0"/>
-              <a:t>18-07-2022</a:t>
+              <a:t>31-07-2022</a:t>
             </a:fld>
             <a:endParaRPr lang="en-IN"/>
           </a:p>
@@ -1841,7 +1841,7 @@
           <a:p>
             <a:fld id="{3F64E90C-326F-45C8-9212-4C9C4B7EF630}" type="datetimeFigureOut">
               <a:rPr lang="en-IN" smtClean="0"/>
-              <a:t>18-07-2022</a:t>
+              <a:t>31-07-2022</a:t>
             </a:fld>
             <a:endParaRPr lang="en-IN"/>
           </a:p>
@@ -1983,7 +1983,7 @@
           <a:p>
             <a:fld id="{3F64E90C-326F-45C8-9212-4C9C4B7EF630}" type="datetimeFigureOut">
               <a:rPr lang="en-IN" smtClean="0"/>
-              <a:t>18-07-2022</a:t>
+              <a:t>31-07-2022</a:t>
             </a:fld>
             <a:endParaRPr lang="en-IN"/>
           </a:p>
@@ -2096,7 +2096,7 @@
           <a:p>
             <a:fld id="{3F64E90C-326F-45C8-9212-4C9C4B7EF630}" type="datetimeFigureOut">
               <a:rPr lang="en-IN" smtClean="0"/>
-              <a:t>18-07-2022</a:t>
+              <a:t>31-07-2022</a:t>
             </a:fld>
             <a:endParaRPr lang="en-IN"/>
           </a:p>
@@ -2409,7 +2409,7 @@
           <a:p>
             <a:fld id="{3F64E90C-326F-45C8-9212-4C9C4B7EF630}" type="datetimeFigureOut">
               <a:rPr lang="en-IN" smtClean="0"/>
-              <a:t>18-07-2022</a:t>
+              <a:t>31-07-2022</a:t>
             </a:fld>
             <a:endParaRPr lang="en-IN"/>
           </a:p>
@@ -2698,7 +2698,7 @@
           <a:p>
             <a:fld id="{3F64E90C-326F-45C8-9212-4C9C4B7EF630}" type="datetimeFigureOut">
               <a:rPr lang="en-IN" smtClean="0"/>
-              <a:t>18-07-2022</a:t>
+              <a:t>31-07-2022</a:t>
             </a:fld>
             <a:endParaRPr lang="en-IN"/>
           </a:p>
@@ -2941,7 +2941,7 @@
           <a:p>
             <a:fld id="{3F64E90C-326F-45C8-9212-4C9C4B7EF630}" type="datetimeFigureOut">
               <a:rPr lang="en-IN" smtClean="0"/>
-              <a:t>18-07-2022</a:t>
+              <a:t>31-07-2022</a:t>
             </a:fld>
             <a:endParaRPr lang="en-IN"/>
           </a:p>
@@ -8746,7 +8746,7 @@
                 <a:ea typeface="Verdana" panose="020B0604030504040204" pitchFamily="34" charset="0"/>
                 <a:cs typeface="+mn-cs"/>
               </a:rPr>
-              <a:t>26-Jun-2022</a:t>
+              <a:t>28-Aug-2022</a:t>
             </a:r>
           </a:p>
         </p:txBody>

--- a/microsoft-reactor/Demos.pptx
+++ b/microsoft-reactor/Demos.pptx
@@ -8,15 +8,16 @@
     <p:sldId id="329" r:id="rId2"/>
     <p:sldId id="336" r:id="rId3"/>
     <p:sldId id="282" r:id="rId4"/>
-    <p:sldId id="334" r:id="rId5"/>
-    <p:sldId id="333" r:id="rId6"/>
-    <p:sldId id="331" r:id="rId7"/>
-    <p:sldId id="330" r:id="rId8"/>
-    <p:sldId id="328" r:id="rId9"/>
-    <p:sldId id="327" r:id="rId10"/>
-    <p:sldId id="326" r:id="rId11"/>
-    <p:sldId id="335" r:id="rId12"/>
-    <p:sldId id="332" r:id="rId13"/>
+    <p:sldId id="337" r:id="rId5"/>
+    <p:sldId id="334" r:id="rId6"/>
+    <p:sldId id="333" r:id="rId7"/>
+    <p:sldId id="331" r:id="rId8"/>
+    <p:sldId id="330" r:id="rId9"/>
+    <p:sldId id="328" r:id="rId10"/>
+    <p:sldId id="327" r:id="rId11"/>
+    <p:sldId id="326" r:id="rId12"/>
+    <p:sldId id="335" r:id="rId13"/>
+    <p:sldId id="332" r:id="rId14"/>
   </p:sldIdLst>
   <p:sldSz cx="12192000" cy="6858000"/>
   <p:notesSz cx="6858000" cy="9144000"/>
@@ -3866,6 +3867,439 @@
           <a:chExt cx="0" cy="0"/>
         </a:xfrm>
       </p:grpSpPr>
+      <p:sp>
+        <p:nvSpPr>
+          <p:cNvPr id="7" name="Rectangle 6">
+            <a:extLst>
+              <a:ext uri="{FF2B5EF4-FFF2-40B4-BE49-F238E27FC236}">
+                <a16:creationId xmlns:a16="http://schemas.microsoft.com/office/drawing/2014/main" id="{B10720DE-FD2A-4FE5-B9FB-74854D01A659}"/>
+              </a:ext>
+            </a:extLst>
+          </p:cNvPr>
+          <p:cNvSpPr/>
+          <p:nvPr/>
+        </p:nvSpPr>
+        <p:spPr>
+          <a:xfrm>
+            <a:off x="0" y="6432008"/>
+            <a:ext cx="12183122" cy="57703"/>
+          </a:xfrm>
+          <a:prstGeom prst="rect">
+            <a:avLst/>
+          </a:prstGeom>
+          <a:solidFill>
+            <a:srgbClr val="0070C0"/>
+          </a:solidFill>
+        </p:spPr>
+        <p:style>
+          <a:lnRef idx="2">
+            <a:schemeClr val="accent1">
+              <a:shade val="50000"/>
+            </a:schemeClr>
+          </a:lnRef>
+          <a:fillRef idx="1">
+            <a:schemeClr val="accent1"/>
+          </a:fillRef>
+          <a:effectRef idx="0">
+            <a:schemeClr val="accent1"/>
+          </a:effectRef>
+          <a:fontRef idx="minor">
+            <a:schemeClr val="lt1"/>
+          </a:fontRef>
+        </p:style>
+        <p:txBody>
+          <a:bodyPr rtlCol="0" anchor="ctr"/>
+          <a:lstStyle/>
+          <a:p>
+            <a:pPr algn="ctr"/>
+            <a:endParaRPr lang="en-IN" sz="1000" dirty="0">
+              <a:latin typeface="Verdana" panose="020B0604030504040204" pitchFamily="34" charset="0"/>
+              <a:ea typeface="Verdana" panose="020B0604030504040204" pitchFamily="34" charset="0"/>
+            </a:endParaRPr>
+          </a:p>
+        </p:txBody>
+      </p:sp>
+      <p:sp>
+        <p:nvSpPr>
+          <p:cNvPr id="8" name="Footer Placeholder 7">
+            <a:extLst>
+              <a:ext uri="{FF2B5EF4-FFF2-40B4-BE49-F238E27FC236}">
+                <a16:creationId xmlns:a16="http://schemas.microsoft.com/office/drawing/2014/main" id="{DD2A19CA-EC18-432D-8F8F-17079808F38B}"/>
+              </a:ext>
+            </a:extLst>
+          </p:cNvPr>
+          <p:cNvSpPr>
+            <a:spLocks noGrp="1"/>
+          </p:cNvSpPr>
+          <p:nvPr>
+            <p:ph type="ftr" sz="quarter" idx="11"/>
+          </p:nvPr>
+        </p:nvSpPr>
+        <p:spPr>
+          <a:xfrm>
+            <a:off x="4038600" y="6476336"/>
+            <a:ext cx="4114800" cy="365125"/>
+          </a:xfrm>
+        </p:spPr>
+        <p:txBody>
+          <a:bodyPr/>
+          <a:lstStyle/>
+          <a:p>
+            <a:r>
+              <a:rPr lang="en-IN" b="1" dirty="0">
+                <a:solidFill>
+                  <a:srgbClr val="002060"/>
+                </a:solidFill>
+                <a:latin typeface="Verdana" panose="020B0604030504040204" pitchFamily="34" charset="0"/>
+                <a:ea typeface="Verdana" panose="020B0604030504040204" pitchFamily="34" charset="0"/>
+              </a:rPr>
+              <a:t>15-Sep-2021</a:t>
+            </a:r>
+          </a:p>
+        </p:txBody>
+      </p:sp>
+      <p:sp>
+        <p:nvSpPr>
+          <p:cNvPr id="9" name="Slide Number Placeholder 8">
+            <a:extLst>
+              <a:ext uri="{FF2B5EF4-FFF2-40B4-BE49-F238E27FC236}">
+                <a16:creationId xmlns:a16="http://schemas.microsoft.com/office/drawing/2014/main" id="{8162625C-0B1F-42E0-BE7C-D99A08FED7A3}"/>
+              </a:ext>
+            </a:extLst>
+          </p:cNvPr>
+          <p:cNvSpPr>
+            <a:spLocks noGrp="1"/>
+          </p:cNvSpPr>
+          <p:nvPr>
+            <p:ph type="sldNum" sz="quarter" idx="12"/>
+          </p:nvPr>
+        </p:nvSpPr>
+        <p:spPr>
+          <a:xfrm>
+            <a:off x="8610600" y="6476336"/>
+            <a:ext cx="2743200" cy="365125"/>
+          </a:xfrm>
+        </p:spPr>
+        <p:txBody>
+          <a:bodyPr/>
+          <a:lstStyle/>
+          <a:p>
+            <a:r>
+              <a:rPr lang="en-IN" b="1" dirty="0">
+                <a:solidFill>
+                  <a:srgbClr val="002060"/>
+                </a:solidFill>
+                <a:latin typeface="Verdana" panose="020B0604030504040204" pitchFamily="34" charset="0"/>
+                <a:ea typeface="Verdana" panose="020B0604030504040204" pitchFamily="34" charset="0"/>
+              </a:rPr>
+              <a:t>1</a:t>
+            </a:r>
+          </a:p>
+        </p:txBody>
+      </p:sp>
+      <p:sp>
+        <p:nvSpPr>
+          <p:cNvPr id="12" name="Footer Placeholder 7">
+            <a:extLst>
+              <a:ext uri="{FF2B5EF4-FFF2-40B4-BE49-F238E27FC236}">
+                <a16:creationId xmlns:a16="http://schemas.microsoft.com/office/drawing/2014/main" id="{64C57949-E349-47D3-A505-A098233AF49D}"/>
+              </a:ext>
+            </a:extLst>
+          </p:cNvPr>
+          <p:cNvSpPr txBox="1">
+            <a:spLocks/>
+          </p:cNvSpPr>
+          <p:nvPr/>
+        </p:nvSpPr>
+        <p:spPr>
+          <a:xfrm>
+            <a:off x="133897" y="6477810"/>
+            <a:ext cx="4114800" cy="365125"/>
+          </a:xfrm>
+          <a:prstGeom prst="rect">
+            <a:avLst/>
+          </a:prstGeom>
+        </p:spPr>
+        <p:txBody>
+          <a:bodyPr vert="horz" lIns="91440" tIns="45720" rIns="91440" bIns="45720" rtlCol="0" anchor="ctr"/>
+          <a:lstStyle>
+            <a:defPPr>
+              <a:defRPr lang="en-US"/>
+            </a:defPPr>
+            <a:lvl1pPr marL="0" algn="ctr" defTabSz="914400" rtl="0" eaLnBrk="1" latinLnBrk="0" hangingPunct="1">
+              <a:defRPr sz="1200" kern="1200">
+                <a:solidFill>
+                  <a:schemeClr val="tx1">
+                    <a:tint val="75000"/>
+                  </a:schemeClr>
+                </a:solidFill>
+                <a:latin typeface="+mn-lt"/>
+                <a:ea typeface="+mn-ea"/>
+                <a:cs typeface="+mn-cs"/>
+              </a:defRPr>
+            </a:lvl1pPr>
+            <a:lvl2pPr marL="457200" algn="l" defTabSz="914400" rtl="0" eaLnBrk="1" latinLnBrk="0" hangingPunct="1">
+              <a:defRPr sz="1800" kern="1200">
+                <a:solidFill>
+                  <a:schemeClr val="tx1"/>
+                </a:solidFill>
+                <a:latin typeface="+mn-lt"/>
+                <a:ea typeface="+mn-ea"/>
+                <a:cs typeface="+mn-cs"/>
+              </a:defRPr>
+            </a:lvl2pPr>
+            <a:lvl3pPr marL="914400" algn="l" defTabSz="914400" rtl="0" eaLnBrk="1" latinLnBrk="0" hangingPunct="1">
+              <a:defRPr sz="1800" kern="1200">
+                <a:solidFill>
+                  <a:schemeClr val="tx1"/>
+                </a:solidFill>
+                <a:latin typeface="+mn-lt"/>
+                <a:ea typeface="+mn-ea"/>
+                <a:cs typeface="+mn-cs"/>
+              </a:defRPr>
+            </a:lvl3pPr>
+            <a:lvl4pPr marL="1371600" algn="l" defTabSz="914400" rtl="0" eaLnBrk="1" latinLnBrk="0" hangingPunct="1">
+              <a:defRPr sz="1800" kern="1200">
+                <a:solidFill>
+                  <a:schemeClr val="tx1"/>
+                </a:solidFill>
+                <a:latin typeface="+mn-lt"/>
+                <a:ea typeface="+mn-ea"/>
+                <a:cs typeface="+mn-cs"/>
+              </a:defRPr>
+            </a:lvl4pPr>
+            <a:lvl5pPr marL="1828800" algn="l" defTabSz="914400" rtl="0" eaLnBrk="1" latinLnBrk="0" hangingPunct="1">
+              <a:defRPr sz="1800" kern="1200">
+                <a:solidFill>
+                  <a:schemeClr val="tx1"/>
+                </a:solidFill>
+                <a:latin typeface="+mn-lt"/>
+                <a:ea typeface="+mn-ea"/>
+                <a:cs typeface="+mn-cs"/>
+              </a:defRPr>
+            </a:lvl5pPr>
+            <a:lvl6pPr marL="2286000" algn="l" defTabSz="914400" rtl="0" eaLnBrk="1" latinLnBrk="0" hangingPunct="1">
+              <a:defRPr sz="1800" kern="1200">
+                <a:solidFill>
+                  <a:schemeClr val="tx1"/>
+                </a:solidFill>
+                <a:latin typeface="+mn-lt"/>
+                <a:ea typeface="+mn-ea"/>
+                <a:cs typeface="+mn-cs"/>
+              </a:defRPr>
+            </a:lvl6pPr>
+            <a:lvl7pPr marL="2743200" algn="l" defTabSz="914400" rtl="0" eaLnBrk="1" latinLnBrk="0" hangingPunct="1">
+              <a:defRPr sz="1800" kern="1200">
+                <a:solidFill>
+                  <a:schemeClr val="tx1"/>
+                </a:solidFill>
+                <a:latin typeface="+mn-lt"/>
+                <a:ea typeface="+mn-ea"/>
+                <a:cs typeface="+mn-cs"/>
+              </a:defRPr>
+            </a:lvl7pPr>
+            <a:lvl8pPr marL="3200400" algn="l" defTabSz="914400" rtl="0" eaLnBrk="1" latinLnBrk="0" hangingPunct="1">
+              <a:defRPr sz="1800" kern="1200">
+                <a:solidFill>
+                  <a:schemeClr val="tx1"/>
+                </a:solidFill>
+                <a:latin typeface="+mn-lt"/>
+                <a:ea typeface="+mn-ea"/>
+                <a:cs typeface="+mn-cs"/>
+              </a:defRPr>
+            </a:lvl8pPr>
+            <a:lvl9pPr marL="3657600" algn="l" defTabSz="914400" rtl="0" eaLnBrk="1" latinLnBrk="0" hangingPunct="1">
+              <a:defRPr sz="1800" kern="1200">
+                <a:solidFill>
+                  <a:schemeClr val="tx1"/>
+                </a:solidFill>
+                <a:latin typeface="+mn-lt"/>
+                <a:ea typeface="+mn-ea"/>
+                <a:cs typeface="+mn-cs"/>
+              </a:defRPr>
+            </a:lvl9pPr>
+          </a:lstStyle>
+          <a:p>
+            <a:r>
+              <a:rPr lang="en-IN" b="1" dirty="0">
+                <a:solidFill>
+                  <a:srgbClr val="002060"/>
+                </a:solidFill>
+                <a:latin typeface="Verdana" panose="020B0604030504040204" pitchFamily="34" charset="0"/>
+                <a:ea typeface="Verdana" panose="020B0604030504040204" pitchFamily="34" charset="0"/>
+              </a:rPr>
+              <a:t>Microsoft Reactor Bengaluru</a:t>
+            </a:r>
+          </a:p>
+        </p:txBody>
+      </p:sp>
+      <p:pic>
+        <p:nvPicPr>
+          <p:cNvPr id="11" name="Picture 12">
+            <a:extLst>
+              <a:ext uri="{FF2B5EF4-FFF2-40B4-BE49-F238E27FC236}">
+                <a16:creationId xmlns:a16="http://schemas.microsoft.com/office/drawing/2014/main" id="{E1804A3B-1B22-4D61-BEDA-BBA0481E69D7}"/>
+              </a:ext>
+            </a:extLst>
+          </p:cNvPr>
+          <p:cNvPicPr>
+            <a:picLocks noChangeAspect="1" noChangeArrowheads="1"/>
+          </p:cNvPicPr>
+          <p:nvPr/>
+        </p:nvPicPr>
+        <p:blipFill>
+          <a:blip r:embed="rId2">
+            <a:extLst>
+              <a:ext uri="{28A0092B-C50C-407E-A947-70E740481C1C}">
+                <a14:useLocalDpi xmlns:a14="http://schemas.microsoft.com/office/drawing/2010/main" val="0"/>
+              </a:ext>
+            </a:extLst>
+          </a:blip>
+          <a:srcRect/>
+          <a:stretch>
+            <a:fillRect/>
+          </a:stretch>
+        </p:blipFill>
+        <p:spPr bwMode="auto">
+          <a:xfrm>
+            <a:off x="7010400" y="2909887"/>
+            <a:ext cx="809625" cy="809625"/>
+          </a:xfrm>
+          <a:prstGeom prst="rect">
+            <a:avLst/>
+          </a:prstGeom>
+          <a:noFill/>
+          <a:extLst>
+            <a:ext uri="{909E8E84-426E-40DD-AFC4-6F175D3DCCD1}">
+              <a14:hiddenFill xmlns:a14="http://schemas.microsoft.com/office/drawing/2010/main">
+                <a:solidFill>
+                  <a:srgbClr val="FFFFFF"/>
+                </a:solidFill>
+              </a14:hiddenFill>
+            </a:ext>
+          </a:extLst>
+        </p:spPr>
+      </p:pic>
+      <p:sp>
+        <p:nvSpPr>
+          <p:cNvPr id="13" name="TextBox 12">
+            <a:extLst>
+              <a:ext uri="{FF2B5EF4-FFF2-40B4-BE49-F238E27FC236}">
+                <a16:creationId xmlns:a16="http://schemas.microsoft.com/office/drawing/2014/main" id="{489494EE-527E-4FB3-8F61-AB1C58DE779A}"/>
+              </a:ext>
+            </a:extLst>
+          </p:cNvPr>
+          <p:cNvSpPr txBox="1"/>
+          <p:nvPr/>
+        </p:nvSpPr>
+        <p:spPr>
+          <a:xfrm>
+            <a:off x="6984279" y="3753973"/>
+            <a:ext cx="834396" cy="276999"/>
+          </a:xfrm>
+          <a:prstGeom prst="rect">
+            <a:avLst/>
+          </a:prstGeom>
+          <a:noFill/>
+        </p:spPr>
+        <p:txBody>
+          <a:bodyPr wrap="none" rtlCol="0">
+            <a:spAutoFit/>
+          </a:bodyPr>
+          <a:lstStyle/>
+          <a:p>
+            <a:r>
+              <a:rPr lang="en-US" sz="1200" dirty="0">
+                <a:solidFill>
+                  <a:srgbClr val="002060"/>
+                </a:solidFill>
+                <a:latin typeface="Verdana" panose="020B0604030504040204" pitchFamily="34" charset="0"/>
+                <a:ea typeface="Verdana" panose="020B0604030504040204" pitchFamily="34" charset="0"/>
+              </a:rPr>
+              <a:t>Web API</a:t>
+            </a:r>
+          </a:p>
+        </p:txBody>
+      </p:sp>
+      <p:sp>
+        <p:nvSpPr>
+          <p:cNvPr id="14" name="Heptagon 13">
+            <a:extLst>
+              <a:ext uri="{FF2B5EF4-FFF2-40B4-BE49-F238E27FC236}">
+                <a16:creationId xmlns:a16="http://schemas.microsoft.com/office/drawing/2014/main" id="{5F21601D-4357-469C-9B2B-ED603C89EE75}"/>
+              </a:ext>
+            </a:extLst>
+          </p:cNvPr>
+          <p:cNvSpPr/>
+          <p:nvPr/>
+        </p:nvSpPr>
+        <p:spPr>
+          <a:xfrm>
+            <a:off x="7254452" y="2559510"/>
+            <a:ext cx="307435" cy="344102"/>
+          </a:xfrm>
+          <a:prstGeom prst="heptagon">
+            <a:avLst/>
+          </a:prstGeom>
+        </p:spPr>
+        <p:style>
+          <a:lnRef idx="2">
+            <a:schemeClr val="accent1">
+              <a:shade val="50000"/>
+            </a:schemeClr>
+          </a:lnRef>
+          <a:fillRef idx="1">
+            <a:schemeClr val="accent1"/>
+          </a:fillRef>
+          <a:effectRef idx="0">
+            <a:schemeClr val="accent1"/>
+          </a:effectRef>
+          <a:fontRef idx="minor">
+            <a:schemeClr val="lt1"/>
+          </a:fontRef>
+        </p:style>
+        <p:txBody>
+          <a:bodyPr rtlCol="0" anchor="ctr"/>
+          <a:lstStyle/>
+          <a:p>
+            <a:pPr algn="ctr"/>
+            <a:r>
+              <a:rPr lang="en-US" dirty="0"/>
+              <a:t>1</a:t>
+            </a:r>
+          </a:p>
+        </p:txBody>
+      </p:sp>
+    </p:spTree>
+    <p:extLst>
+      <p:ext uri="{BB962C8B-B14F-4D97-AF65-F5344CB8AC3E}">
+        <p14:creationId xmlns:p14="http://schemas.microsoft.com/office/powerpoint/2010/main" val="3396452104"/>
+      </p:ext>
+    </p:extLst>
+  </p:cSld>
+  <p:clrMapOvr>
+    <a:masterClrMapping/>
+  </p:clrMapOvr>
+</p:sld>
+</file>
+
+<file path=ppt/slides/slide11.xml><?xml version="1.0" encoding="utf-8"?>
+<p:sld xmlns:a="http://schemas.openxmlformats.org/drawingml/2006/main" xmlns:r="http://schemas.openxmlformats.org/officeDocument/2006/relationships" xmlns:p="http://schemas.openxmlformats.org/presentationml/2006/main">
+  <p:cSld>
+    <p:spTree>
+      <p:nvGrpSpPr>
+        <p:cNvPr id="1" name=""/>
+        <p:cNvGrpSpPr/>
+        <p:nvPr/>
+      </p:nvGrpSpPr>
+      <p:grpSpPr>
+        <a:xfrm>
+          <a:off x="0" y="0"/>
+          <a:ext cx="0" cy="0"/>
+          <a:chOff x="0" y="0"/>
+          <a:chExt cx="0" cy="0"/>
+        </a:xfrm>
+      </p:grpSpPr>
       <p:pic>
         <p:nvPicPr>
           <p:cNvPr id="1026" name="Picture 2">
@@ -5668,7 +6102,7 @@
 </p:sld>
 </file>
 
-<file path=ppt/slides/slide11.xml><?xml version="1.0" encoding="utf-8"?>
+<file path=ppt/slides/slide12.xml><?xml version="1.0" encoding="utf-8"?>
 <p:sld xmlns:a="http://schemas.openxmlformats.org/drawingml/2006/main" xmlns:r="http://schemas.openxmlformats.org/officeDocument/2006/relationships" xmlns:p="http://schemas.openxmlformats.org/presentationml/2006/main">
   <p:cSld>
     <p:spTree>
@@ -7487,7 +7921,7 @@
 </p:sld>
 </file>
 
-<file path=ppt/slides/slide12.xml><?xml version="1.0" encoding="utf-8"?>
+<file path=ppt/slides/slide13.xml><?xml version="1.0" encoding="utf-8"?>
 <p:sld xmlns:a="http://schemas.openxmlformats.org/drawingml/2006/main" xmlns:r="http://schemas.openxmlformats.org/officeDocument/2006/relationships" xmlns:p="http://schemas.openxmlformats.org/presentationml/2006/main">
   <p:cSld>
     <p:spTree>
@@ -11223,283 +11657,17 @@
           <a:chExt cx="0" cy="0"/>
         </a:xfrm>
       </p:grpSpPr>
-      <p:sp>
-        <p:nvSpPr>
-          <p:cNvPr id="7" name="Rectangle 6">
-            <a:extLst>
-              <a:ext uri="{FF2B5EF4-FFF2-40B4-BE49-F238E27FC236}">
-                <a16:creationId xmlns:a16="http://schemas.microsoft.com/office/drawing/2014/main" id="{B10720DE-FD2A-4FE5-B9FB-74854D01A659}"/>
-              </a:ext>
-            </a:extLst>
-          </p:cNvPr>
-          <p:cNvSpPr/>
-          <p:nvPr/>
-        </p:nvSpPr>
-        <p:spPr>
-          <a:xfrm>
-            <a:off x="0" y="6432008"/>
-            <a:ext cx="12183122" cy="57703"/>
-          </a:xfrm>
-          <a:prstGeom prst="rect">
-            <a:avLst/>
-          </a:prstGeom>
-          <a:solidFill>
-            <a:srgbClr val="0070C0"/>
-          </a:solidFill>
-        </p:spPr>
-        <p:style>
-          <a:lnRef idx="2">
-            <a:schemeClr val="accent1">
-              <a:shade val="50000"/>
-            </a:schemeClr>
-          </a:lnRef>
-          <a:fillRef idx="1">
-            <a:schemeClr val="accent1"/>
-          </a:fillRef>
-          <a:effectRef idx="0">
-            <a:schemeClr val="accent1"/>
-          </a:effectRef>
-          <a:fontRef idx="minor">
-            <a:schemeClr val="lt1"/>
-          </a:fontRef>
-        </p:style>
-        <p:txBody>
-          <a:bodyPr rtlCol="0" anchor="ctr"/>
-          <a:lstStyle/>
-          <a:p>
-            <a:pPr algn="ctr"/>
-            <a:endParaRPr lang="en-IN" sz="1000" dirty="0">
-              <a:latin typeface="Verdana" panose="020B0604030504040204" pitchFamily="34" charset="0"/>
-              <a:ea typeface="Verdana" panose="020B0604030504040204" pitchFamily="34" charset="0"/>
-            </a:endParaRPr>
-          </a:p>
-        </p:txBody>
-      </p:sp>
-      <p:sp>
-        <p:nvSpPr>
-          <p:cNvPr id="8" name="Footer Placeholder 7">
-            <a:extLst>
-              <a:ext uri="{FF2B5EF4-FFF2-40B4-BE49-F238E27FC236}">
-                <a16:creationId xmlns:a16="http://schemas.microsoft.com/office/drawing/2014/main" id="{DD2A19CA-EC18-432D-8F8F-17079808F38B}"/>
-              </a:ext>
-            </a:extLst>
-          </p:cNvPr>
-          <p:cNvSpPr>
-            <a:spLocks noGrp="1"/>
-          </p:cNvSpPr>
-          <p:nvPr>
-            <p:ph type="ftr" sz="quarter" idx="11"/>
-          </p:nvPr>
-        </p:nvSpPr>
-        <p:spPr>
-          <a:xfrm>
-            <a:off x="4038600" y="6476336"/>
-            <a:ext cx="4114800" cy="365125"/>
-          </a:xfrm>
-        </p:spPr>
-        <p:txBody>
-          <a:bodyPr/>
-          <a:lstStyle/>
-          <a:p>
-            <a:r>
-              <a:rPr lang="en-IN" b="1" dirty="0">
-                <a:solidFill>
-                  <a:srgbClr val="002060"/>
-                </a:solidFill>
-                <a:latin typeface="Verdana" panose="020B0604030504040204" pitchFamily="34" charset="0"/>
-                <a:ea typeface="Verdana" panose="020B0604030504040204" pitchFamily="34" charset="0"/>
-              </a:rPr>
-              <a:t>24-Nov-2021</a:t>
-            </a:r>
-          </a:p>
-        </p:txBody>
-      </p:sp>
-      <p:sp>
-        <p:nvSpPr>
-          <p:cNvPr id="9" name="Slide Number Placeholder 8">
-            <a:extLst>
-              <a:ext uri="{FF2B5EF4-FFF2-40B4-BE49-F238E27FC236}">
-                <a16:creationId xmlns:a16="http://schemas.microsoft.com/office/drawing/2014/main" id="{8162625C-0B1F-42E0-BE7C-D99A08FED7A3}"/>
-              </a:ext>
-            </a:extLst>
-          </p:cNvPr>
-          <p:cNvSpPr>
-            <a:spLocks noGrp="1"/>
-          </p:cNvSpPr>
-          <p:nvPr>
-            <p:ph type="sldNum" sz="quarter" idx="12"/>
-          </p:nvPr>
-        </p:nvSpPr>
-        <p:spPr>
-          <a:xfrm>
-            <a:off x="8610600" y="6476336"/>
-            <a:ext cx="2743200" cy="365125"/>
-          </a:xfrm>
-        </p:spPr>
-        <p:txBody>
-          <a:bodyPr/>
-          <a:lstStyle/>
-          <a:p>
-            <a:r>
-              <a:rPr lang="en-IN" b="1" dirty="0">
-                <a:solidFill>
-                  <a:srgbClr val="002060"/>
-                </a:solidFill>
-                <a:latin typeface="Verdana" panose="020B0604030504040204" pitchFamily="34" charset="0"/>
-                <a:ea typeface="Verdana" panose="020B0604030504040204" pitchFamily="34" charset="0"/>
-              </a:rPr>
-              <a:t>1</a:t>
-            </a:r>
-          </a:p>
-        </p:txBody>
-      </p:sp>
-      <p:sp>
-        <p:nvSpPr>
-          <p:cNvPr id="12" name="Footer Placeholder 7">
-            <a:extLst>
-              <a:ext uri="{FF2B5EF4-FFF2-40B4-BE49-F238E27FC236}">
-                <a16:creationId xmlns:a16="http://schemas.microsoft.com/office/drawing/2014/main" id="{64C57949-E349-47D3-A505-A098233AF49D}"/>
-              </a:ext>
-            </a:extLst>
-          </p:cNvPr>
-          <p:cNvSpPr txBox="1">
-            <a:spLocks/>
-          </p:cNvSpPr>
-          <p:nvPr/>
-        </p:nvSpPr>
-        <p:spPr>
-          <a:xfrm>
-            <a:off x="133897" y="6477810"/>
-            <a:ext cx="4114800" cy="365125"/>
-          </a:xfrm>
-          <a:prstGeom prst="rect">
-            <a:avLst/>
-          </a:prstGeom>
-        </p:spPr>
-        <p:txBody>
-          <a:bodyPr vert="horz" lIns="91440" tIns="45720" rIns="91440" bIns="45720" rtlCol="0" anchor="ctr"/>
-          <a:lstStyle>
-            <a:defPPr>
-              <a:defRPr lang="en-US"/>
-            </a:defPPr>
-            <a:lvl1pPr marL="0" algn="ctr" defTabSz="914400" rtl="0" eaLnBrk="1" latinLnBrk="0" hangingPunct="1">
-              <a:defRPr sz="1200" kern="1200">
-                <a:solidFill>
-                  <a:schemeClr val="tx1">
-                    <a:tint val="75000"/>
-                  </a:schemeClr>
-                </a:solidFill>
-                <a:latin typeface="+mn-lt"/>
-                <a:ea typeface="+mn-ea"/>
-                <a:cs typeface="+mn-cs"/>
-              </a:defRPr>
-            </a:lvl1pPr>
-            <a:lvl2pPr marL="457200" algn="l" defTabSz="914400" rtl="0" eaLnBrk="1" latinLnBrk="0" hangingPunct="1">
-              <a:defRPr sz="1800" kern="1200">
-                <a:solidFill>
-                  <a:schemeClr val="tx1"/>
-                </a:solidFill>
-                <a:latin typeface="+mn-lt"/>
-                <a:ea typeface="+mn-ea"/>
-                <a:cs typeface="+mn-cs"/>
-              </a:defRPr>
-            </a:lvl2pPr>
-            <a:lvl3pPr marL="914400" algn="l" defTabSz="914400" rtl="0" eaLnBrk="1" latinLnBrk="0" hangingPunct="1">
-              <a:defRPr sz="1800" kern="1200">
-                <a:solidFill>
-                  <a:schemeClr val="tx1"/>
-                </a:solidFill>
-                <a:latin typeface="+mn-lt"/>
-                <a:ea typeface="+mn-ea"/>
-                <a:cs typeface="+mn-cs"/>
-              </a:defRPr>
-            </a:lvl3pPr>
-            <a:lvl4pPr marL="1371600" algn="l" defTabSz="914400" rtl="0" eaLnBrk="1" latinLnBrk="0" hangingPunct="1">
-              <a:defRPr sz="1800" kern="1200">
-                <a:solidFill>
-                  <a:schemeClr val="tx1"/>
-                </a:solidFill>
-                <a:latin typeface="+mn-lt"/>
-                <a:ea typeface="+mn-ea"/>
-                <a:cs typeface="+mn-cs"/>
-              </a:defRPr>
-            </a:lvl4pPr>
-            <a:lvl5pPr marL="1828800" algn="l" defTabSz="914400" rtl="0" eaLnBrk="1" latinLnBrk="0" hangingPunct="1">
-              <a:defRPr sz="1800" kern="1200">
-                <a:solidFill>
-                  <a:schemeClr val="tx1"/>
-                </a:solidFill>
-                <a:latin typeface="+mn-lt"/>
-                <a:ea typeface="+mn-ea"/>
-                <a:cs typeface="+mn-cs"/>
-              </a:defRPr>
-            </a:lvl5pPr>
-            <a:lvl6pPr marL="2286000" algn="l" defTabSz="914400" rtl="0" eaLnBrk="1" latinLnBrk="0" hangingPunct="1">
-              <a:defRPr sz="1800" kern="1200">
-                <a:solidFill>
-                  <a:schemeClr val="tx1"/>
-                </a:solidFill>
-                <a:latin typeface="+mn-lt"/>
-                <a:ea typeface="+mn-ea"/>
-                <a:cs typeface="+mn-cs"/>
-              </a:defRPr>
-            </a:lvl6pPr>
-            <a:lvl7pPr marL="2743200" algn="l" defTabSz="914400" rtl="0" eaLnBrk="1" latinLnBrk="0" hangingPunct="1">
-              <a:defRPr sz="1800" kern="1200">
-                <a:solidFill>
-                  <a:schemeClr val="tx1"/>
-                </a:solidFill>
-                <a:latin typeface="+mn-lt"/>
-                <a:ea typeface="+mn-ea"/>
-                <a:cs typeface="+mn-cs"/>
-              </a:defRPr>
-            </a:lvl7pPr>
-            <a:lvl8pPr marL="3200400" algn="l" defTabSz="914400" rtl="0" eaLnBrk="1" latinLnBrk="0" hangingPunct="1">
-              <a:defRPr sz="1800" kern="1200">
-                <a:solidFill>
-                  <a:schemeClr val="tx1"/>
-                </a:solidFill>
-                <a:latin typeface="+mn-lt"/>
-                <a:ea typeface="+mn-ea"/>
-                <a:cs typeface="+mn-cs"/>
-              </a:defRPr>
-            </a:lvl8pPr>
-            <a:lvl9pPr marL="3657600" algn="l" defTabSz="914400" rtl="0" eaLnBrk="1" latinLnBrk="0" hangingPunct="1">
-              <a:defRPr sz="1800" kern="1200">
-                <a:solidFill>
-                  <a:schemeClr val="tx1"/>
-                </a:solidFill>
-                <a:latin typeface="+mn-lt"/>
-                <a:ea typeface="+mn-ea"/>
-                <a:cs typeface="+mn-cs"/>
-              </a:defRPr>
-            </a:lvl9pPr>
-          </a:lstStyle>
-          <a:p>
-            <a:r>
-              <a:rPr lang="en-IN" b="1" dirty="0">
-                <a:solidFill>
-                  <a:srgbClr val="002060"/>
-                </a:solidFill>
-                <a:latin typeface="Verdana" panose="020B0604030504040204" pitchFamily="34" charset="0"/>
-                <a:ea typeface="Verdana" panose="020B0604030504040204" pitchFamily="34" charset="0"/>
-              </a:rPr>
-              <a:t>Microsoft Reactor Bengaluru</a:t>
-            </a:r>
-          </a:p>
-        </p:txBody>
-      </p:sp>
       <p:pic>
         <p:nvPicPr>
-          <p:cNvPr id="6" name="Picture 12">
-            <a:extLst>
-              <a:ext uri="{FF2B5EF4-FFF2-40B4-BE49-F238E27FC236}">
-                <a16:creationId xmlns:a16="http://schemas.microsoft.com/office/drawing/2014/main" id="{7898CFCB-7659-4968-8E49-75F24799EB68}"/>
+          <p:cNvPr id="5" name="Picture 4" descr="Graphical user interface, text, application, email&#10;&#10;Description automatically generated">
+            <a:extLst>
+              <a:ext uri="{FF2B5EF4-FFF2-40B4-BE49-F238E27FC236}">
+                <a16:creationId xmlns:a16="http://schemas.microsoft.com/office/drawing/2014/main" id="{4A6738B7-A20C-6CAC-7C34-B8486B35EE9D}"/>
               </a:ext>
             </a:extLst>
           </p:cNvPr>
           <p:cNvPicPr>
-            <a:picLocks noChangeAspect="1" noChangeArrowheads="1"/>
+            <a:picLocks noChangeAspect="1"/>
           </p:cNvPicPr>
           <p:nvPr/>
         </p:nvPicPr>
@@ -11511,1013 +11679,24 @@
               </a:ext>
             </a:extLst>
           </a:blip>
-          <a:srcRect/>
           <a:stretch>
             <a:fillRect/>
           </a:stretch>
         </p:blipFill>
-        <p:spPr bwMode="auto">
-          <a:xfrm>
-            <a:off x="7368618" y="3051292"/>
-            <a:ext cx="809625" cy="809625"/>
+        <p:spPr>
+          <a:xfrm>
+            <a:off x="64126" y="94267"/>
+            <a:ext cx="12021037" cy="6716598"/>
           </a:xfrm>
           <a:prstGeom prst="rect">
             <a:avLst/>
           </a:prstGeom>
-          <a:noFill/>
-          <a:extLst>
-            <a:ext uri="{909E8E84-426E-40DD-AFC4-6F175D3DCCD1}">
-              <a14:hiddenFill xmlns:a14="http://schemas.microsoft.com/office/drawing/2010/main">
-                <a:solidFill>
-                  <a:srgbClr val="FFFFFF"/>
-                </a:solidFill>
-              </a14:hiddenFill>
-            </a:ext>
-          </a:extLst>
         </p:spPr>
       </p:pic>
-      <p:sp>
-        <p:nvSpPr>
-          <p:cNvPr id="10" name="TextBox 9">
-            <a:extLst>
-              <a:ext uri="{FF2B5EF4-FFF2-40B4-BE49-F238E27FC236}">
-                <a16:creationId xmlns:a16="http://schemas.microsoft.com/office/drawing/2014/main" id="{3657454D-AD85-4AEE-82DC-6159AD7DE31E}"/>
-              </a:ext>
-            </a:extLst>
-          </p:cNvPr>
-          <p:cNvSpPr txBox="1"/>
-          <p:nvPr/>
-        </p:nvSpPr>
-        <p:spPr>
-          <a:xfrm>
-            <a:off x="7962166" y="2728022"/>
-            <a:ext cx="834396" cy="276999"/>
-          </a:xfrm>
-          <a:prstGeom prst="rect">
-            <a:avLst/>
-          </a:prstGeom>
-          <a:noFill/>
-        </p:spPr>
-        <p:txBody>
-          <a:bodyPr wrap="none" rtlCol="0">
-            <a:spAutoFit/>
-          </a:bodyPr>
-          <a:lstStyle/>
-          <a:p>
-            <a:r>
-              <a:rPr lang="en-US" sz="1200" dirty="0">
-                <a:solidFill>
-                  <a:srgbClr val="002060"/>
-                </a:solidFill>
-                <a:latin typeface="Verdana" panose="020B0604030504040204" pitchFamily="34" charset="0"/>
-                <a:ea typeface="Verdana" panose="020B0604030504040204" pitchFamily="34" charset="0"/>
-              </a:rPr>
-              <a:t>Web API</a:t>
-            </a:r>
-          </a:p>
-        </p:txBody>
-      </p:sp>
-      <p:pic>
-        <p:nvPicPr>
-          <p:cNvPr id="11" name="Picture 10">
-            <a:extLst>
-              <a:ext uri="{FF2B5EF4-FFF2-40B4-BE49-F238E27FC236}">
-                <a16:creationId xmlns:a16="http://schemas.microsoft.com/office/drawing/2014/main" id="{13644FC0-4432-4DAA-BB42-865EDC6E7039}"/>
-              </a:ext>
-            </a:extLst>
-          </p:cNvPr>
-          <p:cNvPicPr>
-            <a:picLocks noChangeAspect="1" noChangeArrowheads="1"/>
-          </p:cNvPicPr>
-          <p:nvPr/>
-        </p:nvPicPr>
-        <p:blipFill>
-          <a:blip r:embed="rId3">
-            <a:extLst>
-              <a:ext uri="{28A0092B-C50C-407E-A947-70E740481C1C}">
-                <a14:useLocalDpi xmlns:a14="http://schemas.microsoft.com/office/drawing/2010/main" val="0"/>
-              </a:ext>
-            </a:extLst>
-          </a:blip>
-          <a:srcRect/>
-          <a:stretch>
-            <a:fillRect/>
-          </a:stretch>
-        </p:blipFill>
-        <p:spPr bwMode="auto">
-          <a:xfrm>
-            <a:off x="11307018" y="3051292"/>
-            <a:ext cx="810000" cy="810000"/>
-          </a:xfrm>
-          <a:prstGeom prst="rect">
-            <a:avLst/>
-          </a:prstGeom>
-          <a:noFill/>
-          <a:extLst>
-            <a:ext uri="{909E8E84-426E-40DD-AFC4-6F175D3DCCD1}">
-              <a14:hiddenFill xmlns:a14="http://schemas.microsoft.com/office/drawing/2010/main">
-                <a:solidFill>
-                  <a:srgbClr val="FFFFFF"/>
-                </a:solidFill>
-              </a14:hiddenFill>
-            </a:ext>
-          </a:extLst>
-        </p:spPr>
-      </p:pic>
-      <p:sp>
-        <p:nvSpPr>
-          <p:cNvPr id="13" name="TextBox 12">
-            <a:extLst>
-              <a:ext uri="{FF2B5EF4-FFF2-40B4-BE49-F238E27FC236}">
-                <a16:creationId xmlns:a16="http://schemas.microsoft.com/office/drawing/2014/main" id="{83BEFD28-360B-4C34-B776-983624107E9B}"/>
-              </a:ext>
-            </a:extLst>
-          </p:cNvPr>
-          <p:cNvSpPr txBox="1"/>
-          <p:nvPr/>
-        </p:nvSpPr>
-        <p:spPr>
-          <a:xfrm>
-            <a:off x="10507415" y="2722384"/>
-            <a:ext cx="992579" cy="276999"/>
-          </a:xfrm>
-          <a:prstGeom prst="rect">
-            <a:avLst/>
-          </a:prstGeom>
-          <a:noFill/>
-        </p:spPr>
-        <p:txBody>
-          <a:bodyPr wrap="none" rtlCol="0">
-            <a:spAutoFit/>
-          </a:bodyPr>
-          <a:lstStyle/>
-          <a:p>
-            <a:r>
-              <a:rPr lang="en-US" sz="1200" dirty="0">
-                <a:solidFill>
-                  <a:srgbClr val="002060"/>
-                </a:solidFill>
-                <a:latin typeface="Verdana" panose="020B0604030504040204" pitchFamily="34" charset="0"/>
-                <a:ea typeface="Verdana" panose="020B0604030504040204" pitchFamily="34" charset="0"/>
-              </a:rPr>
-              <a:t>Azure SQL</a:t>
-            </a:r>
-          </a:p>
-        </p:txBody>
-      </p:sp>
-      <p:sp>
-        <p:nvSpPr>
-          <p:cNvPr id="14" name="Heptagon 13">
-            <a:extLst>
-              <a:ext uri="{FF2B5EF4-FFF2-40B4-BE49-F238E27FC236}">
-                <a16:creationId xmlns:a16="http://schemas.microsoft.com/office/drawing/2014/main" id="{932FD78C-C27D-4D87-9137-AB3F88C3B70B}"/>
-              </a:ext>
-            </a:extLst>
-          </p:cNvPr>
-          <p:cNvSpPr/>
-          <p:nvPr/>
-        </p:nvSpPr>
-        <p:spPr>
-          <a:xfrm>
-            <a:off x="7612671" y="2700919"/>
-            <a:ext cx="307435" cy="344102"/>
-          </a:xfrm>
-          <a:prstGeom prst="heptagon">
-            <a:avLst/>
-          </a:prstGeom>
-        </p:spPr>
-        <p:style>
-          <a:lnRef idx="2">
-            <a:schemeClr val="accent1">
-              <a:shade val="50000"/>
-            </a:schemeClr>
-          </a:lnRef>
-          <a:fillRef idx="1">
-            <a:schemeClr val="accent1"/>
-          </a:fillRef>
-          <a:effectRef idx="0">
-            <a:schemeClr val="accent1"/>
-          </a:effectRef>
-          <a:fontRef idx="minor">
-            <a:schemeClr val="lt1"/>
-          </a:fontRef>
-        </p:style>
-        <p:txBody>
-          <a:bodyPr rtlCol="0" anchor="ctr"/>
-          <a:lstStyle/>
-          <a:p>
-            <a:pPr algn="ctr"/>
-            <a:r>
-              <a:rPr lang="en-US" dirty="0"/>
-              <a:t>2</a:t>
-            </a:r>
-          </a:p>
-        </p:txBody>
-      </p:sp>
-      <p:sp>
-        <p:nvSpPr>
-          <p:cNvPr id="15" name="Heptagon 14">
-            <a:extLst>
-              <a:ext uri="{FF2B5EF4-FFF2-40B4-BE49-F238E27FC236}">
-                <a16:creationId xmlns:a16="http://schemas.microsoft.com/office/drawing/2014/main" id="{1E40AC33-A982-446B-9D49-9D733A49316A}"/>
-              </a:ext>
-            </a:extLst>
-          </p:cNvPr>
-          <p:cNvSpPr/>
-          <p:nvPr/>
-        </p:nvSpPr>
-        <p:spPr>
-          <a:xfrm>
-            <a:off x="11438204" y="2700919"/>
-            <a:ext cx="307435" cy="344102"/>
-          </a:xfrm>
-          <a:prstGeom prst="heptagon">
-            <a:avLst/>
-          </a:prstGeom>
-        </p:spPr>
-        <p:style>
-          <a:lnRef idx="2">
-            <a:schemeClr val="accent1">
-              <a:shade val="50000"/>
-            </a:schemeClr>
-          </a:lnRef>
-          <a:fillRef idx="1">
-            <a:schemeClr val="accent1"/>
-          </a:fillRef>
-          <a:effectRef idx="0">
-            <a:schemeClr val="accent1"/>
-          </a:effectRef>
-          <a:fontRef idx="minor">
-            <a:schemeClr val="lt1"/>
-          </a:fontRef>
-        </p:style>
-        <p:txBody>
-          <a:bodyPr rtlCol="0" anchor="ctr"/>
-          <a:lstStyle/>
-          <a:p>
-            <a:pPr algn="ctr"/>
-            <a:r>
-              <a:rPr lang="en-US" dirty="0"/>
-              <a:t>3</a:t>
-            </a:r>
-          </a:p>
-        </p:txBody>
-      </p:sp>
-      <p:pic>
-        <p:nvPicPr>
-          <p:cNvPr id="1026" name="Picture 2">
-            <a:extLst>
-              <a:ext uri="{FF2B5EF4-FFF2-40B4-BE49-F238E27FC236}">
-                <a16:creationId xmlns:a16="http://schemas.microsoft.com/office/drawing/2014/main" id="{F57E8191-61DB-4EA0-9C1C-F149C364155D}"/>
-              </a:ext>
-            </a:extLst>
-          </p:cNvPr>
-          <p:cNvPicPr>
-            <a:picLocks noChangeAspect="1" noChangeArrowheads="1"/>
-          </p:cNvPicPr>
-          <p:nvPr/>
-        </p:nvPicPr>
-        <p:blipFill>
-          <a:blip r:embed="rId4">
-            <a:extLst>
-              <a:ext uri="{28A0092B-C50C-407E-A947-70E740481C1C}">
-                <a14:useLocalDpi xmlns:a14="http://schemas.microsoft.com/office/drawing/2010/main" val="0"/>
-              </a:ext>
-            </a:extLst>
-          </a:blip>
-          <a:srcRect/>
-          <a:stretch>
-            <a:fillRect/>
-          </a:stretch>
-        </p:blipFill>
-        <p:spPr bwMode="auto">
-          <a:xfrm>
-            <a:off x="7368618" y="5041057"/>
-            <a:ext cx="810000" cy="810000"/>
-          </a:xfrm>
-          <a:prstGeom prst="rect">
-            <a:avLst/>
-          </a:prstGeom>
-          <a:noFill/>
-          <a:extLst>
-            <a:ext uri="{909E8E84-426E-40DD-AFC4-6F175D3DCCD1}">
-              <a14:hiddenFill xmlns:a14="http://schemas.microsoft.com/office/drawing/2010/main">
-                <a:solidFill>
-                  <a:srgbClr val="FFFFFF"/>
-                </a:solidFill>
-              </a14:hiddenFill>
-            </a:ext>
-          </a:extLst>
-        </p:spPr>
-      </p:pic>
-      <p:cxnSp>
-        <p:nvCxnSpPr>
-          <p:cNvPr id="4" name="Straight Connector 3">
-            <a:extLst>
-              <a:ext uri="{FF2B5EF4-FFF2-40B4-BE49-F238E27FC236}">
-                <a16:creationId xmlns:a16="http://schemas.microsoft.com/office/drawing/2014/main" id="{3305130D-A90B-4CF0-8C61-F044EE9BFE47}"/>
-              </a:ext>
-            </a:extLst>
-          </p:cNvPr>
-          <p:cNvCxnSpPr>
-            <a:stCxn id="6" idx="3"/>
-            <a:endCxn id="11" idx="1"/>
-          </p:cNvCxnSpPr>
-          <p:nvPr/>
-        </p:nvCxnSpPr>
-        <p:spPr>
-          <a:xfrm>
-            <a:off x="8178243" y="3456105"/>
-            <a:ext cx="3128775" cy="187"/>
-          </a:xfrm>
-          <a:prstGeom prst="line">
-            <a:avLst/>
-          </a:prstGeom>
-        </p:spPr>
-        <p:style>
-          <a:lnRef idx="2">
-            <a:schemeClr val="accent1"/>
-          </a:lnRef>
-          <a:fillRef idx="0">
-            <a:schemeClr val="accent1"/>
-          </a:fillRef>
-          <a:effectRef idx="1">
-            <a:schemeClr val="accent1"/>
-          </a:effectRef>
-          <a:fontRef idx="minor">
-            <a:schemeClr val="tx1"/>
-          </a:fontRef>
-        </p:style>
-      </p:cxnSp>
-      <p:cxnSp>
-        <p:nvCxnSpPr>
-          <p:cNvPr id="17" name="Straight Connector 16">
-            <a:extLst>
-              <a:ext uri="{FF2B5EF4-FFF2-40B4-BE49-F238E27FC236}">
-                <a16:creationId xmlns:a16="http://schemas.microsoft.com/office/drawing/2014/main" id="{AAC1447B-07A7-40E7-8652-6EC297A4352B}"/>
-              </a:ext>
-            </a:extLst>
-          </p:cNvPr>
-          <p:cNvCxnSpPr>
-            <a:stCxn id="6" idx="2"/>
-            <a:endCxn id="1026" idx="0"/>
-          </p:cNvCxnSpPr>
-          <p:nvPr/>
-        </p:nvCxnSpPr>
-        <p:spPr>
-          <a:xfrm>
-            <a:off x="7773431" y="3860917"/>
-            <a:ext cx="187" cy="1180140"/>
-          </a:xfrm>
-          <a:prstGeom prst="line">
-            <a:avLst/>
-          </a:prstGeom>
-          <a:ln w="12700"/>
-        </p:spPr>
-        <p:style>
-          <a:lnRef idx="1">
-            <a:schemeClr val="accent1"/>
-          </a:lnRef>
-          <a:fillRef idx="0">
-            <a:schemeClr val="accent1"/>
-          </a:fillRef>
-          <a:effectRef idx="0">
-            <a:schemeClr val="accent1"/>
-          </a:effectRef>
-          <a:fontRef idx="minor">
-            <a:schemeClr val="tx1"/>
-          </a:fontRef>
-        </p:style>
-      </p:cxnSp>
-      <p:sp>
-        <p:nvSpPr>
-          <p:cNvPr id="20" name="Heptagon 19">
-            <a:extLst>
-              <a:ext uri="{FF2B5EF4-FFF2-40B4-BE49-F238E27FC236}">
-                <a16:creationId xmlns:a16="http://schemas.microsoft.com/office/drawing/2014/main" id="{81B034CB-CC36-4166-926A-86A06D7A20E6}"/>
-              </a:ext>
-            </a:extLst>
-          </p:cNvPr>
-          <p:cNvSpPr/>
-          <p:nvPr/>
-        </p:nvSpPr>
-        <p:spPr>
-          <a:xfrm>
-            <a:off x="7612671" y="5858706"/>
-            <a:ext cx="307435" cy="344102"/>
-          </a:xfrm>
-          <a:prstGeom prst="heptagon">
-            <a:avLst/>
-          </a:prstGeom>
-        </p:spPr>
-        <p:style>
-          <a:lnRef idx="2">
-            <a:schemeClr val="accent1">
-              <a:shade val="50000"/>
-            </a:schemeClr>
-          </a:lnRef>
-          <a:fillRef idx="1">
-            <a:schemeClr val="accent1"/>
-          </a:fillRef>
-          <a:effectRef idx="0">
-            <a:schemeClr val="accent1"/>
-          </a:effectRef>
-          <a:fontRef idx="minor">
-            <a:schemeClr val="lt1"/>
-          </a:fontRef>
-        </p:style>
-        <p:txBody>
-          <a:bodyPr rtlCol="0" anchor="ctr"/>
-          <a:lstStyle/>
-          <a:p>
-            <a:pPr algn="ctr"/>
-            <a:r>
-              <a:rPr lang="en-US" dirty="0"/>
-              <a:t>4</a:t>
-            </a:r>
-          </a:p>
-        </p:txBody>
-      </p:sp>
-      <p:sp>
-        <p:nvSpPr>
-          <p:cNvPr id="21" name="TextBox 20">
-            <a:extLst>
-              <a:ext uri="{FF2B5EF4-FFF2-40B4-BE49-F238E27FC236}">
-                <a16:creationId xmlns:a16="http://schemas.microsoft.com/office/drawing/2014/main" id="{BE85FB5F-7B2C-4F7C-80F9-0633CA2F185C}"/>
-              </a:ext>
-            </a:extLst>
-          </p:cNvPr>
-          <p:cNvSpPr txBox="1"/>
-          <p:nvPr/>
-        </p:nvSpPr>
-        <p:spPr>
-          <a:xfrm>
-            <a:off x="8141555" y="5269474"/>
-            <a:ext cx="847733" cy="276999"/>
-          </a:xfrm>
-          <a:prstGeom prst="rect">
-            <a:avLst/>
-          </a:prstGeom>
-          <a:noFill/>
-        </p:spPr>
-        <p:txBody>
-          <a:bodyPr wrap="none" rtlCol="0">
-            <a:spAutoFit/>
-          </a:bodyPr>
-          <a:lstStyle/>
-          <a:p>
-            <a:r>
-              <a:rPr lang="en-US" sz="1200" dirty="0">
-                <a:solidFill>
-                  <a:srgbClr val="002060"/>
-                </a:solidFill>
-                <a:latin typeface="Verdana" panose="020B0604030504040204" pitchFamily="34" charset="0"/>
-                <a:ea typeface="Verdana" panose="020B0604030504040204" pitchFamily="34" charset="0"/>
-              </a:rPr>
-              <a:t>Postman</a:t>
-            </a:r>
-          </a:p>
-        </p:txBody>
-      </p:sp>
-      <p:pic>
-        <p:nvPicPr>
-          <p:cNvPr id="2050" name="Picture 2">
-            <a:extLst>
-              <a:ext uri="{FF2B5EF4-FFF2-40B4-BE49-F238E27FC236}">
-                <a16:creationId xmlns:a16="http://schemas.microsoft.com/office/drawing/2014/main" id="{E5FC223A-D3AB-4E6B-8768-C5EBCFD1EE4D}"/>
-              </a:ext>
-            </a:extLst>
-          </p:cNvPr>
-          <p:cNvPicPr>
-            <a:picLocks noChangeAspect="1" noChangeArrowheads="1"/>
-          </p:cNvPicPr>
-          <p:nvPr/>
-        </p:nvPicPr>
-        <p:blipFill>
-          <a:blip r:embed="rId5">
-            <a:extLst>
-              <a:ext uri="{28A0092B-C50C-407E-A947-70E740481C1C}">
-                <a14:useLocalDpi xmlns:a14="http://schemas.microsoft.com/office/drawing/2010/main" val="0"/>
-              </a:ext>
-            </a:extLst>
-          </a:blip>
-          <a:srcRect/>
-          <a:stretch>
-            <a:fillRect/>
-          </a:stretch>
-        </p:blipFill>
-        <p:spPr bwMode="auto">
-          <a:xfrm>
-            <a:off x="3391174" y="770006"/>
-            <a:ext cx="857250" cy="809625"/>
-          </a:xfrm>
-          <a:prstGeom prst="rect">
-            <a:avLst/>
-          </a:prstGeom>
-          <a:noFill/>
-          <a:extLst>
-            <a:ext uri="{909E8E84-426E-40DD-AFC4-6F175D3DCCD1}">
-              <a14:hiddenFill xmlns:a14="http://schemas.microsoft.com/office/drawing/2010/main">
-                <a:solidFill>
-                  <a:srgbClr val="FFFFFF"/>
-                </a:solidFill>
-              </a14:hiddenFill>
-            </a:ext>
-          </a:extLst>
-        </p:spPr>
-      </p:pic>
-      <p:cxnSp>
-        <p:nvCxnSpPr>
-          <p:cNvPr id="18" name="Straight Connector 17">
-            <a:extLst>
-              <a:ext uri="{FF2B5EF4-FFF2-40B4-BE49-F238E27FC236}">
-                <a16:creationId xmlns:a16="http://schemas.microsoft.com/office/drawing/2014/main" id="{E47FE56F-918E-499D-98A8-601D634441D4}"/>
-              </a:ext>
-            </a:extLst>
-          </p:cNvPr>
-          <p:cNvCxnSpPr/>
-          <p:nvPr/>
-        </p:nvCxnSpPr>
-        <p:spPr>
-          <a:xfrm>
-            <a:off x="4267692" y="3457673"/>
-            <a:ext cx="3128775" cy="187"/>
-          </a:xfrm>
-          <a:prstGeom prst="line">
-            <a:avLst/>
-          </a:prstGeom>
-        </p:spPr>
-        <p:style>
-          <a:lnRef idx="2">
-            <a:schemeClr val="accent1"/>
-          </a:lnRef>
-          <a:fillRef idx="0">
-            <a:schemeClr val="accent1"/>
-          </a:fillRef>
-          <a:effectRef idx="1">
-            <a:schemeClr val="accent1"/>
-          </a:effectRef>
-          <a:fontRef idx="minor">
-            <a:schemeClr val="tx1"/>
-          </a:fontRef>
-        </p:style>
-      </p:cxnSp>
-      <p:pic>
-        <p:nvPicPr>
-          <p:cNvPr id="19" name="Picture 2">
-            <a:extLst>
-              <a:ext uri="{FF2B5EF4-FFF2-40B4-BE49-F238E27FC236}">
-                <a16:creationId xmlns:a16="http://schemas.microsoft.com/office/drawing/2014/main" id="{81596101-A8EB-49A3-935D-208ECEA59F5F}"/>
-              </a:ext>
-            </a:extLst>
-          </p:cNvPr>
-          <p:cNvPicPr>
-            <a:picLocks noChangeAspect="1" noChangeArrowheads="1"/>
-          </p:cNvPicPr>
-          <p:nvPr/>
-        </p:nvPicPr>
-        <p:blipFill>
-          <a:blip r:embed="rId5">
-            <a:extLst>
-              <a:ext uri="{28A0092B-C50C-407E-A947-70E740481C1C}">
-                <a14:useLocalDpi xmlns:a14="http://schemas.microsoft.com/office/drawing/2010/main" val="0"/>
-              </a:ext>
-            </a:extLst>
-          </a:blip>
-          <a:srcRect/>
-          <a:stretch>
-            <a:fillRect/>
-          </a:stretch>
-        </p:blipFill>
-        <p:spPr bwMode="auto">
-          <a:xfrm>
-            <a:off x="1185301" y="770006"/>
-            <a:ext cx="857250" cy="809625"/>
-          </a:xfrm>
-          <a:prstGeom prst="rect">
-            <a:avLst/>
-          </a:prstGeom>
-          <a:noFill/>
-          <a:extLst>
-            <a:ext uri="{909E8E84-426E-40DD-AFC4-6F175D3DCCD1}">
-              <a14:hiddenFill xmlns:a14="http://schemas.microsoft.com/office/drawing/2010/main">
-                <a:solidFill>
-                  <a:srgbClr val="FFFFFF"/>
-                </a:solidFill>
-              </a14:hiddenFill>
-            </a:ext>
-          </a:extLst>
-        </p:spPr>
-      </p:pic>
-      <p:sp>
-        <p:nvSpPr>
-          <p:cNvPr id="22" name="Heptagon 21">
-            <a:extLst>
-              <a:ext uri="{FF2B5EF4-FFF2-40B4-BE49-F238E27FC236}">
-                <a16:creationId xmlns:a16="http://schemas.microsoft.com/office/drawing/2014/main" id="{9DC9C82A-36F2-4DA5-AAE7-F9FC02DA4D7C}"/>
-              </a:ext>
-            </a:extLst>
-          </p:cNvPr>
-          <p:cNvSpPr/>
-          <p:nvPr/>
-        </p:nvSpPr>
-        <p:spPr>
-          <a:xfrm>
-            <a:off x="3237456" y="425904"/>
-            <a:ext cx="307435" cy="344102"/>
-          </a:xfrm>
-          <a:prstGeom prst="heptagon">
-            <a:avLst/>
-          </a:prstGeom>
-        </p:spPr>
-        <p:style>
-          <a:lnRef idx="2">
-            <a:schemeClr val="accent1">
-              <a:shade val="50000"/>
-            </a:schemeClr>
-          </a:lnRef>
-          <a:fillRef idx="1">
-            <a:schemeClr val="accent1"/>
-          </a:fillRef>
-          <a:effectRef idx="0">
-            <a:schemeClr val="accent1"/>
-          </a:effectRef>
-          <a:fontRef idx="minor">
-            <a:schemeClr val="lt1"/>
-          </a:fontRef>
-        </p:style>
-        <p:txBody>
-          <a:bodyPr rtlCol="0" anchor="ctr"/>
-          <a:lstStyle/>
-          <a:p>
-            <a:pPr algn="ctr"/>
-            <a:r>
-              <a:rPr lang="en-US" dirty="0"/>
-              <a:t>5</a:t>
-            </a:r>
-          </a:p>
-        </p:txBody>
-      </p:sp>
-      <p:sp>
-        <p:nvSpPr>
-          <p:cNvPr id="23" name="Heptagon 22">
-            <a:extLst>
-              <a:ext uri="{FF2B5EF4-FFF2-40B4-BE49-F238E27FC236}">
-                <a16:creationId xmlns:a16="http://schemas.microsoft.com/office/drawing/2014/main" id="{D027EBA1-67A9-4BF1-ACE6-4F4DB7E49E26}"/>
-              </a:ext>
-            </a:extLst>
-          </p:cNvPr>
-          <p:cNvSpPr/>
-          <p:nvPr/>
-        </p:nvSpPr>
-        <p:spPr>
-          <a:xfrm>
-            <a:off x="954725" y="461674"/>
-            <a:ext cx="307435" cy="344102"/>
-          </a:xfrm>
-          <a:prstGeom prst="heptagon">
-            <a:avLst/>
-          </a:prstGeom>
-        </p:spPr>
-        <p:style>
-          <a:lnRef idx="2">
-            <a:schemeClr val="accent1">
-              <a:shade val="50000"/>
-            </a:schemeClr>
-          </a:lnRef>
-          <a:fillRef idx="1">
-            <a:schemeClr val="accent1"/>
-          </a:fillRef>
-          <a:effectRef idx="0">
-            <a:schemeClr val="accent1"/>
-          </a:effectRef>
-          <a:fontRef idx="minor">
-            <a:schemeClr val="lt1"/>
-          </a:fontRef>
-        </p:style>
-        <p:txBody>
-          <a:bodyPr rtlCol="0" anchor="ctr"/>
-          <a:lstStyle/>
-          <a:p>
-            <a:pPr algn="ctr"/>
-            <a:r>
-              <a:rPr lang="en-US" dirty="0"/>
-              <a:t>6</a:t>
-            </a:r>
-          </a:p>
-        </p:txBody>
-      </p:sp>
-      <p:sp>
-        <p:nvSpPr>
-          <p:cNvPr id="24" name="TextBox 23">
-            <a:extLst>
-              <a:ext uri="{FF2B5EF4-FFF2-40B4-BE49-F238E27FC236}">
-                <a16:creationId xmlns:a16="http://schemas.microsoft.com/office/drawing/2014/main" id="{444ADC56-8CEB-448D-9DB4-A40A04DCB75F}"/>
-              </a:ext>
-            </a:extLst>
-          </p:cNvPr>
-          <p:cNvSpPr txBox="1"/>
-          <p:nvPr/>
-        </p:nvSpPr>
-        <p:spPr>
-          <a:xfrm>
-            <a:off x="3544890" y="466491"/>
-            <a:ext cx="1206219" cy="276999"/>
-          </a:xfrm>
-          <a:prstGeom prst="rect">
-            <a:avLst/>
-          </a:prstGeom>
-          <a:noFill/>
-        </p:spPr>
-        <p:txBody>
-          <a:bodyPr wrap="square" rtlCol="0">
-            <a:spAutoFit/>
-          </a:bodyPr>
-          <a:lstStyle/>
-          <a:p>
-            <a:r>
-              <a:rPr lang="en-US" sz="1200" dirty="0">
-                <a:solidFill>
-                  <a:srgbClr val="002060"/>
-                </a:solidFill>
-                <a:latin typeface="Verdana" panose="020B0604030504040204" pitchFamily="34" charset="0"/>
-                <a:ea typeface="Verdana" panose="020B0604030504040204" pitchFamily="34" charset="0"/>
-              </a:rPr>
-              <a:t>Windows VM</a:t>
-            </a:r>
-          </a:p>
-        </p:txBody>
-      </p:sp>
-      <p:sp>
-        <p:nvSpPr>
-          <p:cNvPr id="25" name="TextBox 24">
-            <a:extLst>
-              <a:ext uri="{FF2B5EF4-FFF2-40B4-BE49-F238E27FC236}">
-                <a16:creationId xmlns:a16="http://schemas.microsoft.com/office/drawing/2014/main" id="{94D56564-9C91-49CE-B97F-D9A8EDAD6D68}"/>
-              </a:ext>
-            </a:extLst>
-          </p:cNvPr>
-          <p:cNvSpPr txBox="1"/>
-          <p:nvPr/>
-        </p:nvSpPr>
-        <p:spPr>
-          <a:xfrm>
-            <a:off x="1308850" y="465186"/>
-            <a:ext cx="1206219" cy="276999"/>
-          </a:xfrm>
-          <a:prstGeom prst="rect">
-            <a:avLst/>
-          </a:prstGeom>
-          <a:noFill/>
-        </p:spPr>
-        <p:txBody>
-          <a:bodyPr wrap="square" rtlCol="0">
-            <a:spAutoFit/>
-          </a:bodyPr>
-          <a:lstStyle/>
-          <a:p>
-            <a:r>
-              <a:rPr lang="en-US" sz="1200" dirty="0">
-                <a:solidFill>
-                  <a:srgbClr val="002060"/>
-                </a:solidFill>
-                <a:latin typeface="Verdana" panose="020B0604030504040204" pitchFamily="34" charset="0"/>
-                <a:ea typeface="Verdana" panose="020B0604030504040204" pitchFamily="34" charset="0"/>
-              </a:rPr>
-              <a:t>Ubuntu VM</a:t>
-            </a:r>
-          </a:p>
-        </p:txBody>
-      </p:sp>
-      <p:pic>
-        <p:nvPicPr>
-          <p:cNvPr id="2" name="Picture 2">
-            <a:extLst>
-              <a:ext uri="{FF2B5EF4-FFF2-40B4-BE49-F238E27FC236}">
-                <a16:creationId xmlns:a16="http://schemas.microsoft.com/office/drawing/2014/main" id="{7BACA7D4-C34A-4935-A82E-FCDE642A4BF8}"/>
-              </a:ext>
-            </a:extLst>
-          </p:cNvPr>
-          <p:cNvPicPr>
-            <a:picLocks noChangeAspect="1" noChangeArrowheads="1"/>
-          </p:cNvPicPr>
-          <p:nvPr/>
-        </p:nvPicPr>
-        <p:blipFill>
-          <a:blip r:embed="rId6">
-            <a:extLst>
-              <a:ext uri="{28A0092B-C50C-407E-A947-70E740481C1C}">
-                <a14:useLocalDpi xmlns:a14="http://schemas.microsoft.com/office/drawing/2010/main" val="0"/>
-              </a:ext>
-            </a:extLst>
-          </a:blip>
-          <a:srcRect/>
-          <a:stretch>
-            <a:fillRect/>
-          </a:stretch>
-        </p:blipFill>
-        <p:spPr bwMode="auto">
-          <a:xfrm>
-            <a:off x="3771283" y="805639"/>
-            <a:ext cx="618960" cy="603282"/>
-          </a:xfrm>
-          <a:prstGeom prst="rect">
-            <a:avLst/>
-          </a:prstGeom>
-          <a:noFill/>
-          <a:extLst>
-            <a:ext uri="{909E8E84-426E-40DD-AFC4-6F175D3DCCD1}">
-              <a14:hiddenFill xmlns:a14="http://schemas.microsoft.com/office/drawing/2010/main">
-                <a:solidFill>
-                  <a:srgbClr val="FFFFFF"/>
-                </a:solidFill>
-              </a14:hiddenFill>
-            </a:ext>
-          </a:extLst>
-        </p:spPr>
-      </p:pic>
-      <p:sp>
-        <p:nvSpPr>
-          <p:cNvPr id="26" name="TextBox 25">
-            <a:extLst>
-              <a:ext uri="{FF2B5EF4-FFF2-40B4-BE49-F238E27FC236}">
-                <a16:creationId xmlns:a16="http://schemas.microsoft.com/office/drawing/2014/main" id="{88EB1ECD-7D00-48B1-8A56-5CF8EC037158}"/>
-              </a:ext>
-            </a:extLst>
-          </p:cNvPr>
-          <p:cNvSpPr txBox="1"/>
-          <p:nvPr/>
-        </p:nvSpPr>
-        <p:spPr>
-          <a:xfrm>
-            <a:off x="4148000" y="927151"/>
-            <a:ext cx="1753180" cy="276999"/>
-          </a:xfrm>
-          <a:prstGeom prst="rect">
-            <a:avLst/>
-          </a:prstGeom>
-          <a:noFill/>
-        </p:spPr>
-        <p:txBody>
-          <a:bodyPr wrap="square" rtlCol="0">
-            <a:spAutoFit/>
-          </a:bodyPr>
-          <a:lstStyle/>
-          <a:p>
-            <a:r>
-              <a:rPr lang="en-US" sz="1200" dirty="0">
-                <a:solidFill>
-                  <a:srgbClr val="0070C0"/>
-                </a:solidFill>
-                <a:latin typeface="Verdana" panose="020B0604030504040204" pitchFamily="34" charset="0"/>
-                <a:ea typeface="Verdana" panose="020B0604030504040204" pitchFamily="34" charset="0"/>
-              </a:rPr>
-              <a:t>Razor App inside IIS</a:t>
-            </a:r>
-          </a:p>
-        </p:txBody>
-      </p:sp>
-      <p:pic>
-        <p:nvPicPr>
-          <p:cNvPr id="28" name="Picture 12">
-            <a:extLst>
-              <a:ext uri="{FF2B5EF4-FFF2-40B4-BE49-F238E27FC236}">
-                <a16:creationId xmlns:a16="http://schemas.microsoft.com/office/drawing/2014/main" id="{BE573FE1-020D-4965-9EAD-D732491D43B6}"/>
-              </a:ext>
-            </a:extLst>
-          </p:cNvPr>
-          <p:cNvPicPr>
-            <a:picLocks noChangeAspect="1" noChangeArrowheads="1"/>
-          </p:cNvPicPr>
-          <p:nvPr/>
-        </p:nvPicPr>
-        <p:blipFill>
-          <a:blip r:embed="rId2">
-            <a:extLst>
-              <a:ext uri="{28A0092B-C50C-407E-A947-70E740481C1C}">
-                <a14:useLocalDpi xmlns:a14="http://schemas.microsoft.com/office/drawing/2010/main" val="0"/>
-              </a:ext>
-            </a:extLst>
-          </a:blip>
-          <a:srcRect/>
-          <a:stretch>
-            <a:fillRect/>
-          </a:stretch>
-        </p:blipFill>
-        <p:spPr bwMode="auto">
-          <a:xfrm>
-            <a:off x="3529020" y="3071415"/>
-            <a:ext cx="809625" cy="809625"/>
-          </a:xfrm>
-          <a:prstGeom prst="rect">
-            <a:avLst/>
-          </a:prstGeom>
-          <a:noFill/>
-          <a:extLst>
-            <a:ext uri="{909E8E84-426E-40DD-AFC4-6F175D3DCCD1}">
-              <a14:hiddenFill xmlns:a14="http://schemas.microsoft.com/office/drawing/2010/main">
-                <a:solidFill>
-                  <a:srgbClr val="FFFFFF"/>
-                </a:solidFill>
-              </a14:hiddenFill>
-            </a:ext>
-          </a:extLst>
-        </p:spPr>
-      </p:pic>
-      <p:sp>
-        <p:nvSpPr>
-          <p:cNvPr id="29" name="Heptagon 28">
-            <a:extLst>
-              <a:ext uri="{FF2B5EF4-FFF2-40B4-BE49-F238E27FC236}">
-                <a16:creationId xmlns:a16="http://schemas.microsoft.com/office/drawing/2014/main" id="{8678203A-7D22-423F-A8A1-A0D964021E91}"/>
-              </a:ext>
-            </a:extLst>
-          </p:cNvPr>
-          <p:cNvSpPr/>
-          <p:nvPr/>
-        </p:nvSpPr>
-        <p:spPr>
-          <a:xfrm>
-            <a:off x="3511340" y="2700797"/>
-            <a:ext cx="307435" cy="344102"/>
-          </a:xfrm>
-          <a:prstGeom prst="heptagon">
-            <a:avLst/>
-          </a:prstGeom>
-        </p:spPr>
-        <p:style>
-          <a:lnRef idx="2">
-            <a:schemeClr val="accent1">
-              <a:shade val="50000"/>
-            </a:schemeClr>
-          </a:lnRef>
-          <a:fillRef idx="1">
-            <a:schemeClr val="accent1"/>
-          </a:fillRef>
-          <a:effectRef idx="0">
-            <a:schemeClr val="accent1"/>
-          </a:effectRef>
-          <a:fontRef idx="minor">
-            <a:schemeClr val="lt1"/>
-          </a:fontRef>
-        </p:style>
-        <p:txBody>
-          <a:bodyPr rtlCol="0" anchor="ctr"/>
-          <a:lstStyle/>
-          <a:p>
-            <a:pPr algn="ctr"/>
-            <a:r>
-              <a:rPr lang="en-US" dirty="0"/>
-              <a:t>1</a:t>
-            </a:r>
-          </a:p>
-        </p:txBody>
-      </p:sp>
-      <p:sp>
-        <p:nvSpPr>
-          <p:cNvPr id="30" name="TextBox 29">
-            <a:extLst>
-              <a:ext uri="{FF2B5EF4-FFF2-40B4-BE49-F238E27FC236}">
-                <a16:creationId xmlns:a16="http://schemas.microsoft.com/office/drawing/2014/main" id="{2BC9F718-89F5-4ABC-8898-7B19A551B64A}"/>
-              </a:ext>
-            </a:extLst>
-          </p:cNvPr>
-          <p:cNvSpPr txBox="1"/>
-          <p:nvPr/>
-        </p:nvSpPr>
-        <p:spPr>
-          <a:xfrm>
-            <a:off x="3925476" y="2728022"/>
-            <a:ext cx="998991" cy="276999"/>
-          </a:xfrm>
-          <a:prstGeom prst="rect">
-            <a:avLst/>
-          </a:prstGeom>
-          <a:noFill/>
-        </p:spPr>
-        <p:txBody>
-          <a:bodyPr wrap="none" rtlCol="0">
-            <a:spAutoFit/>
-          </a:bodyPr>
-          <a:lstStyle/>
-          <a:p>
-            <a:r>
-              <a:rPr lang="en-US" sz="1200" dirty="0">
-                <a:solidFill>
-                  <a:srgbClr val="002060"/>
-                </a:solidFill>
-                <a:latin typeface="Verdana" panose="020B0604030504040204" pitchFamily="34" charset="0"/>
-                <a:ea typeface="Verdana" panose="020B0604030504040204" pitchFamily="34" charset="0"/>
-              </a:rPr>
-              <a:t>Ng 12 App</a:t>
-            </a:r>
-          </a:p>
-        </p:txBody>
-      </p:sp>
     </p:spTree>
     <p:extLst>
       <p:ext uri="{BB962C8B-B14F-4D97-AF65-F5344CB8AC3E}">
-        <p14:creationId xmlns:p14="http://schemas.microsoft.com/office/powerpoint/2010/main" val="2545165636"/>
+        <p14:creationId xmlns:p14="http://schemas.microsoft.com/office/powerpoint/2010/main" val="3800585426"/>
       </p:ext>
     </p:extLst>
   </p:cSld>
@@ -12630,7 +11809,7 @@
                 <a:latin typeface="Verdana" panose="020B0604030504040204" pitchFamily="34" charset="0"/>
                 <a:ea typeface="Verdana" panose="020B0604030504040204" pitchFamily="34" charset="0"/>
               </a:rPr>
-              <a:t>10-Nov-2021</a:t>
+              <a:t>24-Nov-2021</a:t>
             </a:r>
           </a:p>
         </p:txBody>
@@ -13838,7 +13017,7 @@
     </p:spTree>
     <p:extLst>
       <p:ext uri="{BB962C8B-B14F-4D97-AF65-F5344CB8AC3E}">
-        <p14:creationId xmlns:p14="http://schemas.microsoft.com/office/powerpoint/2010/main" val="1281688862"/>
+        <p14:creationId xmlns:p14="http://schemas.microsoft.com/office/powerpoint/2010/main" val="2545165636"/>
       </p:ext>
     </p:extLst>
   </p:cSld>
@@ -13951,7 +13130,7 @@
                 <a:latin typeface="Verdana" panose="020B0604030504040204" pitchFamily="34" charset="0"/>
                 <a:ea typeface="Verdana" panose="020B0604030504040204" pitchFamily="34" charset="0"/>
               </a:rPr>
-              <a:t>27-Oct-2021</a:t>
+              <a:t>10-Nov-2021</a:t>
             </a:r>
           </a:p>
         </p:txBody>
@@ -14351,7 +13530,7 @@
             <a:pPr algn="ctr"/>
             <a:r>
               <a:rPr lang="en-US" dirty="0"/>
-              <a:t>1</a:t>
+              <a:t>2</a:t>
             </a:r>
           </a:p>
         </p:txBody>
@@ -14400,7 +13579,7 @@
             <a:pPr algn="ctr"/>
             <a:r>
               <a:rPr lang="en-US" dirty="0"/>
-              <a:t>2</a:t>
+              <a:t>3</a:t>
             </a:r>
           </a:p>
         </p:txBody>
@@ -14575,7 +13754,7 @@
             <a:pPr algn="ctr"/>
             <a:r>
               <a:rPr lang="en-US" dirty="0"/>
-              <a:t>3</a:t>
+              <a:t>4</a:t>
             </a:r>
           </a:p>
         </p:txBody>
@@ -14650,7 +13829,7 @@
         </p:blipFill>
         <p:spPr bwMode="auto">
           <a:xfrm>
-            <a:off x="3391174" y="1118797"/>
+            <a:off x="3391174" y="770006"/>
             <a:ext cx="857250" cy="809625"/>
           </a:xfrm>
           <a:prstGeom prst="rect">
@@ -14733,7 +13912,7 @@
         </p:blipFill>
         <p:spPr bwMode="auto">
           <a:xfrm>
-            <a:off x="3391174" y="4397548"/>
+            <a:off x="1185301" y="770006"/>
             <a:ext cx="857250" cy="809625"/>
           </a:xfrm>
           <a:prstGeom prst="rect">
@@ -14765,7 +13944,7 @@
         </p:nvSpPr>
         <p:spPr>
           <a:xfrm>
-            <a:off x="3237456" y="774695"/>
+            <a:off x="3237456" y="425904"/>
             <a:ext cx="307435" cy="344102"/>
           </a:xfrm>
           <a:prstGeom prst="heptagon">
@@ -14795,7 +13974,7 @@
             <a:pPr algn="ctr"/>
             <a:r>
               <a:rPr lang="en-US" dirty="0"/>
-              <a:t>4</a:t>
+              <a:t>5</a:t>
             </a:r>
           </a:p>
         </p:txBody>
@@ -14814,7 +13993,7 @@
         </p:nvSpPr>
         <p:spPr>
           <a:xfrm>
-            <a:off x="3237455" y="5166586"/>
+            <a:off x="954725" y="461674"/>
             <a:ext cx="307435" cy="344102"/>
           </a:xfrm>
           <a:prstGeom prst="heptagon">
@@ -14844,7 +14023,7 @@
             <a:pPr algn="ctr"/>
             <a:r>
               <a:rPr lang="en-US" dirty="0"/>
-              <a:t>5</a:t>
+              <a:t>6</a:t>
             </a:r>
           </a:p>
         </p:txBody>
@@ -14863,7 +14042,7 @@
         </p:nvSpPr>
         <p:spPr>
           <a:xfrm>
-            <a:off x="3544890" y="815282"/>
+            <a:off x="3544890" y="466491"/>
             <a:ext cx="1206219" cy="276999"/>
           </a:xfrm>
           <a:prstGeom prst="rect">
@@ -14904,7 +14083,7 @@
         </p:nvSpPr>
         <p:spPr>
           <a:xfrm>
-            <a:off x="3527429" y="5233689"/>
+            <a:off x="1308850" y="465186"/>
             <a:ext cx="1206219" cy="276999"/>
           </a:xfrm>
           <a:prstGeom prst="rect">
@@ -14960,7 +14139,7 @@
         </p:blipFill>
         <p:spPr bwMode="auto">
           <a:xfrm>
-            <a:off x="3771283" y="1154430"/>
+            <a:off x="3771283" y="805639"/>
             <a:ext cx="618960" cy="603282"/>
           </a:xfrm>
           <a:prstGeom prst="rect">
@@ -14992,8 +14171,8 @@
         </p:nvSpPr>
         <p:spPr>
           <a:xfrm>
-            <a:off x="4147999" y="1275941"/>
-            <a:ext cx="2648337" cy="276999"/>
+            <a:off x="4148000" y="927151"/>
+            <a:ext cx="1753180" cy="276999"/>
           </a:xfrm>
           <a:prstGeom prst="rect">
             <a:avLst/>
@@ -15014,7 +14193,144 @@
                 <a:latin typeface="Verdana" panose="020B0604030504040204" pitchFamily="34" charset="0"/>
                 <a:ea typeface="Verdana" panose="020B0604030504040204" pitchFamily="34" charset="0"/>
               </a:rPr>
-              <a:t>Install IIS and deploy Web App</a:t>
+              <a:t>Razor App inside IIS</a:t>
+            </a:r>
+          </a:p>
+        </p:txBody>
+      </p:sp>
+      <p:pic>
+        <p:nvPicPr>
+          <p:cNvPr id="28" name="Picture 12">
+            <a:extLst>
+              <a:ext uri="{FF2B5EF4-FFF2-40B4-BE49-F238E27FC236}">
+                <a16:creationId xmlns:a16="http://schemas.microsoft.com/office/drawing/2014/main" id="{BE573FE1-020D-4965-9EAD-D732491D43B6}"/>
+              </a:ext>
+            </a:extLst>
+          </p:cNvPr>
+          <p:cNvPicPr>
+            <a:picLocks noChangeAspect="1" noChangeArrowheads="1"/>
+          </p:cNvPicPr>
+          <p:nvPr/>
+        </p:nvPicPr>
+        <p:blipFill>
+          <a:blip r:embed="rId2">
+            <a:extLst>
+              <a:ext uri="{28A0092B-C50C-407E-A947-70E740481C1C}">
+                <a14:useLocalDpi xmlns:a14="http://schemas.microsoft.com/office/drawing/2010/main" val="0"/>
+              </a:ext>
+            </a:extLst>
+          </a:blip>
+          <a:srcRect/>
+          <a:stretch>
+            <a:fillRect/>
+          </a:stretch>
+        </p:blipFill>
+        <p:spPr bwMode="auto">
+          <a:xfrm>
+            <a:off x="3529020" y="3071415"/>
+            <a:ext cx="809625" cy="809625"/>
+          </a:xfrm>
+          <a:prstGeom prst="rect">
+            <a:avLst/>
+          </a:prstGeom>
+          <a:noFill/>
+          <a:extLst>
+            <a:ext uri="{909E8E84-426E-40DD-AFC4-6F175D3DCCD1}">
+              <a14:hiddenFill xmlns:a14="http://schemas.microsoft.com/office/drawing/2010/main">
+                <a:solidFill>
+                  <a:srgbClr val="FFFFFF"/>
+                </a:solidFill>
+              </a14:hiddenFill>
+            </a:ext>
+          </a:extLst>
+        </p:spPr>
+      </p:pic>
+      <p:sp>
+        <p:nvSpPr>
+          <p:cNvPr id="29" name="Heptagon 28">
+            <a:extLst>
+              <a:ext uri="{FF2B5EF4-FFF2-40B4-BE49-F238E27FC236}">
+                <a16:creationId xmlns:a16="http://schemas.microsoft.com/office/drawing/2014/main" id="{8678203A-7D22-423F-A8A1-A0D964021E91}"/>
+              </a:ext>
+            </a:extLst>
+          </p:cNvPr>
+          <p:cNvSpPr/>
+          <p:nvPr/>
+        </p:nvSpPr>
+        <p:spPr>
+          <a:xfrm>
+            <a:off x="3511340" y="2700797"/>
+            <a:ext cx="307435" cy="344102"/>
+          </a:xfrm>
+          <a:prstGeom prst="heptagon">
+            <a:avLst/>
+          </a:prstGeom>
+        </p:spPr>
+        <p:style>
+          <a:lnRef idx="2">
+            <a:schemeClr val="accent1">
+              <a:shade val="50000"/>
+            </a:schemeClr>
+          </a:lnRef>
+          <a:fillRef idx="1">
+            <a:schemeClr val="accent1"/>
+          </a:fillRef>
+          <a:effectRef idx="0">
+            <a:schemeClr val="accent1"/>
+          </a:effectRef>
+          <a:fontRef idx="minor">
+            <a:schemeClr val="lt1"/>
+          </a:fontRef>
+        </p:style>
+        <p:txBody>
+          <a:bodyPr rtlCol="0" anchor="ctr"/>
+          <a:lstStyle/>
+          <a:p>
+            <a:pPr algn="ctr"/>
+            <a:r>
+              <a:rPr lang="en-US" dirty="0"/>
+              <a:t>1</a:t>
+            </a:r>
+          </a:p>
+        </p:txBody>
+      </p:sp>
+      <p:sp>
+        <p:nvSpPr>
+          <p:cNvPr id="30" name="TextBox 29">
+            <a:extLst>
+              <a:ext uri="{FF2B5EF4-FFF2-40B4-BE49-F238E27FC236}">
+                <a16:creationId xmlns:a16="http://schemas.microsoft.com/office/drawing/2014/main" id="{2BC9F718-89F5-4ABC-8898-7B19A551B64A}"/>
+              </a:ext>
+            </a:extLst>
+          </p:cNvPr>
+          <p:cNvSpPr txBox="1"/>
+          <p:nvPr/>
+        </p:nvSpPr>
+        <p:spPr>
+          <a:xfrm>
+            <a:off x="3925476" y="2728022"/>
+            <a:ext cx="998991" cy="276999"/>
+          </a:xfrm>
+          <a:prstGeom prst="rect">
+            <a:avLst/>
+          </a:prstGeom>
+          <a:noFill/>
+        </p:spPr>
+        <p:txBody>
+          <a:bodyPr wrap="none" rtlCol="0">
+            <a:spAutoFit/>
+          </a:bodyPr>
+          <a:lstStyle/>
+          <a:p>
+            <a:r>
+              <a:rPr lang="en-US" sz="1200" dirty="0">
+                <a:solidFill>
+                  <a:srgbClr val="002060"/>
+                </a:solidFill>
+                <a:latin typeface="Verdana" panose="020B0604030504040204" pitchFamily="34" charset="0"/>
+                <a:ea typeface="Verdana" panose="020B0604030504040204" pitchFamily="34" charset="0"/>
+              </a:rPr>
+              <a:t>Ng 12 App</a:t>
             </a:r>
           </a:p>
         </p:txBody>
@@ -15022,7 +14338,7 @@
     </p:spTree>
     <p:extLst>
       <p:ext uri="{BB962C8B-B14F-4D97-AF65-F5344CB8AC3E}">
-        <p14:creationId xmlns:p14="http://schemas.microsoft.com/office/powerpoint/2010/main" val="657309907"/>
+        <p14:creationId xmlns:p14="http://schemas.microsoft.com/office/powerpoint/2010/main" val="1281688862"/>
       </p:ext>
     </p:extLst>
   </p:cSld>
@@ -15135,7 +14451,7 @@
                 <a:latin typeface="Verdana" panose="020B0604030504040204" pitchFamily="34" charset="0"/>
                 <a:ea typeface="Verdana" panose="020B0604030504040204" pitchFamily="34" charset="0"/>
               </a:rPr>
-              <a:t>13-Oct-2021</a:t>
+              <a:t>27-Oct-2021</a:t>
             </a:r>
           </a:p>
         </p:txBody>
@@ -16047,7 +15363,7 @@
         </p:nvSpPr>
         <p:spPr>
           <a:xfrm>
-            <a:off x="3544889" y="815284"/>
+            <a:off x="3544890" y="815282"/>
             <a:ext cx="1206219" cy="276999"/>
           </a:xfrm>
           <a:prstGeom prst="rect">
@@ -16115,10 +15431,98 @@
           </a:p>
         </p:txBody>
       </p:sp>
+      <p:pic>
+        <p:nvPicPr>
+          <p:cNvPr id="2" name="Picture 2">
+            <a:extLst>
+              <a:ext uri="{FF2B5EF4-FFF2-40B4-BE49-F238E27FC236}">
+                <a16:creationId xmlns:a16="http://schemas.microsoft.com/office/drawing/2014/main" id="{7BACA7D4-C34A-4935-A82E-FCDE642A4BF8}"/>
+              </a:ext>
+            </a:extLst>
+          </p:cNvPr>
+          <p:cNvPicPr>
+            <a:picLocks noChangeAspect="1" noChangeArrowheads="1"/>
+          </p:cNvPicPr>
+          <p:nvPr/>
+        </p:nvPicPr>
+        <p:blipFill>
+          <a:blip r:embed="rId6">
+            <a:extLst>
+              <a:ext uri="{28A0092B-C50C-407E-A947-70E740481C1C}">
+                <a14:useLocalDpi xmlns:a14="http://schemas.microsoft.com/office/drawing/2010/main" val="0"/>
+              </a:ext>
+            </a:extLst>
+          </a:blip>
+          <a:srcRect/>
+          <a:stretch>
+            <a:fillRect/>
+          </a:stretch>
+        </p:blipFill>
+        <p:spPr bwMode="auto">
+          <a:xfrm>
+            <a:off x="3771283" y="1154430"/>
+            <a:ext cx="618960" cy="603282"/>
+          </a:xfrm>
+          <a:prstGeom prst="rect">
+            <a:avLst/>
+          </a:prstGeom>
+          <a:noFill/>
+          <a:extLst>
+            <a:ext uri="{909E8E84-426E-40DD-AFC4-6F175D3DCCD1}">
+              <a14:hiddenFill xmlns:a14="http://schemas.microsoft.com/office/drawing/2010/main">
+                <a:solidFill>
+                  <a:srgbClr val="FFFFFF"/>
+                </a:solidFill>
+              </a14:hiddenFill>
+            </a:ext>
+          </a:extLst>
+        </p:spPr>
+      </p:pic>
+      <p:sp>
+        <p:nvSpPr>
+          <p:cNvPr id="26" name="TextBox 25">
+            <a:extLst>
+              <a:ext uri="{FF2B5EF4-FFF2-40B4-BE49-F238E27FC236}">
+                <a16:creationId xmlns:a16="http://schemas.microsoft.com/office/drawing/2014/main" id="{88EB1ECD-7D00-48B1-8A56-5CF8EC037158}"/>
+              </a:ext>
+            </a:extLst>
+          </p:cNvPr>
+          <p:cNvSpPr txBox="1"/>
+          <p:nvPr/>
+        </p:nvSpPr>
+        <p:spPr>
+          <a:xfrm>
+            <a:off x="4147999" y="1275941"/>
+            <a:ext cx="2648337" cy="276999"/>
+          </a:xfrm>
+          <a:prstGeom prst="rect">
+            <a:avLst/>
+          </a:prstGeom>
+          <a:noFill/>
+        </p:spPr>
+        <p:txBody>
+          <a:bodyPr wrap="square" rtlCol="0">
+            <a:spAutoFit/>
+          </a:bodyPr>
+          <a:lstStyle/>
+          <a:p>
+            <a:r>
+              <a:rPr lang="en-US" sz="1200" dirty="0">
+                <a:solidFill>
+                  <a:srgbClr val="0070C0"/>
+                </a:solidFill>
+                <a:latin typeface="Verdana" panose="020B0604030504040204" pitchFamily="34" charset="0"/>
+                <a:ea typeface="Verdana" panose="020B0604030504040204" pitchFamily="34" charset="0"/>
+              </a:rPr>
+              <a:t>Install IIS and deploy Web App</a:t>
+            </a:r>
+          </a:p>
+        </p:txBody>
+      </p:sp>
     </p:spTree>
     <p:extLst>
       <p:ext uri="{BB962C8B-B14F-4D97-AF65-F5344CB8AC3E}">
-        <p14:creationId xmlns:p14="http://schemas.microsoft.com/office/powerpoint/2010/main" val="2581768136"/>
+        <p14:creationId xmlns:p14="http://schemas.microsoft.com/office/powerpoint/2010/main" val="657309907"/>
       </p:ext>
     </p:extLst>
   </p:cSld>
@@ -16231,7 +15635,7 @@
                 <a:latin typeface="Verdana" panose="020B0604030504040204" pitchFamily="34" charset="0"/>
                 <a:ea typeface="Verdana" panose="020B0604030504040204" pitchFamily="34" charset="0"/>
               </a:rPr>
-              <a:t>29-Sep-2021</a:t>
+              <a:t>13-Oct-2021</a:t>
             </a:r>
           </a:p>
         </p:txBody>
@@ -16440,7 +15844,7 @@
         </p:blipFill>
         <p:spPr bwMode="auto">
           <a:xfrm>
-            <a:off x="4370897" y="3051292"/>
+            <a:off x="7368618" y="3051292"/>
             <a:ext cx="809625" cy="809625"/>
           </a:xfrm>
           <a:prstGeom prst="rect">
@@ -16472,7 +15876,7 @@
         </p:nvSpPr>
         <p:spPr>
           <a:xfrm>
-            <a:off x="4964445" y="2728022"/>
+            <a:off x="7962166" y="2728022"/>
             <a:ext cx="834396" cy="276999"/>
           </a:xfrm>
           <a:prstGeom prst="rect">
@@ -16528,7 +15932,7 @@
         </p:blipFill>
         <p:spPr bwMode="auto">
           <a:xfrm>
-            <a:off x="8309297" y="3051292"/>
+            <a:off x="11307018" y="3051292"/>
             <a:ext cx="810000" cy="810000"/>
           </a:xfrm>
           <a:prstGeom prst="rect">
@@ -16560,7 +15964,7 @@
         </p:nvSpPr>
         <p:spPr>
           <a:xfrm>
-            <a:off x="7509694" y="2722384"/>
+            <a:off x="10507415" y="2722384"/>
             <a:ext cx="992579" cy="276999"/>
           </a:xfrm>
           <a:prstGeom prst="rect">
@@ -16601,7 +16005,7 @@
         </p:nvSpPr>
         <p:spPr>
           <a:xfrm>
-            <a:off x="4614950" y="2700919"/>
+            <a:off x="7612671" y="2700919"/>
             <a:ext cx="307435" cy="344102"/>
           </a:xfrm>
           <a:prstGeom prst="heptagon">
@@ -16650,7 +16054,7 @@
         </p:nvSpPr>
         <p:spPr>
           <a:xfrm>
-            <a:off x="8440483" y="2700919"/>
+            <a:off x="11438204" y="2700919"/>
             <a:ext cx="307435" cy="344102"/>
           </a:xfrm>
           <a:prstGeom prst="heptagon">
@@ -16714,7 +16118,7 @@
         </p:blipFill>
         <p:spPr bwMode="auto">
           <a:xfrm>
-            <a:off x="4370897" y="5041057"/>
+            <a:off x="7368618" y="5041057"/>
             <a:ext cx="810000" cy="810000"/>
           </a:xfrm>
           <a:prstGeom prst="rect">
@@ -16749,7 +16153,7 @@
         </p:nvCxnSpPr>
         <p:spPr>
           <a:xfrm>
-            <a:off x="5180522" y="3456105"/>
+            <a:off x="8178243" y="3456105"/>
             <a:ext cx="3128775" cy="187"/>
           </a:xfrm>
           <a:prstGeom prst="line">
@@ -16788,7 +16192,7 @@
         </p:nvCxnSpPr>
         <p:spPr>
           <a:xfrm>
-            <a:off x="4775710" y="3860917"/>
+            <a:off x="7773431" y="3860917"/>
             <a:ext cx="187" cy="1180140"/>
           </a:xfrm>
           <a:prstGeom prst="line">
@@ -16825,7 +16229,7 @@
         </p:nvSpPr>
         <p:spPr>
           <a:xfrm>
-            <a:off x="4614950" y="5858706"/>
+            <a:off x="7612671" y="5858706"/>
             <a:ext cx="307435" cy="344102"/>
           </a:xfrm>
           <a:prstGeom prst="heptagon">
@@ -16874,7 +16278,7 @@
         </p:nvSpPr>
         <p:spPr>
           <a:xfrm>
-            <a:off x="5143834" y="5269474"/>
+            <a:off x="8141555" y="5269474"/>
             <a:ext cx="847733" cy="276999"/>
           </a:xfrm>
           <a:prstGeom prst="rect">
@@ -16901,10 +16305,320 @@
           </a:p>
         </p:txBody>
       </p:sp>
+      <p:pic>
+        <p:nvPicPr>
+          <p:cNvPr id="2050" name="Picture 2">
+            <a:extLst>
+              <a:ext uri="{FF2B5EF4-FFF2-40B4-BE49-F238E27FC236}">
+                <a16:creationId xmlns:a16="http://schemas.microsoft.com/office/drawing/2014/main" id="{E5FC223A-D3AB-4E6B-8768-C5EBCFD1EE4D}"/>
+              </a:ext>
+            </a:extLst>
+          </p:cNvPr>
+          <p:cNvPicPr>
+            <a:picLocks noChangeAspect="1" noChangeArrowheads="1"/>
+          </p:cNvPicPr>
+          <p:nvPr/>
+        </p:nvPicPr>
+        <p:blipFill>
+          <a:blip r:embed="rId5">
+            <a:extLst>
+              <a:ext uri="{28A0092B-C50C-407E-A947-70E740481C1C}">
+                <a14:useLocalDpi xmlns:a14="http://schemas.microsoft.com/office/drawing/2010/main" val="0"/>
+              </a:ext>
+            </a:extLst>
+          </a:blip>
+          <a:srcRect/>
+          <a:stretch>
+            <a:fillRect/>
+          </a:stretch>
+        </p:blipFill>
+        <p:spPr bwMode="auto">
+          <a:xfrm>
+            <a:off x="3391174" y="1118797"/>
+            <a:ext cx="857250" cy="809625"/>
+          </a:xfrm>
+          <a:prstGeom prst="rect">
+            <a:avLst/>
+          </a:prstGeom>
+          <a:noFill/>
+          <a:extLst>
+            <a:ext uri="{909E8E84-426E-40DD-AFC4-6F175D3DCCD1}">
+              <a14:hiddenFill xmlns:a14="http://schemas.microsoft.com/office/drawing/2010/main">
+                <a:solidFill>
+                  <a:srgbClr val="FFFFFF"/>
+                </a:solidFill>
+              </a14:hiddenFill>
+            </a:ext>
+          </a:extLst>
+        </p:spPr>
+      </p:pic>
+      <p:cxnSp>
+        <p:nvCxnSpPr>
+          <p:cNvPr id="18" name="Straight Connector 17">
+            <a:extLst>
+              <a:ext uri="{FF2B5EF4-FFF2-40B4-BE49-F238E27FC236}">
+                <a16:creationId xmlns:a16="http://schemas.microsoft.com/office/drawing/2014/main" id="{E47FE56F-918E-499D-98A8-601D634441D4}"/>
+              </a:ext>
+            </a:extLst>
+          </p:cNvPr>
+          <p:cNvCxnSpPr/>
+          <p:nvPr/>
+        </p:nvCxnSpPr>
+        <p:spPr>
+          <a:xfrm>
+            <a:off x="4267692" y="3457673"/>
+            <a:ext cx="3128775" cy="187"/>
+          </a:xfrm>
+          <a:prstGeom prst="line">
+            <a:avLst/>
+          </a:prstGeom>
+        </p:spPr>
+        <p:style>
+          <a:lnRef idx="2">
+            <a:schemeClr val="accent1"/>
+          </a:lnRef>
+          <a:fillRef idx="0">
+            <a:schemeClr val="accent1"/>
+          </a:fillRef>
+          <a:effectRef idx="1">
+            <a:schemeClr val="accent1"/>
+          </a:effectRef>
+          <a:fontRef idx="minor">
+            <a:schemeClr val="tx1"/>
+          </a:fontRef>
+        </p:style>
+      </p:cxnSp>
+      <p:pic>
+        <p:nvPicPr>
+          <p:cNvPr id="19" name="Picture 2">
+            <a:extLst>
+              <a:ext uri="{FF2B5EF4-FFF2-40B4-BE49-F238E27FC236}">
+                <a16:creationId xmlns:a16="http://schemas.microsoft.com/office/drawing/2014/main" id="{81596101-A8EB-49A3-935D-208ECEA59F5F}"/>
+              </a:ext>
+            </a:extLst>
+          </p:cNvPr>
+          <p:cNvPicPr>
+            <a:picLocks noChangeAspect="1" noChangeArrowheads="1"/>
+          </p:cNvPicPr>
+          <p:nvPr/>
+        </p:nvPicPr>
+        <p:blipFill>
+          <a:blip r:embed="rId5">
+            <a:extLst>
+              <a:ext uri="{28A0092B-C50C-407E-A947-70E740481C1C}">
+                <a14:useLocalDpi xmlns:a14="http://schemas.microsoft.com/office/drawing/2010/main" val="0"/>
+              </a:ext>
+            </a:extLst>
+          </a:blip>
+          <a:srcRect/>
+          <a:stretch>
+            <a:fillRect/>
+          </a:stretch>
+        </p:blipFill>
+        <p:spPr bwMode="auto">
+          <a:xfrm>
+            <a:off x="3391174" y="4397548"/>
+            <a:ext cx="857250" cy="809625"/>
+          </a:xfrm>
+          <a:prstGeom prst="rect">
+            <a:avLst/>
+          </a:prstGeom>
+          <a:noFill/>
+          <a:extLst>
+            <a:ext uri="{909E8E84-426E-40DD-AFC4-6F175D3DCCD1}">
+              <a14:hiddenFill xmlns:a14="http://schemas.microsoft.com/office/drawing/2010/main">
+                <a:solidFill>
+                  <a:srgbClr val="FFFFFF"/>
+                </a:solidFill>
+              </a14:hiddenFill>
+            </a:ext>
+          </a:extLst>
+        </p:spPr>
+      </p:pic>
+      <p:sp>
+        <p:nvSpPr>
+          <p:cNvPr id="22" name="Heptagon 21">
+            <a:extLst>
+              <a:ext uri="{FF2B5EF4-FFF2-40B4-BE49-F238E27FC236}">
+                <a16:creationId xmlns:a16="http://schemas.microsoft.com/office/drawing/2014/main" id="{9DC9C82A-36F2-4DA5-AAE7-F9FC02DA4D7C}"/>
+              </a:ext>
+            </a:extLst>
+          </p:cNvPr>
+          <p:cNvSpPr/>
+          <p:nvPr/>
+        </p:nvSpPr>
+        <p:spPr>
+          <a:xfrm>
+            <a:off x="3237456" y="774695"/>
+            <a:ext cx="307435" cy="344102"/>
+          </a:xfrm>
+          <a:prstGeom prst="heptagon">
+            <a:avLst/>
+          </a:prstGeom>
+        </p:spPr>
+        <p:style>
+          <a:lnRef idx="2">
+            <a:schemeClr val="accent1">
+              <a:shade val="50000"/>
+            </a:schemeClr>
+          </a:lnRef>
+          <a:fillRef idx="1">
+            <a:schemeClr val="accent1"/>
+          </a:fillRef>
+          <a:effectRef idx="0">
+            <a:schemeClr val="accent1"/>
+          </a:effectRef>
+          <a:fontRef idx="minor">
+            <a:schemeClr val="lt1"/>
+          </a:fontRef>
+        </p:style>
+        <p:txBody>
+          <a:bodyPr rtlCol="0" anchor="ctr"/>
+          <a:lstStyle/>
+          <a:p>
+            <a:pPr algn="ctr"/>
+            <a:r>
+              <a:rPr lang="en-US" dirty="0"/>
+              <a:t>4</a:t>
+            </a:r>
+          </a:p>
+        </p:txBody>
+      </p:sp>
+      <p:sp>
+        <p:nvSpPr>
+          <p:cNvPr id="23" name="Heptagon 22">
+            <a:extLst>
+              <a:ext uri="{FF2B5EF4-FFF2-40B4-BE49-F238E27FC236}">
+                <a16:creationId xmlns:a16="http://schemas.microsoft.com/office/drawing/2014/main" id="{D027EBA1-67A9-4BF1-ACE6-4F4DB7E49E26}"/>
+              </a:ext>
+            </a:extLst>
+          </p:cNvPr>
+          <p:cNvSpPr/>
+          <p:nvPr/>
+        </p:nvSpPr>
+        <p:spPr>
+          <a:xfrm>
+            <a:off x="3237455" y="5166586"/>
+            <a:ext cx="307435" cy="344102"/>
+          </a:xfrm>
+          <a:prstGeom prst="heptagon">
+            <a:avLst/>
+          </a:prstGeom>
+        </p:spPr>
+        <p:style>
+          <a:lnRef idx="2">
+            <a:schemeClr val="accent1">
+              <a:shade val="50000"/>
+            </a:schemeClr>
+          </a:lnRef>
+          <a:fillRef idx="1">
+            <a:schemeClr val="accent1"/>
+          </a:fillRef>
+          <a:effectRef idx="0">
+            <a:schemeClr val="accent1"/>
+          </a:effectRef>
+          <a:fontRef idx="minor">
+            <a:schemeClr val="lt1"/>
+          </a:fontRef>
+        </p:style>
+        <p:txBody>
+          <a:bodyPr rtlCol="0" anchor="ctr"/>
+          <a:lstStyle/>
+          <a:p>
+            <a:pPr algn="ctr"/>
+            <a:r>
+              <a:rPr lang="en-US" dirty="0"/>
+              <a:t>5</a:t>
+            </a:r>
+          </a:p>
+        </p:txBody>
+      </p:sp>
+      <p:sp>
+        <p:nvSpPr>
+          <p:cNvPr id="24" name="TextBox 23">
+            <a:extLst>
+              <a:ext uri="{FF2B5EF4-FFF2-40B4-BE49-F238E27FC236}">
+                <a16:creationId xmlns:a16="http://schemas.microsoft.com/office/drawing/2014/main" id="{444ADC56-8CEB-448D-9DB4-A40A04DCB75F}"/>
+              </a:ext>
+            </a:extLst>
+          </p:cNvPr>
+          <p:cNvSpPr txBox="1"/>
+          <p:nvPr/>
+        </p:nvSpPr>
+        <p:spPr>
+          <a:xfrm>
+            <a:off x="3544889" y="815284"/>
+            <a:ext cx="1206219" cy="276999"/>
+          </a:xfrm>
+          <a:prstGeom prst="rect">
+            <a:avLst/>
+          </a:prstGeom>
+          <a:noFill/>
+        </p:spPr>
+        <p:txBody>
+          <a:bodyPr wrap="square" rtlCol="0">
+            <a:spAutoFit/>
+          </a:bodyPr>
+          <a:lstStyle/>
+          <a:p>
+            <a:r>
+              <a:rPr lang="en-US" sz="1200" dirty="0">
+                <a:solidFill>
+                  <a:srgbClr val="002060"/>
+                </a:solidFill>
+                <a:latin typeface="Verdana" panose="020B0604030504040204" pitchFamily="34" charset="0"/>
+                <a:ea typeface="Verdana" panose="020B0604030504040204" pitchFamily="34" charset="0"/>
+              </a:rPr>
+              <a:t>Windows VM</a:t>
+            </a:r>
+          </a:p>
+        </p:txBody>
+      </p:sp>
+      <p:sp>
+        <p:nvSpPr>
+          <p:cNvPr id="25" name="TextBox 24">
+            <a:extLst>
+              <a:ext uri="{FF2B5EF4-FFF2-40B4-BE49-F238E27FC236}">
+                <a16:creationId xmlns:a16="http://schemas.microsoft.com/office/drawing/2014/main" id="{94D56564-9C91-49CE-B97F-D9A8EDAD6D68}"/>
+              </a:ext>
+            </a:extLst>
+          </p:cNvPr>
+          <p:cNvSpPr txBox="1"/>
+          <p:nvPr/>
+        </p:nvSpPr>
+        <p:spPr>
+          <a:xfrm>
+            <a:off x="3527429" y="5233689"/>
+            <a:ext cx="1206219" cy="276999"/>
+          </a:xfrm>
+          <a:prstGeom prst="rect">
+            <a:avLst/>
+          </a:prstGeom>
+          <a:noFill/>
+        </p:spPr>
+        <p:txBody>
+          <a:bodyPr wrap="square" rtlCol="0">
+            <a:spAutoFit/>
+          </a:bodyPr>
+          <a:lstStyle/>
+          <a:p>
+            <a:r>
+              <a:rPr lang="en-US" sz="1200" dirty="0">
+                <a:solidFill>
+                  <a:srgbClr val="002060"/>
+                </a:solidFill>
+                <a:latin typeface="Verdana" panose="020B0604030504040204" pitchFamily="34" charset="0"/>
+                <a:ea typeface="Verdana" panose="020B0604030504040204" pitchFamily="34" charset="0"/>
+              </a:rPr>
+              <a:t>Ubuntu VM</a:t>
+            </a:r>
+          </a:p>
+        </p:txBody>
+      </p:sp>
     </p:spTree>
     <p:extLst>
       <p:ext uri="{BB962C8B-B14F-4D97-AF65-F5344CB8AC3E}">
-        <p14:creationId xmlns:p14="http://schemas.microsoft.com/office/powerpoint/2010/main" val="1147422885"/>
+        <p14:creationId xmlns:p14="http://schemas.microsoft.com/office/powerpoint/2010/main" val="2581768136"/>
       </p:ext>
     </p:extLst>
   </p:cSld>
@@ -17017,7 +16731,7 @@
                 <a:latin typeface="Verdana" panose="020B0604030504040204" pitchFamily="34" charset="0"/>
                 <a:ea typeface="Verdana" panose="020B0604030504040204" pitchFamily="34" charset="0"/>
               </a:rPr>
-              <a:t>15-Sep-2021</a:t>
+              <a:t>29-Sep-2021</a:t>
             </a:r>
           </a:p>
         </p:txBody>
@@ -17199,10 +16913,10 @@
       </p:sp>
       <p:pic>
         <p:nvPicPr>
-          <p:cNvPr id="11" name="Picture 12">
-            <a:extLst>
-              <a:ext uri="{FF2B5EF4-FFF2-40B4-BE49-F238E27FC236}">
-                <a16:creationId xmlns:a16="http://schemas.microsoft.com/office/drawing/2014/main" id="{E1804A3B-1B22-4D61-BEDA-BBA0481E69D7}"/>
+          <p:cNvPr id="6" name="Picture 12">
+            <a:extLst>
+              <a:ext uri="{FF2B5EF4-FFF2-40B4-BE49-F238E27FC236}">
+                <a16:creationId xmlns:a16="http://schemas.microsoft.com/office/drawing/2014/main" id="{7898CFCB-7659-4968-8E49-75F24799EB68}"/>
               </a:ext>
             </a:extLst>
           </p:cNvPr>
@@ -17226,7 +16940,7 @@
         </p:blipFill>
         <p:spPr bwMode="auto">
           <a:xfrm>
-            <a:off x="7010400" y="2909887"/>
+            <a:off x="4370897" y="3051292"/>
             <a:ext cx="809625" cy="809625"/>
           </a:xfrm>
           <a:prstGeom prst="rect">
@@ -17246,10 +16960,10 @@
       </p:pic>
       <p:sp>
         <p:nvSpPr>
-          <p:cNvPr id="13" name="TextBox 12">
-            <a:extLst>
-              <a:ext uri="{FF2B5EF4-FFF2-40B4-BE49-F238E27FC236}">
-                <a16:creationId xmlns:a16="http://schemas.microsoft.com/office/drawing/2014/main" id="{489494EE-527E-4FB3-8F61-AB1C58DE779A}"/>
+          <p:cNvPr id="10" name="TextBox 9">
+            <a:extLst>
+              <a:ext uri="{FF2B5EF4-FFF2-40B4-BE49-F238E27FC236}">
+                <a16:creationId xmlns:a16="http://schemas.microsoft.com/office/drawing/2014/main" id="{3657454D-AD85-4AEE-82DC-6159AD7DE31E}"/>
               </a:ext>
             </a:extLst>
           </p:cNvPr>
@@ -17258,7 +16972,7 @@
         </p:nvSpPr>
         <p:spPr>
           <a:xfrm>
-            <a:off x="6984279" y="3753973"/>
+            <a:off x="4964445" y="2728022"/>
             <a:ext cx="834396" cy="276999"/>
           </a:xfrm>
           <a:prstGeom prst="rect">
@@ -17285,12 +16999,100 @@
           </a:p>
         </p:txBody>
       </p:sp>
+      <p:pic>
+        <p:nvPicPr>
+          <p:cNvPr id="11" name="Picture 10">
+            <a:extLst>
+              <a:ext uri="{FF2B5EF4-FFF2-40B4-BE49-F238E27FC236}">
+                <a16:creationId xmlns:a16="http://schemas.microsoft.com/office/drawing/2014/main" id="{13644FC0-4432-4DAA-BB42-865EDC6E7039}"/>
+              </a:ext>
+            </a:extLst>
+          </p:cNvPr>
+          <p:cNvPicPr>
+            <a:picLocks noChangeAspect="1" noChangeArrowheads="1"/>
+          </p:cNvPicPr>
+          <p:nvPr/>
+        </p:nvPicPr>
+        <p:blipFill>
+          <a:blip r:embed="rId3">
+            <a:extLst>
+              <a:ext uri="{28A0092B-C50C-407E-A947-70E740481C1C}">
+                <a14:useLocalDpi xmlns:a14="http://schemas.microsoft.com/office/drawing/2010/main" val="0"/>
+              </a:ext>
+            </a:extLst>
+          </a:blip>
+          <a:srcRect/>
+          <a:stretch>
+            <a:fillRect/>
+          </a:stretch>
+        </p:blipFill>
+        <p:spPr bwMode="auto">
+          <a:xfrm>
+            <a:off x="8309297" y="3051292"/>
+            <a:ext cx="810000" cy="810000"/>
+          </a:xfrm>
+          <a:prstGeom prst="rect">
+            <a:avLst/>
+          </a:prstGeom>
+          <a:noFill/>
+          <a:extLst>
+            <a:ext uri="{909E8E84-426E-40DD-AFC4-6F175D3DCCD1}">
+              <a14:hiddenFill xmlns:a14="http://schemas.microsoft.com/office/drawing/2010/main">
+                <a:solidFill>
+                  <a:srgbClr val="FFFFFF"/>
+                </a:solidFill>
+              </a14:hiddenFill>
+            </a:ext>
+          </a:extLst>
+        </p:spPr>
+      </p:pic>
+      <p:sp>
+        <p:nvSpPr>
+          <p:cNvPr id="13" name="TextBox 12">
+            <a:extLst>
+              <a:ext uri="{FF2B5EF4-FFF2-40B4-BE49-F238E27FC236}">
+                <a16:creationId xmlns:a16="http://schemas.microsoft.com/office/drawing/2014/main" id="{83BEFD28-360B-4C34-B776-983624107E9B}"/>
+              </a:ext>
+            </a:extLst>
+          </p:cNvPr>
+          <p:cNvSpPr txBox="1"/>
+          <p:nvPr/>
+        </p:nvSpPr>
+        <p:spPr>
+          <a:xfrm>
+            <a:off x="7509694" y="2722384"/>
+            <a:ext cx="992579" cy="276999"/>
+          </a:xfrm>
+          <a:prstGeom prst="rect">
+            <a:avLst/>
+          </a:prstGeom>
+          <a:noFill/>
+        </p:spPr>
+        <p:txBody>
+          <a:bodyPr wrap="none" rtlCol="0">
+            <a:spAutoFit/>
+          </a:bodyPr>
+          <a:lstStyle/>
+          <a:p>
+            <a:r>
+              <a:rPr lang="en-US" sz="1200" dirty="0">
+                <a:solidFill>
+                  <a:srgbClr val="002060"/>
+                </a:solidFill>
+                <a:latin typeface="Verdana" panose="020B0604030504040204" pitchFamily="34" charset="0"/>
+                <a:ea typeface="Verdana" panose="020B0604030504040204" pitchFamily="34" charset="0"/>
+              </a:rPr>
+              <a:t>Azure SQL</a:t>
+            </a:r>
+          </a:p>
+        </p:txBody>
+      </p:sp>
       <p:sp>
         <p:nvSpPr>
           <p:cNvPr id="14" name="Heptagon 13">
             <a:extLst>
               <a:ext uri="{FF2B5EF4-FFF2-40B4-BE49-F238E27FC236}">
-                <a16:creationId xmlns:a16="http://schemas.microsoft.com/office/drawing/2014/main" id="{5F21601D-4357-469C-9B2B-ED603C89EE75}"/>
+                <a16:creationId xmlns:a16="http://schemas.microsoft.com/office/drawing/2014/main" id="{932FD78C-C27D-4D87-9137-AB3F88C3B70B}"/>
               </a:ext>
             </a:extLst>
           </p:cNvPr>
@@ -17299,7 +17101,7 @@
         </p:nvSpPr>
         <p:spPr>
           <a:xfrm>
-            <a:off x="7254452" y="2559510"/>
+            <a:off x="4614950" y="2700919"/>
             <a:ext cx="307435" cy="344102"/>
           </a:xfrm>
           <a:prstGeom prst="heptagon">
@@ -17334,10 +17136,275 @@
           </a:p>
         </p:txBody>
       </p:sp>
+      <p:sp>
+        <p:nvSpPr>
+          <p:cNvPr id="15" name="Heptagon 14">
+            <a:extLst>
+              <a:ext uri="{FF2B5EF4-FFF2-40B4-BE49-F238E27FC236}">
+                <a16:creationId xmlns:a16="http://schemas.microsoft.com/office/drawing/2014/main" id="{1E40AC33-A982-446B-9D49-9D733A49316A}"/>
+              </a:ext>
+            </a:extLst>
+          </p:cNvPr>
+          <p:cNvSpPr/>
+          <p:nvPr/>
+        </p:nvSpPr>
+        <p:spPr>
+          <a:xfrm>
+            <a:off x="8440483" y="2700919"/>
+            <a:ext cx="307435" cy="344102"/>
+          </a:xfrm>
+          <a:prstGeom prst="heptagon">
+            <a:avLst/>
+          </a:prstGeom>
+        </p:spPr>
+        <p:style>
+          <a:lnRef idx="2">
+            <a:schemeClr val="accent1">
+              <a:shade val="50000"/>
+            </a:schemeClr>
+          </a:lnRef>
+          <a:fillRef idx="1">
+            <a:schemeClr val="accent1"/>
+          </a:fillRef>
+          <a:effectRef idx="0">
+            <a:schemeClr val="accent1"/>
+          </a:effectRef>
+          <a:fontRef idx="minor">
+            <a:schemeClr val="lt1"/>
+          </a:fontRef>
+        </p:style>
+        <p:txBody>
+          <a:bodyPr rtlCol="0" anchor="ctr"/>
+          <a:lstStyle/>
+          <a:p>
+            <a:pPr algn="ctr"/>
+            <a:r>
+              <a:rPr lang="en-US" dirty="0"/>
+              <a:t>2</a:t>
+            </a:r>
+          </a:p>
+        </p:txBody>
+      </p:sp>
+      <p:pic>
+        <p:nvPicPr>
+          <p:cNvPr id="1026" name="Picture 2">
+            <a:extLst>
+              <a:ext uri="{FF2B5EF4-FFF2-40B4-BE49-F238E27FC236}">
+                <a16:creationId xmlns:a16="http://schemas.microsoft.com/office/drawing/2014/main" id="{F57E8191-61DB-4EA0-9C1C-F149C364155D}"/>
+              </a:ext>
+            </a:extLst>
+          </p:cNvPr>
+          <p:cNvPicPr>
+            <a:picLocks noChangeAspect="1" noChangeArrowheads="1"/>
+          </p:cNvPicPr>
+          <p:nvPr/>
+        </p:nvPicPr>
+        <p:blipFill>
+          <a:blip r:embed="rId4">
+            <a:extLst>
+              <a:ext uri="{28A0092B-C50C-407E-A947-70E740481C1C}">
+                <a14:useLocalDpi xmlns:a14="http://schemas.microsoft.com/office/drawing/2010/main" val="0"/>
+              </a:ext>
+            </a:extLst>
+          </a:blip>
+          <a:srcRect/>
+          <a:stretch>
+            <a:fillRect/>
+          </a:stretch>
+        </p:blipFill>
+        <p:spPr bwMode="auto">
+          <a:xfrm>
+            <a:off x="4370897" y="5041057"/>
+            <a:ext cx="810000" cy="810000"/>
+          </a:xfrm>
+          <a:prstGeom prst="rect">
+            <a:avLst/>
+          </a:prstGeom>
+          <a:noFill/>
+          <a:extLst>
+            <a:ext uri="{909E8E84-426E-40DD-AFC4-6F175D3DCCD1}">
+              <a14:hiddenFill xmlns:a14="http://schemas.microsoft.com/office/drawing/2010/main">
+                <a:solidFill>
+                  <a:srgbClr val="FFFFFF"/>
+                </a:solidFill>
+              </a14:hiddenFill>
+            </a:ext>
+          </a:extLst>
+        </p:spPr>
+      </p:pic>
+      <p:cxnSp>
+        <p:nvCxnSpPr>
+          <p:cNvPr id="4" name="Straight Connector 3">
+            <a:extLst>
+              <a:ext uri="{FF2B5EF4-FFF2-40B4-BE49-F238E27FC236}">
+                <a16:creationId xmlns:a16="http://schemas.microsoft.com/office/drawing/2014/main" id="{3305130D-A90B-4CF0-8C61-F044EE9BFE47}"/>
+              </a:ext>
+            </a:extLst>
+          </p:cNvPr>
+          <p:cNvCxnSpPr>
+            <a:stCxn id="6" idx="3"/>
+            <a:endCxn id="11" idx="1"/>
+          </p:cNvCxnSpPr>
+          <p:nvPr/>
+        </p:nvCxnSpPr>
+        <p:spPr>
+          <a:xfrm>
+            <a:off x="5180522" y="3456105"/>
+            <a:ext cx="3128775" cy="187"/>
+          </a:xfrm>
+          <a:prstGeom prst="line">
+            <a:avLst/>
+          </a:prstGeom>
+        </p:spPr>
+        <p:style>
+          <a:lnRef idx="2">
+            <a:schemeClr val="accent1"/>
+          </a:lnRef>
+          <a:fillRef idx="0">
+            <a:schemeClr val="accent1"/>
+          </a:fillRef>
+          <a:effectRef idx="1">
+            <a:schemeClr val="accent1"/>
+          </a:effectRef>
+          <a:fontRef idx="minor">
+            <a:schemeClr val="tx1"/>
+          </a:fontRef>
+        </p:style>
+      </p:cxnSp>
+      <p:cxnSp>
+        <p:nvCxnSpPr>
+          <p:cNvPr id="17" name="Straight Connector 16">
+            <a:extLst>
+              <a:ext uri="{FF2B5EF4-FFF2-40B4-BE49-F238E27FC236}">
+                <a16:creationId xmlns:a16="http://schemas.microsoft.com/office/drawing/2014/main" id="{AAC1447B-07A7-40E7-8652-6EC297A4352B}"/>
+              </a:ext>
+            </a:extLst>
+          </p:cNvPr>
+          <p:cNvCxnSpPr>
+            <a:stCxn id="6" idx="2"/>
+            <a:endCxn id="1026" idx="0"/>
+          </p:cNvCxnSpPr>
+          <p:nvPr/>
+        </p:nvCxnSpPr>
+        <p:spPr>
+          <a:xfrm>
+            <a:off x="4775710" y="3860917"/>
+            <a:ext cx="187" cy="1180140"/>
+          </a:xfrm>
+          <a:prstGeom prst="line">
+            <a:avLst/>
+          </a:prstGeom>
+          <a:ln w="12700"/>
+        </p:spPr>
+        <p:style>
+          <a:lnRef idx="1">
+            <a:schemeClr val="accent1"/>
+          </a:lnRef>
+          <a:fillRef idx="0">
+            <a:schemeClr val="accent1"/>
+          </a:fillRef>
+          <a:effectRef idx="0">
+            <a:schemeClr val="accent1"/>
+          </a:effectRef>
+          <a:fontRef idx="minor">
+            <a:schemeClr val="tx1"/>
+          </a:fontRef>
+        </p:style>
+      </p:cxnSp>
+      <p:sp>
+        <p:nvSpPr>
+          <p:cNvPr id="20" name="Heptagon 19">
+            <a:extLst>
+              <a:ext uri="{FF2B5EF4-FFF2-40B4-BE49-F238E27FC236}">
+                <a16:creationId xmlns:a16="http://schemas.microsoft.com/office/drawing/2014/main" id="{81B034CB-CC36-4166-926A-86A06D7A20E6}"/>
+              </a:ext>
+            </a:extLst>
+          </p:cNvPr>
+          <p:cNvSpPr/>
+          <p:nvPr/>
+        </p:nvSpPr>
+        <p:spPr>
+          <a:xfrm>
+            <a:off x="4614950" y="5858706"/>
+            <a:ext cx="307435" cy="344102"/>
+          </a:xfrm>
+          <a:prstGeom prst="heptagon">
+            <a:avLst/>
+          </a:prstGeom>
+        </p:spPr>
+        <p:style>
+          <a:lnRef idx="2">
+            <a:schemeClr val="accent1">
+              <a:shade val="50000"/>
+            </a:schemeClr>
+          </a:lnRef>
+          <a:fillRef idx="1">
+            <a:schemeClr val="accent1"/>
+          </a:fillRef>
+          <a:effectRef idx="0">
+            <a:schemeClr val="accent1"/>
+          </a:effectRef>
+          <a:fontRef idx="minor">
+            <a:schemeClr val="lt1"/>
+          </a:fontRef>
+        </p:style>
+        <p:txBody>
+          <a:bodyPr rtlCol="0" anchor="ctr"/>
+          <a:lstStyle/>
+          <a:p>
+            <a:pPr algn="ctr"/>
+            <a:r>
+              <a:rPr lang="en-US" dirty="0"/>
+              <a:t>3</a:t>
+            </a:r>
+          </a:p>
+        </p:txBody>
+      </p:sp>
+      <p:sp>
+        <p:nvSpPr>
+          <p:cNvPr id="21" name="TextBox 20">
+            <a:extLst>
+              <a:ext uri="{FF2B5EF4-FFF2-40B4-BE49-F238E27FC236}">
+                <a16:creationId xmlns:a16="http://schemas.microsoft.com/office/drawing/2014/main" id="{BE85FB5F-7B2C-4F7C-80F9-0633CA2F185C}"/>
+              </a:ext>
+            </a:extLst>
+          </p:cNvPr>
+          <p:cNvSpPr txBox="1"/>
+          <p:nvPr/>
+        </p:nvSpPr>
+        <p:spPr>
+          <a:xfrm>
+            <a:off x="5143834" y="5269474"/>
+            <a:ext cx="847733" cy="276999"/>
+          </a:xfrm>
+          <a:prstGeom prst="rect">
+            <a:avLst/>
+          </a:prstGeom>
+          <a:noFill/>
+        </p:spPr>
+        <p:txBody>
+          <a:bodyPr wrap="none" rtlCol="0">
+            <a:spAutoFit/>
+          </a:bodyPr>
+          <a:lstStyle/>
+          <a:p>
+            <a:r>
+              <a:rPr lang="en-US" sz="1200" dirty="0">
+                <a:solidFill>
+                  <a:srgbClr val="002060"/>
+                </a:solidFill>
+                <a:latin typeface="Verdana" panose="020B0604030504040204" pitchFamily="34" charset="0"/>
+                <a:ea typeface="Verdana" panose="020B0604030504040204" pitchFamily="34" charset="0"/>
+              </a:rPr>
+              <a:t>Postman</a:t>
+            </a:r>
+          </a:p>
+        </p:txBody>
+      </p:sp>
     </p:spTree>
     <p:extLst>
       <p:ext uri="{BB962C8B-B14F-4D97-AF65-F5344CB8AC3E}">
-        <p14:creationId xmlns:p14="http://schemas.microsoft.com/office/powerpoint/2010/main" val="3396452104"/>
+        <p14:creationId xmlns:p14="http://schemas.microsoft.com/office/powerpoint/2010/main" val="1147422885"/>
       </p:ext>
     </p:extLst>
   </p:cSld>

--- a/microsoft-reactor/Demos.pptx
+++ b/microsoft-reactor/Demos.pptx
@@ -7,17 +7,18 @@
   <p:sldIdLst>
     <p:sldId id="329" r:id="rId2"/>
     <p:sldId id="336" r:id="rId3"/>
-    <p:sldId id="282" r:id="rId4"/>
-    <p:sldId id="337" r:id="rId5"/>
-    <p:sldId id="334" r:id="rId6"/>
-    <p:sldId id="333" r:id="rId7"/>
-    <p:sldId id="331" r:id="rId8"/>
-    <p:sldId id="330" r:id="rId9"/>
-    <p:sldId id="328" r:id="rId10"/>
-    <p:sldId id="327" r:id="rId11"/>
-    <p:sldId id="326" r:id="rId12"/>
-    <p:sldId id="335" r:id="rId13"/>
-    <p:sldId id="332" r:id="rId14"/>
+    <p:sldId id="338" r:id="rId4"/>
+    <p:sldId id="282" r:id="rId5"/>
+    <p:sldId id="337" r:id="rId6"/>
+    <p:sldId id="334" r:id="rId7"/>
+    <p:sldId id="333" r:id="rId8"/>
+    <p:sldId id="331" r:id="rId9"/>
+    <p:sldId id="330" r:id="rId10"/>
+    <p:sldId id="328" r:id="rId11"/>
+    <p:sldId id="327" r:id="rId12"/>
+    <p:sldId id="326" r:id="rId13"/>
+    <p:sldId id="335" r:id="rId14"/>
+    <p:sldId id="332" r:id="rId15"/>
   </p:sldIdLst>
   <p:sldSz cx="12192000" cy="6858000"/>
   <p:notesSz cx="6858000" cy="9144000"/>
@@ -273,7 +274,7 @@
           <a:p>
             <a:fld id="{3F64E90C-326F-45C8-9212-4C9C4B7EF630}" type="datetimeFigureOut">
               <a:rPr lang="en-IN" smtClean="0"/>
-              <a:t>31-07-2022</a:t>
+              <a:t>04-08-2022</a:t>
             </a:fld>
             <a:endParaRPr lang="en-IN"/>
           </a:p>
@@ -473,7 +474,7 @@
           <a:p>
             <a:fld id="{3F64E90C-326F-45C8-9212-4C9C4B7EF630}" type="datetimeFigureOut">
               <a:rPr lang="en-IN" smtClean="0"/>
-              <a:t>31-07-2022</a:t>
+              <a:t>04-08-2022</a:t>
             </a:fld>
             <a:endParaRPr lang="en-IN"/>
           </a:p>
@@ -683,7 +684,7 @@
           <a:p>
             <a:fld id="{3F64E90C-326F-45C8-9212-4C9C4B7EF630}" type="datetimeFigureOut">
               <a:rPr lang="en-IN" smtClean="0"/>
-              <a:t>31-07-2022</a:t>
+              <a:t>04-08-2022</a:t>
             </a:fld>
             <a:endParaRPr lang="en-IN"/>
           </a:p>
@@ -883,7 +884,7 @@
           <a:p>
             <a:fld id="{3F64E90C-326F-45C8-9212-4C9C4B7EF630}" type="datetimeFigureOut">
               <a:rPr lang="en-IN" smtClean="0"/>
-              <a:t>31-07-2022</a:t>
+              <a:t>04-08-2022</a:t>
             </a:fld>
             <a:endParaRPr lang="en-IN"/>
           </a:p>
@@ -1159,7 +1160,7 @@
           <a:p>
             <a:fld id="{3F64E90C-326F-45C8-9212-4C9C4B7EF630}" type="datetimeFigureOut">
               <a:rPr lang="en-IN" smtClean="0"/>
-              <a:t>31-07-2022</a:t>
+              <a:t>04-08-2022</a:t>
             </a:fld>
             <a:endParaRPr lang="en-IN"/>
           </a:p>
@@ -1427,7 +1428,7 @@
           <a:p>
             <a:fld id="{3F64E90C-326F-45C8-9212-4C9C4B7EF630}" type="datetimeFigureOut">
               <a:rPr lang="en-IN" smtClean="0"/>
-              <a:t>31-07-2022</a:t>
+              <a:t>04-08-2022</a:t>
             </a:fld>
             <a:endParaRPr lang="en-IN"/>
           </a:p>
@@ -1842,7 +1843,7 @@
           <a:p>
             <a:fld id="{3F64E90C-326F-45C8-9212-4C9C4B7EF630}" type="datetimeFigureOut">
               <a:rPr lang="en-IN" smtClean="0"/>
-              <a:t>31-07-2022</a:t>
+              <a:t>04-08-2022</a:t>
             </a:fld>
             <a:endParaRPr lang="en-IN"/>
           </a:p>
@@ -1984,7 +1985,7 @@
           <a:p>
             <a:fld id="{3F64E90C-326F-45C8-9212-4C9C4B7EF630}" type="datetimeFigureOut">
               <a:rPr lang="en-IN" smtClean="0"/>
-              <a:t>31-07-2022</a:t>
+              <a:t>04-08-2022</a:t>
             </a:fld>
             <a:endParaRPr lang="en-IN"/>
           </a:p>
@@ -2097,7 +2098,7 @@
           <a:p>
             <a:fld id="{3F64E90C-326F-45C8-9212-4C9C4B7EF630}" type="datetimeFigureOut">
               <a:rPr lang="en-IN" smtClean="0"/>
-              <a:t>31-07-2022</a:t>
+              <a:t>04-08-2022</a:t>
             </a:fld>
             <a:endParaRPr lang="en-IN"/>
           </a:p>
@@ -2410,7 +2411,7 @@
           <a:p>
             <a:fld id="{3F64E90C-326F-45C8-9212-4C9C4B7EF630}" type="datetimeFigureOut">
               <a:rPr lang="en-IN" smtClean="0"/>
-              <a:t>31-07-2022</a:t>
+              <a:t>04-08-2022</a:t>
             </a:fld>
             <a:endParaRPr lang="en-IN"/>
           </a:p>
@@ -2699,7 +2700,7 @@
           <a:p>
             <a:fld id="{3F64E90C-326F-45C8-9212-4C9C4B7EF630}" type="datetimeFigureOut">
               <a:rPr lang="en-IN" smtClean="0"/>
-              <a:t>31-07-2022</a:t>
+              <a:t>04-08-2022</a:t>
             </a:fld>
             <a:endParaRPr lang="en-IN"/>
           </a:p>
@@ -2942,7 +2943,7 @@
           <a:p>
             <a:fld id="{3F64E90C-326F-45C8-9212-4C9C4B7EF630}" type="datetimeFigureOut">
               <a:rPr lang="en-IN" smtClean="0"/>
-              <a:t>31-07-2022</a:t>
+              <a:t>04-08-2022</a:t>
             </a:fld>
             <a:endParaRPr lang="en-IN"/>
           </a:p>
@@ -3953,6 +3954,792 @@
                 <a:latin typeface="Verdana" panose="020B0604030504040204" pitchFamily="34" charset="0"/>
                 <a:ea typeface="Verdana" panose="020B0604030504040204" pitchFamily="34" charset="0"/>
               </a:rPr>
+              <a:t>29-Sep-2021</a:t>
+            </a:r>
+          </a:p>
+        </p:txBody>
+      </p:sp>
+      <p:sp>
+        <p:nvSpPr>
+          <p:cNvPr id="9" name="Slide Number Placeholder 8">
+            <a:extLst>
+              <a:ext uri="{FF2B5EF4-FFF2-40B4-BE49-F238E27FC236}">
+                <a16:creationId xmlns:a16="http://schemas.microsoft.com/office/drawing/2014/main" id="{8162625C-0B1F-42E0-BE7C-D99A08FED7A3}"/>
+              </a:ext>
+            </a:extLst>
+          </p:cNvPr>
+          <p:cNvSpPr>
+            <a:spLocks noGrp="1"/>
+          </p:cNvSpPr>
+          <p:nvPr>
+            <p:ph type="sldNum" sz="quarter" idx="12"/>
+          </p:nvPr>
+        </p:nvSpPr>
+        <p:spPr>
+          <a:xfrm>
+            <a:off x="8610600" y="6476336"/>
+            <a:ext cx="2743200" cy="365125"/>
+          </a:xfrm>
+        </p:spPr>
+        <p:txBody>
+          <a:bodyPr/>
+          <a:lstStyle/>
+          <a:p>
+            <a:r>
+              <a:rPr lang="en-IN" b="1" dirty="0">
+                <a:solidFill>
+                  <a:srgbClr val="002060"/>
+                </a:solidFill>
+                <a:latin typeface="Verdana" panose="020B0604030504040204" pitchFamily="34" charset="0"/>
+                <a:ea typeface="Verdana" panose="020B0604030504040204" pitchFamily="34" charset="0"/>
+              </a:rPr>
+              <a:t>1</a:t>
+            </a:r>
+          </a:p>
+        </p:txBody>
+      </p:sp>
+      <p:sp>
+        <p:nvSpPr>
+          <p:cNvPr id="12" name="Footer Placeholder 7">
+            <a:extLst>
+              <a:ext uri="{FF2B5EF4-FFF2-40B4-BE49-F238E27FC236}">
+                <a16:creationId xmlns:a16="http://schemas.microsoft.com/office/drawing/2014/main" id="{64C57949-E349-47D3-A505-A098233AF49D}"/>
+              </a:ext>
+            </a:extLst>
+          </p:cNvPr>
+          <p:cNvSpPr txBox="1">
+            <a:spLocks/>
+          </p:cNvSpPr>
+          <p:nvPr/>
+        </p:nvSpPr>
+        <p:spPr>
+          <a:xfrm>
+            <a:off x="133897" y="6477810"/>
+            <a:ext cx="4114800" cy="365125"/>
+          </a:xfrm>
+          <a:prstGeom prst="rect">
+            <a:avLst/>
+          </a:prstGeom>
+        </p:spPr>
+        <p:txBody>
+          <a:bodyPr vert="horz" lIns="91440" tIns="45720" rIns="91440" bIns="45720" rtlCol="0" anchor="ctr"/>
+          <a:lstStyle>
+            <a:defPPr>
+              <a:defRPr lang="en-US"/>
+            </a:defPPr>
+            <a:lvl1pPr marL="0" algn="ctr" defTabSz="914400" rtl="0" eaLnBrk="1" latinLnBrk="0" hangingPunct="1">
+              <a:defRPr sz="1200" kern="1200">
+                <a:solidFill>
+                  <a:schemeClr val="tx1">
+                    <a:tint val="75000"/>
+                  </a:schemeClr>
+                </a:solidFill>
+                <a:latin typeface="+mn-lt"/>
+                <a:ea typeface="+mn-ea"/>
+                <a:cs typeface="+mn-cs"/>
+              </a:defRPr>
+            </a:lvl1pPr>
+            <a:lvl2pPr marL="457200" algn="l" defTabSz="914400" rtl="0" eaLnBrk="1" latinLnBrk="0" hangingPunct="1">
+              <a:defRPr sz="1800" kern="1200">
+                <a:solidFill>
+                  <a:schemeClr val="tx1"/>
+                </a:solidFill>
+                <a:latin typeface="+mn-lt"/>
+                <a:ea typeface="+mn-ea"/>
+                <a:cs typeface="+mn-cs"/>
+              </a:defRPr>
+            </a:lvl2pPr>
+            <a:lvl3pPr marL="914400" algn="l" defTabSz="914400" rtl="0" eaLnBrk="1" latinLnBrk="0" hangingPunct="1">
+              <a:defRPr sz="1800" kern="1200">
+                <a:solidFill>
+                  <a:schemeClr val="tx1"/>
+                </a:solidFill>
+                <a:latin typeface="+mn-lt"/>
+                <a:ea typeface="+mn-ea"/>
+                <a:cs typeface="+mn-cs"/>
+              </a:defRPr>
+            </a:lvl3pPr>
+            <a:lvl4pPr marL="1371600" algn="l" defTabSz="914400" rtl="0" eaLnBrk="1" latinLnBrk="0" hangingPunct="1">
+              <a:defRPr sz="1800" kern="1200">
+                <a:solidFill>
+                  <a:schemeClr val="tx1"/>
+                </a:solidFill>
+                <a:latin typeface="+mn-lt"/>
+                <a:ea typeface="+mn-ea"/>
+                <a:cs typeface="+mn-cs"/>
+              </a:defRPr>
+            </a:lvl4pPr>
+            <a:lvl5pPr marL="1828800" algn="l" defTabSz="914400" rtl="0" eaLnBrk="1" latinLnBrk="0" hangingPunct="1">
+              <a:defRPr sz="1800" kern="1200">
+                <a:solidFill>
+                  <a:schemeClr val="tx1"/>
+                </a:solidFill>
+                <a:latin typeface="+mn-lt"/>
+                <a:ea typeface="+mn-ea"/>
+                <a:cs typeface="+mn-cs"/>
+              </a:defRPr>
+            </a:lvl5pPr>
+            <a:lvl6pPr marL="2286000" algn="l" defTabSz="914400" rtl="0" eaLnBrk="1" latinLnBrk="0" hangingPunct="1">
+              <a:defRPr sz="1800" kern="1200">
+                <a:solidFill>
+                  <a:schemeClr val="tx1"/>
+                </a:solidFill>
+                <a:latin typeface="+mn-lt"/>
+                <a:ea typeface="+mn-ea"/>
+                <a:cs typeface="+mn-cs"/>
+              </a:defRPr>
+            </a:lvl6pPr>
+            <a:lvl7pPr marL="2743200" algn="l" defTabSz="914400" rtl="0" eaLnBrk="1" latinLnBrk="0" hangingPunct="1">
+              <a:defRPr sz="1800" kern="1200">
+                <a:solidFill>
+                  <a:schemeClr val="tx1"/>
+                </a:solidFill>
+                <a:latin typeface="+mn-lt"/>
+                <a:ea typeface="+mn-ea"/>
+                <a:cs typeface="+mn-cs"/>
+              </a:defRPr>
+            </a:lvl7pPr>
+            <a:lvl8pPr marL="3200400" algn="l" defTabSz="914400" rtl="0" eaLnBrk="1" latinLnBrk="0" hangingPunct="1">
+              <a:defRPr sz="1800" kern="1200">
+                <a:solidFill>
+                  <a:schemeClr val="tx1"/>
+                </a:solidFill>
+                <a:latin typeface="+mn-lt"/>
+                <a:ea typeface="+mn-ea"/>
+                <a:cs typeface="+mn-cs"/>
+              </a:defRPr>
+            </a:lvl8pPr>
+            <a:lvl9pPr marL="3657600" algn="l" defTabSz="914400" rtl="0" eaLnBrk="1" latinLnBrk="0" hangingPunct="1">
+              <a:defRPr sz="1800" kern="1200">
+                <a:solidFill>
+                  <a:schemeClr val="tx1"/>
+                </a:solidFill>
+                <a:latin typeface="+mn-lt"/>
+                <a:ea typeface="+mn-ea"/>
+                <a:cs typeface="+mn-cs"/>
+              </a:defRPr>
+            </a:lvl9pPr>
+          </a:lstStyle>
+          <a:p>
+            <a:r>
+              <a:rPr lang="en-IN" b="1" dirty="0">
+                <a:solidFill>
+                  <a:srgbClr val="002060"/>
+                </a:solidFill>
+                <a:latin typeface="Verdana" panose="020B0604030504040204" pitchFamily="34" charset="0"/>
+                <a:ea typeface="Verdana" panose="020B0604030504040204" pitchFamily="34" charset="0"/>
+              </a:rPr>
+              <a:t>Microsoft Reactor Bengaluru</a:t>
+            </a:r>
+          </a:p>
+        </p:txBody>
+      </p:sp>
+      <p:pic>
+        <p:nvPicPr>
+          <p:cNvPr id="6" name="Picture 12">
+            <a:extLst>
+              <a:ext uri="{FF2B5EF4-FFF2-40B4-BE49-F238E27FC236}">
+                <a16:creationId xmlns:a16="http://schemas.microsoft.com/office/drawing/2014/main" id="{7898CFCB-7659-4968-8E49-75F24799EB68}"/>
+              </a:ext>
+            </a:extLst>
+          </p:cNvPr>
+          <p:cNvPicPr>
+            <a:picLocks noChangeAspect="1" noChangeArrowheads="1"/>
+          </p:cNvPicPr>
+          <p:nvPr/>
+        </p:nvPicPr>
+        <p:blipFill>
+          <a:blip r:embed="rId2">
+            <a:extLst>
+              <a:ext uri="{28A0092B-C50C-407E-A947-70E740481C1C}">
+                <a14:useLocalDpi xmlns:a14="http://schemas.microsoft.com/office/drawing/2010/main" val="0"/>
+              </a:ext>
+            </a:extLst>
+          </a:blip>
+          <a:srcRect/>
+          <a:stretch>
+            <a:fillRect/>
+          </a:stretch>
+        </p:blipFill>
+        <p:spPr bwMode="auto">
+          <a:xfrm>
+            <a:off x="4370897" y="3051292"/>
+            <a:ext cx="809625" cy="809625"/>
+          </a:xfrm>
+          <a:prstGeom prst="rect">
+            <a:avLst/>
+          </a:prstGeom>
+          <a:noFill/>
+          <a:extLst>
+            <a:ext uri="{909E8E84-426E-40DD-AFC4-6F175D3DCCD1}">
+              <a14:hiddenFill xmlns:a14="http://schemas.microsoft.com/office/drawing/2010/main">
+                <a:solidFill>
+                  <a:srgbClr val="FFFFFF"/>
+                </a:solidFill>
+              </a14:hiddenFill>
+            </a:ext>
+          </a:extLst>
+        </p:spPr>
+      </p:pic>
+      <p:sp>
+        <p:nvSpPr>
+          <p:cNvPr id="10" name="TextBox 9">
+            <a:extLst>
+              <a:ext uri="{FF2B5EF4-FFF2-40B4-BE49-F238E27FC236}">
+                <a16:creationId xmlns:a16="http://schemas.microsoft.com/office/drawing/2014/main" id="{3657454D-AD85-4AEE-82DC-6159AD7DE31E}"/>
+              </a:ext>
+            </a:extLst>
+          </p:cNvPr>
+          <p:cNvSpPr txBox="1"/>
+          <p:nvPr/>
+        </p:nvSpPr>
+        <p:spPr>
+          <a:xfrm>
+            <a:off x="4964445" y="2728022"/>
+            <a:ext cx="834396" cy="276999"/>
+          </a:xfrm>
+          <a:prstGeom prst="rect">
+            <a:avLst/>
+          </a:prstGeom>
+          <a:noFill/>
+        </p:spPr>
+        <p:txBody>
+          <a:bodyPr wrap="none" rtlCol="0">
+            <a:spAutoFit/>
+          </a:bodyPr>
+          <a:lstStyle/>
+          <a:p>
+            <a:r>
+              <a:rPr lang="en-US" sz="1200" dirty="0">
+                <a:solidFill>
+                  <a:srgbClr val="002060"/>
+                </a:solidFill>
+                <a:latin typeface="Verdana" panose="020B0604030504040204" pitchFamily="34" charset="0"/>
+                <a:ea typeface="Verdana" panose="020B0604030504040204" pitchFamily="34" charset="0"/>
+              </a:rPr>
+              <a:t>Web API</a:t>
+            </a:r>
+          </a:p>
+        </p:txBody>
+      </p:sp>
+      <p:pic>
+        <p:nvPicPr>
+          <p:cNvPr id="11" name="Picture 10">
+            <a:extLst>
+              <a:ext uri="{FF2B5EF4-FFF2-40B4-BE49-F238E27FC236}">
+                <a16:creationId xmlns:a16="http://schemas.microsoft.com/office/drawing/2014/main" id="{13644FC0-4432-4DAA-BB42-865EDC6E7039}"/>
+              </a:ext>
+            </a:extLst>
+          </p:cNvPr>
+          <p:cNvPicPr>
+            <a:picLocks noChangeAspect="1" noChangeArrowheads="1"/>
+          </p:cNvPicPr>
+          <p:nvPr/>
+        </p:nvPicPr>
+        <p:blipFill>
+          <a:blip r:embed="rId3">
+            <a:extLst>
+              <a:ext uri="{28A0092B-C50C-407E-A947-70E740481C1C}">
+                <a14:useLocalDpi xmlns:a14="http://schemas.microsoft.com/office/drawing/2010/main" val="0"/>
+              </a:ext>
+            </a:extLst>
+          </a:blip>
+          <a:srcRect/>
+          <a:stretch>
+            <a:fillRect/>
+          </a:stretch>
+        </p:blipFill>
+        <p:spPr bwMode="auto">
+          <a:xfrm>
+            <a:off x="8309297" y="3051292"/>
+            <a:ext cx="810000" cy="810000"/>
+          </a:xfrm>
+          <a:prstGeom prst="rect">
+            <a:avLst/>
+          </a:prstGeom>
+          <a:noFill/>
+          <a:extLst>
+            <a:ext uri="{909E8E84-426E-40DD-AFC4-6F175D3DCCD1}">
+              <a14:hiddenFill xmlns:a14="http://schemas.microsoft.com/office/drawing/2010/main">
+                <a:solidFill>
+                  <a:srgbClr val="FFFFFF"/>
+                </a:solidFill>
+              </a14:hiddenFill>
+            </a:ext>
+          </a:extLst>
+        </p:spPr>
+      </p:pic>
+      <p:sp>
+        <p:nvSpPr>
+          <p:cNvPr id="13" name="TextBox 12">
+            <a:extLst>
+              <a:ext uri="{FF2B5EF4-FFF2-40B4-BE49-F238E27FC236}">
+                <a16:creationId xmlns:a16="http://schemas.microsoft.com/office/drawing/2014/main" id="{83BEFD28-360B-4C34-B776-983624107E9B}"/>
+              </a:ext>
+            </a:extLst>
+          </p:cNvPr>
+          <p:cNvSpPr txBox="1"/>
+          <p:nvPr/>
+        </p:nvSpPr>
+        <p:spPr>
+          <a:xfrm>
+            <a:off x="7509694" y="2722384"/>
+            <a:ext cx="992579" cy="276999"/>
+          </a:xfrm>
+          <a:prstGeom prst="rect">
+            <a:avLst/>
+          </a:prstGeom>
+          <a:noFill/>
+        </p:spPr>
+        <p:txBody>
+          <a:bodyPr wrap="none" rtlCol="0">
+            <a:spAutoFit/>
+          </a:bodyPr>
+          <a:lstStyle/>
+          <a:p>
+            <a:r>
+              <a:rPr lang="en-US" sz="1200" dirty="0">
+                <a:solidFill>
+                  <a:srgbClr val="002060"/>
+                </a:solidFill>
+                <a:latin typeface="Verdana" panose="020B0604030504040204" pitchFamily="34" charset="0"/>
+                <a:ea typeface="Verdana" panose="020B0604030504040204" pitchFamily="34" charset="0"/>
+              </a:rPr>
+              <a:t>Azure SQL</a:t>
+            </a:r>
+          </a:p>
+        </p:txBody>
+      </p:sp>
+      <p:sp>
+        <p:nvSpPr>
+          <p:cNvPr id="14" name="Heptagon 13">
+            <a:extLst>
+              <a:ext uri="{FF2B5EF4-FFF2-40B4-BE49-F238E27FC236}">
+                <a16:creationId xmlns:a16="http://schemas.microsoft.com/office/drawing/2014/main" id="{932FD78C-C27D-4D87-9137-AB3F88C3B70B}"/>
+              </a:ext>
+            </a:extLst>
+          </p:cNvPr>
+          <p:cNvSpPr/>
+          <p:nvPr/>
+        </p:nvSpPr>
+        <p:spPr>
+          <a:xfrm>
+            <a:off x="4614950" y="2700919"/>
+            <a:ext cx="307435" cy="344102"/>
+          </a:xfrm>
+          <a:prstGeom prst="heptagon">
+            <a:avLst/>
+          </a:prstGeom>
+        </p:spPr>
+        <p:style>
+          <a:lnRef idx="2">
+            <a:schemeClr val="accent1">
+              <a:shade val="50000"/>
+            </a:schemeClr>
+          </a:lnRef>
+          <a:fillRef idx="1">
+            <a:schemeClr val="accent1"/>
+          </a:fillRef>
+          <a:effectRef idx="0">
+            <a:schemeClr val="accent1"/>
+          </a:effectRef>
+          <a:fontRef idx="minor">
+            <a:schemeClr val="lt1"/>
+          </a:fontRef>
+        </p:style>
+        <p:txBody>
+          <a:bodyPr rtlCol="0" anchor="ctr"/>
+          <a:lstStyle/>
+          <a:p>
+            <a:pPr algn="ctr"/>
+            <a:r>
+              <a:rPr lang="en-US" dirty="0"/>
+              <a:t>1</a:t>
+            </a:r>
+          </a:p>
+        </p:txBody>
+      </p:sp>
+      <p:sp>
+        <p:nvSpPr>
+          <p:cNvPr id="15" name="Heptagon 14">
+            <a:extLst>
+              <a:ext uri="{FF2B5EF4-FFF2-40B4-BE49-F238E27FC236}">
+                <a16:creationId xmlns:a16="http://schemas.microsoft.com/office/drawing/2014/main" id="{1E40AC33-A982-446B-9D49-9D733A49316A}"/>
+              </a:ext>
+            </a:extLst>
+          </p:cNvPr>
+          <p:cNvSpPr/>
+          <p:nvPr/>
+        </p:nvSpPr>
+        <p:spPr>
+          <a:xfrm>
+            <a:off x="8440483" y="2700919"/>
+            <a:ext cx="307435" cy="344102"/>
+          </a:xfrm>
+          <a:prstGeom prst="heptagon">
+            <a:avLst/>
+          </a:prstGeom>
+        </p:spPr>
+        <p:style>
+          <a:lnRef idx="2">
+            <a:schemeClr val="accent1">
+              <a:shade val="50000"/>
+            </a:schemeClr>
+          </a:lnRef>
+          <a:fillRef idx="1">
+            <a:schemeClr val="accent1"/>
+          </a:fillRef>
+          <a:effectRef idx="0">
+            <a:schemeClr val="accent1"/>
+          </a:effectRef>
+          <a:fontRef idx="minor">
+            <a:schemeClr val="lt1"/>
+          </a:fontRef>
+        </p:style>
+        <p:txBody>
+          <a:bodyPr rtlCol="0" anchor="ctr"/>
+          <a:lstStyle/>
+          <a:p>
+            <a:pPr algn="ctr"/>
+            <a:r>
+              <a:rPr lang="en-US" dirty="0"/>
+              <a:t>2</a:t>
+            </a:r>
+          </a:p>
+        </p:txBody>
+      </p:sp>
+      <p:pic>
+        <p:nvPicPr>
+          <p:cNvPr id="1026" name="Picture 2">
+            <a:extLst>
+              <a:ext uri="{FF2B5EF4-FFF2-40B4-BE49-F238E27FC236}">
+                <a16:creationId xmlns:a16="http://schemas.microsoft.com/office/drawing/2014/main" id="{F57E8191-61DB-4EA0-9C1C-F149C364155D}"/>
+              </a:ext>
+            </a:extLst>
+          </p:cNvPr>
+          <p:cNvPicPr>
+            <a:picLocks noChangeAspect="1" noChangeArrowheads="1"/>
+          </p:cNvPicPr>
+          <p:nvPr/>
+        </p:nvPicPr>
+        <p:blipFill>
+          <a:blip r:embed="rId4">
+            <a:extLst>
+              <a:ext uri="{28A0092B-C50C-407E-A947-70E740481C1C}">
+                <a14:useLocalDpi xmlns:a14="http://schemas.microsoft.com/office/drawing/2010/main" val="0"/>
+              </a:ext>
+            </a:extLst>
+          </a:blip>
+          <a:srcRect/>
+          <a:stretch>
+            <a:fillRect/>
+          </a:stretch>
+        </p:blipFill>
+        <p:spPr bwMode="auto">
+          <a:xfrm>
+            <a:off x="4370897" y="5041057"/>
+            <a:ext cx="810000" cy="810000"/>
+          </a:xfrm>
+          <a:prstGeom prst="rect">
+            <a:avLst/>
+          </a:prstGeom>
+          <a:noFill/>
+          <a:extLst>
+            <a:ext uri="{909E8E84-426E-40DD-AFC4-6F175D3DCCD1}">
+              <a14:hiddenFill xmlns:a14="http://schemas.microsoft.com/office/drawing/2010/main">
+                <a:solidFill>
+                  <a:srgbClr val="FFFFFF"/>
+                </a:solidFill>
+              </a14:hiddenFill>
+            </a:ext>
+          </a:extLst>
+        </p:spPr>
+      </p:pic>
+      <p:cxnSp>
+        <p:nvCxnSpPr>
+          <p:cNvPr id="4" name="Straight Connector 3">
+            <a:extLst>
+              <a:ext uri="{FF2B5EF4-FFF2-40B4-BE49-F238E27FC236}">
+                <a16:creationId xmlns:a16="http://schemas.microsoft.com/office/drawing/2014/main" id="{3305130D-A90B-4CF0-8C61-F044EE9BFE47}"/>
+              </a:ext>
+            </a:extLst>
+          </p:cNvPr>
+          <p:cNvCxnSpPr>
+            <a:stCxn id="6" idx="3"/>
+            <a:endCxn id="11" idx="1"/>
+          </p:cNvCxnSpPr>
+          <p:nvPr/>
+        </p:nvCxnSpPr>
+        <p:spPr>
+          <a:xfrm>
+            <a:off x="5180522" y="3456105"/>
+            <a:ext cx="3128775" cy="187"/>
+          </a:xfrm>
+          <a:prstGeom prst="line">
+            <a:avLst/>
+          </a:prstGeom>
+        </p:spPr>
+        <p:style>
+          <a:lnRef idx="2">
+            <a:schemeClr val="accent1"/>
+          </a:lnRef>
+          <a:fillRef idx="0">
+            <a:schemeClr val="accent1"/>
+          </a:fillRef>
+          <a:effectRef idx="1">
+            <a:schemeClr val="accent1"/>
+          </a:effectRef>
+          <a:fontRef idx="minor">
+            <a:schemeClr val="tx1"/>
+          </a:fontRef>
+        </p:style>
+      </p:cxnSp>
+      <p:cxnSp>
+        <p:nvCxnSpPr>
+          <p:cNvPr id="17" name="Straight Connector 16">
+            <a:extLst>
+              <a:ext uri="{FF2B5EF4-FFF2-40B4-BE49-F238E27FC236}">
+                <a16:creationId xmlns:a16="http://schemas.microsoft.com/office/drawing/2014/main" id="{AAC1447B-07A7-40E7-8652-6EC297A4352B}"/>
+              </a:ext>
+            </a:extLst>
+          </p:cNvPr>
+          <p:cNvCxnSpPr>
+            <a:stCxn id="6" idx="2"/>
+            <a:endCxn id="1026" idx="0"/>
+          </p:cNvCxnSpPr>
+          <p:nvPr/>
+        </p:nvCxnSpPr>
+        <p:spPr>
+          <a:xfrm>
+            <a:off x="4775710" y="3860917"/>
+            <a:ext cx="187" cy="1180140"/>
+          </a:xfrm>
+          <a:prstGeom prst="line">
+            <a:avLst/>
+          </a:prstGeom>
+          <a:ln w="12700"/>
+        </p:spPr>
+        <p:style>
+          <a:lnRef idx="1">
+            <a:schemeClr val="accent1"/>
+          </a:lnRef>
+          <a:fillRef idx="0">
+            <a:schemeClr val="accent1"/>
+          </a:fillRef>
+          <a:effectRef idx="0">
+            <a:schemeClr val="accent1"/>
+          </a:effectRef>
+          <a:fontRef idx="minor">
+            <a:schemeClr val="tx1"/>
+          </a:fontRef>
+        </p:style>
+      </p:cxnSp>
+      <p:sp>
+        <p:nvSpPr>
+          <p:cNvPr id="20" name="Heptagon 19">
+            <a:extLst>
+              <a:ext uri="{FF2B5EF4-FFF2-40B4-BE49-F238E27FC236}">
+                <a16:creationId xmlns:a16="http://schemas.microsoft.com/office/drawing/2014/main" id="{81B034CB-CC36-4166-926A-86A06D7A20E6}"/>
+              </a:ext>
+            </a:extLst>
+          </p:cNvPr>
+          <p:cNvSpPr/>
+          <p:nvPr/>
+        </p:nvSpPr>
+        <p:spPr>
+          <a:xfrm>
+            <a:off x="4614950" y="5858706"/>
+            <a:ext cx="307435" cy="344102"/>
+          </a:xfrm>
+          <a:prstGeom prst="heptagon">
+            <a:avLst/>
+          </a:prstGeom>
+        </p:spPr>
+        <p:style>
+          <a:lnRef idx="2">
+            <a:schemeClr val="accent1">
+              <a:shade val="50000"/>
+            </a:schemeClr>
+          </a:lnRef>
+          <a:fillRef idx="1">
+            <a:schemeClr val="accent1"/>
+          </a:fillRef>
+          <a:effectRef idx="0">
+            <a:schemeClr val="accent1"/>
+          </a:effectRef>
+          <a:fontRef idx="minor">
+            <a:schemeClr val="lt1"/>
+          </a:fontRef>
+        </p:style>
+        <p:txBody>
+          <a:bodyPr rtlCol="0" anchor="ctr"/>
+          <a:lstStyle/>
+          <a:p>
+            <a:pPr algn="ctr"/>
+            <a:r>
+              <a:rPr lang="en-US" dirty="0"/>
+              <a:t>3</a:t>
+            </a:r>
+          </a:p>
+        </p:txBody>
+      </p:sp>
+      <p:sp>
+        <p:nvSpPr>
+          <p:cNvPr id="21" name="TextBox 20">
+            <a:extLst>
+              <a:ext uri="{FF2B5EF4-FFF2-40B4-BE49-F238E27FC236}">
+                <a16:creationId xmlns:a16="http://schemas.microsoft.com/office/drawing/2014/main" id="{BE85FB5F-7B2C-4F7C-80F9-0633CA2F185C}"/>
+              </a:ext>
+            </a:extLst>
+          </p:cNvPr>
+          <p:cNvSpPr txBox="1"/>
+          <p:nvPr/>
+        </p:nvSpPr>
+        <p:spPr>
+          <a:xfrm>
+            <a:off x="5143834" y="5269474"/>
+            <a:ext cx="847733" cy="276999"/>
+          </a:xfrm>
+          <a:prstGeom prst="rect">
+            <a:avLst/>
+          </a:prstGeom>
+          <a:noFill/>
+        </p:spPr>
+        <p:txBody>
+          <a:bodyPr wrap="none" rtlCol="0">
+            <a:spAutoFit/>
+          </a:bodyPr>
+          <a:lstStyle/>
+          <a:p>
+            <a:r>
+              <a:rPr lang="en-US" sz="1200" dirty="0">
+                <a:solidFill>
+                  <a:srgbClr val="002060"/>
+                </a:solidFill>
+                <a:latin typeface="Verdana" panose="020B0604030504040204" pitchFamily="34" charset="0"/>
+                <a:ea typeface="Verdana" panose="020B0604030504040204" pitchFamily="34" charset="0"/>
+              </a:rPr>
+              <a:t>Postman</a:t>
+            </a:r>
+          </a:p>
+        </p:txBody>
+      </p:sp>
+    </p:spTree>
+    <p:extLst>
+      <p:ext uri="{BB962C8B-B14F-4D97-AF65-F5344CB8AC3E}">
+        <p14:creationId xmlns:p14="http://schemas.microsoft.com/office/powerpoint/2010/main" val="1147422885"/>
+      </p:ext>
+    </p:extLst>
+  </p:cSld>
+  <p:clrMapOvr>
+    <a:masterClrMapping/>
+  </p:clrMapOvr>
+</p:sld>
+</file>
+
+<file path=ppt/slides/slide11.xml><?xml version="1.0" encoding="utf-8"?>
+<p:sld xmlns:a="http://schemas.openxmlformats.org/drawingml/2006/main" xmlns:r="http://schemas.openxmlformats.org/officeDocument/2006/relationships" xmlns:p="http://schemas.openxmlformats.org/presentationml/2006/main">
+  <p:cSld>
+    <p:spTree>
+      <p:nvGrpSpPr>
+        <p:cNvPr id="1" name=""/>
+        <p:cNvGrpSpPr/>
+        <p:nvPr/>
+      </p:nvGrpSpPr>
+      <p:grpSpPr>
+        <a:xfrm>
+          <a:off x="0" y="0"/>
+          <a:ext cx="0" cy="0"/>
+          <a:chOff x="0" y="0"/>
+          <a:chExt cx="0" cy="0"/>
+        </a:xfrm>
+      </p:grpSpPr>
+      <p:sp>
+        <p:nvSpPr>
+          <p:cNvPr id="7" name="Rectangle 6">
+            <a:extLst>
+              <a:ext uri="{FF2B5EF4-FFF2-40B4-BE49-F238E27FC236}">
+                <a16:creationId xmlns:a16="http://schemas.microsoft.com/office/drawing/2014/main" id="{B10720DE-FD2A-4FE5-B9FB-74854D01A659}"/>
+              </a:ext>
+            </a:extLst>
+          </p:cNvPr>
+          <p:cNvSpPr/>
+          <p:nvPr/>
+        </p:nvSpPr>
+        <p:spPr>
+          <a:xfrm>
+            <a:off x="0" y="6432008"/>
+            <a:ext cx="12183122" cy="57703"/>
+          </a:xfrm>
+          <a:prstGeom prst="rect">
+            <a:avLst/>
+          </a:prstGeom>
+          <a:solidFill>
+            <a:srgbClr val="0070C0"/>
+          </a:solidFill>
+        </p:spPr>
+        <p:style>
+          <a:lnRef idx="2">
+            <a:schemeClr val="accent1">
+              <a:shade val="50000"/>
+            </a:schemeClr>
+          </a:lnRef>
+          <a:fillRef idx="1">
+            <a:schemeClr val="accent1"/>
+          </a:fillRef>
+          <a:effectRef idx="0">
+            <a:schemeClr val="accent1"/>
+          </a:effectRef>
+          <a:fontRef idx="minor">
+            <a:schemeClr val="lt1"/>
+          </a:fontRef>
+        </p:style>
+        <p:txBody>
+          <a:bodyPr rtlCol="0" anchor="ctr"/>
+          <a:lstStyle/>
+          <a:p>
+            <a:pPr algn="ctr"/>
+            <a:endParaRPr lang="en-IN" sz="1000" dirty="0">
+              <a:latin typeface="Verdana" panose="020B0604030504040204" pitchFamily="34" charset="0"/>
+              <a:ea typeface="Verdana" panose="020B0604030504040204" pitchFamily="34" charset="0"/>
+            </a:endParaRPr>
+          </a:p>
+        </p:txBody>
+      </p:sp>
+      <p:sp>
+        <p:nvSpPr>
+          <p:cNvPr id="8" name="Footer Placeholder 7">
+            <a:extLst>
+              <a:ext uri="{FF2B5EF4-FFF2-40B4-BE49-F238E27FC236}">
+                <a16:creationId xmlns:a16="http://schemas.microsoft.com/office/drawing/2014/main" id="{DD2A19CA-EC18-432D-8F8F-17079808F38B}"/>
+              </a:ext>
+            </a:extLst>
+          </p:cNvPr>
+          <p:cNvSpPr>
+            <a:spLocks noGrp="1"/>
+          </p:cNvSpPr>
+          <p:nvPr>
+            <p:ph type="ftr" sz="quarter" idx="11"/>
+          </p:nvPr>
+        </p:nvSpPr>
+        <p:spPr>
+          <a:xfrm>
+            <a:off x="4038600" y="6476336"/>
+            <a:ext cx="4114800" cy="365125"/>
+          </a:xfrm>
+        </p:spPr>
+        <p:txBody>
+          <a:bodyPr/>
+          <a:lstStyle/>
+          <a:p>
+            <a:r>
+              <a:rPr lang="en-IN" b="1" dirty="0">
+                <a:solidFill>
+                  <a:srgbClr val="002060"/>
+                </a:solidFill>
+                <a:latin typeface="Verdana" panose="020B0604030504040204" pitchFamily="34" charset="0"/>
+                <a:ea typeface="Verdana" panose="020B0604030504040204" pitchFamily="34" charset="0"/>
+              </a:rPr>
               <a:t>15-Sep-2021</a:t>
             </a:r>
           </a:p>
@@ -4283,7 +5070,7 @@
 </p:sld>
 </file>
 
-<file path=ppt/slides/slide11.xml><?xml version="1.0" encoding="utf-8"?>
+<file path=ppt/slides/slide12.xml><?xml version="1.0" encoding="utf-8"?>
 <p:sld xmlns:a="http://schemas.openxmlformats.org/drawingml/2006/main" xmlns:r="http://schemas.openxmlformats.org/officeDocument/2006/relationships" xmlns:p="http://schemas.openxmlformats.org/presentationml/2006/main">
   <p:cSld>
     <p:spTree>
@@ -6102,7 +6889,7 @@
 </p:sld>
 </file>
 
-<file path=ppt/slides/slide12.xml><?xml version="1.0" encoding="utf-8"?>
+<file path=ppt/slides/slide13.xml><?xml version="1.0" encoding="utf-8"?>
 <p:sld xmlns:a="http://schemas.openxmlformats.org/drawingml/2006/main" xmlns:r="http://schemas.openxmlformats.org/officeDocument/2006/relationships" xmlns:p="http://schemas.openxmlformats.org/presentationml/2006/main">
   <p:cSld>
     <p:spTree>
@@ -7921,7 +8708,7 @@
 </p:sld>
 </file>
 
-<file path=ppt/slides/slide13.xml><?xml version="1.0" encoding="utf-8"?>
+<file path=ppt/slides/slide14.xml><?xml version="1.0" encoding="utf-8"?>
 <p:sld xmlns:a="http://schemas.openxmlformats.org/drawingml/2006/main" xmlns:r="http://schemas.openxmlformats.org/officeDocument/2006/relationships" xmlns:p="http://schemas.openxmlformats.org/presentationml/2006/main">
   <p:cSld>
     <p:spTree>
@@ -9776,7 +10563,7 @@
                 <a:ea typeface="Verdana" panose="020B0604030504040204" pitchFamily="34" charset="0"/>
                 <a:cs typeface="+mn-cs"/>
               </a:rPr>
-              <a:t>PR Process, CI, CD</a:t>
+              <a:t>Information</a:t>
             </a:r>
             <a:endParaRPr kumimoji="0" lang="en-IN" sz="1800" b="1" i="0" u="none" strike="noStrike" kern="1200" cap="none" spc="0" normalizeH="0" baseline="0" noProof="0" dirty="0">
               <a:ln>
@@ -9809,7 +10596,7 @@
         </p:nvSpPr>
         <p:spPr>
           <a:xfrm>
-            <a:off x="0" y="6383046"/>
+            <a:off x="0" y="3915050"/>
             <a:ext cx="12183122" cy="57703"/>
           </a:xfrm>
           <a:prstGeom prst="rect">
@@ -9891,6 +10678,757 @@
         </p:nvSpPr>
         <p:spPr>
           <a:xfrm>
+            <a:off x="4038600" y="3959378"/>
+            <a:ext cx="4114800" cy="365125"/>
+          </a:xfrm>
+        </p:spPr>
+        <p:txBody>
+          <a:bodyPr/>
+          <a:lstStyle/>
+          <a:p>
+            <a:pPr marL="0" marR="0" lvl="0" indent="0" algn="ctr" defTabSz="914400" rtl="0" eaLnBrk="1" fontAlgn="auto" latinLnBrk="0" hangingPunct="1">
+              <a:lnSpc>
+                <a:spcPct val="100000"/>
+              </a:lnSpc>
+              <a:spcBef>
+                <a:spcPts val="0"/>
+              </a:spcBef>
+              <a:spcAft>
+                <a:spcPts val="0"/>
+              </a:spcAft>
+              <a:buClrTx/>
+              <a:buSzTx/>
+              <a:buFontTx/>
+              <a:buNone/>
+              <a:tabLst/>
+              <a:defRPr/>
+            </a:pPr>
+            <a:r>
+              <a:rPr kumimoji="0" lang="en-IN" sz="1200" b="1" i="0" u="none" strike="noStrike" kern="1200" cap="none" spc="0" normalizeH="0" baseline="0" noProof="0" dirty="0">
+                <a:ln>
+                  <a:noFill/>
+                </a:ln>
+                <a:solidFill>
+                  <a:srgbClr val="002060"/>
+                </a:solidFill>
+                <a:effectLst/>
+                <a:uLnTx/>
+                <a:uFillTx/>
+                <a:latin typeface="Verdana" panose="020B0604030504040204" pitchFamily="34" charset="0"/>
+                <a:ea typeface="Verdana" panose="020B0604030504040204" pitchFamily="34" charset="0"/>
+                <a:cs typeface="+mn-cs"/>
+              </a:rPr>
+              <a:t>08-Aug-2022</a:t>
+            </a:r>
+          </a:p>
+        </p:txBody>
+      </p:sp>
+      <p:sp>
+        <p:nvSpPr>
+          <p:cNvPr id="9" name="Slide Number Placeholder 8">
+            <a:extLst>
+              <a:ext uri="{FF2B5EF4-FFF2-40B4-BE49-F238E27FC236}">
+                <a16:creationId xmlns:a16="http://schemas.microsoft.com/office/drawing/2014/main" id="{8162625C-0B1F-42E0-BE7C-D99A08FED7A3}"/>
+              </a:ext>
+            </a:extLst>
+          </p:cNvPr>
+          <p:cNvSpPr>
+            <a:spLocks noGrp="1"/>
+          </p:cNvSpPr>
+          <p:nvPr>
+            <p:ph type="sldNum" sz="quarter" idx="12"/>
+          </p:nvPr>
+        </p:nvSpPr>
+        <p:spPr>
+          <a:xfrm>
+            <a:off x="8610600" y="3959378"/>
+            <a:ext cx="2743200" cy="365125"/>
+          </a:xfrm>
+        </p:spPr>
+        <p:txBody>
+          <a:bodyPr/>
+          <a:lstStyle/>
+          <a:p>
+            <a:pPr marL="0" marR="0" lvl="0" indent="0" algn="r" defTabSz="914400" rtl="0" eaLnBrk="1" fontAlgn="auto" latinLnBrk="0" hangingPunct="1">
+              <a:lnSpc>
+                <a:spcPct val="100000"/>
+              </a:lnSpc>
+              <a:spcBef>
+                <a:spcPts val="0"/>
+              </a:spcBef>
+              <a:spcAft>
+                <a:spcPts val="0"/>
+              </a:spcAft>
+              <a:buClrTx/>
+              <a:buSzTx/>
+              <a:buFontTx/>
+              <a:buNone/>
+              <a:tabLst/>
+              <a:defRPr/>
+            </a:pPr>
+            <a:r>
+              <a:rPr kumimoji="0" lang="en-IN" sz="1200" b="1" i="0" u="none" strike="noStrike" kern="1200" cap="none" spc="0" normalizeH="0" baseline="0" noProof="0" dirty="0">
+                <a:ln>
+                  <a:noFill/>
+                </a:ln>
+                <a:solidFill>
+                  <a:srgbClr val="002060"/>
+                </a:solidFill>
+                <a:effectLst/>
+                <a:uLnTx/>
+                <a:uFillTx/>
+                <a:latin typeface="Verdana" panose="020B0604030504040204" pitchFamily="34" charset="0"/>
+                <a:ea typeface="Verdana" panose="020B0604030504040204" pitchFamily="34" charset="0"/>
+                <a:cs typeface="+mn-cs"/>
+              </a:rPr>
+              <a:t>1</a:t>
+            </a:r>
+          </a:p>
+        </p:txBody>
+      </p:sp>
+      <p:sp>
+        <p:nvSpPr>
+          <p:cNvPr id="12" name="Footer Placeholder 7">
+            <a:extLst>
+              <a:ext uri="{FF2B5EF4-FFF2-40B4-BE49-F238E27FC236}">
+                <a16:creationId xmlns:a16="http://schemas.microsoft.com/office/drawing/2014/main" id="{64C57949-E349-47D3-A505-A098233AF49D}"/>
+              </a:ext>
+            </a:extLst>
+          </p:cNvPr>
+          <p:cNvSpPr txBox="1">
+            <a:spLocks/>
+          </p:cNvSpPr>
+          <p:nvPr/>
+        </p:nvSpPr>
+        <p:spPr>
+          <a:xfrm>
+            <a:off x="133897" y="3960852"/>
+            <a:ext cx="4114800" cy="365125"/>
+          </a:xfrm>
+          <a:prstGeom prst="rect">
+            <a:avLst/>
+          </a:prstGeom>
+        </p:spPr>
+        <p:txBody>
+          <a:bodyPr vert="horz" lIns="91440" tIns="45720" rIns="91440" bIns="45720" rtlCol="0" anchor="ctr"/>
+          <a:lstStyle>
+            <a:defPPr>
+              <a:defRPr lang="en-US"/>
+            </a:defPPr>
+            <a:lvl1pPr marL="0" algn="ctr" defTabSz="914400" rtl="0" eaLnBrk="1" latinLnBrk="0" hangingPunct="1">
+              <a:defRPr sz="1200" kern="1200">
+                <a:solidFill>
+                  <a:schemeClr val="tx1">
+                    <a:tint val="75000"/>
+                  </a:schemeClr>
+                </a:solidFill>
+                <a:latin typeface="+mn-lt"/>
+                <a:ea typeface="+mn-ea"/>
+                <a:cs typeface="+mn-cs"/>
+              </a:defRPr>
+            </a:lvl1pPr>
+            <a:lvl2pPr marL="457200" algn="l" defTabSz="914400" rtl="0" eaLnBrk="1" latinLnBrk="0" hangingPunct="1">
+              <a:defRPr sz="1800" kern="1200">
+                <a:solidFill>
+                  <a:schemeClr val="tx1"/>
+                </a:solidFill>
+                <a:latin typeface="+mn-lt"/>
+                <a:ea typeface="+mn-ea"/>
+                <a:cs typeface="+mn-cs"/>
+              </a:defRPr>
+            </a:lvl2pPr>
+            <a:lvl3pPr marL="914400" algn="l" defTabSz="914400" rtl="0" eaLnBrk="1" latinLnBrk="0" hangingPunct="1">
+              <a:defRPr sz="1800" kern="1200">
+                <a:solidFill>
+                  <a:schemeClr val="tx1"/>
+                </a:solidFill>
+                <a:latin typeface="+mn-lt"/>
+                <a:ea typeface="+mn-ea"/>
+                <a:cs typeface="+mn-cs"/>
+              </a:defRPr>
+            </a:lvl3pPr>
+            <a:lvl4pPr marL="1371600" algn="l" defTabSz="914400" rtl="0" eaLnBrk="1" latinLnBrk="0" hangingPunct="1">
+              <a:defRPr sz="1800" kern="1200">
+                <a:solidFill>
+                  <a:schemeClr val="tx1"/>
+                </a:solidFill>
+                <a:latin typeface="+mn-lt"/>
+                <a:ea typeface="+mn-ea"/>
+                <a:cs typeface="+mn-cs"/>
+              </a:defRPr>
+            </a:lvl4pPr>
+            <a:lvl5pPr marL="1828800" algn="l" defTabSz="914400" rtl="0" eaLnBrk="1" latinLnBrk="0" hangingPunct="1">
+              <a:defRPr sz="1800" kern="1200">
+                <a:solidFill>
+                  <a:schemeClr val="tx1"/>
+                </a:solidFill>
+                <a:latin typeface="+mn-lt"/>
+                <a:ea typeface="+mn-ea"/>
+                <a:cs typeface="+mn-cs"/>
+              </a:defRPr>
+            </a:lvl5pPr>
+            <a:lvl6pPr marL="2286000" algn="l" defTabSz="914400" rtl="0" eaLnBrk="1" latinLnBrk="0" hangingPunct="1">
+              <a:defRPr sz="1800" kern="1200">
+                <a:solidFill>
+                  <a:schemeClr val="tx1"/>
+                </a:solidFill>
+                <a:latin typeface="+mn-lt"/>
+                <a:ea typeface="+mn-ea"/>
+                <a:cs typeface="+mn-cs"/>
+              </a:defRPr>
+            </a:lvl6pPr>
+            <a:lvl7pPr marL="2743200" algn="l" defTabSz="914400" rtl="0" eaLnBrk="1" latinLnBrk="0" hangingPunct="1">
+              <a:defRPr sz="1800" kern="1200">
+                <a:solidFill>
+                  <a:schemeClr val="tx1"/>
+                </a:solidFill>
+                <a:latin typeface="+mn-lt"/>
+                <a:ea typeface="+mn-ea"/>
+                <a:cs typeface="+mn-cs"/>
+              </a:defRPr>
+            </a:lvl7pPr>
+            <a:lvl8pPr marL="3200400" algn="l" defTabSz="914400" rtl="0" eaLnBrk="1" latinLnBrk="0" hangingPunct="1">
+              <a:defRPr sz="1800" kern="1200">
+                <a:solidFill>
+                  <a:schemeClr val="tx1"/>
+                </a:solidFill>
+                <a:latin typeface="+mn-lt"/>
+                <a:ea typeface="+mn-ea"/>
+                <a:cs typeface="+mn-cs"/>
+              </a:defRPr>
+            </a:lvl8pPr>
+            <a:lvl9pPr marL="3657600" algn="l" defTabSz="914400" rtl="0" eaLnBrk="1" latinLnBrk="0" hangingPunct="1">
+              <a:defRPr sz="1800" kern="1200">
+                <a:solidFill>
+                  <a:schemeClr val="tx1"/>
+                </a:solidFill>
+                <a:latin typeface="+mn-lt"/>
+                <a:ea typeface="+mn-ea"/>
+                <a:cs typeface="+mn-cs"/>
+              </a:defRPr>
+            </a:lvl9pPr>
+          </a:lstStyle>
+          <a:p>
+            <a:pPr marL="0" marR="0" lvl="0" indent="0" algn="ctr" defTabSz="914400" rtl="0" eaLnBrk="1" fontAlgn="auto" latinLnBrk="0" hangingPunct="1">
+              <a:lnSpc>
+                <a:spcPct val="100000"/>
+              </a:lnSpc>
+              <a:spcBef>
+                <a:spcPts val="0"/>
+              </a:spcBef>
+              <a:spcAft>
+                <a:spcPts val="0"/>
+              </a:spcAft>
+              <a:buClrTx/>
+              <a:buSzTx/>
+              <a:buFontTx/>
+              <a:buNone/>
+              <a:tabLst/>
+              <a:defRPr/>
+            </a:pPr>
+            <a:r>
+              <a:rPr kumimoji="0" lang="en-IN" sz="1200" b="1" i="0" u="none" strike="noStrike" kern="1200" cap="none" spc="0" normalizeH="0" baseline="0" noProof="0" dirty="0">
+                <a:ln>
+                  <a:noFill/>
+                </a:ln>
+                <a:solidFill>
+                  <a:srgbClr val="002060"/>
+                </a:solidFill>
+                <a:effectLst/>
+                <a:uLnTx/>
+                <a:uFillTx/>
+                <a:latin typeface="Verdana" panose="020B0604030504040204" pitchFamily="34" charset="0"/>
+                <a:ea typeface="Verdana" panose="020B0604030504040204" pitchFamily="34" charset="0"/>
+                <a:cs typeface="+mn-cs"/>
+              </a:rPr>
+              <a:t>C# Corner</a:t>
+            </a:r>
+          </a:p>
+        </p:txBody>
+      </p:sp>
+      <p:sp>
+        <p:nvSpPr>
+          <p:cNvPr id="10" name="TextBox 9">
+            <a:extLst>
+              <a:ext uri="{FF2B5EF4-FFF2-40B4-BE49-F238E27FC236}">
+                <a16:creationId xmlns:a16="http://schemas.microsoft.com/office/drawing/2014/main" id="{19953791-0C49-4113-A95A-639979BFF9A6}"/>
+              </a:ext>
+            </a:extLst>
+          </p:cNvPr>
+          <p:cNvSpPr txBox="1"/>
+          <p:nvPr/>
+        </p:nvSpPr>
+        <p:spPr>
+          <a:xfrm>
+            <a:off x="80629" y="557824"/>
+            <a:ext cx="12037390" cy="2800062"/>
+          </a:xfrm>
+          <a:prstGeom prst="rect">
+            <a:avLst/>
+          </a:prstGeom>
+          <a:noFill/>
+        </p:spPr>
+        <p:txBody>
+          <a:bodyPr wrap="square" rtlCol="0">
+            <a:spAutoFit/>
+          </a:bodyPr>
+          <a:lstStyle/>
+          <a:p>
+            <a:pPr marL="628650" marR="0" lvl="1" indent="-171450" algn="l" defTabSz="914400" rtl="0" eaLnBrk="1" fontAlgn="auto" latinLnBrk="0" hangingPunct="1">
+              <a:lnSpc>
+                <a:spcPct val="150000"/>
+              </a:lnSpc>
+              <a:spcBef>
+                <a:spcPts val="0"/>
+              </a:spcBef>
+              <a:spcAft>
+                <a:spcPts val="0"/>
+              </a:spcAft>
+              <a:buClrTx/>
+              <a:buSzTx/>
+              <a:buFont typeface="Wingdings" panose="05000000000000000000" pitchFamily="2" charset="2"/>
+              <a:buChar char="Ø"/>
+              <a:tabLst/>
+              <a:defRPr/>
+            </a:pPr>
+            <a:r>
+              <a:rPr kumimoji="0" lang="en-US" sz="2000" b="0" i="0" u="none" strike="noStrike" kern="1200" cap="none" spc="0" normalizeH="0" baseline="0" noProof="0" dirty="0">
+                <a:ln>
+                  <a:noFill/>
+                </a:ln>
+                <a:solidFill>
+                  <a:srgbClr val="00B0F0"/>
+                </a:solidFill>
+                <a:effectLst/>
+                <a:uLnTx/>
+                <a:uFillTx/>
+                <a:latin typeface="Verdana" panose="020B0604030504040204" pitchFamily="34" charset="0"/>
+                <a:ea typeface="Verdana" panose="020B0604030504040204" pitchFamily="34" charset="0"/>
+                <a:cs typeface="+mn-cs"/>
+              </a:rPr>
+              <a:t> </a:t>
+            </a:r>
+            <a:r>
+              <a:rPr kumimoji="0" lang="en-US" sz="2000" b="0" i="0" u="none" strike="noStrike" kern="1200" cap="none" spc="0" normalizeH="0" baseline="0" noProof="0" dirty="0">
+                <a:ln>
+                  <a:noFill/>
+                </a:ln>
+                <a:solidFill>
+                  <a:srgbClr val="0070C0"/>
+                </a:solidFill>
+                <a:effectLst/>
+                <a:uLnTx/>
+                <a:uFillTx/>
+                <a:latin typeface="Verdana" panose="020B0604030504040204" pitchFamily="34" charset="0"/>
+                <a:ea typeface="Verdana" panose="020B0604030504040204" pitchFamily="34" charset="0"/>
+                <a:cs typeface="+mn-cs"/>
+              </a:rPr>
+              <a:t>I am still a learner. Apologize if I do any mistake.</a:t>
+            </a:r>
+          </a:p>
+          <a:p>
+            <a:pPr marL="628650" marR="0" lvl="1" indent="-171450" algn="l" defTabSz="914400" rtl="0" eaLnBrk="1" fontAlgn="auto" latinLnBrk="0" hangingPunct="1">
+              <a:lnSpc>
+                <a:spcPct val="150000"/>
+              </a:lnSpc>
+              <a:spcBef>
+                <a:spcPts val="0"/>
+              </a:spcBef>
+              <a:spcAft>
+                <a:spcPts val="0"/>
+              </a:spcAft>
+              <a:buClrTx/>
+              <a:buSzTx/>
+              <a:buFont typeface="Wingdings" panose="05000000000000000000" pitchFamily="2" charset="2"/>
+              <a:buChar char="Ø"/>
+              <a:tabLst/>
+              <a:defRPr/>
+            </a:pPr>
+            <a:r>
+              <a:rPr kumimoji="0" lang="en-US" sz="2000" b="0" i="0" u="none" strike="noStrike" kern="1200" cap="none" spc="0" normalizeH="0" baseline="0" noProof="0" dirty="0">
+                <a:ln>
+                  <a:noFill/>
+                </a:ln>
+                <a:solidFill>
+                  <a:srgbClr val="002060"/>
+                </a:solidFill>
+                <a:effectLst/>
+                <a:uLnTx/>
+                <a:uFillTx/>
+                <a:latin typeface="Verdana" panose="020B0604030504040204" pitchFamily="34" charset="0"/>
+                <a:ea typeface="Verdana" panose="020B0604030504040204" pitchFamily="34" charset="0"/>
+                <a:cs typeface="+mn-cs"/>
+              </a:rPr>
+              <a:t> All the sessions will be hands on.</a:t>
+            </a:r>
+          </a:p>
+          <a:p>
+            <a:pPr marL="628650" marR="0" lvl="1" indent="-171450" algn="l" defTabSz="914400" rtl="0" eaLnBrk="1" fontAlgn="auto" latinLnBrk="0" hangingPunct="1">
+              <a:lnSpc>
+                <a:spcPct val="150000"/>
+              </a:lnSpc>
+              <a:spcBef>
+                <a:spcPts val="0"/>
+              </a:spcBef>
+              <a:spcAft>
+                <a:spcPts val="0"/>
+              </a:spcAft>
+              <a:buClrTx/>
+              <a:buSzTx/>
+              <a:buFont typeface="Wingdings" panose="05000000000000000000" pitchFamily="2" charset="2"/>
+              <a:buChar char="Ø"/>
+              <a:tabLst/>
+              <a:defRPr/>
+            </a:pPr>
+            <a:r>
+              <a:rPr kumimoji="0" lang="en-US" sz="2000" b="0" i="0" u="none" strike="noStrike" kern="1200" cap="none" spc="0" normalizeH="0" baseline="0" noProof="0" dirty="0">
+                <a:ln>
+                  <a:noFill/>
+                </a:ln>
+                <a:solidFill>
+                  <a:srgbClr val="002060"/>
+                </a:solidFill>
+                <a:effectLst/>
+                <a:uLnTx/>
+                <a:uFillTx/>
+                <a:latin typeface="Verdana" panose="020B0604030504040204" pitchFamily="34" charset="0"/>
+                <a:ea typeface="Verdana" panose="020B0604030504040204" pitchFamily="34" charset="0"/>
+                <a:cs typeface="+mn-cs"/>
+              </a:rPr>
+              <a:t> Will have parking lots for queries and other topics.</a:t>
+            </a:r>
+          </a:p>
+          <a:p>
+            <a:pPr marL="628650" marR="0" lvl="1" indent="-171450" algn="l" defTabSz="914400" rtl="0" eaLnBrk="1" fontAlgn="auto" latinLnBrk="0" hangingPunct="1">
+              <a:lnSpc>
+                <a:spcPct val="150000"/>
+              </a:lnSpc>
+              <a:spcBef>
+                <a:spcPts val="0"/>
+              </a:spcBef>
+              <a:spcAft>
+                <a:spcPts val="0"/>
+              </a:spcAft>
+              <a:buClrTx/>
+              <a:buSzTx/>
+              <a:buFont typeface="Wingdings" panose="05000000000000000000" pitchFamily="2" charset="2"/>
+              <a:buChar char="Ø"/>
+              <a:tabLst/>
+              <a:defRPr/>
+            </a:pPr>
+            <a:r>
+              <a:rPr kumimoji="0" lang="en-US" sz="2000" b="0" i="0" u="none" strike="noStrike" kern="1200" cap="none" spc="0" normalizeH="0" baseline="0" noProof="0" dirty="0">
+                <a:ln>
+                  <a:noFill/>
+                </a:ln>
+                <a:solidFill>
+                  <a:srgbClr val="002060"/>
+                </a:solidFill>
+                <a:effectLst/>
+                <a:uLnTx/>
+                <a:uFillTx/>
+                <a:latin typeface="Verdana" panose="020B0604030504040204" pitchFamily="34" charset="0"/>
+                <a:ea typeface="Verdana" panose="020B0604030504040204" pitchFamily="34" charset="0"/>
+                <a:cs typeface="+mn-cs"/>
+              </a:rPr>
+              <a:t> Some of the concepts we will introduced and revisited in next sessions.</a:t>
+            </a:r>
+          </a:p>
+          <a:p>
+            <a:pPr marL="628650" marR="0" lvl="1" indent="-171450" algn="l" defTabSz="914400" rtl="0" eaLnBrk="1" fontAlgn="auto" latinLnBrk="0" hangingPunct="1">
+              <a:lnSpc>
+                <a:spcPct val="150000"/>
+              </a:lnSpc>
+              <a:spcBef>
+                <a:spcPts val="0"/>
+              </a:spcBef>
+              <a:spcAft>
+                <a:spcPts val="0"/>
+              </a:spcAft>
+              <a:buClrTx/>
+              <a:buSzTx/>
+              <a:buFont typeface="Wingdings" panose="05000000000000000000" pitchFamily="2" charset="2"/>
+              <a:buChar char="Ø"/>
+              <a:tabLst/>
+              <a:defRPr/>
+            </a:pPr>
+            <a:r>
+              <a:rPr kumimoji="0" lang="en-US" sz="2000" b="0" i="0" u="none" strike="noStrike" kern="1200" cap="none" spc="0" normalizeH="0" baseline="0" noProof="0" dirty="0">
+                <a:ln>
+                  <a:noFill/>
+                </a:ln>
+                <a:solidFill>
+                  <a:srgbClr val="002060"/>
+                </a:solidFill>
+                <a:effectLst/>
+                <a:uLnTx/>
+                <a:uFillTx/>
+                <a:latin typeface="Verdana" panose="020B0604030504040204" pitchFamily="34" charset="0"/>
+                <a:ea typeface="Verdana" panose="020B0604030504040204" pitchFamily="34" charset="0"/>
+                <a:cs typeface="+mn-cs"/>
+              </a:rPr>
+              <a:t> There are multiple ways to do, we will use one of the ways.</a:t>
+            </a:r>
+          </a:p>
+          <a:p>
+            <a:pPr marL="628650" marR="0" lvl="1" indent="-171450" algn="l" defTabSz="914400" rtl="0" eaLnBrk="1" fontAlgn="auto" latinLnBrk="0" hangingPunct="1">
+              <a:lnSpc>
+                <a:spcPct val="150000"/>
+              </a:lnSpc>
+              <a:spcBef>
+                <a:spcPts val="0"/>
+              </a:spcBef>
+              <a:spcAft>
+                <a:spcPts val="0"/>
+              </a:spcAft>
+              <a:buClrTx/>
+              <a:buSzTx/>
+              <a:buFont typeface="Wingdings" panose="05000000000000000000" pitchFamily="2" charset="2"/>
+              <a:buChar char="Ø"/>
+              <a:tabLst/>
+              <a:defRPr/>
+            </a:pPr>
+            <a:r>
+              <a:rPr kumimoji="0" lang="en-US" sz="2000" b="0" i="0" u="none" strike="noStrike" kern="1200" cap="none" spc="0" normalizeH="0" baseline="0" noProof="0" dirty="0">
+                <a:ln>
+                  <a:noFill/>
+                </a:ln>
+                <a:solidFill>
+                  <a:srgbClr val="002060"/>
+                </a:solidFill>
+                <a:effectLst/>
+                <a:uLnTx/>
+                <a:uFillTx/>
+                <a:latin typeface="Verdana" panose="020B0604030504040204" pitchFamily="34" charset="0"/>
+                <a:ea typeface="Verdana" panose="020B0604030504040204" pitchFamily="34" charset="0"/>
+                <a:cs typeface="+mn-cs"/>
+              </a:rPr>
+              <a:t> The focus was more on concepts and demos are kept simple. </a:t>
+            </a:r>
+          </a:p>
+        </p:txBody>
+      </p:sp>
+    </p:spTree>
+    <p:extLst>
+      <p:ext uri="{BB962C8B-B14F-4D97-AF65-F5344CB8AC3E}">
+        <p14:creationId xmlns:p14="http://schemas.microsoft.com/office/powerpoint/2010/main" val="3435072504"/>
+      </p:ext>
+    </p:extLst>
+  </p:cSld>
+  <p:clrMapOvr>
+    <a:masterClrMapping/>
+  </p:clrMapOvr>
+</p:sld>
+</file>
+
+<file path=ppt/slides/slide4.xml><?xml version="1.0" encoding="utf-8"?>
+<p:sld xmlns:a="http://schemas.openxmlformats.org/drawingml/2006/main" xmlns:r="http://schemas.openxmlformats.org/officeDocument/2006/relationships" xmlns:p="http://schemas.openxmlformats.org/presentationml/2006/main">
+  <p:cSld>
+    <p:spTree>
+      <p:nvGrpSpPr>
+        <p:cNvPr id="1" name=""/>
+        <p:cNvGrpSpPr/>
+        <p:nvPr/>
+      </p:nvGrpSpPr>
+      <p:grpSpPr>
+        <a:xfrm>
+          <a:off x="0" y="0"/>
+          <a:ext cx="0" cy="0"/>
+          <a:chOff x="0" y="0"/>
+          <a:chExt cx="0" cy="0"/>
+        </a:xfrm>
+      </p:grpSpPr>
+      <p:sp>
+        <p:nvSpPr>
+          <p:cNvPr id="4" name="Rectangle 3">
+            <a:extLst>
+              <a:ext uri="{FF2B5EF4-FFF2-40B4-BE49-F238E27FC236}">
+                <a16:creationId xmlns:a16="http://schemas.microsoft.com/office/drawing/2014/main" id="{055C22F7-3FD1-4C1B-8D0C-0C2F7FB61DBE}"/>
+              </a:ext>
+            </a:extLst>
+          </p:cNvPr>
+          <p:cNvSpPr/>
+          <p:nvPr/>
+        </p:nvSpPr>
+        <p:spPr>
+          <a:xfrm>
+            <a:off x="0" y="8878"/>
+            <a:ext cx="12183122" cy="497150"/>
+          </a:xfrm>
+          <a:prstGeom prst="rect">
+            <a:avLst/>
+          </a:prstGeom>
+          <a:solidFill>
+            <a:srgbClr val="0070C0"/>
+          </a:solidFill>
+        </p:spPr>
+        <p:style>
+          <a:lnRef idx="2">
+            <a:schemeClr val="accent1">
+              <a:shade val="50000"/>
+            </a:schemeClr>
+          </a:lnRef>
+          <a:fillRef idx="1">
+            <a:schemeClr val="accent1"/>
+          </a:fillRef>
+          <a:effectRef idx="0">
+            <a:schemeClr val="accent1"/>
+          </a:effectRef>
+          <a:fontRef idx="minor">
+            <a:schemeClr val="lt1"/>
+          </a:fontRef>
+        </p:style>
+        <p:txBody>
+          <a:bodyPr rtlCol="0" anchor="ctr"/>
+          <a:lstStyle/>
+          <a:p>
+            <a:pPr marL="0" marR="0" lvl="0" indent="0" algn="ctr" defTabSz="914400" rtl="0" eaLnBrk="1" fontAlgn="auto" latinLnBrk="0" hangingPunct="1">
+              <a:lnSpc>
+                <a:spcPct val="100000"/>
+              </a:lnSpc>
+              <a:spcBef>
+                <a:spcPts val="0"/>
+              </a:spcBef>
+              <a:spcAft>
+                <a:spcPts val="0"/>
+              </a:spcAft>
+              <a:buClrTx/>
+              <a:buSzTx/>
+              <a:buFontTx/>
+              <a:buNone/>
+              <a:tabLst/>
+              <a:defRPr/>
+            </a:pPr>
+            <a:r>
+              <a:rPr kumimoji="0" lang="en-US" sz="1800" b="1" i="0" u="none" strike="noStrike" kern="1200" cap="none" spc="0" normalizeH="0" baseline="0" noProof="0" dirty="0">
+                <a:ln>
+                  <a:noFill/>
+                </a:ln>
+                <a:solidFill>
+                  <a:prstClr val="white"/>
+                </a:solidFill>
+                <a:effectLst/>
+                <a:uLnTx/>
+                <a:uFillTx/>
+                <a:latin typeface="Verdana" panose="020B0604030504040204" pitchFamily="34" charset="0"/>
+                <a:ea typeface="Verdana" panose="020B0604030504040204" pitchFamily="34" charset="0"/>
+                <a:cs typeface="+mn-cs"/>
+              </a:rPr>
+              <a:t>PR Process, CI, CD</a:t>
+            </a:r>
+            <a:endParaRPr kumimoji="0" lang="en-IN" sz="1800" b="1" i="0" u="none" strike="noStrike" kern="1200" cap="none" spc="0" normalizeH="0" baseline="0" noProof="0" dirty="0">
+              <a:ln>
+                <a:noFill/>
+              </a:ln>
+              <a:solidFill>
+                <a:prstClr val="white"/>
+              </a:solidFill>
+              <a:effectLst/>
+              <a:uLnTx/>
+              <a:uFillTx/>
+              <a:latin typeface="Verdana" panose="020B0604030504040204" pitchFamily="34" charset="0"/>
+              <a:ea typeface="Verdana" panose="020B0604030504040204" pitchFamily="34" charset="0"/>
+              <a:cs typeface="+mn-cs"/>
+            </a:endParaRPr>
+          </a:p>
+        </p:txBody>
+      </p:sp>
+      <p:sp>
+        <p:nvSpPr>
+          <p:cNvPr id="7" name="Rectangle 6">
+            <a:extLst>
+              <a:ext uri="{FF2B5EF4-FFF2-40B4-BE49-F238E27FC236}">
+                <a16:creationId xmlns:a16="http://schemas.microsoft.com/office/drawing/2014/main" id="{B10720DE-FD2A-4FE5-B9FB-74854D01A659}"/>
+              </a:ext>
+            </a:extLst>
+          </p:cNvPr>
+          <p:cNvSpPr/>
+          <p:nvPr/>
+        </p:nvSpPr>
+        <p:spPr>
+          <a:xfrm>
+            <a:off x="0" y="6383046"/>
+            <a:ext cx="12183122" cy="57703"/>
+          </a:xfrm>
+          <a:prstGeom prst="rect">
+            <a:avLst/>
+          </a:prstGeom>
+          <a:solidFill>
+            <a:srgbClr val="0070C0"/>
+          </a:solidFill>
+        </p:spPr>
+        <p:style>
+          <a:lnRef idx="2">
+            <a:schemeClr val="accent1">
+              <a:shade val="50000"/>
+            </a:schemeClr>
+          </a:lnRef>
+          <a:fillRef idx="1">
+            <a:schemeClr val="accent1"/>
+          </a:fillRef>
+          <a:effectRef idx="0">
+            <a:schemeClr val="accent1"/>
+          </a:effectRef>
+          <a:fontRef idx="minor">
+            <a:schemeClr val="lt1"/>
+          </a:fontRef>
+        </p:style>
+        <p:txBody>
+          <a:bodyPr rtlCol="0" anchor="ctr"/>
+          <a:lstStyle/>
+          <a:p>
+            <a:pPr marL="0" marR="0" lvl="0" indent="0" algn="ctr" defTabSz="914400" rtl="0" eaLnBrk="1" fontAlgn="auto" latinLnBrk="0" hangingPunct="1">
+              <a:lnSpc>
+                <a:spcPct val="100000"/>
+              </a:lnSpc>
+              <a:spcBef>
+                <a:spcPts val="0"/>
+              </a:spcBef>
+              <a:spcAft>
+                <a:spcPts val="0"/>
+              </a:spcAft>
+              <a:buClrTx/>
+              <a:buSzTx/>
+              <a:buFontTx/>
+              <a:buNone/>
+              <a:tabLst/>
+              <a:defRPr/>
+            </a:pPr>
+            <a:endParaRPr kumimoji="0" lang="en-IN" sz="1000" b="0" i="0" u="none" strike="noStrike" kern="1200" cap="none" spc="0" normalizeH="0" baseline="0" noProof="0" dirty="0">
+              <a:ln>
+                <a:noFill/>
+              </a:ln>
+              <a:solidFill>
+                <a:prstClr val="white"/>
+              </a:solidFill>
+              <a:effectLst/>
+              <a:uLnTx/>
+              <a:uFillTx/>
+              <a:latin typeface="Verdana" panose="020B0604030504040204" pitchFamily="34" charset="0"/>
+              <a:ea typeface="Verdana" panose="020B0604030504040204" pitchFamily="34" charset="0"/>
+              <a:cs typeface="+mn-cs"/>
+            </a:endParaRPr>
+          </a:p>
+        </p:txBody>
+      </p:sp>
+      <p:sp>
+        <p:nvSpPr>
+          <p:cNvPr id="8" name="Footer Placeholder 7">
+            <a:extLst>
+              <a:ext uri="{FF2B5EF4-FFF2-40B4-BE49-F238E27FC236}">
+                <a16:creationId xmlns:a16="http://schemas.microsoft.com/office/drawing/2014/main" id="{DD2A19CA-EC18-432D-8F8F-17079808F38B}"/>
+              </a:ext>
+            </a:extLst>
+          </p:cNvPr>
+          <p:cNvSpPr>
+            <a:spLocks noGrp="1"/>
+          </p:cNvSpPr>
+          <p:nvPr>
+            <p:ph type="ftr" sz="quarter" idx="11"/>
+          </p:nvPr>
+        </p:nvSpPr>
+        <p:spPr>
+          <a:xfrm>
             <a:off x="4038600" y="6427374"/>
             <a:ext cx="4114800" cy="365125"/>
           </a:xfrm>
@@ -10011,7 +11549,7 @@
                 <a:tabLst/>
                 <a:defRPr/>
               </a:pPr>
-              <a:t>3</a:t>
+              <a:t>4</a:t>
             </a:fld>
             <a:endParaRPr kumimoji="0" lang="en-IN" sz="1200" b="1" i="0" u="none" strike="noStrike" kern="1200" cap="none" spc="0" normalizeH="0" baseline="0" noProof="0" dirty="0">
               <a:ln>
@@ -11640,7 +13178,7 @@
 </p:sld>
 </file>
 
-<file path=ppt/slides/slide4.xml><?xml version="1.0" encoding="utf-8"?>
+<file path=ppt/slides/slide5.xml><?xml version="1.0" encoding="utf-8"?>
 <p:sld xmlns:a="http://schemas.openxmlformats.org/drawingml/2006/main" xmlns:r="http://schemas.openxmlformats.org/officeDocument/2006/relationships" xmlns:p="http://schemas.openxmlformats.org/presentationml/2006/main">
   <p:cSld>
     <p:spTree>
@@ -11697,1327 +13235,6 @@
     <p:extLst>
       <p:ext uri="{BB962C8B-B14F-4D97-AF65-F5344CB8AC3E}">
         <p14:creationId xmlns:p14="http://schemas.microsoft.com/office/powerpoint/2010/main" val="3800585426"/>
-      </p:ext>
-    </p:extLst>
-  </p:cSld>
-  <p:clrMapOvr>
-    <a:masterClrMapping/>
-  </p:clrMapOvr>
-</p:sld>
-</file>
-
-<file path=ppt/slides/slide5.xml><?xml version="1.0" encoding="utf-8"?>
-<p:sld xmlns:a="http://schemas.openxmlformats.org/drawingml/2006/main" xmlns:r="http://schemas.openxmlformats.org/officeDocument/2006/relationships" xmlns:p="http://schemas.openxmlformats.org/presentationml/2006/main">
-  <p:cSld>
-    <p:spTree>
-      <p:nvGrpSpPr>
-        <p:cNvPr id="1" name=""/>
-        <p:cNvGrpSpPr/>
-        <p:nvPr/>
-      </p:nvGrpSpPr>
-      <p:grpSpPr>
-        <a:xfrm>
-          <a:off x="0" y="0"/>
-          <a:ext cx="0" cy="0"/>
-          <a:chOff x="0" y="0"/>
-          <a:chExt cx="0" cy="0"/>
-        </a:xfrm>
-      </p:grpSpPr>
-      <p:sp>
-        <p:nvSpPr>
-          <p:cNvPr id="7" name="Rectangle 6">
-            <a:extLst>
-              <a:ext uri="{FF2B5EF4-FFF2-40B4-BE49-F238E27FC236}">
-                <a16:creationId xmlns:a16="http://schemas.microsoft.com/office/drawing/2014/main" id="{B10720DE-FD2A-4FE5-B9FB-74854D01A659}"/>
-              </a:ext>
-            </a:extLst>
-          </p:cNvPr>
-          <p:cNvSpPr/>
-          <p:nvPr/>
-        </p:nvSpPr>
-        <p:spPr>
-          <a:xfrm>
-            <a:off x="0" y="6432008"/>
-            <a:ext cx="12183122" cy="57703"/>
-          </a:xfrm>
-          <a:prstGeom prst="rect">
-            <a:avLst/>
-          </a:prstGeom>
-          <a:solidFill>
-            <a:srgbClr val="0070C0"/>
-          </a:solidFill>
-        </p:spPr>
-        <p:style>
-          <a:lnRef idx="2">
-            <a:schemeClr val="accent1">
-              <a:shade val="50000"/>
-            </a:schemeClr>
-          </a:lnRef>
-          <a:fillRef idx="1">
-            <a:schemeClr val="accent1"/>
-          </a:fillRef>
-          <a:effectRef idx="0">
-            <a:schemeClr val="accent1"/>
-          </a:effectRef>
-          <a:fontRef idx="minor">
-            <a:schemeClr val="lt1"/>
-          </a:fontRef>
-        </p:style>
-        <p:txBody>
-          <a:bodyPr rtlCol="0" anchor="ctr"/>
-          <a:lstStyle/>
-          <a:p>
-            <a:pPr algn="ctr"/>
-            <a:endParaRPr lang="en-IN" sz="1000" dirty="0">
-              <a:latin typeface="Verdana" panose="020B0604030504040204" pitchFamily="34" charset="0"/>
-              <a:ea typeface="Verdana" panose="020B0604030504040204" pitchFamily="34" charset="0"/>
-            </a:endParaRPr>
-          </a:p>
-        </p:txBody>
-      </p:sp>
-      <p:sp>
-        <p:nvSpPr>
-          <p:cNvPr id="8" name="Footer Placeholder 7">
-            <a:extLst>
-              <a:ext uri="{FF2B5EF4-FFF2-40B4-BE49-F238E27FC236}">
-                <a16:creationId xmlns:a16="http://schemas.microsoft.com/office/drawing/2014/main" id="{DD2A19CA-EC18-432D-8F8F-17079808F38B}"/>
-              </a:ext>
-            </a:extLst>
-          </p:cNvPr>
-          <p:cNvSpPr>
-            <a:spLocks noGrp="1"/>
-          </p:cNvSpPr>
-          <p:nvPr>
-            <p:ph type="ftr" sz="quarter" idx="11"/>
-          </p:nvPr>
-        </p:nvSpPr>
-        <p:spPr>
-          <a:xfrm>
-            <a:off x="4038600" y="6476336"/>
-            <a:ext cx="4114800" cy="365125"/>
-          </a:xfrm>
-        </p:spPr>
-        <p:txBody>
-          <a:bodyPr/>
-          <a:lstStyle/>
-          <a:p>
-            <a:r>
-              <a:rPr lang="en-IN" b="1" dirty="0">
-                <a:solidFill>
-                  <a:srgbClr val="002060"/>
-                </a:solidFill>
-                <a:latin typeface="Verdana" panose="020B0604030504040204" pitchFamily="34" charset="0"/>
-                <a:ea typeface="Verdana" panose="020B0604030504040204" pitchFamily="34" charset="0"/>
-              </a:rPr>
-              <a:t>24-Nov-2021</a:t>
-            </a:r>
-          </a:p>
-        </p:txBody>
-      </p:sp>
-      <p:sp>
-        <p:nvSpPr>
-          <p:cNvPr id="9" name="Slide Number Placeholder 8">
-            <a:extLst>
-              <a:ext uri="{FF2B5EF4-FFF2-40B4-BE49-F238E27FC236}">
-                <a16:creationId xmlns:a16="http://schemas.microsoft.com/office/drawing/2014/main" id="{8162625C-0B1F-42E0-BE7C-D99A08FED7A3}"/>
-              </a:ext>
-            </a:extLst>
-          </p:cNvPr>
-          <p:cNvSpPr>
-            <a:spLocks noGrp="1"/>
-          </p:cNvSpPr>
-          <p:nvPr>
-            <p:ph type="sldNum" sz="quarter" idx="12"/>
-          </p:nvPr>
-        </p:nvSpPr>
-        <p:spPr>
-          <a:xfrm>
-            <a:off x="8610600" y="6476336"/>
-            <a:ext cx="2743200" cy="365125"/>
-          </a:xfrm>
-        </p:spPr>
-        <p:txBody>
-          <a:bodyPr/>
-          <a:lstStyle/>
-          <a:p>
-            <a:r>
-              <a:rPr lang="en-IN" b="1" dirty="0">
-                <a:solidFill>
-                  <a:srgbClr val="002060"/>
-                </a:solidFill>
-                <a:latin typeface="Verdana" panose="020B0604030504040204" pitchFamily="34" charset="0"/>
-                <a:ea typeface="Verdana" panose="020B0604030504040204" pitchFamily="34" charset="0"/>
-              </a:rPr>
-              <a:t>1</a:t>
-            </a:r>
-          </a:p>
-        </p:txBody>
-      </p:sp>
-      <p:sp>
-        <p:nvSpPr>
-          <p:cNvPr id="12" name="Footer Placeholder 7">
-            <a:extLst>
-              <a:ext uri="{FF2B5EF4-FFF2-40B4-BE49-F238E27FC236}">
-                <a16:creationId xmlns:a16="http://schemas.microsoft.com/office/drawing/2014/main" id="{64C57949-E349-47D3-A505-A098233AF49D}"/>
-              </a:ext>
-            </a:extLst>
-          </p:cNvPr>
-          <p:cNvSpPr txBox="1">
-            <a:spLocks/>
-          </p:cNvSpPr>
-          <p:nvPr/>
-        </p:nvSpPr>
-        <p:spPr>
-          <a:xfrm>
-            <a:off x="133897" y="6477810"/>
-            <a:ext cx="4114800" cy="365125"/>
-          </a:xfrm>
-          <a:prstGeom prst="rect">
-            <a:avLst/>
-          </a:prstGeom>
-        </p:spPr>
-        <p:txBody>
-          <a:bodyPr vert="horz" lIns="91440" tIns="45720" rIns="91440" bIns="45720" rtlCol="0" anchor="ctr"/>
-          <a:lstStyle>
-            <a:defPPr>
-              <a:defRPr lang="en-US"/>
-            </a:defPPr>
-            <a:lvl1pPr marL="0" algn="ctr" defTabSz="914400" rtl="0" eaLnBrk="1" latinLnBrk="0" hangingPunct="1">
-              <a:defRPr sz="1200" kern="1200">
-                <a:solidFill>
-                  <a:schemeClr val="tx1">
-                    <a:tint val="75000"/>
-                  </a:schemeClr>
-                </a:solidFill>
-                <a:latin typeface="+mn-lt"/>
-                <a:ea typeface="+mn-ea"/>
-                <a:cs typeface="+mn-cs"/>
-              </a:defRPr>
-            </a:lvl1pPr>
-            <a:lvl2pPr marL="457200" algn="l" defTabSz="914400" rtl="0" eaLnBrk="1" latinLnBrk="0" hangingPunct="1">
-              <a:defRPr sz="1800" kern="1200">
-                <a:solidFill>
-                  <a:schemeClr val="tx1"/>
-                </a:solidFill>
-                <a:latin typeface="+mn-lt"/>
-                <a:ea typeface="+mn-ea"/>
-                <a:cs typeface="+mn-cs"/>
-              </a:defRPr>
-            </a:lvl2pPr>
-            <a:lvl3pPr marL="914400" algn="l" defTabSz="914400" rtl="0" eaLnBrk="1" latinLnBrk="0" hangingPunct="1">
-              <a:defRPr sz="1800" kern="1200">
-                <a:solidFill>
-                  <a:schemeClr val="tx1"/>
-                </a:solidFill>
-                <a:latin typeface="+mn-lt"/>
-                <a:ea typeface="+mn-ea"/>
-                <a:cs typeface="+mn-cs"/>
-              </a:defRPr>
-            </a:lvl3pPr>
-            <a:lvl4pPr marL="1371600" algn="l" defTabSz="914400" rtl="0" eaLnBrk="1" latinLnBrk="0" hangingPunct="1">
-              <a:defRPr sz="1800" kern="1200">
-                <a:solidFill>
-                  <a:schemeClr val="tx1"/>
-                </a:solidFill>
-                <a:latin typeface="+mn-lt"/>
-                <a:ea typeface="+mn-ea"/>
-                <a:cs typeface="+mn-cs"/>
-              </a:defRPr>
-            </a:lvl4pPr>
-            <a:lvl5pPr marL="1828800" algn="l" defTabSz="914400" rtl="0" eaLnBrk="1" latinLnBrk="0" hangingPunct="1">
-              <a:defRPr sz="1800" kern="1200">
-                <a:solidFill>
-                  <a:schemeClr val="tx1"/>
-                </a:solidFill>
-                <a:latin typeface="+mn-lt"/>
-                <a:ea typeface="+mn-ea"/>
-                <a:cs typeface="+mn-cs"/>
-              </a:defRPr>
-            </a:lvl5pPr>
-            <a:lvl6pPr marL="2286000" algn="l" defTabSz="914400" rtl="0" eaLnBrk="1" latinLnBrk="0" hangingPunct="1">
-              <a:defRPr sz="1800" kern="1200">
-                <a:solidFill>
-                  <a:schemeClr val="tx1"/>
-                </a:solidFill>
-                <a:latin typeface="+mn-lt"/>
-                <a:ea typeface="+mn-ea"/>
-                <a:cs typeface="+mn-cs"/>
-              </a:defRPr>
-            </a:lvl6pPr>
-            <a:lvl7pPr marL="2743200" algn="l" defTabSz="914400" rtl="0" eaLnBrk="1" latinLnBrk="0" hangingPunct="1">
-              <a:defRPr sz="1800" kern="1200">
-                <a:solidFill>
-                  <a:schemeClr val="tx1"/>
-                </a:solidFill>
-                <a:latin typeface="+mn-lt"/>
-                <a:ea typeface="+mn-ea"/>
-                <a:cs typeface="+mn-cs"/>
-              </a:defRPr>
-            </a:lvl7pPr>
-            <a:lvl8pPr marL="3200400" algn="l" defTabSz="914400" rtl="0" eaLnBrk="1" latinLnBrk="0" hangingPunct="1">
-              <a:defRPr sz="1800" kern="1200">
-                <a:solidFill>
-                  <a:schemeClr val="tx1"/>
-                </a:solidFill>
-                <a:latin typeface="+mn-lt"/>
-                <a:ea typeface="+mn-ea"/>
-                <a:cs typeface="+mn-cs"/>
-              </a:defRPr>
-            </a:lvl8pPr>
-            <a:lvl9pPr marL="3657600" algn="l" defTabSz="914400" rtl="0" eaLnBrk="1" latinLnBrk="0" hangingPunct="1">
-              <a:defRPr sz="1800" kern="1200">
-                <a:solidFill>
-                  <a:schemeClr val="tx1"/>
-                </a:solidFill>
-                <a:latin typeface="+mn-lt"/>
-                <a:ea typeface="+mn-ea"/>
-                <a:cs typeface="+mn-cs"/>
-              </a:defRPr>
-            </a:lvl9pPr>
-          </a:lstStyle>
-          <a:p>
-            <a:r>
-              <a:rPr lang="en-IN" b="1" dirty="0">
-                <a:solidFill>
-                  <a:srgbClr val="002060"/>
-                </a:solidFill>
-                <a:latin typeface="Verdana" panose="020B0604030504040204" pitchFamily="34" charset="0"/>
-                <a:ea typeface="Verdana" panose="020B0604030504040204" pitchFamily="34" charset="0"/>
-              </a:rPr>
-              <a:t>Microsoft Reactor Bengaluru</a:t>
-            </a:r>
-          </a:p>
-        </p:txBody>
-      </p:sp>
-      <p:pic>
-        <p:nvPicPr>
-          <p:cNvPr id="6" name="Picture 12">
-            <a:extLst>
-              <a:ext uri="{FF2B5EF4-FFF2-40B4-BE49-F238E27FC236}">
-                <a16:creationId xmlns:a16="http://schemas.microsoft.com/office/drawing/2014/main" id="{7898CFCB-7659-4968-8E49-75F24799EB68}"/>
-              </a:ext>
-            </a:extLst>
-          </p:cNvPr>
-          <p:cNvPicPr>
-            <a:picLocks noChangeAspect="1" noChangeArrowheads="1"/>
-          </p:cNvPicPr>
-          <p:nvPr/>
-        </p:nvPicPr>
-        <p:blipFill>
-          <a:blip r:embed="rId2">
-            <a:extLst>
-              <a:ext uri="{28A0092B-C50C-407E-A947-70E740481C1C}">
-                <a14:useLocalDpi xmlns:a14="http://schemas.microsoft.com/office/drawing/2010/main" val="0"/>
-              </a:ext>
-            </a:extLst>
-          </a:blip>
-          <a:srcRect/>
-          <a:stretch>
-            <a:fillRect/>
-          </a:stretch>
-        </p:blipFill>
-        <p:spPr bwMode="auto">
-          <a:xfrm>
-            <a:off x="7368618" y="3051292"/>
-            <a:ext cx="809625" cy="809625"/>
-          </a:xfrm>
-          <a:prstGeom prst="rect">
-            <a:avLst/>
-          </a:prstGeom>
-          <a:noFill/>
-          <a:extLst>
-            <a:ext uri="{909E8E84-426E-40DD-AFC4-6F175D3DCCD1}">
-              <a14:hiddenFill xmlns:a14="http://schemas.microsoft.com/office/drawing/2010/main">
-                <a:solidFill>
-                  <a:srgbClr val="FFFFFF"/>
-                </a:solidFill>
-              </a14:hiddenFill>
-            </a:ext>
-          </a:extLst>
-        </p:spPr>
-      </p:pic>
-      <p:sp>
-        <p:nvSpPr>
-          <p:cNvPr id="10" name="TextBox 9">
-            <a:extLst>
-              <a:ext uri="{FF2B5EF4-FFF2-40B4-BE49-F238E27FC236}">
-                <a16:creationId xmlns:a16="http://schemas.microsoft.com/office/drawing/2014/main" id="{3657454D-AD85-4AEE-82DC-6159AD7DE31E}"/>
-              </a:ext>
-            </a:extLst>
-          </p:cNvPr>
-          <p:cNvSpPr txBox="1"/>
-          <p:nvPr/>
-        </p:nvSpPr>
-        <p:spPr>
-          <a:xfrm>
-            <a:off x="7962166" y="2728022"/>
-            <a:ext cx="834396" cy="276999"/>
-          </a:xfrm>
-          <a:prstGeom prst="rect">
-            <a:avLst/>
-          </a:prstGeom>
-          <a:noFill/>
-        </p:spPr>
-        <p:txBody>
-          <a:bodyPr wrap="none" rtlCol="0">
-            <a:spAutoFit/>
-          </a:bodyPr>
-          <a:lstStyle/>
-          <a:p>
-            <a:r>
-              <a:rPr lang="en-US" sz="1200" dirty="0">
-                <a:solidFill>
-                  <a:srgbClr val="002060"/>
-                </a:solidFill>
-                <a:latin typeface="Verdana" panose="020B0604030504040204" pitchFamily="34" charset="0"/>
-                <a:ea typeface="Verdana" panose="020B0604030504040204" pitchFamily="34" charset="0"/>
-              </a:rPr>
-              <a:t>Web API</a:t>
-            </a:r>
-          </a:p>
-        </p:txBody>
-      </p:sp>
-      <p:pic>
-        <p:nvPicPr>
-          <p:cNvPr id="11" name="Picture 10">
-            <a:extLst>
-              <a:ext uri="{FF2B5EF4-FFF2-40B4-BE49-F238E27FC236}">
-                <a16:creationId xmlns:a16="http://schemas.microsoft.com/office/drawing/2014/main" id="{13644FC0-4432-4DAA-BB42-865EDC6E7039}"/>
-              </a:ext>
-            </a:extLst>
-          </p:cNvPr>
-          <p:cNvPicPr>
-            <a:picLocks noChangeAspect="1" noChangeArrowheads="1"/>
-          </p:cNvPicPr>
-          <p:nvPr/>
-        </p:nvPicPr>
-        <p:blipFill>
-          <a:blip r:embed="rId3">
-            <a:extLst>
-              <a:ext uri="{28A0092B-C50C-407E-A947-70E740481C1C}">
-                <a14:useLocalDpi xmlns:a14="http://schemas.microsoft.com/office/drawing/2010/main" val="0"/>
-              </a:ext>
-            </a:extLst>
-          </a:blip>
-          <a:srcRect/>
-          <a:stretch>
-            <a:fillRect/>
-          </a:stretch>
-        </p:blipFill>
-        <p:spPr bwMode="auto">
-          <a:xfrm>
-            <a:off x="11307018" y="3051292"/>
-            <a:ext cx="810000" cy="810000"/>
-          </a:xfrm>
-          <a:prstGeom prst="rect">
-            <a:avLst/>
-          </a:prstGeom>
-          <a:noFill/>
-          <a:extLst>
-            <a:ext uri="{909E8E84-426E-40DD-AFC4-6F175D3DCCD1}">
-              <a14:hiddenFill xmlns:a14="http://schemas.microsoft.com/office/drawing/2010/main">
-                <a:solidFill>
-                  <a:srgbClr val="FFFFFF"/>
-                </a:solidFill>
-              </a14:hiddenFill>
-            </a:ext>
-          </a:extLst>
-        </p:spPr>
-      </p:pic>
-      <p:sp>
-        <p:nvSpPr>
-          <p:cNvPr id="13" name="TextBox 12">
-            <a:extLst>
-              <a:ext uri="{FF2B5EF4-FFF2-40B4-BE49-F238E27FC236}">
-                <a16:creationId xmlns:a16="http://schemas.microsoft.com/office/drawing/2014/main" id="{83BEFD28-360B-4C34-B776-983624107E9B}"/>
-              </a:ext>
-            </a:extLst>
-          </p:cNvPr>
-          <p:cNvSpPr txBox="1"/>
-          <p:nvPr/>
-        </p:nvSpPr>
-        <p:spPr>
-          <a:xfrm>
-            <a:off x="10507415" y="2722384"/>
-            <a:ext cx="992579" cy="276999"/>
-          </a:xfrm>
-          <a:prstGeom prst="rect">
-            <a:avLst/>
-          </a:prstGeom>
-          <a:noFill/>
-        </p:spPr>
-        <p:txBody>
-          <a:bodyPr wrap="none" rtlCol="0">
-            <a:spAutoFit/>
-          </a:bodyPr>
-          <a:lstStyle/>
-          <a:p>
-            <a:r>
-              <a:rPr lang="en-US" sz="1200" dirty="0">
-                <a:solidFill>
-                  <a:srgbClr val="002060"/>
-                </a:solidFill>
-                <a:latin typeface="Verdana" panose="020B0604030504040204" pitchFamily="34" charset="0"/>
-                <a:ea typeface="Verdana" panose="020B0604030504040204" pitchFamily="34" charset="0"/>
-              </a:rPr>
-              <a:t>Azure SQL</a:t>
-            </a:r>
-          </a:p>
-        </p:txBody>
-      </p:sp>
-      <p:sp>
-        <p:nvSpPr>
-          <p:cNvPr id="14" name="Heptagon 13">
-            <a:extLst>
-              <a:ext uri="{FF2B5EF4-FFF2-40B4-BE49-F238E27FC236}">
-                <a16:creationId xmlns:a16="http://schemas.microsoft.com/office/drawing/2014/main" id="{932FD78C-C27D-4D87-9137-AB3F88C3B70B}"/>
-              </a:ext>
-            </a:extLst>
-          </p:cNvPr>
-          <p:cNvSpPr/>
-          <p:nvPr/>
-        </p:nvSpPr>
-        <p:spPr>
-          <a:xfrm>
-            <a:off x="7612671" y="2700919"/>
-            <a:ext cx="307435" cy="344102"/>
-          </a:xfrm>
-          <a:prstGeom prst="heptagon">
-            <a:avLst/>
-          </a:prstGeom>
-        </p:spPr>
-        <p:style>
-          <a:lnRef idx="2">
-            <a:schemeClr val="accent1">
-              <a:shade val="50000"/>
-            </a:schemeClr>
-          </a:lnRef>
-          <a:fillRef idx="1">
-            <a:schemeClr val="accent1"/>
-          </a:fillRef>
-          <a:effectRef idx="0">
-            <a:schemeClr val="accent1"/>
-          </a:effectRef>
-          <a:fontRef idx="minor">
-            <a:schemeClr val="lt1"/>
-          </a:fontRef>
-        </p:style>
-        <p:txBody>
-          <a:bodyPr rtlCol="0" anchor="ctr"/>
-          <a:lstStyle/>
-          <a:p>
-            <a:pPr algn="ctr"/>
-            <a:r>
-              <a:rPr lang="en-US" dirty="0"/>
-              <a:t>2</a:t>
-            </a:r>
-          </a:p>
-        </p:txBody>
-      </p:sp>
-      <p:sp>
-        <p:nvSpPr>
-          <p:cNvPr id="15" name="Heptagon 14">
-            <a:extLst>
-              <a:ext uri="{FF2B5EF4-FFF2-40B4-BE49-F238E27FC236}">
-                <a16:creationId xmlns:a16="http://schemas.microsoft.com/office/drawing/2014/main" id="{1E40AC33-A982-446B-9D49-9D733A49316A}"/>
-              </a:ext>
-            </a:extLst>
-          </p:cNvPr>
-          <p:cNvSpPr/>
-          <p:nvPr/>
-        </p:nvSpPr>
-        <p:spPr>
-          <a:xfrm>
-            <a:off x="11438204" y="2700919"/>
-            <a:ext cx="307435" cy="344102"/>
-          </a:xfrm>
-          <a:prstGeom prst="heptagon">
-            <a:avLst/>
-          </a:prstGeom>
-        </p:spPr>
-        <p:style>
-          <a:lnRef idx="2">
-            <a:schemeClr val="accent1">
-              <a:shade val="50000"/>
-            </a:schemeClr>
-          </a:lnRef>
-          <a:fillRef idx="1">
-            <a:schemeClr val="accent1"/>
-          </a:fillRef>
-          <a:effectRef idx="0">
-            <a:schemeClr val="accent1"/>
-          </a:effectRef>
-          <a:fontRef idx="minor">
-            <a:schemeClr val="lt1"/>
-          </a:fontRef>
-        </p:style>
-        <p:txBody>
-          <a:bodyPr rtlCol="0" anchor="ctr"/>
-          <a:lstStyle/>
-          <a:p>
-            <a:pPr algn="ctr"/>
-            <a:r>
-              <a:rPr lang="en-US" dirty="0"/>
-              <a:t>3</a:t>
-            </a:r>
-          </a:p>
-        </p:txBody>
-      </p:sp>
-      <p:pic>
-        <p:nvPicPr>
-          <p:cNvPr id="1026" name="Picture 2">
-            <a:extLst>
-              <a:ext uri="{FF2B5EF4-FFF2-40B4-BE49-F238E27FC236}">
-                <a16:creationId xmlns:a16="http://schemas.microsoft.com/office/drawing/2014/main" id="{F57E8191-61DB-4EA0-9C1C-F149C364155D}"/>
-              </a:ext>
-            </a:extLst>
-          </p:cNvPr>
-          <p:cNvPicPr>
-            <a:picLocks noChangeAspect="1" noChangeArrowheads="1"/>
-          </p:cNvPicPr>
-          <p:nvPr/>
-        </p:nvPicPr>
-        <p:blipFill>
-          <a:blip r:embed="rId4">
-            <a:extLst>
-              <a:ext uri="{28A0092B-C50C-407E-A947-70E740481C1C}">
-                <a14:useLocalDpi xmlns:a14="http://schemas.microsoft.com/office/drawing/2010/main" val="0"/>
-              </a:ext>
-            </a:extLst>
-          </a:blip>
-          <a:srcRect/>
-          <a:stretch>
-            <a:fillRect/>
-          </a:stretch>
-        </p:blipFill>
-        <p:spPr bwMode="auto">
-          <a:xfrm>
-            <a:off x="7368618" y="5041057"/>
-            <a:ext cx="810000" cy="810000"/>
-          </a:xfrm>
-          <a:prstGeom prst="rect">
-            <a:avLst/>
-          </a:prstGeom>
-          <a:noFill/>
-          <a:extLst>
-            <a:ext uri="{909E8E84-426E-40DD-AFC4-6F175D3DCCD1}">
-              <a14:hiddenFill xmlns:a14="http://schemas.microsoft.com/office/drawing/2010/main">
-                <a:solidFill>
-                  <a:srgbClr val="FFFFFF"/>
-                </a:solidFill>
-              </a14:hiddenFill>
-            </a:ext>
-          </a:extLst>
-        </p:spPr>
-      </p:pic>
-      <p:cxnSp>
-        <p:nvCxnSpPr>
-          <p:cNvPr id="4" name="Straight Connector 3">
-            <a:extLst>
-              <a:ext uri="{FF2B5EF4-FFF2-40B4-BE49-F238E27FC236}">
-                <a16:creationId xmlns:a16="http://schemas.microsoft.com/office/drawing/2014/main" id="{3305130D-A90B-4CF0-8C61-F044EE9BFE47}"/>
-              </a:ext>
-            </a:extLst>
-          </p:cNvPr>
-          <p:cNvCxnSpPr>
-            <a:stCxn id="6" idx="3"/>
-            <a:endCxn id="11" idx="1"/>
-          </p:cNvCxnSpPr>
-          <p:nvPr/>
-        </p:nvCxnSpPr>
-        <p:spPr>
-          <a:xfrm>
-            <a:off x="8178243" y="3456105"/>
-            <a:ext cx="3128775" cy="187"/>
-          </a:xfrm>
-          <a:prstGeom prst="line">
-            <a:avLst/>
-          </a:prstGeom>
-        </p:spPr>
-        <p:style>
-          <a:lnRef idx="2">
-            <a:schemeClr val="accent1"/>
-          </a:lnRef>
-          <a:fillRef idx="0">
-            <a:schemeClr val="accent1"/>
-          </a:fillRef>
-          <a:effectRef idx="1">
-            <a:schemeClr val="accent1"/>
-          </a:effectRef>
-          <a:fontRef idx="minor">
-            <a:schemeClr val="tx1"/>
-          </a:fontRef>
-        </p:style>
-      </p:cxnSp>
-      <p:cxnSp>
-        <p:nvCxnSpPr>
-          <p:cNvPr id="17" name="Straight Connector 16">
-            <a:extLst>
-              <a:ext uri="{FF2B5EF4-FFF2-40B4-BE49-F238E27FC236}">
-                <a16:creationId xmlns:a16="http://schemas.microsoft.com/office/drawing/2014/main" id="{AAC1447B-07A7-40E7-8652-6EC297A4352B}"/>
-              </a:ext>
-            </a:extLst>
-          </p:cNvPr>
-          <p:cNvCxnSpPr>
-            <a:stCxn id="6" idx="2"/>
-            <a:endCxn id="1026" idx="0"/>
-          </p:cNvCxnSpPr>
-          <p:nvPr/>
-        </p:nvCxnSpPr>
-        <p:spPr>
-          <a:xfrm>
-            <a:off x="7773431" y="3860917"/>
-            <a:ext cx="187" cy="1180140"/>
-          </a:xfrm>
-          <a:prstGeom prst="line">
-            <a:avLst/>
-          </a:prstGeom>
-          <a:ln w="12700"/>
-        </p:spPr>
-        <p:style>
-          <a:lnRef idx="1">
-            <a:schemeClr val="accent1"/>
-          </a:lnRef>
-          <a:fillRef idx="0">
-            <a:schemeClr val="accent1"/>
-          </a:fillRef>
-          <a:effectRef idx="0">
-            <a:schemeClr val="accent1"/>
-          </a:effectRef>
-          <a:fontRef idx="minor">
-            <a:schemeClr val="tx1"/>
-          </a:fontRef>
-        </p:style>
-      </p:cxnSp>
-      <p:sp>
-        <p:nvSpPr>
-          <p:cNvPr id="20" name="Heptagon 19">
-            <a:extLst>
-              <a:ext uri="{FF2B5EF4-FFF2-40B4-BE49-F238E27FC236}">
-                <a16:creationId xmlns:a16="http://schemas.microsoft.com/office/drawing/2014/main" id="{81B034CB-CC36-4166-926A-86A06D7A20E6}"/>
-              </a:ext>
-            </a:extLst>
-          </p:cNvPr>
-          <p:cNvSpPr/>
-          <p:nvPr/>
-        </p:nvSpPr>
-        <p:spPr>
-          <a:xfrm>
-            <a:off x="7612671" y="5858706"/>
-            <a:ext cx="307435" cy="344102"/>
-          </a:xfrm>
-          <a:prstGeom prst="heptagon">
-            <a:avLst/>
-          </a:prstGeom>
-        </p:spPr>
-        <p:style>
-          <a:lnRef idx="2">
-            <a:schemeClr val="accent1">
-              <a:shade val="50000"/>
-            </a:schemeClr>
-          </a:lnRef>
-          <a:fillRef idx="1">
-            <a:schemeClr val="accent1"/>
-          </a:fillRef>
-          <a:effectRef idx="0">
-            <a:schemeClr val="accent1"/>
-          </a:effectRef>
-          <a:fontRef idx="minor">
-            <a:schemeClr val="lt1"/>
-          </a:fontRef>
-        </p:style>
-        <p:txBody>
-          <a:bodyPr rtlCol="0" anchor="ctr"/>
-          <a:lstStyle/>
-          <a:p>
-            <a:pPr algn="ctr"/>
-            <a:r>
-              <a:rPr lang="en-US" dirty="0"/>
-              <a:t>4</a:t>
-            </a:r>
-          </a:p>
-        </p:txBody>
-      </p:sp>
-      <p:sp>
-        <p:nvSpPr>
-          <p:cNvPr id="21" name="TextBox 20">
-            <a:extLst>
-              <a:ext uri="{FF2B5EF4-FFF2-40B4-BE49-F238E27FC236}">
-                <a16:creationId xmlns:a16="http://schemas.microsoft.com/office/drawing/2014/main" id="{BE85FB5F-7B2C-4F7C-80F9-0633CA2F185C}"/>
-              </a:ext>
-            </a:extLst>
-          </p:cNvPr>
-          <p:cNvSpPr txBox="1"/>
-          <p:nvPr/>
-        </p:nvSpPr>
-        <p:spPr>
-          <a:xfrm>
-            <a:off x="8141555" y="5269474"/>
-            <a:ext cx="847733" cy="276999"/>
-          </a:xfrm>
-          <a:prstGeom prst="rect">
-            <a:avLst/>
-          </a:prstGeom>
-          <a:noFill/>
-        </p:spPr>
-        <p:txBody>
-          <a:bodyPr wrap="none" rtlCol="0">
-            <a:spAutoFit/>
-          </a:bodyPr>
-          <a:lstStyle/>
-          <a:p>
-            <a:r>
-              <a:rPr lang="en-US" sz="1200" dirty="0">
-                <a:solidFill>
-                  <a:srgbClr val="002060"/>
-                </a:solidFill>
-                <a:latin typeface="Verdana" panose="020B0604030504040204" pitchFamily="34" charset="0"/>
-                <a:ea typeface="Verdana" panose="020B0604030504040204" pitchFamily="34" charset="0"/>
-              </a:rPr>
-              <a:t>Postman</a:t>
-            </a:r>
-          </a:p>
-        </p:txBody>
-      </p:sp>
-      <p:pic>
-        <p:nvPicPr>
-          <p:cNvPr id="2050" name="Picture 2">
-            <a:extLst>
-              <a:ext uri="{FF2B5EF4-FFF2-40B4-BE49-F238E27FC236}">
-                <a16:creationId xmlns:a16="http://schemas.microsoft.com/office/drawing/2014/main" id="{E5FC223A-D3AB-4E6B-8768-C5EBCFD1EE4D}"/>
-              </a:ext>
-            </a:extLst>
-          </p:cNvPr>
-          <p:cNvPicPr>
-            <a:picLocks noChangeAspect="1" noChangeArrowheads="1"/>
-          </p:cNvPicPr>
-          <p:nvPr/>
-        </p:nvPicPr>
-        <p:blipFill>
-          <a:blip r:embed="rId5">
-            <a:extLst>
-              <a:ext uri="{28A0092B-C50C-407E-A947-70E740481C1C}">
-                <a14:useLocalDpi xmlns:a14="http://schemas.microsoft.com/office/drawing/2010/main" val="0"/>
-              </a:ext>
-            </a:extLst>
-          </a:blip>
-          <a:srcRect/>
-          <a:stretch>
-            <a:fillRect/>
-          </a:stretch>
-        </p:blipFill>
-        <p:spPr bwMode="auto">
-          <a:xfrm>
-            <a:off x="3391174" y="770006"/>
-            <a:ext cx="857250" cy="809625"/>
-          </a:xfrm>
-          <a:prstGeom prst="rect">
-            <a:avLst/>
-          </a:prstGeom>
-          <a:noFill/>
-          <a:extLst>
-            <a:ext uri="{909E8E84-426E-40DD-AFC4-6F175D3DCCD1}">
-              <a14:hiddenFill xmlns:a14="http://schemas.microsoft.com/office/drawing/2010/main">
-                <a:solidFill>
-                  <a:srgbClr val="FFFFFF"/>
-                </a:solidFill>
-              </a14:hiddenFill>
-            </a:ext>
-          </a:extLst>
-        </p:spPr>
-      </p:pic>
-      <p:cxnSp>
-        <p:nvCxnSpPr>
-          <p:cNvPr id="18" name="Straight Connector 17">
-            <a:extLst>
-              <a:ext uri="{FF2B5EF4-FFF2-40B4-BE49-F238E27FC236}">
-                <a16:creationId xmlns:a16="http://schemas.microsoft.com/office/drawing/2014/main" id="{E47FE56F-918E-499D-98A8-601D634441D4}"/>
-              </a:ext>
-            </a:extLst>
-          </p:cNvPr>
-          <p:cNvCxnSpPr/>
-          <p:nvPr/>
-        </p:nvCxnSpPr>
-        <p:spPr>
-          <a:xfrm>
-            <a:off x="4267692" y="3457673"/>
-            <a:ext cx="3128775" cy="187"/>
-          </a:xfrm>
-          <a:prstGeom prst="line">
-            <a:avLst/>
-          </a:prstGeom>
-        </p:spPr>
-        <p:style>
-          <a:lnRef idx="2">
-            <a:schemeClr val="accent1"/>
-          </a:lnRef>
-          <a:fillRef idx="0">
-            <a:schemeClr val="accent1"/>
-          </a:fillRef>
-          <a:effectRef idx="1">
-            <a:schemeClr val="accent1"/>
-          </a:effectRef>
-          <a:fontRef idx="minor">
-            <a:schemeClr val="tx1"/>
-          </a:fontRef>
-        </p:style>
-      </p:cxnSp>
-      <p:pic>
-        <p:nvPicPr>
-          <p:cNvPr id="19" name="Picture 2">
-            <a:extLst>
-              <a:ext uri="{FF2B5EF4-FFF2-40B4-BE49-F238E27FC236}">
-                <a16:creationId xmlns:a16="http://schemas.microsoft.com/office/drawing/2014/main" id="{81596101-A8EB-49A3-935D-208ECEA59F5F}"/>
-              </a:ext>
-            </a:extLst>
-          </p:cNvPr>
-          <p:cNvPicPr>
-            <a:picLocks noChangeAspect="1" noChangeArrowheads="1"/>
-          </p:cNvPicPr>
-          <p:nvPr/>
-        </p:nvPicPr>
-        <p:blipFill>
-          <a:blip r:embed="rId5">
-            <a:extLst>
-              <a:ext uri="{28A0092B-C50C-407E-A947-70E740481C1C}">
-                <a14:useLocalDpi xmlns:a14="http://schemas.microsoft.com/office/drawing/2010/main" val="0"/>
-              </a:ext>
-            </a:extLst>
-          </a:blip>
-          <a:srcRect/>
-          <a:stretch>
-            <a:fillRect/>
-          </a:stretch>
-        </p:blipFill>
-        <p:spPr bwMode="auto">
-          <a:xfrm>
-            <a:off x="1185301" y="770006"/>
-            <a:ext cx="857250" cy="809625"/>
-          </a:xfrm>
-          <a:prstGeom prst="rect">
-            <a:avLst/>
-          </a:prstGeom>
-          <a:noFill/>
-          <a:extLst>
-            <a:ext uri="{909E8E84-426E-40DD-AFC4-6F175D3DCCD1}">
-              <a14:hiddenFill xmlns:a14="http://schemas.microsoft.com/office/drawing/2010/main">
-                <a:solidFill>
-                  <a:srgbClr val="FFFFFF"/>
-                </a:solidFill>
-              </a14:hiddenFill>
-            </a:ext>
-          </a:extLst>
-        </p:spPr>
-      </p:pic>
-      <p:sp>
-        <p:nvSpPr>
-          <p:cNvPr id="22" name="Heptagon 21">
-            <a:extLst>
-              <a:ext uri="{FF2B5EF4-FFF2-40B4-BE49-F238E27FC236}">
-                <a16:creationId xmlns:a16="http://schemas.microsoft.com/office/drawing/2014/main" id="{9DC9C82A-36F2-4DA5-AAE7-F9FC02DA4D7C}"/>
-              </a:ext>
-            </a:extLst>
-          </p:cNvPr>
-          <p:cNvSpPr/>
-          <p:nvPr/>
-        </p:nvSpPr>
-        <p:spPr>
-          <a:xfrm>
-            <a:off x="3237456" y="425904"/>
-            <a:ext cx="307435" cy="344102"/>
-          </a:xfrm>
-          <a:prstGeom prst="heptagon">
-            <a:avLst/>
-          </a:prstGeom>
-        </p:spPr>
-        <p:style>
-          <a:lnRef idx="2">
-            <a:schemeClr val="accent1">
-              <a:shade val="50000"/>
-            </a:schemeClr>
-          </a:lnRef>
-          <a:fillRef idx="1">
-            <a:schemeClr val="accent1"/>
-          </a:fillRef>
-          <a:effectRef idx="0">
-            <a:schemeClr val="accent1"/>
-          </a:effectRef>
-          <a:fontRef idx="minor">
-            <a:schemeClr val="lt1"/>
-          </a:fontRef>
-        </p:style>
-        <p:txBody>
-          <a:bodyPr rtlCol="0" anchor="ctr"/>
-          <a:lstStyle/>
-          <a:p>
-            <a:pPr algn="ctr"/>
-            <a:r>
-              <a:rPr lang="en-US" dirty="0"/>
-              <a:t>5</a:t>
-            </a:r>
-          </a:p>
-        </p:txBody>
-      </p:sp>
-      <p:sp>
-        <p:nvSpPr>
-          <p:cNvPr id="23" name="Heptagon 22">
-            <a:extLst>
-              <a:ext uri="{FF2B5EF4-FFF2-40B4-BE49-F238E27FC236}">
-                <a16:creationId xmlns:a16="http://schemas.microsoft.com/office/drawing/2014/main" id="{D027EBA1-67A9-4BF1-ACE6-4F4DB7E49E26}"/>
-              </a:ext>
-            </a:extLst>
-          </p:cNvPr>
-          <p:cNvSpPr/>
-          <p:nvPr/>
-        </p:nvSpPr>
-        <p:spPr>
-          <a:xfrm>
-            <a:off x="954725" y="461674"/>
-            <a:ext cx="307435" cy="344102"/>
-          </a:xfrm>
-          <a:prstGeom prst="heptagon">
-            <a:avLst/>
-          </a:prstGeom>
-        </p:spPr>
-        <p:style>
-          <a:lnRef idx="2">
-            <a:schemeClr val="accent1">
-              <a:shade val="50000"/>
-            </a:schemeClr>
-          </a:lnRef>
-          <a:fillRef idx="1">
-            <a:schemeClr val="accent1"/>
-          </a:fillRef>
-          <a:effectRef idx="0">
-            <a:schemeClr val="accent1"/>
-          </a:effectRef>
-          <a:fontRef idx="minor">
-            <a:schemeClr val="lt1"/>
-          </a:fontRef>
-        </p:style>
-        <p:txBody>
-          <a:bodyPr rtlCol="0" anchor="ctr"/>
-          <a:lstStyle/>
-          <a:p>
-            <a:pPr algn="ctr"/>
-            <a:r>
-              <a:rPr lang="en-US" dirty="0"/>
-              <a:t>6</a:t>
-            </a:r>
-          </a:p>
-        </p:txBody>
-      </p:sp>
-      <p:sp>
-        <p:nvSpPr>
-          <p:cNvPr id="24" name="TextBox 23">
-            <a:extLst>
-              <a:ext uri="{FF2B5EF4-FFF2-40B4-BE49-F238E27FC236}">
-                <a16:creationId xmlns:a16="http://schemas.microsoft.com/office/drawing/2014/main" id="{444ADC56-8CEB-448D-9DB4-A40A04DCB75F}"/>
-              </a:ext>
-            </a:extLst>
-          </p:cNvPr>
-          <p:cNvSpPr txBox="1"/>
-          <p:nvPr/>
-        </p:nvSpPr>
-        <p:spPr>
-          <a:xfrm>
-            <a:off x="3544890" y="466491"/>
-            <a:ext cx="1206219" cy="276999"/>
-          </a:xfrm>
-          <a:prstGeom prst="rect">
-            <a:avLst/>
-          </a:prstGeom>
-          <a:noFill/>
-        </p:spPr>
-        <p:txBody>
-          <a:bodyPr wrap="square" rtlCol="0">
-            <a:spAutoFit/>
-          </a:bodyPr>
-          <a:lstStyle/>
-          <a:p>
-            <a:r>
-              <a:rPr lang="en-US" sz="1200" dirty="0">
-                <a:solidFill>
-                  <a:srgbClr val="002060"/>
-                </a:solidFill>
-                <a:latin typeface="Verdana" panose="020B0604030504040204" pitchFamily="34" charset="0"/>
-                <a:ea typeface="Verdana" panose="020B0604030504040204" pitchFamily="34" charset="0"/>
-              </a:rPr>
-              <a:t>Windows VM</a:t>
-            </a:r>
-          </a:p>
-        </p:txBody>
-      </p:sp>
-      <p:sp>
-        <p:nvSpPr>
-          <p:cNvPr id="25" name="TextBox 24">
-            <a:extLst>
-              <a:ext uri="{FF2B5EF4-FFF2-40B4-BE49-F238E27FC236}">
-                <a16:creationId xmlns:a16="http://schemas.microsoft.com/office/drawing/2014/main" id="{94D56564-9C91-49CE-B97F-D9A8EDAD6D68}"/>
-              </a:ext>
-            </a:extLst>
-          </p:cNvPr>
-          <p:cNvSpPr txBox="1"/>
-          <p:nvPr/>
-        </p:nvSpPr>
-        <p:spPr>
-          <a:xfrm>
-            <a:off x="1308850" y="465186"/>
-            <a:ext cx="1206219" cy="276999"/>
-          </a:xfrm>
-          <a:prstGeom prst="rect">
-            <a:avLst/>
-          </a:prstGeom>
-          <a:noFill/>
-        </p:spPr>
-        <p:txBody>
-          <a:bodyPr wrap="square" rtlCol="0">
-            <a:spAutoFit/>
-          </a:bodyPr>
-          <a:lstStyle/>
-          <a:p>
-            <a:r>
-              <a:rPr lang="en-US" sz="1200" dirty="0">
-                <a:solidFill>
-                  <a:srgbClr val="002060"/>
-                </a:solidFill>
-                <a:latin typeface="Verdana" panose="020B0604030504040204" pitchFamily="34" charset="0"/>
-                <a:ea typeface="Verdana" panose="020B0604030504040204" pitchFamily="34" charset="0"/>
-              </a:rPr>
-              <a:t>Ubuntu VM</a:t>
-            </a:r>
-          </a:p>
-        </p:txBody>
-      </p:sp>
-      <p:pic>
-        <p:nvPicPr>
-          <p:cNvPr id="2" name="Picture 2">
-            <a:extLst>
-              <a:ext uri="{FF2B5EF4-FFF2-40B4-BE49-F238E27FC236}">
-                <a16:creationId xmlns:a16="http://schemas.microsoft.com/office/drawing/2014/main" id="{7BACA7D4-C34A-4935-A82E-FCDE642A4BF8}"/>
-              </a:ext>
-            </a:extLst>
-          </p:cNvPr>
-          <p:cNvPicPr>
-            <a:picLocks noChangeAspect="1" noChangeArrowheads="1"/>
-          </p:cNvPicPr>
-          <p:nvPr/>
-        </p:nvPicPr>
-        <p:blipFill>
-          <a:blip r:embed="rId6">
-            <a:extLst>
-              <a:ext uri="{28A0092B-C50C-407E-A947-70E740481C1C}">
-                <a14:useLocalDpi xmlns:a14="http://schemas.microsoft.com/office/drawing/2010/main" val="0"/>
-              </a:ext>
-            </a:extLst>
-          </a:blip>
-          <a:srcRect/>
-          <a:stretch>
-            <a:fillRect/>
-          </a:stretch>
-        </p:blipFill>
-        <p:spPr bwMode="auto">
-          <a:xfrm>
-            <a:off x="3771283" y="805639"/>
-            <a:ext cx="618960" cy="603282"/>
-          </a:xfrm>
-          <a:prstGeom prst="rect">
-            <a:avLst/>
-          </a:prstGeom>
-          <a:noFill/>
-          <a:extLst>
-            <a:ext uri="{909E8E84-426E-40DD-AFC4-6F175D3DCCD1}">
-              <a14:hiddenFill xmlns:a14="http://schemas.microsoft.com/office/drawing/2010/main">
-                <a:solidFill>
-                  <a:srgbClr val="FFFFFF"/>
-                </a:solidFill>
-              </a14:hiddenFill>
-            </a:ext>
-          </a:extLst>
-        </p:spPr>
-      </p:pic>
-      <p:sp>
-        <p:nvSpPr>
-          <p:cNvPr id="26" name="TextBox 25">
-            <a:extLst>
-              <a:ext uri="{FF2B5EF4-FFF2-40B4-BE49-F238E27FC236}">
-                <a16:creationId xmlns:a16="http://schemas.microsoft.com/office/drawing/2014/main" id="{88EB1ECD-7D00-48B1-8A56-5CF8EC037158}"/>
-              </a:ext>
-            </a:extLst>
-          </p:cNvPr>
-          <p:cNvSpPr txBox="1"/>
-          <p:nvPr/>
-        </p:nvSpPr>
-        <p:spPr>
-          <a:xfrm>
-            <a:off x="4148000" y="927151"/>
-            <a:ext cx="1753180" cy="276999"/>
-          </a:xfrm>
-          <a:prstGeom prst="rect">
-            <a:avLst/>
-          </a:prstGeom>
-          <a:noFill/>
-        </p:spPr>
-        <p:txBody>
-          <a:bodyPr wrap="square" rtlCol="0">
-            <a:spAutoFit/>
-          </a:bodyPr>
-          <a:lstStyle/>
-          <a:p>
-            <a:r>
-              <a:rPr lang="en-US" sz="1200" dirty="0">
-                <a:solidFill>
-                  <a:srgbClr val="0070C0"/>
-                </a:solidFill>
-                <a:latin typeface="Verdana" panose="020B0604030504040204" pitchFamily="34" charset="0"/>
-                <a:ea typeface="Verdana" panose="020B0604030504040204" pitchFamily="34" charset="0"/>
-              </a:rPr>
-              <a:t>Razor App inside IIS</a:t>
-            </a:r>
-          </a:p>
-        </p:txBody>
-      </p:sp>
-      <p:pic>
-        <p:nvPicPr>
-          <p:cNvPr id="28" name="Picture 12">
-            <a:extLst>
-              <a:ext uri="{FF2B5EF4-FFF2-40B4-BE49-F238E27FC236}">
-                <a16:creationId xmlns:a16="http://schemas.microsoft.com/office/drawing/2014/main" id="{BE573FE1-020D-4965-9EAD-D732491D43B6}"/>
-              </a:ext>
-            </a:extLst>
-          </p:cNvPr>
-          <p:cNvPicPr>
-            <a:picLocks noChangeAspect="1" noChangeArrowheads="1"/>
-          </p:cNvPicPr>
-          <p:nvPr/>
-        </p:nvPicPr>
-        <p:blipFill>
-          <a:blip r:embed="rId2">
-            <a:extLst>
-              <a:ext uri="{28A0092B-C50C-407E-A947-70E740481C1C}">
-                <a14:useLocalDpi xmlns:a14="http://schemas.microsoft.com/office/drawing/2010/main" val="0"/>
-              </a:ext>
-            </a:extLst>
-          </a:blip>
-          <a:srcRect/>
-          <a:stretch>
-            <a:fillRect/>
-          </a:stretch>
-        </p:blipFill>
-        <p:spPr bwMode="auto">
-          <a:xfrm>
-            <a:off x="3529020" y="3071415"/>
-            <a:ext cx="809625" cy="809625"/>
-          </a:xfrm>
-          <a:prstGeom prst="rect">
-            <a:avLst/>
-          </a:prstGeom>
-          <a:noFill/>
-          <a:extLst>
-            <a:ext uri="{909E8E84-426E-40DD-AFC4-6F175D3DCCD1}">
-              <a14:hiddenFill xmlns:a14="http://schemas.microsoft.com/office/drawing/2010/main">
-                <a:solidFill>
-                  <a:srgbClr val="FFFFFF"/>
-                </a:solidFill>
-              </a14:hiddenFill>
-            </a:ext>
-          </a:extLst>
-        </p:spPr>
-      </p:pic>
-      <p:sp>
-        <p:nvSpPr>
-          <p:cNvPr id="29" name="Heptagon 28">
-            <a:extLst>
-              <a:ext uri="{FF2B5EF4-FFF2-40B4-BE49-F238E27FC236}">
-                <a16:creationId xmlns:a16="http://schemas.microsoft.com/office/drawing/2014/main" id="{8678203A-7D22-423F-A8A1-A0D964021E91}"/>
-              </a:ext>
-            </a:extLst>
-          </p:cNvPr>
-          <p:cNvSpPr/>
-          <p:nvPr/>
-        </p:nvSpPr>
-        <p:spPr>
-          <a:xfrm>
-            <a:off x="3511340" y="2700797"/>
-            <a:ext cx="307435" cy="344102"/>
-          </a:xfrm>
-          <a:prstGeom prst="heptagon">
-            <a:avLst/>
-          </a:prstGeom>
-        </p:spPr>
-        <p:style>
-          <a:lnRef idx="2">
-            <a:schemeClr val="accent1">
-              <a:shade val="50000"/>
-            </a:schemeClr>
-          </a:lnRef>
-          <a:fillRef idx="1">
-            <a:schemeClr val="accent1"/>
-          </a:fillRef>
-          <a:effectRef idx="0">
-            <a:schemeClr val="accent1"/>
-          </a:effectRef>
-          <a:fontRef idx="minor">
-            <a:schemeClr val="lt1"/>
-          </a:fontRef>
-        </p:style>
-        <p:txBody>
-          <a:bodyPr rtlCol="0" anchor="ctr"/>
-          <a:lstStyle/>
-          <a:p>
-            <a:pPr algn="ctr"/>
-            <a:r>
-              <a:rPr lang="en-US" dirty="0"/>
-              <a:t>1</a:t>
-            </a:r>
-          </a:p>
-        </p:txBody>
-      </p:sp>
-      <p:sp>
-        <p:nvSpPr>
-          <p:cNvPr id="30" name="TextBox 29">
-            <a:extLst>
-              <a:ext uri="{FF2B5EF4-FFF2-40B4-BE49-F238E27FC236}">
-                <a16:creationId xmlns:a16="http://schemas.microsoft.com/office/drawing/2014/main" id="{2BC9F718-89F5-4ABC-8898-7B19A551B64A}"/>
-              </a:ext>
-            </a:extLst>
-          </p:cNvPr>
-          <p:cNvSpPr txBox="1"/>
-          <p:nvPr/>
-        </p:nvSpPr>
-        <p:spPr>
-          <a:xfrm>
-            <a:off x="3925476" y="2728022"/>
-            <a:ext cx="998991" cy="276999"/>
-          </a:xfrm>
-          <a:prstGeom prst="rect">
-            <a:avLst/>
-          </a:prstGeom>
-          <a:noFill/>
-        </p:spPr>
-        <p:txBody>
-          <a:bodyPr wrap="none" rtlCol="0">
-            <a:spAutoFit/>
-          </a:bodyPr>
-          <a:lstStyle/>
-          <a:p>
-            <a:r>
-              <a:rPr lang="en-US" sz="1200" dirty="0">
-                <a:solidFill>
-                  <a:srgbClr val="002060"/>
-                </a:solidFill>
-                <a:latin typeface="Verdana" panose="020B0604030504040204" pitchFamily="34" charset="0"/>
-                <a:ea typeface="Verdana" panose="020B0604030504040204" pitchFamily="34" charset="0"/>
-              </a:rPr>
-              <a:t>Ng 12 App</a:t>
-            </a:r>
-          </a:p>
-        </p:txBody>
-      </p:sp>
-    </p:spTree>
-    <p:extLst>
-      <p:ext uri="{BB962C8B-B14F-4D97-AF65-F5344CB8AC3E}">
-        <p14:creationId xmlns:p14="http://schemas.microsoft.com/office/powerpoint/2010/main" val="2545165636"/>
       </p:ext>
     </p:extLst>
   </p:cSld>
@@ -13130,7 +13347,7 @@
                 <a:latin typeface="Verdana" panose="020B0604030504040204" pitchFamily="34" charset="0"/>
                 <a:ea typeface="Verdana" panose="020B0604030504040204" pitchFamily="34" charset="0"/>
               </a:rPr>
-              <a:t>10-Nov-2021</a:t>
+              <a:t>24-Nov-2021</a:t>
             </a:r>
           </a:p>
         </p:txBody>
@@ -14338,7 +14555,7 @@
     </p:spTree>
     <p:extLst>
       <p:ext uri="{BB962C8B-B14F-4D97-AF65-F5344CB8AC3E}">
-        <p14:creationId xmlns:p14="http://schemas.microsoft.com/office/powerpoint/2010/main" val="1281688862"/>
+        <p14:creationId xmlns:p14="http://schemas.microsoft.com/office/powerpoint/2010/main" val="2545165636"/>
       </p:ext>
     </p:extLst>
   </p:cSld>
@@ -14451,7 +14668,7 @@
                 <a:latin typeface="Verdana" panose="020B0604030504040204" pitchFamily="34" charset="0"/>
                 <a:ea typeface="Verdana" panose="020B0604030504040204" pitchFamily="34" charset="0"/>
               </a:rPr>
-              <a:t>27-Oct-2021</a:t>
+              <a:t>10-Nov-2021</a:t>
             </a:r>
           </a:p>
         </p:txBody>
@@ -14851,7 +15068,7 @@
             <a:pPr algn="ctr"/>
             <a:r>
               <a:rPr lang="en-US" dirty="0"/>
-              <a:t>1</a:t>
+              <a:t>2</a:t>
             </a:r>
           </a:p>
         </p:txBody>
@@ -14900,7 +15117,7 @@
             <a:pPr algn="ctr"/>
             <a:r>
               <a:rPr lang="en-US" dirty="0"/>
-              <a:t>2</a:t>
+              <a:t>3</a:t>
             </a:r>
           </a:p>
         </p:txBody>
@@ -15075,7 +15292,7 @@
             <a:pPr algn="ctr"/>
             <a:r>
               <a:rPr lang="en-US" dirty="0"/>
-              <a:t>3</a:t>
+              <a:t>4</a:t>
             </a:r>
           </a:p>
         </p:txBody>
@@ -15150,7 +15367,7 @@
         </p:blipFill>
         <p:spPr bwMode="auto">
           <a:xfrm>
-            <a:off x="3391174" y="1118797"/>
+            <a:off x="3391174" y="770006"/>
             <a:ext cx="857250" cy="809625"/>
           </a:xfrm>
           <a:prstGeom prst="rect">
@@ -15233,7 +15450,7 @@
         </p:blipFill>
         <p:spPr bwMode="auto">
           <a:xfrm>
-            <a:off x="3391174" y="4397548"/>
+            <a:off x="1185301" y="770006"/>
             <a:ext cx="857250" cy="809625"/>
           </a:xfrm>
           <a:prstGeom prst="rect">
@@ -15265,7 +15482,7 @@
         </p:nvSpPr>
         <p:spPr>
           <a:xfrm>
-            <a:off x="3237456" y="774695"/>
+            <a:off x="3237456" y="425904"/>
             <a:ext cx="307435" cy="344102"/>
           </a:xfrm>
           <a:prstGeom prst="heptagon">
@@ -15295,7 +15512,7 @@
             <a:pPr algn="ctr"/>
             <a:r>
               <a:rPr lang="en-US" dirty="0"/>
-              <a:t>4</a:t>
+              <a:t>5</a:t>
             </a:r>
           </a:p>
         </p:txBody>
@@ -15314,7 +15531,7 @@
         </p:nvSpPr>
         <p:spPr>
           <a:xfrm>
-            <a:off x="3237455" y="5166586"/>
+            <a:off x="954725" y="461674"/>
             <a:ext cx="307435" cy="344102"/>
           </a:xfrm>
           <a:prstGeom prst="heptagon">
@@ -15344,7 +15561,7 @@
             <a:pPr algn="ctr"/>
             <a:r>
               <a:rPr lang="en-US" dirty="0"/>
-              <a:t>5</a:t>
+              <a:t>6</a:t>
             </a:r>
           </a:p>
         </p:txBody>
@@ -15363,7 +15580,7 @@
         </p:nvSpPr>
         <p:spPr>
           <a:xfrm>
-            <a:off x="3544890" y="815282"/>
+            <a:off x="3544890" y="466491"/>
             <a:ext cx="1206219" cy="276999"/>
           </a:xfrm>
           <a:prstGeom prst="rect">
@@ -15404,7 +15621,7 @@
         </p:nvSpPr>
         <p:spPr>
           <a:xfrm>
-            <a:off x="3527429" y="5233689"/>
+            <a:off x="1308850" y="465186"/>
             <a:ext cx="1206219" cy="276999"/>
           </a:xfrm>
           <a:prstGeom prst="rect">
@@ -15460,7 +15677,7 @@
         </p:blipFill>
         <p:spPr bwMode="auto">
           <a:xfrm>
-            <a:off x="3771283" y="1154430"/>
+            <a:off x="3771283" y="805639"/>
             <a:ext cx="618960" cy="603282"/>
           </a:xfrm>
           <a:prstGeom prst="rect">
@@ -15492,8 +15709,8 @@
         </p:nvSpPr>
         <p:spPr>
           <a:xfrm>
-            <a:off x="4147999" y="1275941"/>
-            <a:ext cx="2648337" cy="276999"/>
+            <a:off x="4148000" y="927151"/>
+            <a:ext cx="1753180" cy="276999"/>
           </a:xfrm>
           <a:prstGeom prst="rect">
             <a:avLst/>
@@ -15514,7 +15731,144 @@
                 <a:latin typeface="Verdana" panose="020B0604030504040204" pitchFamily="34" charset="0"/>
                 <a:ea typeface="Verdana" panose="020B0604030504040204" pitchFamily="34" charset="0"/>
               </a:rPr>
-              <a:t>Install IIS and deploy Web App</a:t>
+              <a:t>Razor App inside IIS</a:t>
+            </a:r>
+          </a:p>
+        </p:txBody>
+      </p:sp>
+      <p:pic>
+        <p:nvPicPr>
+          <p:cNvPr id="28" name="Picture 12">
+            <a:extLst>
+              <a:ext uri="{FF2B5EF4-FFF2-40B4-BE49-F238E27FC236}">
+                <a16:creationId xmlns:a16="http://schemas.microsoft.com/office/drawing/2014/main" id="{BE573FE1-020D-4965-9EAD-D732491D43B6}"/>
+              </a:ext>
+            </a:extLst>
+          </p:cNvPr>
+          <p:cNvPicPr>
+            <a:picLocks noChangeAspect="1" noChangeArrowheads="1"/>
+          </p:cNvPicPr>
+          <p:nvPr/>
+        </p:nvPicPr>
+        <p:blipFill>
+          <a:blip r:embed="rId2">
+            <a:extLst>
+              <a:ext uri="{28A0092B-C50C-407E-A947-70E740481C1C}">
+                <a14:useLocalDpi xmlns:a14="http://schemas.microsoft.com/office/drawing/2010/main" val="0"/>
+              </a:ext>
+            </a:extLst>
+          </a:blip>
+          <a:srcRect/>
+          <a:stretch>
+            <a:fillRect/>
+          </a:stretch>
+        </p:blipFill>
+        <p:spPr bwMode="auto">
+          <a:xfrm>
+            <a:off x="3529020" y="3071415"/>
+            <a:ext cx="809625" cy="809625"/>
+          </a:xfrm>
+          <a:prstGeom prst="rect">
+            <a:avLst/>
+          </a:prstGeom>
+          <a:noFill/>
+          <a:extLst>
+            <a:ext uri="{909E8E84-426E-40DD-AFC4-6F175D3DCCD1}">
+              <a14:hiddenFill xmlns:a14="http://schemas.microsoft.com/office/drawing/2010/main">
+                <a:solidFill>
+                  <a:srgbClr val="FFFFFF"/>
+                </a:solidFill>
+              </a14:hiddenFill>
+            </a:ext>
+          </a:extLst>
+        </p:spPr>
+      </p:pic>
+      <p:sp>
+        <p:nvSpPr>
+          <p:cNvPr id="29" name="Heptagon 28">
+            <a:extLst>
+              <a:ext uri="{FF2B5EF4-FFF2-40B4-BE49-F238E27FC236}">
+                <a16:creationId xmlns:a16="http://schemas.microsoft.com/office/drawing/2014/main" id="{8678203A-7D22-423F-A8A1-A0D964021E91}"/>
+              </a:ext>
+            </a:extLst>
+          </p:cNvPr>
+          <p:cNvSpPr/>
+          <p:nvPr/>
+        </p:nvSpPr>
+        <p:spPr>
+          <a:xfrm>
+            <a:off x="3511340" y="2700797"/>
+            <a:ext cx="307435" cy="344102"/>
+          </a:xfrm>
+          <a:prstGeom prst="heptagon">
+            <a:avLst/>
+          </a:prstGeom>
+        </p:spPr>
+        <p:style>
+          <a:lnRef idx="2">
+            <a:schemeClr val="accent1">
+              <a:shade val="50000"/>
+            </a:schemeClr>
+          </a:lnRef>
+          <a:fillRef idx="1">
+            <a:schemeClr val="accent1"/>
+          </a:fillRef>
+          <a:effectRef idx="0">
+            <a:schemeClr val="accent1"/>
+          </a:effectRef>
+          <a:fontRef idx="minor">
+            <a:schemeClr val="lt1"/>
+          </a:fontRef>
+        </p:style>
+        <p:txBody>
+          <a:bodyPr rtlCol="0" anchor="ctr"/>
+          <a:lstStyle/>
+          <a:p>
+            <a:pPr algn="ctr"/>
+            <a:r>
+              <a:rPr lang="en-US" dirty="0"/>
+              <a:t>1</a:t>
+            </a:r>
+          </a:p>
+        </p:txBody>
+      </p:sp>
+      <p:sp>
+        <p:nvSpPr>
+          <p:cNvPr id="30" name="TextBox 29">
+            <a:extLst>
+              <a:ext uri="{FF2B5EF4-FFF2-40B4-BE49-F238E27FC236}">
+                <a16:creationId xmlns:a16="http://schemas.microsoft.com/office/drawing/2014/main" id="{2BC9F718-89F5-4ABC-8898-7B19A551B64A}"/>
+              </a:ext>
+            </a:extLst>
+          </p:cNvPr>
+          <p:cNvSpPr txBox="1"/>
+          <p:nvPr/>
+        </p:nvSpPr>
+        <p:spPr>
+          <a:xfrm>
+            <a:off x="3925476" y="2728022"/>
+            <a:ext cx="998991" cy="276999"/>
+          </a:xfrm>
+          <a:prstGeom prst="rect">
+            <a:avLst/>
+          </a:prstGeom>
+          <a:noFill/>
+        </p:spPr>
+        <p:txBody>
+          <a:bodyPr wrap="none" rtlCol="0">
+            <a:spAutoFit/>
+          </a:bodyPr>
+          <a:lstStyle/>
+          <a:p>
+            <a:r>
+              <a:rPr lang="en-US" sz="1200" dirty="0">
+                <a:solidFill>
+                  <a:srgbClr val="002060"/>
+                </a:solidFill>
+                <a:latin typeface="Verdana" panose="020B0604030504040204" pitchFamily="34" charset="0"/>
+                <a:ea typeface="Verdana" panose="020B0604030504040204" pitchFamily="34" charset="0"/>
+              </a:rPr>
+              <a:t>Ng 12 App</a:t>
             </a:r>
           </a:p>
         </p:txBody>
@@ -15522,7 +15876,7 @@
     </p:spTree>
     <p:extLst>
       <p:ext uri="{BB962C8B-B14F-4D97-AF65-F5344CB8AC3E}">
-        <p14:creationId xmlns:p14="http://schemas.microsoft.com/office/powerpoint/2010/main" val="657309907"/>
+        <p14:creationId xmlns:p14="http://schemas.microsoft.com/office/powerpoint/2010/main" val="1281688862"/>
       </p:ext>
     </p:extLst>
   </p:cSld>
@@ -15635,7 +15989,7 @@
                 <a:latin typeface="Verdana" panose="020B0604030504040204" pitchFamily="34" charset="0"/>
                 <a:ea typeface="Verdana" panose="020B0604030504040204" pitchFamily="34" charset="0"/>
               </a:rPr>
-              <a:t>13-Oct-2021</a:t>
+              <a:t>27-Oct-2021</a:t>
             </a:r>
           </a:p>
         </p:txBody>
@@ -16547,7 +16901,7 @@
         </p:nvSpPr>
         <p:spPr>
           <a:xfrm>
-            <a:off x="3544889" y="815284"/>
+            <a:off x="3544890" y="815282"/>
             <a:ext cx="1206219" cy="276999"/>
           </a:xfrm>
           <a:prstGeom prst="rect">
@@ -16615,10 +16969,98 @@
           </a:p>
         </p:txBody>
       </p:sp>
+      <p:pic>
+        <p:nvPicPr>
+          <p:cNvPr id="2" name="Picture 2">
+            <a:extLst>
+              <a:ext uri="{FF2B5EF4-FFF2-40B4-BE49-F238E27FC236}">
+                <a16:creationId xmlns:a16="http://schemas.microsoft.com/office/drawing/2014/main" id="{7BACA7D4-C34A-4935-A82E-FCDE642A4BF8}"/>
+              </a:ext>
+            </a:extLst>
+          </p:cNvPr>
+          <p:cNvPicPr>
+            <a:picLocks noChangeAspect="1" noChangeArrowheads="1"/>
+          </p:cNvPicPr>
+          <p:nvPr/>
+        </p:nvPicPr>
+        <p:blipFill>
+          <a:blip r:embed="rId6">
+            <a:extLst>
+              <a:ext uri="{28A0092B-C50C-407E-A947-70E740481C1C}">
+                <a14:useLocalDpi xmlns:a14="http://schemas.microsoft.com/office/drawing/2010/main" val="0"/>
+              </a:ext>
+            </a:extLst>
+          </a:blip>
+          <a:srcRect/>
+          <a:stretch>
+            <a:fillRect/>
+          </a:stretch>
+        </p:blipFill>
+        <p:spPr bwMode="auto">
+          <a:xfrm>
+            <a:off x="3771283" y="1154430"/>
+            <a:ext cx="618960" cy="603282"/>
+          </a:xfrm>
+          <a:prstGeom prst="rect">
+            <a:avLst/>
+          </a:prstGeom>
+          <a:noFill/>
+          <a:extLst>
+            <a:ext uri="{909E8E84-426E-40DD-AFC4-6F175D3DCCD1}">
+              <a14:hiddenFill xmlns:a14="http://schemas.microsoft.com/office/drawing/2010/main">
+                <a:solidFill>
+                  <a:srgbClr val="FFFFFF"/>
+                </a:solidFill>
+              </a14:hiddenFill>
+            </a:ext>
+          </a:extLst>
+        </p:spPr>
+      </p:pic>
+      <p:sp>
+        <p:nvSpPr>
+          <p:cNvPr id="26" name="TextBox 25">
+            <a:extLst>
+              <a:ext uri="{FF2B5EF4-FFF2-40B4-BE49-F238E27FC236}">
+                <a16:creationId xmlns:a16="http://schemas.microsoft.com/office/drawing/2014/main" id="{88EB1ECD-7D00-48B1-8A56-5CF8EC037158}"/>
+              </a:ext>
+            </a:extLst>
+          </p:cNvPr>
+          <p:cNvSpPr txBox="1"/>
+          <p:nvPr/>
+        </p:nvSpPr>
+        <p:spPr>
+          <a:xfrm>
+            <a:off x="4147999" y="1275941"/>
+            <a:ext cx="2648337" cy="276999"/>
+          </a:xfrm>
+          <a:prstGeom prst="rect">
+            <a:avLst/>
+          </a:prstGeom>
+          <a:noFill/>
+        </p:spPr>
+        <p:txBody>
+          <a:bodyPr wrap="square" rtlCol="0">
+            <a:spAutoFit/>
+          </a:bodyPr>
+          <a:lstStyle/>
+          <a:p>
+            <a:r>
+              <a:rPr lang="en-US" sz="1200" dirty="0">
+                <a:solidFill>
+                  <a:srgbClr val="0070C0"/>
+                </a:solidFill>
+                <a:latin typeface="Verdana" panose="020B0604030504040204" pitchFamily="34" charset="0"/>
+                <a:ea typeface="Verdana" panose="020B0604030504040204" pitchFamily="34" charset="0"/>
+              </a:rPr>
+              <a:t>Install IIS and deploy Web App</a:t>
+            </a:r>
+          </a:p>
+        </p:txBody>
+      </p:sp>
     </p:spTree>
     <p:extLst>
       <p:ext uri="{BB962C8B-B14F-4D97-AF65-F5344CB8AC3E}">
-        <p14:creationId xmlns:p14="http://schemas.microsoft.com/office/powerpoint/2010/main" val="2581768136"/>
+        <p14:creationId xmlns:p14="http://schemas.microsoft.com/office/powerpoint/2010/main" val="657309907"/>
       </p:ext>
     </p:extLst>
   </p:cSld>
@@ -16731,7 +17173,7 @@
                 <a:latin typeface="Verdana" panose="020B0604030504040204" pitchFamily="34" charset="0"/>
                 <a:ea typeface="Verdana" panose="020B0604030504040204" pitchFamily="34" charset="0"/>
               </a:rPr>
-              <a:t>29-Sep-2021</a:t>
+              <a:t>13-Oct-2021</a:t>
             </a:r>
           </a:p>
         </p:txBody>
@@ -16940,7 +17382,7 @@
         </p:blipFill>
         <p:spPr bwMode="auto">
           <a:xfrm>
-            <a:off x="4370897" y="3051292"/>
+            <a:off x="7368618" y="3051292"/>
             <a:ext cx="809625" cy="809625"/>
           </a:xfrm>
           <a:prstGeom prst="rect">
@@ -16972,7 +17414,7 @@
         </p:nvSpPr>
         <p:spPr>
           <a:xfrm>
-            <a:off x="4964445" y="2728022"/>
+            <a:off x="7962166" y="2728022"/>
             <a:ext cx="834396" cy="276999"/>
           </a:xfrm>
           <a:prstGeom prst="rect">
@@ -17028,7 +17470,7 @@
         </p:blipFill>
         <p:spPr bwMode="auto">
           <a:xfrm>
-            <a:off x="8309297" y="3051292"/>
+            <a:off x="11307018" y="3051292"/>
             <a:ext cx="810000" cy="810000"/>
           </a:xfrm>
           <a:prstGeom prst="rect">
@@ -17060,7 +17502,7 @@
         </p:nvSpPr>
         <p:spPr>
           <a:xfrm>
-            <a:off x="7509694" y="2722384"/>
+            <a:off x="10507415" y="2722384"/>
             <a:ext cx="992579" cy="276999"/>
           </a:xfrm>
           <a:prstGeom prst="rect">
@@ -17101,7 +17543,7 @@
         </p:nvSpPr>
         <p:spPr>
           <a:xfrm>
-            <a:off x="4614950" y="2700919"/>
+            <a:off x="7612671" y="2700919"/>
             <a:ext cx="307435" cy="344102"/>
           </a:xfrm>
           <a:prstGeom prst="heptagon">
@@ -17150,7 +17592,7 @@
         </p:nvSpPr>
         <p:spPr>
           <a:xfrm>
-            <a:off x="8440483" y="2700919"/>
+            <a:off x="11438204" y="2700919"/>
             <a:ext cx="307435" cy="344102"/>
           </a:xfrm>
           <a:prstGeom prst="heptagon">
@@ -17214,7 +17656,7 @@
         </p:blipFill>
         <p:spPr bwMode="auto">
           <a:xfrm>
-            <a:off x="4370897" y="5041057"/>
+            <a:off x="7368618" y="5041057"/>
             <a:ext cx="810000" cy="810000"/>
           </a:xfrm>
           <a:prstGeom prst="rect">
@@ -17249,7 +17691,7 @@
         </p:nvCxnSpPr>
         <p:spPr>
           <a:xfrm>
-            <a:off x="5180522" y="3456105"/>
+            <a:off x="8178243" y="3456105"/>
             <a:ext cx="3128775" cy="187"/>
           </a:xfrm>
           <a:prstGeom prst="line">
@@ -17288,7 +17730,7 @@
         </p:nvCxnSpPr>
         <p:spPr>
           <a:xfrm>
-            <a:off x="4775710" y="3860917"/>
+            <a:off x="7773431" y="3860917"/>
             <a:ext cx="187" cy="1180140"/>
           </a:xfrm>
           <a:prstGeom prst="line">
@@ -17325,7 +17767,7 @@
         </p:nvSpPr>
         <p:spPr>
           <a:xfrm>
-            <a:off x="4614950" y="5858706"/>
+            <a:off x="7612671" y="5858706"/>
             <a:ext cx="307435" cy="344102"/>
           </a:xfrm>
           <a:prstGeom prst="heptagon">
@@ -17374,7 +17816,7 @@
         </p:nvSpPr>
         <p:spPr>
           <a:xfrm>
-            <a:off x="5143834" y="5269474"/>
+            <a:off x="8141555" y="5269474"/>
             <a:ext cx="847733" cy="276999"/>
           </a:xfrm>
           <a:prstGeom prst="rect">
@@ -17401,10 +17843,320 @@
           </a:p>
         </p:txBody>
       </p:sp>
+      <p:pic>
+        <p:nvPicPr>
+          <p:cNvPr id="2050" name="Picture 2">
+            <a:extLst>
+              <a:ext uri="{FF2B5EF4-FFF2-40B4-BE49-F238E27FC236}">
+                <a16:creationId xmlns:a16="http://schemas.microsoft.com/office/drawing/2014/main" id="{E5FC223A-D3AB-4E6B-8768-C5EBCFD1EE4D}"/>
+              </a:ext>
+            </a:extLst>
+          </p:cNvPr>
+          <p:cNvPicPr>
+            <a:picLocks noChangeAspect="1" noChangeArrowheads="1"/>
+          </p:cNvPicPr>
+          <p:nvPr/>
+        </p:nvPicPr>
+        <p:blipFill>
+          <a:blip r:embed="rId5">
+            <a:extLst>
+              <a:ext uri="{28A0092B-C50C-407E-A947-70E740481C1C}">
+                <a14:useLocalDpi xmlns:a14="http://schemas.microsoft.com/office/drawing/2010/main" val="0"/>
+              </a:ext>
+            </a:extLst>
+          </a:blip>
+          <a:srcRect/>
+          <a:stretch>
+            <a:fillRect/>
+          </a:stretch>
+        </p:blipFill>
+        <p:spPr bwMode="auto">
+          <a:xfrm>
+            <a:off x="3391174" y="1118797"/>
+            <a:ext cx="857250" cy="809625"/>
+          </a:xfrm>
+          <a:prstGeom prst="rect">
+            <a:avLst/>
+          </a:prstGeom>
+          <a:noFill/>
+          <a:extLst>
+            <a:ext uri="{909E8E84-426E-40DD-AFC4-6F175D3DCCD1}">
+              <a14:hiddenFill xmlns:a14="http://schemas.microsoft.com/office/drawing/2010/main">
+                <a:solidFill>
+                  <a:srgbClr val="FFFFFF"/>
+                </a:solidFill>
+              </a14:hiddenFill>
+            </a:ext>
+          </a:extLst>
+        </p:spPr>
+      </p:pic>
+      <p:cxnSp>
+        <p:nvCxnSpPr>
+          <p:cNvPr id="18" name="Straight Connector 17">
+            <a:extLst>
+              <a:ext uri="{FF2B5EF4-FFF2-40B4-BE49-F238E27FC236}">
+                <a16:creationId xmlns:a16="http://schemas.microsoft.com/office/drawing/2014/main" id="{E47FE56F-918E-499D-98A8-601D634441D4}"/>
+              </a:ext>
+            </a:extLst>
+          </p:cNvPr>
+          <p:cNvCxnSpPr/>
+          <p:nvPr/>
+        </p:nvCxnSpPr>
+        <p:spPr>
+          <a:xfrm>
+            <a:off x="4267692" y="3457673"/>
+            <a:ext cx="3128775" cy="187"/>
+          </a:xfrm>
+          <a:prstGeom prst="line">
+            <a:avLst/>
+          </a:prstGeom>
+        </p:spPr>
+        <p:style>
+          <a:lnRef idx="2">
+            <a:schemeClr val="accent1"/>
+          </a:lnRef>
+          <a:fillRef idx="0">
+            <a:schemeClr val="accent1"/>
+          </a:fillRef>
+          <a:effectRef idx="1">
+            <a:schemeClr val="accent1"/>
+          </a:effectRef>
+          <a:fontRef idx="minor">
+            <a:schemeClr val="tx1"/>
+          </a:fontRef>
+        </p:style>
+      </p:cxnSp>
+      <p:pic>
+        <p:nvPicPr>
+          <p:cNvPr id="19" name="Picture 2">
+            <a:extLst>
+              <a:ext uri="{FF2B5EF4-FFF2-40B4-BE49-F238E27FC236}">
+                <a16:creationId xmlns:a16="http://schemas.microsoft.com/office/drawing/2014/main" id="{81596101-A8EB-49A3-935D-208ECEA59F5F}"/>
+              </a:ext>
+            </a:extLst>
+          </p:cNvPr>
+          <p:cNvPicPr>
+            <a:picLocks noChangeAspect="1" noChangeArrowheads="1"/>
+          </p:cNvPicPr>
+          <p:nvPr/>
+        </p:nvPicPr>
+        <p:blipFill>
+          <a:blip r:embed="rId5">
+            <a:extLst>
+              <a:ext uri="{28A0092B-C50C-407E-A947-70E740481C1C}">
+                <a14:useLocalDpi xmlns:a14="http://schemas.microsoft.com/office/drawing/2010/main" val="0"/>
+              </a:ext>
+            </a:extLst>
+          </a:blip>
+          <a:srcRect/>
+          <a:stretch>
+            <a:fillRect/>
+          </a:stretch>
+        </p:blipFill>
+        <p:spPr bwMode="auto">
+          <a:xfrm>
+            <a:off x="3391174" y="4397548"/>
+            <a:ext cx="857250" cy="809625"/>
+          </a:xfrm>
+          <a:prstGeom prst="rect">
+            <a:avLst/>
+          </a:prstGeom>
+          <a:noFill/>
+          <a:extLst>
+            <a:ext uri="{909E8E84-426E-40DD-AFC4-6F175D3DCCD1}">
+              <a14:hiddenFill xmlns:a14="http://schemas.microsoft.com/office/drawing/2010/main">
+                <a:solidFill>
+                  <a:srgbClr val="FFFFFF"/>
+                </a:solidFill>
+              </a14:hiddenFill>
+            </a:ext>
+          </a:extLst>
+        </p:spPr>
+      </p:pic>
+      <p:sp>
+        <p:nvSpPr>
+          <p:cNvPr id="22" name="Heptagon 21">
+            <a:extLst>
+              <a:ext uri="{FF2B5EF4-FFF2-40B4-BE49-F238E27FC236}">
+                <a16:creationId xmlns:a16="http://schemas.microsoft.com/office/drawing/2014/main" id="{9DC9C82A-36F2-4DA5-AAE7-F9FC02DA4D7C}"/>
+              </a:ext>
+            </a:extLst>
+          </p:cNvPr>
+          <p:cNvSpPr/>
+          <p:nvPr/>
+        </p:nvSpPr>
+        <p:spPr>
+          <a:xfrm>
+            <a:off x="3237456" y="774695"/>
+            <a:ext cx="307435" cy="344102"/>
+          </a:xfrm>
+          <a:prstGeom prst="heptagon">
+            <a:avLst/>
+          </a:prstGeom>
+        </p:spPr>
+        <p:style>
+          <a:lnRef idx="2">
+            <a:schemeClr val="accent1">
+              <a:shade val="50000"/>
+            </a:schemeClr>
+          </a:lnRef>
+          <a:fillRef idx="1">
+            <a:schemeClr val="accent1"/>
+          </a:fillRef>
+          <a:effectRef idx="0">
+            <a:schemeClr val="accent1"/>
+          </a:effectRef>
+          <a:fontRef idx="minor">
+            <a:schemeClr val="lt1"/>
+          </a:fontRef>
+        </p:style>
+        <p:txBody>
+          <a:bodyPr rtlCol="0" anchor="ctr"/>
+          <a:lstStyle/>
+          <a:p>
+            <a:pPr algn="ctr"/>
+            <a:r>
+              <a:rPr lang="en-US" dirty="0"/>
+              <a:t>4</a:t>
+            </a:r>
+          </a:p>
+        </p:txBody>
+      </p:sp>
+      <p:sp>
+        <p:nvSpPr>
+          <p:cNvPr id="23" name="Heptagon 22">
+            <a:extLst>
+              <a:ext uri="{FF2B5EF4-FFF2-40B4-BE49-F238E27FC236}">
+                <a16:creationId xmlns:a16="http://schemas.microsoft.com/office/drawing/2014/main" id="{D027EBA1-67A9-4BF1-ACE6-4F4DB7E49E26}"/>
+              </a:ext>
+            </a:extLst>
+          </p:cNvPr>
+          <p:cNvSpPr/>
+          <p:nvPr/>
+        </p:nvSpPr>
+        <p:spPr>
+          <a:xfrm>
+            <a:off x="3237455" y="5166586"/>
+            <a:ext cx="307435" cy="344102"/>
+          </a:xfrm>
+          <a:prstGeom prst="heptagon">
+            <a:avLst/>
+          </a:prstGeom>
+        </p:spPr>
+        <p:style>
+          <a:lnRef idx="2">
+            <a:schemeClr val="accent1">
+              <a:shade val="50000"/>
+            </a:schemeClr>
+          </a:lnRef>
+          <a:fillRef idx="1">
+            <a:schemeClr val="accent1"/>
+          </a:fillRef>
+          <a:effectRef idx="0">
+            <a:schemeClr val="accent1"/>
+          </a:effectRef>
+          <a:fontRef idx="minor">
+            <a:schemeClr val="lt1"/>
+          </a:fontRef>
+        </p:style>
+        <p:txBody>
+          <a:bodyPr rtlCol="0" anchor="ctr"/>
+          <a:lstStyle/>
+          <a:p>
+            <a:pPr algn="ctr"/>
+            <a:r>
+              <a:rPr lang="en-US" dirty="0"/>
+              <a:t>5</a:t>
+            </a:r>
+          </a:p>
+        </p:txBody>
+      </p:sp>
+      <p:sp>
+        <p:nvSpPr>
+          <p:cNvPr id="24" name="TextBox 23">
+            <a:extLst>
+              <a:ext uri="{FF2B5EF4-FFF2-40B4-BE49-F238E27FC236}">
+                <a16:creationId xmlns:a16="http://schemas.microsoft.com/office/drawing/2014/main" id="{444ADC56-8CEB-448D-9DB4-A40A04DCB75F}"/>
+              </a:ext>
+            </a:extLst>
+          </p:cNvPr>
+          <p:cNvSpPr txBox="1"/>
+          <p:nvPr/>
+        </p:nvSpPr>
+        <p:spPr>
+          <a:xfrm>
+            <a:off x="3544889" y="815284"/>
+            <a:ext cx="1206219" cy="276999"/>
+          </a:xfrm>
+          <a:prstGeom prst="rect">
+            <a:avLst/>
+          </a:prstGeom>
+          <a:noFill/>
+        </p:spPr>
+        <p:txBody>
+          <a:bodyPr wrap="square" rtlCol="0">
+            <a:spAutoFit/>
+          </a:bodyPr>
+          <a:lstStyle/>
+          <a:p>
+            <a:r>
+              <a:rPr lang="en-US" sz="1200" dirty="0">
+                <a:solidFill>
+                  <a:srgbClr val="002060"/>
+                </a:solidFill>
+                <a:latin typeface="Verdana" panose="020B0604030504040204" pitchFamily="34" charset="0"/>
+                <a:ea typeface="Verdana" panose="020B0604030504040204" pitchFamily="34" charset="0"/>
+              </a:rPr>
+              <a:t>Windows VM</a:t>
+            </a:r>
+          </a:p>
+        </p:txBody>
+      </p:sp>
+      <p:sp>
+        <p:nvSpPr>
+          <p:cNvPr id="25" name="TextBox 24">
+            <a:extLst>
+              <a:ext uri="{FF2B5EF4-FFF2-40B4-BE49-F238E27FC236}">
+                <a16:creationId xmlns:a16="http://schemas.microsoft.com/office/drawing/2014/main" id="{94D56564-9C91-49CE-B97F-D9A8EDAD6D68}"/>
+              </a:ext>
+            </a:extLst>
+          </p:cNvPr>
+          <p:cNvSpPr txBox="1"/>
+          <p:nvPr/>
+        </p:nvSpPr>
+        <p:spPr>
+          <a:xfrm>
+            <a:off x="3527429" y="5233689"/>
+            <a:ext cx="1206219" cy="276999"/>
+          </a:xfrm>
+          <a:prstGeom prst="rect">
+            <a:avLst/>
+          </a:prstGeom>
+          <a:noFill/>
+        </p:spPr>
+        <p:txBody>
+          <a:bodyPr wrap="square" rtlCol="0">
+            <a:spAutoFit/>
+          </a:bodyPr>
+          <a:lstStyle/>
+          <a:p>
+            <a:r>
+              <a:rPr lang="en-US" sz="1200" dirty="0">
+                <a:solidFill>
+                  <a:srgbClr val="002060"/>
+                </a:solidFill>
+                <a:latin typeface="Verdana" panose="020B0604030504040204" pitchFamily="34" charset="0"/>
+                <a:ea typeface="Verdana" panose="020B0604030504040204" pitchFamily="34" charset="0"/>
+              </a:rPr>
+              <a:t>Ubuntu VM</a:t>
+            </a:r>
+          </a:p>
+        </p:txBody>
+      </p:sp>
     </p:spTree>
     <p:extLst>
       <p:ext uri="{BB962C8B-B14F-4D97-AF65-F5344CB8AC3E}">
-        <p14:creationId xmlns:p14="http://schemas.microsoft.com/office/powerpoint/2010/main" val="1147422885"/>
+        <p14:creationId xmlns:p14="http://schemas.microsoft.com/office/powerpoint/2010/main" val="2581768136"/>
       </p:ext>
     </p:extLst>
   </p:cSld>

--- a/microsoft-reactor/Demos.pptx
+++ b/microsoft-reactor/Demos.pptx
@@ -274,7 +274,7 @@
           <a:p>
             <a:fld id="{3F64E90C-326F-45C8-9212-4C9C4B7EF630}" type="datetimeFigureOut">
               <a:rPr lang="en-IN" smtClean="0"/>
-              <a:t>04-08-2022</a:t>
+              <a:t>09-08-2022</a:t>
             </a:fld>
             <a:endParaRPr lang="en-IN"/>
           </a:p>
@@ -474,7 +474,7 @@
           <a:p>
             <a:fld id="{3F64E90C-326F-45C8-9212-4C9C4B7EF630}" type="datetimeFigureOut">
               <a:rPr lang="en-IN" smtClean="0"/>
-              <a:t>04-08-2022</a:t>
+              <a:t>09-08-2022</a:t>
             </a:fld>
             <a:endParaRPr lang="en-IN"/>
           </a:p>
@@ -684,7 +684,7 @@
           <a:p>
             <a:fld id="{3F64E90C-326F-45C8-9212-4C9C4B7EF630}" type="datetimeFigureOut">
               <a:rPr lang="en-IN" smtClean="0"/>
-              <a:t>04-08-2022</a:t>
+              <a:t>09-08-2022</a:t>
             </a:fld>
             <a:endParaRPr lang="en-IN"/>
           </a:p>
@@ -884,7 +884,7 @@
           <a:p>
             <a:fld id="{3F64E90C-326F-45C8-9212-4C9C4B7EF630}" type="datetimeFigureOut">
               <a:rPr lang="en-IN" smtClean="0"/>
-              <a:t>04-08-2022</a:t>
+              <a:t>09-08-2022</a:t>
             </a:fld>
             <a:endParaRPr lang="en-IN"/>
           </a:p>
@@ -1160,7 +1160,7 @@
           <a:p>
             <a:fld id="{3F64E90C-326F-45C8-9212-4C9C4B7EF630}" type="datetimeFigureOut">
               <a:rPr lang="en-IN" smtClean="0"/>
-              <a:t>04-08-2022</a:t>
+              <a:t>09-08-2022</a:t>
             </a:fld>
             <a:endParaRPr lang="en-IN"/>
           </a:p>
@@ -1428,7 +1428,7 @@
           <a:p>
             <a:fld id="{3F64E90C-326F-45C8-9212-4C9C4B7EF630}" type="datetimeFigureOut">
               <a:rPr lang="en-IN" smtClean="0"/>
-              <a:t>04-08-2022</a:t>
+              <a:t>09-08-2022</a:t>
             </a:fld>
             <a:endParaRPr lang="en-IN"/>
           </a:p>
@@ -1843,7 +1843,7 @@
           <a:p>
             <a:fld id="{3F64E90C-326F-45C8-9212-4C9C4B7EF630}" type="datetimeFigureOut">
               <a:rPr lang="en-IN" smtClean="0"/>
-              <a:t>04-08-2022</a:t>
+              <a:t>09-08-2022</a:t>
             </a:fld>
             <a:endParaRPr lang="en-IN"/>
           </a:p>
@@ -1985,7 +1985,7 @@
           <a:p>
             <a:fld id="{3F64E90C-326F-45C8-9212-4C9C4B7EF630}" type="datetimeFigureOut">
               <a:rPr lang="en-IN" smtClean="0"/>
-              <a:t>04-08-2022</a:t>
+              <a:t>09-08-2022</a:t>
             </a:fld>
             <a:endParaRPr lang="en-IN"/>
           </a:p>
@@ -2098,7 +2098,7 @@
           <a:p>
             <a:fld id="{3F64E90C-326F-45C8-9212-4C9C4B7EF630}" type="datetimeFigureOut">
               <a:rPr lang="en-IN" smtClean="0"/>
-              <a:t>04-08-2022</a:t>
+              <a:t>09-08-2022</a:t>
             </a:fld>
             <a:endParaRPr lang="en-IN"/>
           </a:p>
@@ -2411,7 +2411,7 @@
           <a:p>
             <a:fld id="{3F64E90C-326F-45C8-9212-4C9C4B7EF630}" type="datetimeFigureOut">
               <a:rPr lang="en-IN" smtClean="0"/>
-              <a:t>04-08-2022</a:t>
+              <a:t>09-08-2022</a:t>
             </a:fld>
             <a:endParaRPr lang="en-IN"/>
           </a:p>
@@ -2700,7 +2700,7 @@
           <a:p>
             <a:fld id="{3F64E90C-326F-45C8-9212-4C9C4B7EF630}" type="datetimeFigureOut">
               <a:rPr lang="en-IN" smtClean="0"/>
-              <a:t>04-08-2022</a:t>
+              <a:t>09-08-2022</a:t>
             </a:fld>
             <a:endParaRPr lang="en-IN"/>
           </a:p>
@@ -2943,7 +2943,7 @@
           <a:p>
             <a:fld id="{3F64E90C-326F-45C8-9212-4C9C4B7EF630}" type="datetimeFigureOut">
               <a:rPr lang="en-IN" smtClean="0"/>
-              <a:t>04-08-2022</a:t>
+              <a:t>09-08-2022</a:t>
             </a:fld>
             <a:endParaRPr lang="en-IN"/>
           </a:p>
@@ -3505,7 +3505,7 @@
                 <a:latin typeface="Verdana" panose="020B0604030504040204" pitchFamily="34" charset="0"/>
                 <a:ea typeface="Verdana" panose="020B0604030504040204" pitchFamily="34" charset="0"/>
               </a:rPr>
-              <a:t>20-Jul-2022</a:t>
+              <a:t>10-Aug-2022</a:t>
             </a:r>
           </a:p>
         </p:txBody>

--- a/microsoft-reactor/Demos.pptx
+++ b/microsoft-reactor/Demos.pptx
@@ -274,7 +274,7 @@
           <a:p>
             <a:fld id="{3F64E90C-326F-45C8-9212-4C9C4B7EF630}" type="datetimeFigureOut">
               <a:rPr lang="en-IN" smtClean="0"/>
-              <a:t>09-08-2022</a:t>
+              <a:t>17-08-2022</a:t>
             </a:fld>
             <a:endParaRPr lang="en-IN"/>
           </a:p>
@@ -474,7 +474,7 @@
           <a:p>
             <a:fld id="{3F64E90C-326F-45C8-9212-4C9C4B7EF630}" type="datetimeFigureOut">
               <a:rPr lang="en-IN" smtClean="0"/>
-              <a:t>09-08-2022</a:t>
+              <a:t>17-08-2022</a:t>
             </a:fld>
             <a:endParaRPr lang="en-IN"/>
           </a:p>
@@ -684,7 +684,7 @@
           <a:p>
             <a:fld id="{3F64E90C-326F-45C8-9212-4C9C4B7EF630}" type="datetimeFigureOut">
               <a:rPr lang="en-IN" smtClean="0"/>
-              <a:t>09-08-2022</a:t>
+              <a:t>17-08-2022</a:t>
             </a:fld>
             <a:endParaRPr lang="en-IN"/>
           </a:p>
@@ -884,7 +884,7 @@
           <a:p>
             <a:fld id="{3F64E90C-326F-45C8-9212-4C9C4B7EF630}" type="datetimeFigureOut">
               <a:rPr lang="en-IN" smtClean="0"/>
-              <a:t>09-08-2022</a:t>
+              <a:t>17-08-2022</a:t>
             </a:fld>
             <a:endParaRPr lang="en-IN"/>
           </a:p>
@@ -1160,7 +1160,7 @@
           <a:p>
             <a:fld id="{3F64E90C-326F-45C8-9212-4C9C4B7EF630}" type="datetimeFigureOut">
               <a:rPr lang="en-IN" smtClean="0"/>
-              <a:t>09-08-2022</a:t>
+              <a:t>17-08-2022</a:t>
             </a:fld>
             <a:endParaRPr lang="en-IN"/>
           </a:p>
@@ -1428,7 +1428,7 @@
           <a:p>
             <a:fld id="{3F64E90C-326F-45C8-9212-4C9C4B7EF630}" type="datetimeFigureOut">
               <a:rPr lang="en-IN" smtClean="0"/>
-              <a:t>09-08-2022</a:t>
+              <a:t>17-08-2022</a:t>
             </a:fld>
             <a:endParaRPr lang="en-IN"/>
           </a:p>
@@ -1843,7 +1843,7 @@
           <a:p>
             <a:fld id="{3F64E90C-326F-45C8-9212-4C9C4B7EF630}" type="datetimeFigureOut">
               <a:rPr lang="en-IN" smtClean="0"/>
-              <a:t>09-08-2022</a:t>
+              <a:t>17-08-2022</a:t>
             </a:fld>
             <a:endParaRPr lang="en-IN"/>
           </a:p>
@@ -1985,7 +1985,7 @@
           <a:p>
             <a:fld id="{3F64E90C-326F-45C8-9212-4C9C4B7EF630}" type="datetimeFigureOut">
               <a:rPr lang="en-IN" smtClean="0"/>
-              <a:t>09-08-2022</a:t>
+              <a:t>17-08-2022</a:t>
             </a:fld>
             <a:endParaRPr lang="en-IN"/>
           </a:p>
@@ -2098,7 +2098,7 @@
           <a:p>
             <a:fld id="{3F64E90C-326F-45C8-9212-4C9C4B7EF630}" type="datetimeFigureOut">
               <a:rPr lang="en-IN" smtClean="0"/>
-              <a:t>09-08-2022</a:t>
+              <a:t>17-08-2022</a:t>
             </a:fld>
             <a:endParaRPr lang="en-IN"/>
           </a:p>
@@ -2411,7 +2411,7 @@
           <a:p>
             <a:fld id="{3F64E90C-326F-45C8-9212-4C9C4B7EF630}" type="datetimeFigureOut">
               <a:rPr lang="en-IN" smtClean="0"/>
-              <a:t>09-08-2022</a:t>
+              <a:t>17-08-2022</a:t>
             </a:fld>
             <a:endParaRPr lang="en-IN"/>
           </a:p>
@@ -2700,7 +2700,7 @@
           <a:p>
             <a:fld id="{3F64E90C-326F-45C8-9212-4C9C4B7EF630}" type="datetimeFigureOut">
               <a:rPr lang="en-IN" smtClean="0"/>
-              <a:t>09-08-2022</a:t>
+              <a:t>17-08-2022</a:t>
             </a:fld>
             <a:endParaRPr lang="en-IN"/>
           </a:p>
@@ -2943,7 +2943,7 @@
           <a:p>
             <a:fld id="{3F64E90C-326F-45C8-9212-4C9C4B7EF630}" type="datetimeFigureOut">
               <a:rPr lang="en-IN" smtClean="0"/>
-              <a:t>09-08-2022</a:t>
+              <a:t>17-08-2022</a:t>
             </a:fld>
             <a:endParaRPr lang="en-IN"/>
           </a:p>
@@ -3505,7 +3505,7 @@
                 <a:latin typeface="Verdana" panose="020B0604030504040204" pitchFamily="34" charset="0"/>
                 <a:ea typeface="Verdana" panose="020B0604030504040204" pitchFamily="34" charset="0"/>
               </a:rPr>
-              <a:t>10-Aug-2022</a:t>
+              <a:t>2022</a:t>
             </a:r>
           </a:p>
         </p:txBody>

--- a/microsoft-reactor/Demos.pptx
+++ b/microsoft-reactor/Demos.pptx
@@ -9967,7 +9967,7 @@
                 <a:ea typeface="Verdana" panose="020B0604030504040204" pitchFamily="34" charset="0"/>
                 <a:cs typeface="+mn-cs"/>
               </a:rPr>
-              <a:t>28-Aug-2022</a:t>
+              <a:t>2022</a:t>
             </a:r>
           </a:p>
         </p:txBody>
@@ -10718,7 +10718,7 @@
                 <a:ea typeface="Verdana" panose="020B0604030504040204" pitchFamily="34" charset="0"/>
                 <a:cs typeface="+mn-cs"/>
               </a:rPr>
-              <a:t>08-Aug-2022</a:t>
+              <a:t>2022</a:t>
             </a:r>
           </a:p>
         </p:txBody>

--- a/microsoft-reactor/Demos.pptx
+++ b/microsoft-reactor/Demos.pptx
@@ -274,7 +274,7 @@
           <a:p>
             <a:fld id="{3F64E90C-326F-45C8-9212-4C9C4B7EF630}" type="datetimeFigureOut">
               <a:rPr lang="en-IN" smtClean="0"/>
-              <a:t>09-08-2022</a:t>
+              <a:t>17-08-2022</a:t>
             </a:fld>
             <a:endParaRPr lang="en-IN"/>
           </a:p>
@@ -474,7 +474,7 @@
           <a:p>
             <a:fld id="{3F64E90C-326F-45C8-9212-4C9C4B7EF630}" type="datetimeFigureOut">
               <a:rPr lang="en-IN" smtClean="0"/>
-              <a:t>09-08-2022</a:t>
+              <a:t>17-08-2022</a:t>
             </a:fld>
             <a:endParaRPr lang="en-IN"/>
           </a:p>
@@ -684,7 +684,7 @@
           <a:p>
             <a:fld id="{3F64E90C-326F-45C8-9212-4C9C4B7EF630}" type="datetimeFigureOut">
               <a:rPr lang="en-IN" smtClean="0"/>
-              <a:t>09-08-2022</a:t>
+              <a:t>17-08-2022</a:t>
             </a:fld>
             <a:endParaRPr lang="en-IN"/>
           </a:p>
@@ -884,7 +884,7 @@
           <a:p>
             <a:fld id="{3F64E90C-326F-45C8-9212-4C9C4B7EF630}" type="datetimeFigureOut">
               <a:rPr lang="en-IN" smtClean="0"/>
-              <a:t>09-08-2022</a:t>
+              <a:t>17-08-2022</a:t>
             </a:fld>
             <a:endParaRPr lang="en-IN"/>
           </a:p>
@@ -1160,7 +1160,7 @@
           <a:p>
             <a:fld id="{3F64E90C-326F-45C8-9212-4C9C4B7EF630}" type="datetimeFigureOut">
               <a:rPr lang="en-IN" smtClean="0"/>
-              <a:t>09-08-2022</a:t>
+              <a:t>17-08-2022</a:t>
             </a:fld>
             <a:endParaRPr lang="en-IN"/>
           </a:p>
@@ -1428,7 +1428,7 @@
           <a:p>
             <a:fld id="{3F64E90C-326F-45C8-9212-4C9C4B7EF630}" type="datetimeFigureOut">
               <a:rPr lang="en-IN" smtClean="0"/>
-              <a:t>09-08-2022</a:t>
+              <a:t>17-08-2022</a:t>
             </a:fld>
             <a:endParaRPr lang="en-IN"/>
           </a:p>
@@ -1843,7 +1843,7 @@
           <a:p>
             <a:fld id="{3F64E90C-326F-45C8-9212-4C9C4B7EF630}" type="datetimeFigureOut">
               <a:rPr lang="en-IN" smtClean="0"/>
-              <a:t>09-08-2022</a:t>
+              <a:t>17-08-2022</a:t>
             </a:fld>
             <a:endParaRPr lang="en-IN"/>
           </a:p>
@@ -1985,7 +1985,7 @@
           <a:p>
             <a:fld id="{3F64E90C-326F-45C8-9212-4C9C4B7EF630}" type="datetimeFigureOut">
               <a:rPr lang="en-IN" smtClean="0"/>
-              <a:t>09-08-2022</a:t>
+              <a:t>17-08-2022</a:t>
             </a:fld>
             <a:endParaRPr lang="en-IN"/>
           </a:p>
@@ -2098,7 +2098,7 @@
           <a:p>
             <a:fld id="{3F64E90C-326F-45C8-9212-4C9C4B7EF630}" type="datetimeFigureOut">
               <a:rPr lang="en-IN" smtClean="0"/>
-              <a:t>09-08-2022</a:t>
+              <a:t>17-08-2022</a:t>
             </a:fld>
             <a:endParaRPr lang="en-IN"/>
           </a:p>
@@ -2411,7 +2411,7 @@
           <a:p>
             <a:fld id="{3F64E90C-326F-45C8-9212-4C9C4B7EF630}" type="datetimeFigureOut">
               <a:rPr lang="en-IN" smtClean="0"/>
-              <a:t>09-08-2022</a:t>
+              <a:t>17-08-2022</a:t>
             </a:fld>
             <a:endParaRPr lang="en-IN"/>
           </a:p>
@@ -2700,7 +2700,7 @@
           <a:p>
             <a:fld id="{3F64E90C-326F-45C8-9212-4C9C4B7EF630}" type="datetimeFigureOut">
               <a:rPr lang="en-IN" smtClean="0"/>
-              <a:t>09-08-2022</a:t>
+              <a:t>17-08-2022</a:t>
             </a:fld>
             <a:endParaRPr lang="en-IN"/>
           </a:p>
@@ -2943,7 +2943,7 @@
           <a:p>
             <a:fld id="{3F64E90C-326F-45C8-9212-4C9C4B7EF630}" type="datetimeFigureOut">
               <a:rPr lang="en-IN" smtClean="0"/>
-              <a:t>09-08-2022</a:t>
+              <a:t>17-08-2022</a:t>
             </a:fld>
             <a:endParaRPr lang="en-IN"/>
           </a:p>
@@ -3505,7 +3505,7 @@
                 <a:latin typeface="Verdana" panose="020B0604030504040204" pitchFamily="34" charset="0"/>
                 <a:ea typeface="Verdana" panose="020B0604030504040204" pitchFamily="34" charset="0"/>
               </a:rPr>
-              <a:t>10-Aug-2022</a:t>
+              <a:t>2022</a:t>
             </a:r>
           </a:p>
         </p:txBody>
@@ -9967,7 +9967,7 @@
                 <a:ea typeface="Verdana" panose="020B0604030504040204" pitchFamily="34" charset="0"/>
                 <a:cs typeface="+mn-cs"/>
               </a:rPr>
-              <a:t>28-Aug-2022</a:t>
+              <a:t>2022</a:t>
             </a:r>
           </a:p>
         </p:txBody>
@@ -10718,7 +10718,7 @@
                 <a:ea typeface="Verdana" panose="020B0604030504040204" pitchFamily="34" charset="0"/>
                 <a:cs typeface="+mn-cs"/>
               </a:rPr>
-              <a:t>08-Aug-2022</a:t>
+              <a:t>2022</a:t>
             </a:r>
           </a:p>
         </p:txBody>
